--- a/Resources/Canvas.pptx
+++ b/Resources/Canvas.pptx
@@ -7,6 +7,8 @@
   <p:sldIdLst>
     <p:sldId id="256" r:id="rId2"/>
     <p:sldId id="257" r:id="rId3"/>
+    <p:sldId id="258" r:id="rId4"/>
+    <p:sldId id="259" r:id="rId5"/>
   </p:sldIdLst>
   <p:sldSz cx="12192000" cy="6858000"/>
   <p:notesSz cx="6858000" cy="9144000"/>
@@ -105,6 +107,11 @@
       </a:defRPr>
     </a:lvl9pPr>
   </p:defaultTextStyle>
+  <p:extLst>
+    <p:ext uri="{EFAFB233-063F-42B5-8137-9DF3F51BA10A}">
+      <p15:sldGuideLst xmlns:p15="http://schemas.microsoft.com/office/powerpoint/2012/main"/>
+    </p:ext>
+  </p:extLst>
 </p:presentation>
 </file>
 
@@ -3324,6 +3331,774 @@
 </p:sld>
 </file>
 
+<file path=ppt/slides/slide3.xml><?xml version="1.0" encoding="utf-8"?>
+<p:sld xmlns:a="http://schemas.openxmlformats.org/drawingml/2006/main" xmlns:r="http://schemas.openxmlformats.org/officeDocument/2006/relationships" xmlns:p="http://schemas.openxmlformats.org/presentationml/2006/main">
+  <p:cSld>
+    <p:spTree>
+      <p:nvGrpSpPr>
+        <p:cNvPr id="1" name=""/>
+        <p:cNvGrpSpPr/>
+        <p:nvPr/>
+      </p:nvGrpSpPr>
+      <p:grpSpPr>
+        <a:xfrm>
+          <a:off x="0" y="0"/>
+          <a:ext cx="0" cy="0"/>
+          <a:chOff x="0" y="0"/>
+          <a:chExt cx="0" cy="0"/>
+        </a:xfrm>
+      </p:grpSpPr>
+      <p:sp>
+        <p:nvSpPr>
+          <p:cNvPr id="16" name="矩形 15">
+            <a:extLst>
+              <a:ext uri="{FF2B5EF4-FFF2-40B4-BE49-F238E27FC236}">
+                <a16:creationId xmlns:a16="http://schemas.microsoft.com/office/drawing/2014/main" id="{4A179002-2C74-AEFD-BFF6-D99C34910BCB}"/>
+              </a:ext>
+            </a:extLst>
+          </p:cNvPr>
+          <p:cNvSpPr/>
+          <p:nvPr/>
+        </p:nvSpPr>
+        <p:spPr>
+          <a:xfrm>
+            <a:off x="4630056" y="2833914"/>
+            <a:ext cx="2857500" cy="1143000"/>
+          </a:xfrm>
+          <a:prstGeom prst="rect">
+            <a:avLst/>
+          </a:prstGeom>
+          <a:solidFill>
+            <a:schemeClr val="accent6">
+              <a:alpha val="50000"/>
+            </a:schemeClr>
+          </a:solidFill>
+          <a:ln>
+            <a:noFill/>
+          </a:ln>
+        </p:spPr>
+        <p:style>
+          <a:lnRef idx="0">
+            <a:scrgbClr r="0" g="0" b="0"/>
+          </a:lnRef>
+          <a:fillRef idx="0">
+            <a:scrgbClr r="0" g="0" b="0"/>
+          </a:fillRef>
+          <a:effectRef idx="0">
+            <a:scrgbClr r="0" g="0" b="0"/>
+          </a:effectRef>
+          <a:fontRef idx="minor">
+            <a:schemeClr val="lt1"/>
+          </a:fontRef>
+        </p:style>
+        <p:txBody>
+          <a:bodyPr rtlCol="0" anchor="ctr"/>
+          <a:lstStyle/>
+          <a:p>
+            <a:pPr algn="ctr"/>
+            <a:r>
+              <a:rPr lang="zh-CN" altLang="en-US" b="1" dirty="0">
+                <a:solidFill>
+                  <a:schemeClr val="tx1"/>
+                </a:solidFill>
+              </a:rPr>
+              <a:t>联机模式（悬停状态）</a:t>
+            </a:r>
+          </a:p>
+        </p:txBody>
+      </p:sp>
+      <p:sp>
+        <p:nvSpPr>
+          <p:cNvPr id="17" name="矩形 16">
+            <a:extLst>
+              <a:ext uri="{FF2B5EF4-FFF2-40B4-BE49-F238E27FC236}">
+                <a16:creationId xmlns:a16="http://schemas.microsoft.com/office/drawing/2014/main" id="{00897392-5612-BC06-F7D3-B79F5D0EFD16}"/>
+              </a:ext>
+            </a:extLst>
+          </p:cNvPr>
+          <p:cNvSpPr/>
+          <p:nvPr/>
+        </p:nvSpPr>
+        <p:spPr>
+          <a:xfrm>
+            <a:off x="4630056" y="942052"/>
+            <a:ext cx="2857500" cy="1143000"/>
+          </a:xfrm>
+          <a:prstGeom prst="rect">
+            <a:avLst/>
+          </a:prstGeom>
+          <a:solidFill>
+            <a:schemeClr val="accent6">
+              <a:alpha val="50000"/>
+            </a:schemeClr>
+          </a:solidFill>
+          <a:ln>
+            <a:noFill/>
+          </a:ln>
+        </p:spPr>
+        <p:style>
+          <a:lnRef idx="0">
+            <a:scrgbClr r="0" g="0" b="0"/>
+          </a:lnRef>
+          <a:fillRef idx="0">
+            <a:scrgbClr r="0" g="0" b="0"/>
+          </a:fillRef>
+          <a:effectRef idx="0">
+            <a:scrgbClr r="0" g="0" b="0"/>
+          </a:effectRef>
+          <a:fontRef idx="minor">
+            <a:schemeClr val="lt1"/>
+          </a:fontRef>
+        </p:style>
+        <p:txBody>
+          <a:bodyPr rtlCol="0" anchor="ctr"/>
+          <a:lstStyle/>
+          <a:p>
+            <a:pPr algn="ctr"/>
+            <a:r>
+              <a:rPr lang="zh-CN" altLang="en-US" b="1" dirty="0">
+                <a:solidFill>
+                  <a:schemeClr val="tx1"/>
+                </a:solidFill>
+              </a:rPr>
+              <a:t>联机模式（默认状态）</a:t>
+            </a:r>
+          </a:p>
+        </p:txBody>
+      </p:sp>
+      <p:sp>
+        <p:nvSpPr>
+          <p:cNvPr id="18" name="矩形 17">
+            <a:extLst>
+              <a:ext uri="{FF2B5EF4-FFF2-40B4-BE49-F238E27FC236}">
+                <a16:creationId xmlns:a16="http://schemas.microsoft.com/office/drawing/2014/main" id="{5DD21B1F-0462-9FEE-823A-07DF329AE00A}"/>
+              </a:ext>
+            </a:extLst>
+          </p:cNvPr>
+          <p:cNvSpPr/>
+          <p:nvPr/>
+        </p:nvSpPr>
+        <p:spPr>
+          <a:xfrm>
+            <a:off x="4630056" y="4725776"/>
+            <a:ext cx="2857500" cy="1143000"/>
+          </a:xfrm>
+          <a:prstGeom prst="rect">
+            <a:avLst/>
+          </a:prstGeom>
+          <a:solidFill>
+            <a:schemeClr val="accent6">
+              <a:alpha val="50000"/>
+            </a:schemeClr>
+          </a:solidFill>
+          <a:ln>
+            <a:noFill/>
+          </a:ln>
+        </p:spPr>
+        <p:style>
+          <a:lnRef idx="0">
+            <a:scrgbClr r="0" g="0" b="0"/>
+          </a:lnRef>
+          <a:fillRef idx="0">
+            <a:scrgbClr r="0" g="0" b="0"/>
+          </a:fillRef>
+          <a:effectRef idx="0">
+            <a:scrgbClr r="0" g="0" b="0"/>
+          </a:effectRef>
+          <a:fontRef idx="minor">
+            <a:schemeClr val="lt1"/>
+          </a:fontRef>
+        </p:style>
+        <p:txBody>
+          <a:bodyPr rtlCol="0" anchor="ctr"/>
+          <a:lstStyle/>
+          <a:p>
+            <a:pPr algn="ctr"/>
+            <a:r>
+              <a:rPr lang="zh-CN" altLang="en-US" b="1" dirty="0">
+                <a:solidFill>
+                  <a:schemeClr val="tx1"/>
+                </a:solidFill>
+              </a:rPr>
+              <a:t>联机模式（激活状态）</a:t>
+            </a:r>
+          </a:p>
+        </p:txBody>
+      </p:sp>
+      <p:sp>
+        <p:nvSpPr>
+          <p:cNvPr id="19" name="矩形 18">
+            <a:extLst>
+              <a:ext uri="{FF2B5EF4-FFF2-40B4-BE49-F238E27FC236}">
+                <a16:creationId xmlns:a16="http://schemas.microsoft.com/office/drawing/2014/main" id="{6ECCC354-E3A8-4E33-D5C8-546D46F7EE16}"/>
+              </a:ext>
+            </a:extLst>
+          </p:cNvPr>
+          <p:cNvSpPr/>
+          <p:nvPr/>
+        </p:nvSpPr>
+        <p:spPr>
+          <a:xfrm>
+            <a:off x="1051284" y="2833914"/>
+            <a:ext cx="2857500" cy="1143000"/>
+          </a:xfrm>
+          <a:prstGeom prst="rect">
+            <a:avLst/>
+          </a:prstGeom>
+          <a:solidFill>
+            <a:schemeClr val="accent6">
+              <a:alpha val="50000"/>
+            </a:schemeClr>
+          </a:solidFill>
+          <a:ln>
+            <a:noFill/>
+          </a:ln>
+        </p:spPr>
+        <p:style>
+          <a:lnRef idx="0">
+            <a:scrgbClr r="0" g="0" b="0"/>
+          </a:lnRef>
+          <a:fillRef idx="0">
+            <a:scrgbClr r="0" g="0" b="0"/>
+          </a:fillRef>
+          <a:effectRef idx="0">
+            <a:scrgbClr r="0" g="0" b="0"/>
+          </a:effectRef>
+          <a:fontRef idx="minor">
+            <a:schemeClr val="lt1"/>
+          </a:fontRef>
+        </p:style>
+        <p:txBody>
+          <a:bodyPr rtlCol="0" anchor="ctr"/>
+          <a:lstStyle/>
+          <a:p>
+            <a:pPr algn="ctr"/>
+            <a:r>
+              <a:rPr lang="zh-CN" altLang="en-US" b="1" dirty="0">
+                <a:solidFill>
+                  <a:schemeClr val="tx1"/>
+                </a:solidFill>
+              </a:rPr>
+              <a:t>练习模式（悬停状态）</a:t>
+            </a:r>
+          </a:p>
+        </p:txBody>
+      </p:sp>
+      <p:sp>
+        <p:nvSpPr>
+          <p:cNvPr id="20" name="矩形 19">
+            <a:extLst>
+              <a:ext uri="{FF2B5EF4-FFF2-40B4-BE49-F238E27FC236}">
+                <a16:creationId xmlns:a16="http://schemas.microsoft.com/office/drawing/2014/main" id="{AEF1228C-F78C-7B15-0DE5-4C766F72D56B}"/>
+              </a:ext>
+            </a:extLst>
+          </p:cNvPr>
+          <p:cNvSpPr/>
+          <p:nvPr/>
+        </p:nvSpPr>
+        <p:spPr>
+          <a:xfrm>
+            <a:off x="1051284" y="942052"/>
+            <a:ext cx="2857500" cy="1143000"/>
+          </a:xfrm>
+          <a:prstGeom prst="rect">
+            <a:avLst/>
+          </a:prstGeom>
+          <a:solidFill>
+            <a:schemeClr val="accent6">
+              <a:alpha val="50000"/>
+            </a:schemeClr>
+          </a:solidFill>
+          <a:ln>
+            <a:noFill/>
+          </a:ln>
+        </p:spPr>
+        <p:style>
+          <a:lnRef idx="0">
+            <a:scrgbClr r="0" g="0" b="0"/>
+          </a:lnRef>
+          <a:fillRef idx="0">
+            <a:scrgbClr r="0" g="0" b="0"/>
+          </a:fillRef>
+          <a:effectRef idx="0">
+            <a:scrgbClr r="0" g="0" b="0"/>
+          </a:effectRef>
+          <a:fontRef idx="minor">
+            <a:schemeClr val="lt1"/>
+          </a:fontRef>
+        </p:style>
+        <p:txBody>
+          <a:bodyPr rtlCol="0" anchor="ctr"/>
+          <a:lstStyle/>
+          <a:p>
+            <a:pPr algn="ctr"/>
+            <a:r>
+              <a:rPr lang="zh-CN" altLang="en-US" b="1" dirty="0">
+                <a:solidFill>
+                  <a:schemeClr val="tx1"/>
+                </a:solidFill>
+              </a:rPr>
+              <a:t>练习模式（默认状态）</a:t>
+            </a:r>
+          </a:p>
+        </p:txBody>
+      </p:sp>
+      <p:sp>
+        <p:nvSpPr>
+          <p:cNvPr id="21" name="矩形 20">
+            <a:extLst>
+              <a:ext uri="{FF2B5EF4-FFF2-40B4-BE49-F238E27FC236}">
+                <a16:creationId xmlns:a16="http://schemas.microsoft.com/office/drawing/2014/main" id="{556A2F02-AA5B-E2DD-C780-C5792542CC31}"/>
+              </a:ext>
+            </a:extLst>
+          </p:cNvPr>
+          <p:cNvSpPr/>
+          <p:nvPr/>
+        </p:nvSpPr>
+        <p:spPr>
+          <a:xfrm>
+            <a:off x="1051284" y="4725776"/>
+            <a:ext cx="2857500" cy="1143000"/>
+          </a:xfrm>
+          <a:prstGeom prst="rect">
+            <a:avLst/>
+          </a:prstGeom>
+          <a:solidFill>
+            <a:schemeClr val="accent6">
+              <a:alpha val="50000"/>
+            </a:schemeClr>
+          </a:solidFill>
+          <a:ln>
+            <a:noFill/>
+          </a:ln>
+        </p:spPr>
+        <p:style>
+          <a:lnRef idx="0">
+            <a:scrgbClr r="0" g="0" b="0"/>
+          </a:lnRef>
+          <a:fillRef idx="0">
+            <a:scrgbClr r="0" g="0" b="0"/>
+          </a:fillRef>
+          <a:effectRef idx="0">
+            <a:scrgbClr r="0" g="0" b="0"/>
+          </a:effectRef>
+          <a:fontRef idx="minor">
+            <a:schemeClr val="lt1"/>
+          </a:fontRef>
+        </p:style>
+        <p:txBody>
+          <a:bodyPr rtlCol="0" anchor="ctr"/>
+          <a:lstStyle/>
+          <a:p>
+            <a:pPr algn="ctr"/>
+            <a:r>
+              <a:rPr lang="zh-CN" altLang="en-US" b="1" dirty="0">
+                <a:solidFill>
+                  <a:schemeClr val="tx1"/>
+                </a:solidFill>
+              </a:rPr>
+              <a:t>练习模式（激活状态）</a:t>
+            </a:r>
+          </a:p>
+        </p:txBody>
+      </p:sp>
+      <p:sp>
+        <p:nvSpPr>
+          <p:cNvPr id="22" name="矩形 21">
+            <a:extLst>
+              <a:ext uri="{FF2B5EF4-FFF2-40B4-BE49-F238E27FC236}">
+                <a16:creationId xmlns:a16="http://schemas.microsoft.com/office/drawing/2014/main" id="{A59D5C53-6573-400C-4E29-0153CD1D385B}"/>
+              </a:ext>
+            </a:extLst>
+          </p:cNvPr>
+          <p:cNvSpPr/>
+          <p:nvPr/>
+        </p:nvSpPr>
+        <p:spPr>
+          <a:xfrm>
+            <a:off x="8208828" y="2833914"/>
+            <a:ext cx="2857500" cy="1143000"/>
+          </a:xfrm>
+          <a:prstGeom prst="rect">
+            <a:avLst/>
+          </a:prstGeom>
+          <a:solidFill>
+            <a:schemeClr val="accent6">
+              <a:alpha val="50000"/>
+            </a:schemeClr>
+          </a:solidFill>
+          <a:ln>
+            <a:noFill/>
+          </a:ln>
+        </p:spPr>
+        <p:style>
+          <a:lnRef idx="0">
+            <a:scrgbClr r="0" g="0" b="0"/>
+          </a:lnRef>
+          <a:fillRef idx="0">
+            <a:scrgbClr r="0" g="0" b="0"/>
+          </a:fillRef>
+          <a:effectRef idx="0">
+            <a:scrgbClr r="0" g="0" b="0"/>
+          </a:effectRef>
+          <a:fontRef idx="minor">
+            <a:schemeClr val="lt1"/>
+          </a:fontRef>
+        </p:style>
+        <p:txBody>
+          <a:bodyPr rtlCol="0" anchor="ctr"/>
+          <a:lstStyle/>
+          <a:p>
+            <a:pPr algn="ctr"/>
+            <a:r>
+              <a:rPr lang="zh-CN" altLang="en-US" b="1" dirty="0">
+                <a:solidFill>
+                  <a:schemeClr val="tx1"/>
+                </a:solidFill>
+              </a:rPr>
+              <a:t>设置（悬停状态）</a:t>
+            </a:r>
+          </a:p>
+        </p:txBody>
+      </p:sp>
+      <p:sp>
+        <p:nvSpPr>
+          <p:cNvPr id="23" name="矩形 22">
+            <a:extLst>
+              <a:ext uri="{FF2B5EF4-FFF2-40B4-BE49-F238E27FC236}">
+                <a16:creationId xmlns:a16="http://schemas.microsoft.com/office/drawing/2014/main" id="{EE2220CD-9C15-74C8-FE05-6535559515A8}"/>
+              </a:ext>
+            </a:extLst>
+          </p:cNvPr>
+          <p:cNvSpPr/>
+          <p:nvPr/>
+        </p:nvSpPr>
+        <p:spPr>
+          <a:xfrm>
+            <a:off x="8208828" y="942052"/>
+            <a:ext cx="2857500" cy="1143000"/>
+          </a:xfrm>
+          <a:prstGeom prst="rect">
+            <a:avLst/>
+          </a:prstGeom>
+          <a:solidFill>
+            <a:schemeClr val="accent6">
+              <a:alpha val="50000"/>
+            </a:schemeClr>
+          </a:solidFill>
+          <a:ln>
+            <a:noFill/>
+          </a:ln>
+        </p:spPr>
+        <p:style>
+          <a:lnRef idx="0">
+            <a:scrgbClr r="0" g="0" b="0"/>
+          </a:lnRef>
+          <a:fillRef idx="0">
+            <a:scrgbClr r="0" g="0" b="0"/>
+          </a:fillRef>
+          <a:effectRef idx="0">
+            <a:scrgbClr r="0" g="0" b="0"/>
+          </a:effectRef>
+          <a:fontRef idx="minor">
+            <a:schemeClr val="lt1"/>
+          </a:fontRef>
+        </p:style>
+        <p:txBody>
+          <a:bodyPr rtlCol="0" anchor="ctr"/>
+          <a:lstStyle/>
+          <a:p>
+            <a:pPr algn="ctr"/>
+            <a:r>
+              <a:rPr lang="zh-CN" altLang="en-US" b="1" dirty="0">
+                <a:solidFill>
+                  <a:schemeClr val="tx1"/>
+                </a:solidFill>
+              </a:rPr>
+              <a:t>设置（默认状态）</a:t>
+            </a:r>
+          </a:p>
+        </p:txBody>
+      </p:sp>
+      <p:sp>
+        <p:nvSpPr>
+          <p:cNvPr id="24" name="矩形 23">
+            <a:extLst>
+              <a:ext uri="{FF2B5EF4-FFF2-40B4-BE49-F238E27FC236}">
+                <a16:creationId xmlns:a16="http://schemas.microsoft.com/office/drawing/2014/main" id="{65990AE8-AFE6-68EB-DFA7-E4E5F042BD71}"/>
+              </a:ext>
+            </a:extLst>
+          </p:cNvPr>
+          <p:cNvSpPr/>
+          <p:nvPr/>
+        </p:nvSpPr>
+        <p:spPr>
+          <a:xfrm>
+            <a:off x="8208828" y="4725776"/>
+            <a:ext cx="2857500" cy="1143000"/>
+          </a:xfrm>
+          <a:prstGeom prst="rect">
+            <a:avLst/>
+          </a:prstGeom>
+          <a:solidFill>
+            <a:schemeClr val="accent6">
+              <a:alpha val="50000"/>
+            </a:schemeClr>
+          </a:solidFill>
+          <a:ln>
+            <a:noFill/>
+          </a:ln>
+        </p:spPr>
+        <p:style>
+          <a:lnRef idx="0">
+            <a:scrgbClr r="0" g="0" b="0"/>
+          </a:lnRef>
+          <a:fillRef idx="0">
+            <a:scrgbClr r="0" g="0" b="0"/>
+          </a:fillRef>
+          <a:effectRef idx="0">
+            <a:scrgbClr r="0" g="0" b="0"/>
+          </a:effectRef>
+          <a:fontRef idx="minor">
+            <a:schemeClr val="lt1"/>
+          </a:fontRef>
+        </p:style>
+        <p:txBody>
+          <a:bodyPr rtlCol="0" anchor="ctr"/>
+          <a:lstStyle/>
+          <a:p>
+            <a:pPr algn="ctr"/>
+            <a:r>
+              <a:rPr lang="zh-CN" altLang="en-US" b="1" dirty="0">
+                <a:solidFill>
+                  <a:schemeClr val="tx1"/>
+                </a:solidFill>
+              </a:rPr>
+              <a:t>设置（激活状态）</a:t>
+            </a:r>
+          </a:p>
+        </p:txBody>
+      </p:sp>
+    </p:spTree>
+    <p:extLst>
+      <p:ext uri="{BB962C8B-B14F-4D97-AF65-F5344CB8AC3E}">
+        <p14:creationId xmlns:p14="http://schemas.microsoft.com/office/powerpoint/2010/main" val="2841839047"/>
+      </p:ext>
+    </p:extLst>
+  </p:cSld>
+  <p:clrMapOvr>
+    <a:masterClrMapping/>
+  </p:clrMapOvr>
+</p:sld>
+</file>
+
+<file path=ppt/slides/slide4.xml><?xml version="1.0" encoding="utf-8"?>
+<p:sld xmlns:a="http://schemas.openxmlformats.org/drawingml/2006/main" xmlns:r="http://schemas.openxmlformats.org/officeDocument/2006/relationships" xmlns:p="http://schemas.openxmlformats.org/presentationml/2006/main">
+  <p:cSld>
+    <p:spTree>
+      <p:nvGrpSpPr>
+        <p:cNvPr id="1" name=""/>
+        <p:cNvGrpSpPr/>
+        <p:nvPr/>
+      </p:nvGrpSpPr>
+      <p:grpSpPr>
+        <a:xfrm>
+          <a:off x="0" y="0"/>
+          <a:ext cx="0" cy="0"/>
+          <a:chOff x="0" y="0"/>
+          <a:chExt cx="0" cy="0"/>
+        </a:xfrm>
+      </p:grpSpPr>
+      <p:sp>
+        <p:nvSpPr>
+          <p:cNvPr id="18" name="矩形 17">
+            <a:extLst>
+              <a:ext uri="{FF2B5EF4-FFF2-40B4-BE49-F238E27FC236}">
+                <a16:creationId xmlns:a16="http://schemas.microsoft.com/office/drawing/2014/main" id="{5DD21B1F-0462-9FEE-823A-07DF329AE00A}"/>
+              </a:ext>
+            </a:extLst>
+          </p:cNvPr>
+          <p:cNvSpPr/>
+          <p:nvPr/>
+        </p:nvSpPr>
+        <p:spPr>
+          <a:xfrm>
+            <a:off x="3714750" y="3190875"/>
+            <a:ext cx="4762500" cy="476250"/>
+          </a:xfrm>
+          <a:prstGeom prst="rect">
+            <a:avLst/>
+          </a:prstGeom>
+          <a:solidFill>
+            <a:schemeClr val="accent6">
+              <a:alpha val="50000"/>
+            </a:schemeClr>
+          </a:solidFill>
+          <a:ln>
+            <a:noFill/>
+          </a:ln>
+        </p:spPr>
+        <p:style>
+          <a:lnRef idx="0">
+            <a:scrgbClr r="0" g="0" b="0"/>
+          </a:lnRef>
+          <a:fillRef idx="0">
+            <a:scrgbClr r="0" g="0" b="0"/>
+          </a:fillRef>
+          <a:effectRef idx="0">
+            <a:scrgbClr r="0" g="0" b="0"/>
+          </a:effectRef>
+          <a:fontRef idx="minor">
+            <a:schemeClr val="lt1"/>
+          </a:fontRef>
+        </p:style>
+        <p:txBody>
+          <a:bodyPr rtlCol="0" anchor="ctr"/>
+          <a:lstStyle/>
+          <a:p>
+            <a:pPr algn="ctr"/>
+            <a:r>
+              <a:rPr lang="zh-CN" altLang="en-US" b="1" dirty="0">
+                <a:solidFill>
+                  <a:schemeClr val="tx1"/>
+                </a:solidFill>
+              </a:rPr>
+              <a:t>点击此处开始游戏（悬停状态）</a:t>
+            </a:r>
+          </a:p>
+        </p:txBody>
+      </p:sp>
+      <p:sp>
+        <p:nvSpPr>
+          <p:cNvPr id="2" name="矩形 1">
+            <a:extLst>
+              <a:ext uri="{FF2B5EF4-FFF2-40B4-BE49-F238E27FC236}">
+                <a16:creationId xmlns:a16="http://schemas.microsoft.com/office/drawing/2014/main" id="{E075AA2F-FE36-5605-DFE3-484425CF615B}"/>
+              </a:ext>
+            </a:extLst>
+          </p:cNvPr>
+          <p:cNvSpPr/>
+          <p:nvPr/>
+        </p:nvSpPr>
+        <p:spPr>
+          <a:xfrm>
+            <a:off x="3714750" y="4201069"/>
+            <a:ext cx="4762500" cy="476250"/>
+          </a:xfrm>
+          <a:prstGeom prst="rect">
+            <a:avLst/>
+          </a:prstGeom>
+          <a:solidFill>
+            <a:schemeClr val="accent6">
+              <a:alpha val="50000"/>
+            </a:schemeClr>
+          </a:solidFill>
+          <a:ln>
+            <a:noFill/>
+          </a:ln>
+        </p:spPr>
+        <p:style>
+          <a:lnRef idx="0">
+            <a:scrgbClr r="0" g="0" b="0"/>
+          </a:lnRef>
+          <a:fillRef idx="0">
+            <a:scrgbClr r="0" g="0" b="0"/>
+          </a:fillRef>
+          <a:effectRef idx="0">
+            <a:scrgbClr r="0" g="0" b="0"/>
+          </a:effectRef>
+          <a:fontRef idx="minor">
+            <a:schemeClr val="lt1"/>
+          </a:fontRef>
+        </p:style>
+        <p:txBody>
+          <a:bodyPr rtlCol="0" anchor="ctr"/>
+          <a:lstStyle/>
+          <a:p>
+            <a:pPr algn="ctr"/>
+            <a:r>
+              <a:rPr lang="zh-CN" altLang="en-US" b="1" dirty="0">
+                <a:solidFill>
+                  <a:schemeClr val="tx1"/>
+                </a:solidFill>
+              </a:rPr>
+              <a:t>点击此处开始游戏（激活状态）</a:t>
+            </a:r>
+          </a:p>
+        </p:txBody>
+      </p:sp>
+      <p:sp>
+        <p:nvSpPr>
+          <p:cNvPr id="3" name="矩形 2">
+            <a:extLst>
+              <a:ext uri="{FF2B5EF4-FFF2-40B4-BE49-F238E27FC236}">
+                <a16:creationId xmlns:a16="http://schemas.microsoft.com/office/drawing/2014/main" id="{6CA77DE9-A96C-11D9-DAC8-1EDE969CDF33}"/>
+              </a:ext>
+            </a:extLst>
+          </p:cNvPr>
+          <p:cNvSpPr/>
+          <p:nvPr/>
+        </p:nvSpPr>
+        <p:spPr>
+          <a:xfrm>
+            <a:off x="3714750" y="2175510"/>
+            <a:ext cx="4762500" cy="476250"/>
+          </a:xfrm>
+          <a:prstGeom prst="rect">
+            <a:avLst/>
+          </a:prstGeom>
+          <a:solidFill>
+            <a:schemeClr val="accent6">
+              <a:alpha val="50000"/>
+            </a:schemeClr>
+          </a:solidFill>
+          <a:ln>
+            <a:noFill/>
+          </a:ln>
+        </p:spPr>
+        <p:style>
+          <a:lnRef idx="0">
+            <a:scrgbClr r="0" g="0" b="0"/>
+          </a:lnRef>
+          <a:fillRef idx="0">
+            <a:scrgbClr r="0" g="0" b="0"/>
+          </a:fillRef>
+          <a:effectRef idx="0">
+            <a:scrgbClr r="0" g="0" b="0"/>
+          </a:effectRef>
+          <a:fontRef idx="minor">
+            <a:schemeClr val="lt1"/>
+          </a:fontRef>
+        </p:style>
+        <p:txBody>
+          <a:bodyPr rtlCol="0" anchor="ctr"/>
+          <a:lstStyle/>
+          <a:p>
+            <a:pPr algn="ctr"/>
+            <a:r>
+              <a:rPr lang="zh-CN" altLang="en-US" b="1" dirty="0">
+                <a:solidFill>
+                  <a:schemeClr val="tx1"/>
+                </a:solidFill>
+              </a:rPr>
+              <a:t>点击此处开始游戏（默认状态）</a:t>
+            </a:r>
+          </a:p>
+        </p:txBody>
+      </p:sp>
+    </p:spTree>
+    <p:extLst>
+      <p:ext uri="{BB962C8B-B14F-4D97-AF65-F5344CB8AC3E}">
+        <p14:creationId xmlns:p14="http://schemas.microsoft.com/office/powerpoint/2010/main" val="3958432157"/>
+      </p:ext>
+    </p:extLst>
+  </p:cSld>
+  <p:clrMapOvr>
+    <a:masterClrMapping/>
+  </p:clrMapOvr>
+</p:sld>
+</file>
+
 <file path=ppt/theme/theme1.xml><?xml version="1.0" encoding="utf-8"?>
 <a:theme xmlns:a="http://schemas.openxmlformats.org/drawingml/2006/main" name="Office 主题​​">
   <a:themeElements>

--- a/Resources/Canvas.pptx
+++ b/Resources/Canvas.pptx
@@ -7,8 +7,10 @@
   <p:sldIdLst>
     <p:sldId id="256" r:id="rId2"/>
     <p:sldId id="257" r:id="rId3"/>
-    <p:sldId id="258" r:id="rId4"/>
-    <p:sldId id="259" r:id="rId5"/>
+    <p:sldId id="260" r:id="rId4"/>
+    <p:sldId id="258" r:id="rId5"/>
+    <p:sldId id="261" r:id="rId6"/>
+    <p:sldId id="259" r:id="rId7"/>
   </p:sldIdLst>
   <p:sldSz cx="12192000" cy="6858000"/>
   <p:notesSz cx="6858000" cy="9144000"/>
@@ -246,7 +248,7 @@
           <a:p>
             <a:fld id="{2B928D23-DF1B-4C68-B99A-2491BA0067D3}" type="datetimeFigureOut">
               <a:rPr lang="zh-CN" altLang="en-US" smtClean="0"/>
-              <a:t>2023/12/4</a:t>
+              <a:t>2023/12/6</a:t>
             </a:fld>
             <a:endParaRPr lang="zh-CN" altLang="en-US"/>
           </a:p>
@@ -416,7 +418,7 @@
           <a:p>
             <a:fld id="{2B928D23-DF1B-4C68-B99A-2491BA0067D3}" type="datetimeFigureOut">
               <a:rPr lang="zh-CN" altLang="en-US" smtClean="0"/>
-              <a:t>2023/12/4</a:t>
+              <a:t>2023/12/6</a:t>
             </a:fld>
             <a:endParaRPr lang="zh-CN" altLang="en-US"/>
           </a:p>
@@ -596,7 +598,7 @@
           <a:p>
             <a:fld id="{2B928D23-DF1B-4C68-B99A-2491BA0067D3}" type="datetimeFigureOut">
               <a:rPr lang="zh-CN" altLang="en-US" smtClean="0"/>
-              <a:t>2023/12/4</a:t>
+              <a:t>2023/12/6</a:t>
             </a:fld>
             <a:endParaRPr lang="zh-CN" altLang="en-US"/>
           </a:p>
@@ -766,7 +768,7 @@
           <a:p>
             <a:fld id="{2B928D23-DF1B-4C68-B99A-2491BA0067D3}" type="datetimeFigureOut">
               <a:rPr lang="zh-CN" altLang="en-US" smtClean="0"/>
-              <a:t>2023/12/4</a:t>
+              <a:t>2023/12/6</a:t>
             </a:fld>
             <a:endParaRPr lang="zh-CN" altLang="en-US"/>
           </a:p>
@@ -1012,7 +1014,7 @@
           <a:p>
             <a:fld id="{2B928D23-DF1B-4C68-B99A-2491BA0067D3}" type="datetimeFigureOut">
               <a:rPr lang="zh-CN" altLang="en-US" smtClean="0"/>
-              <a:t>2023/12/4</a:t>
+              <a:t>2023/12/6</a:t>
             </a:fld>
             <a:endParaRPr lang="zh-CN" altLang="en-US"/>
           </a:p>
@@ -1244,7 +1246,7 @@
           <a:p>
             <a:fld id="{2B928D23-DF1B-4C68-B99A-2491BA0067D3}" type="datetimeFigureOut">
               <a:rPr lang="zh-CN" altLang="en-US" smtClean="0"/>
-              <a:t>2023/12/4</a:t>
+              <a:t>2023/12/6</a:t>
             </a:fld>
             <a:endParaRPr lang="zh-CN" altLang="en-US"/>
           </a:p>
@@ -1611,7 +1613,7 @@
           <a:p>
             <a:fld id="{2B928D23-DF1B-4C68-B99A-2491BA0067D3}" type="datetimeFigureOut">
               <a:rPr lang="zh-CN" altLang="en-US" smtClean="0"/>
-              <a:t>2023/12/4</a:t>
+              <a:t>2023/12/6</a:t>
             </a:fld>
             <a:endParaRPr lang="zh-CN" altLang="en-US"/>
           </a:p>
@@ -1729,7 +1731,7 @@
           <a:p>
             <a:fld id="{2B928D23-DF1B-4C68-B99A-2491BA0067D3}" type="datetimeFigureOut">
               <a:rPr lang="zh-CN" altLang="en-US" smtClean="0"/>
-              <a:t>2023/12/4</a:t>
+              <a:t>2023/12/6</a:t>
             </a:fld>
             <a:endParaRPr lang="zh-CN" altLang="en-US"/>
           </a:p>
@@ -1824,7 +1826,7 @@
           <a:p>
             <a:fld id="{2B928D23-DF1B-4C68-B99A-2491BA0067D3}" type="datetimeFigureOut">
               <a:rPr lang="zh-CN" altLang="en-US" smtClean="0"/>
-              <a:t>2023/12/4</a:t>
+              <a:t>2023/12/6</a:t>
             </a:fld>
             <a:endParaRPr lang="zh-CN" altLang="en-US"/>
           </a:p>
@@ -2101,7 +2103,7 @@
           <a:p>
             <a:fld id="{2B928D23-DF1B-4C68-B99A-2491BA0067D3}" type="datetimeFigureOut">
               <a:rPr lang="zh-CN" altLang="en-US" smtClean="0"/>
-              <a:t>2023/12/4</a:t>
+              <a:t>2023/12/6</a:t>
             </a:fld>
             <a:endParaRPr lang="zh-CN" altLang="en-US"/>
           </a:p>
@@ -2358,7 +2360,7 @@
           <a:p>
             <a:fld id="{2B928D23-DF1B-4C68-B99A-2491BA0067D3}" type="datetimeFigureOut">
               <a:rPr lang="zh-CN" altLang="en-US" smtClean="0"/>
-              <a:t>2023/12/4</a:t>
+              <a:t>2023/12/6</a:t>
             </a:fld>
             <a:endParaRPr lang="zh-CN" altLang="en-US"/>
           </a:p>
@@ -2571,7 +2573,7 @@
           <a:p>
             <a:fld id="{2B928D23-DF1B-4C68-B99A-2491BA0067D3}" type="datetimeFigureOut">
               <a:rPr lang="zh-CN" altLang="en-US" smtClean="0"/>
-              <a:t>2023/12/4</a:t>
+              <a:t>2023/12/6</a:t>
             </a:fld>
             <a:endParaRPr lang="zh-CN" altLang="en-US"/>
           </a:p>
@@ -3350,6 +3352,192 @@
       </p:grpSpPr>
       <p:sp>
         <p:nvSpPr>
+          <p:cNvPr id="5" name="矩形 4">
+            <a:extLst>
+              <a:ext uri="{FF2B5EF4-FFF2-40B4-BE49-F238E27FC236}">
+                <a16:creationId xmlns:a16="http://schemas.microsoft.com/office/drawing/2014/main" id="{86562144-BE88-C328-A61E-B59EEA738074}"/>
+              </a:ext>
+            </a:extLst>
+          </p:cNvPr>
+          <p:cNvSpPr/>
+          <p:nvPr/>
+        </p:nvSpPr>
+        <p:spPr>
+          <a:xfrm>
+            <a:off x="0" y="0"/>
+            <a:ext cx="12192000" cy="6858000"/>
+          </a:xfrm>
+          <a:prstGeom prst="rect">
+            <a:avLst/>
+          </a:prstGeom>
+          <a:solidFill>
+            <a:schemeClr val="accent2">
+              <a:alpha val="50000"/>
+            </a:schemeClr>
+          </a:solidFill>
+          <a:ln>
+            <a:noFill/>
+          </a:ln>
+        </p:spPr>
+        <p:style>
+          <a:lnRef idx="0">
+            <a:scrgbClr r="0" g="0" b="0"/>
+          </a:lnRef>
+          <a:fillRef idx="0">
+            <a:scrgbClr r="0" g="0" b="0"/>
+          </a:fillRef>
+          <a:effectRef idx="0">
+            <a:scrgbClr r="0" g="0" b="0"/>
+          </a:effectRef>
+          <a:fontRef idx="minor">
+            <a:schemeClr val="lt1"/>
+          </a:fontRef>
+        </p:style>
+        <p:txBody>
+          <a:bodyPr rtlCol="0" anchor="ctr"/>
+          <a:lstStyle/>
+          <a:p>
+            <a:pPr algn="ctr"/>
+            <a:endParaRPr lang="zh-CN" altLang="en-US"/>
+          </a:p>
+        </p:txBody>
+      </p:sp>
+      <p:sp>
+        <p:nvSpPr>
+          <p:cNvPr id="4" name="文本框 3">
+            <a:extLst>
+              <a:ext uri="{FF2B5EF4-FFF2-40B4-BE49-F238E27FC236}">
+                <a16:creationId xmlns:a16="http://schemas.microsoft.com/office/drawing/2014/main" id="{F836ED06-2A67-2A2A-ACF8-364549A02122}"/>
+              </a:ext>
+            </a:extLst>
+          </p:cNvPr>
+          <p:cNvSpPr txBox="1"/>
+          <p:nvPr/>
+        </p:nvSpPr>
+        <p:spPr>
+          <a:xfrm>
+            <a:off x="4533900" y="3244334"/>
+            <a:ext cx="3124200" cy="369332"/>
+          </a:xfrm>
+          <a:prstGeom prst="rect">
+            <a:avLst/>
+          </a:prstGeom>
+          <a:noFill/>
+        </p:spPr>
+        <p:txBody>
+          <a:bodyPr wrap="square" rtlCol="0">
+            <a:spAutoFit/>
+          </a:bodyPr>
+          <a:lstStyle/>
+          <a:p>
+            <a:pPr algn="ctr"/>
+            <a:r>
+              <a:rPr lang="zh-CN" altLang="en-US" b="1" dirty="0"/>
+              <a:t>联机模式菜单场景</a:t>
+            </a:r>
+          </a:p>
+        </p:txBody>
+      </p:sp>
+      <p:sp>
+        <p:nvSpPr>
+          <p:cNvPr id="2" name="文本框 1">
+            <a:extLst>
+              <a:ext uri="{FF2B5EF4-FFF2-40B4-BE49-F238E27FC236}">
+                <a16:creationId xmlns:a16="http://schemas.microsoft.com/office/drawing/2014/main" id="{253FC76C-2C0D-8E3F-FE43-C7CC02159D09}"/>
+              </a:ext>
+            </a:extLst>
+          </p:cNvPr>
+          <p:cNvSpPr txBox="1"/>
+          <p:nvPr/>
+        </p:nvSpPr>
+        <p:spPr>
+          <a:xfrm>
+            <a:off x="0" y="0"/>
+            <a:ext cx="6096000" cy="338554"/>
+          </a:xfrm>
+          <a:prstGeom prst="rect">
+            <a:avLst/>
+          </a:prstGeom>
+          <a:noFill/>
+        </p:spPr>
+        <p:txBody>
+          <a:bodyPr wrap="square" rtlCol="0">
+            <a:spAutoFit/>
+          </a:bodyPr>
+          <a:lstStyle/>
+          <a:p>
+            <a:r>
+              <a:rPr lang="en-US" altLang="zh-CN" sz="1600" dirty="0">
+                <a:solidFill>
+                  <a:srgbClr val="FF0000"/>
+                </a:solidFill>
+                <a:latin typeface="宋体" panose="02010600030101010101" pitchFamily="2" charset="-122"/>
+                <a:ea typeface="宋体" panose="02010600030101010101" pitchFamily="2" charset="-122"/>
+              </a:rPr>
+              <a:t>[</a:t>
+            </a:r>
+            <a:r>
+              <a:rPr lang="zh-CN" altLang="en-US" sz="1600" dirty="0">
+                <a:solidFill>
+                  <a:srgbClr val="FF0000"/>
+                </a:solidFill>
+                <a:latin typeface="宋体" panose="02010600030101010101" pitchFamily="2" charset="-122"/>
+                <a:ea typeface="宋体" panose="02010600030101010101" pitchFamily="2" charset="-122"/>
+              </a:rPr>
+              <a:t>禁止删除</a:t>
+            </a:r>
+            <a:r>
+              <a:rPr lang="en-US" altLang="zh-CN" sz="1600" dirty="0">
+                <a:solidFill>
+                  <a:srgbClr val="FF0000"/>
+                </a:solidFill>
+                <a:latin typeface="宋体" panose="02010600030101010101" pitchFamily="2" charset="-122"/>
+                <a:ea typeface="宋体" panose="02010600030101010101" pitchFamily="2" charset="-122"/>
+              </a:rPr>
+              <a:t>] Filename: OnlineModeMenuScene.png</a:t>
+            </a:r>
+            <a:endParaRPr lang="zh-CN" altLang="en-US" sz="1600" dirty="0">
+              <a:solidFill>
+                <a:srgbClr val="FF0000"/>
+              </a:solidFill>
+              <a:latin typeface="宋体" panose="02010600030101010101" pitchFamily="2" charset="-122"/>
+              <a:ea typeface="宋体" panose="02010600030101010101" pitchFamily="2" charset="-122"/>
+            </a:endParaRPr>
+          </a:p>
+        </p:txBody>
+      </p:sp>
+    </p:spTree>
+    <p:extLst>
+      <p:ext uri="{BB962C8B-B14F-4D97-AF65-F5344CB8AC3E}">
+        <p14:creationId xmlns:p14="http://schemas.microsoft.com/office/powerpoint/2010/main" val="1213912537"/>
+      </p:ext>
+    </p:extLst>
+  </p:cSld>
+  <p:clrMapOvr>
+    <a:masterClrMapping/>
+  </p:clrMapOvr>
+</p:sld>
+</file>
+
+<file path=ppt/slides/slide4.xml><?xml version="1.0" encoding="utf-8"?>
+<p:sld xmlns:a="http://schemas.openxmlformats.org/drawingml/2006/main" xmlns:r="http://schemas.openxmlformats.org/officeDocument/2006/relationships" xmlns:p="http://schemas.openxmlformats.org/presentationml/2006/main">
+  <p:cSld>
+    <p:spTree>
+      <p:nvGrpSpPr>
+        <p:cNvPr id="1" name=""/>
+        <p:cNvGrpSpPr/>
+        <p:nvPr/>
+      </p:nvGrpSpPr>
+      <p:grpSpPr>
+        <a:xfrm>
+          <a:off x="0" y="0"/>
+          <a:ext cx="0" cy="0"/>
+          <a:chOff x="0" y="0"/>
+          <a:chExt cx="0" cy="0"/>
+        </a:xfrm>
+      </p:grpSpPr>
+      <p:sp>
+        <p:nvSpPr>
           <p:cNvPr id="16" name="矩形 15">
             <a:extLst>
               <a:ext uri="{FF2B5EF4-FFF2-40B4-BE49-F238E27FC236}">
@@ -3574,12 +3762,20 @@
           <a:p>
             <a:pPr algn="ctr"/>
             <a:r>
+              <a:rPr lang="zh-CN" altLang="en-US" b="1">
+                <a:solidFill>
+                  <a:schemeClr val="tx1"/>
+                </a:solidFill>
+              </a:rPr>
+              <a:t>练习模式（</a:t>
+            </a:r>
+            <a:r>
               <a:rPr lang="zh-CN" altLang="en-US" b="1" dirty="0">
                 <a:solidFill>
                   <a:schemeClr val="tx1"/>
                 </a:solidFill>
               </a:rPr>
-              <a:t>练习模式（悬停状态）</a:t>
+              <a:t>悬停状态）</a:t>
             </a:r>
           </a:p>
         </p:txBody>
@@ -3633,12 +3829,20 @@
           <a:p>
             <a:pPr algn="ctr"/>
             <a:r>
+              <a:rPr lang="zh-CN" altLang="en-US" b="1">
+                <a:solidFill>
+                  <a:schemeClr val="tx1"/>
+                </a:solidFill>
+              </a:rPr>
+              <a:t>练习模式（</a:t>
+            </a:r>
+            <a:r>
               <a:rPr lang="zh-CN" altLang="en-US" b="1" dirty="0">
                 <a:solidFill>
                   <a:schemeClr val="tx1"/>
                 </a:solidFill>
               </a:rPr>
-              <a:t>练习模式（默认状态）</a:t>
+              <a:t>默认状态）</a:t>
             </a:r>
           </a:p>
         </p:txBody>
@@ -3692,12 +3896,20 @@
           <a:p>
             <a:pPr algn="ctr"/>
             <a:r>
+              <a:rPr lang="zh-CN" altLang="en-US" b="1">
+                <a:solidFill>
+                  <a:schemeClr val="tx1"/>
+                </a:solidFill>
+              </a:rPr>
+              <a:t>练习模式（</a:t>
+            </a:r>
+            <a:r>
               <a:rPr lang="zh-CN" altLang="en-US" b="1" dirty="0">
                 <a:solidFill>
                   <a:schemeClr val="tx1"/>
                 </a:solidFill>
               </a:rPr>
-              <a:t>练习模式（激活状态）</a:t>
+              <a:t>激活状态）</a:t>
             </a:r>
           </a:p>
         </p:txBody>
@@ -3892,7 +4104,568 @@
 </p:sld>
 </file>
 
-<file path=ppt/slides/slide4.xml><?xml version="1.0" encoding="utf-8"?>
+<file path=ppt/slides/slide5.xml><?xml version="1.0" encoding="utf-8"?>
+<p:sld xmlns:a="http://schemas.openxmlformats.org/drawingml/2006/main" xmlns:r="http://schemas.openxmlformats.org/officeDocument/2006/relationships" xmlns:p="http://schemas.openxmlformats.org/presentationml/2006/main">
+  <p:cSld>
+    <p:spTree>
+      <p:nvGrpSpPr>
+        <p:cNvPr id="1" name=""/>
+        <p:cNvGrpSpPr/>
+        <p:nvPr/>
+      </p:nvGrpSpPr>
+      <p:grpSpPr>
+        <a:xfrm>
+          <a:off x="0" y="0"/>
+          <a:ext cx="0" cy="0"/>
+          <a:chOff x="0" y="0"/>
+          <a:chExt cx="0" cy="0"/>
+        </a:xfrm>
+      </p:grpSpPr>
+      <p:sp>
+        <p:nvSpPr>
+          <p:cNvPr id="16" name="矩形 15">
+            <a:extLst>
+              <a:ext uri="{FF2B5EF4-FFF2-40B4-BE49-F238E27FC236}">
+                <a16:creationId xmlns:a16="http://schemas.microsoft.com/office/drawing/2014/main" id="{4A179002-2C74-AEFD-BFF6-D99C34910BCB}"/>
+              </a:ext>
+            </a:extLst>
+          </p:cNvPr>
+          <p:cNvSpPr/>
+          <p:nvPr/>
+        </p:nvSpPr>
+        <p:spPr>
+          <a:xfrm>
+            <a:off x="4630056" y="2833914"/>
+            <a:ext cx="2857500" cy="1143000"/>
+          </a:xfrm>
+          <a:prstGeom prst="rect">
+            <a:avLst/>
+          </a:prstGeom>
+          <a:solidFill>
+            <a:schemeClr val="accent6">
+              <a:alpha val="50000"/>
+            </a:schemeClr>
+          </a:solidFill>
+          <a:ln>
+            <a:noFill/>
+          </a:ln>
+        </p:spPr>
+        <p:style>
+          <a:lnRef idx="0">
+            <a:scrgbClr r="0" g="0" b="0"/>
+          </a:lnRef>
+          <a:fillRef idx="0">
+            <a:scrgbClr r="0" g="0" b="0"/>
+          </a:fillRef>
+          <a:effectRef idx="0">
+            <a:scrgbClr r="0" g="0" b="0"/>
+          </a:effectRef>
+          <a:fontRef idx="minor">
+            <a:schemeClr val="lt1"/>
+          </a:fontRef>
+        </p:style>
+        <p:txBody>
+          <a:bodyPr rtlCol="0" anchor="ctr"/>
+          <a:lstStyle/>
+          <a:p>
+            <a:pPr algn="ctr"/>
+            <a:r>
+              <a:rPr lang="zh-CN" altLang="en-US" b="1" dirty="0">
+                <a:solidFill>
+                  <a:schemeClr val="tx1"/>
+                </a:solidFill>
+              </a:rPr>
+              <a:t>加入房间（悬停状态）</a:t>
+            </a:r>
+          </a:p>
+        </p:txBody>
+      </p:sp>
+      <p:sp>
+        <p:nvSpPr>
+          <p:cNvPr id="17" name="矩形 16">
+            <a:extLst>
+              <a:ext uri="{FF2B5EF4-FFF2-40B4-BE49-F238E27FC236}">
+                <a16:creationId xmlns:a16="http://schemas.microsoft.com/office/drawing/2014/main" id="{00897392-5612-BC06-F7D3-B79F5D0EFD16}"/>
+              </a:ext>
+            </a:extLst>
+          </p:cNvPr>
+          <p:cNvSpPr/>
+          <p:nvPr/>
+        </p:nvSpPr>
+        <p:spPr>
+          <a:xfrm>
+            <a:off x="4630056" y="942052"/>
+            <a:ext cx="2857500" cy="1143000"/>
+          </a:xfrm>
+          <a:prstGeom prst="rect">
+            <a:avLst/>
+          </a:prstGeom>
+          <a:solidFill>
+            <a:schemeClr val="accent6">
+              <a:alpha val="50000"/>
+            </a:schemeClr>
+          </a:solidFill>
+          <a:ln>
+            <a:noFill/>
+          </a:ln>
+        </p:spPr>
+        <p:style>
+          <a:lnRef idx="0">
+            <a:scrgbClr r="0" g="0" b="0"/>
+          </a:lnRef>
+          <a:fillRef idx="0">
+            <a:scrgbClr r="0" g="0" b="0"/>
+          </a:fillRef>
+          <a:effectRef idx="0">
+            <a:scrgbClr r="0" g="0" b="0"/>
+          </a:effectRef>
+          <a:fontRef idx="minor">
+            <a:schemeClr val="lt1"/>
+          </a:fontRef>
+        </p:style>
+        <p:txBody>
+          <a:bodyPr rtlCol="0" anchor="ctr"/>
+          <a:lstStyle/>
+          <a:p>
+            <a:pPr algn="ctr"/>
+            <a:r>
+              <a:rPr lang="zh-CN" altLang="en-US" b="1" dirty="0">
+                <a:solidFill>
+                  <a:schemeClr val="tx1"/>
+                </a:solidFill>
+              </a:rPr>
+              <a:t>加入房间（默认状态）</a:t>
+            </a:r>
+          </a:p>
+        </p:txBody>
+      </p:sp>
+      <p:sp>
+        <p:nvSpPr>
+          <p:cNvPr id="18" name="矩形 17">
+            <a:extLst>
+              <a:ext uri="{FF2B5EF4-FFF2-40B4-BE49-F238E27FC236}">
+                <a16:creationId xmlns:a16="http://schemas.microsoft.com/office/drawing/2014/main" id="{5DD21B1F-0462-9FEE-823A-07DF329AE00A}"/>
+              </a:ext>
+            </a:extLst>
+          </p:cNvPr>
+          <p:cNvSpPr/>
+          <p:nvPr/>
+        </p:nvSpPr>
+        <p:spPr>
+          <a:xfrm>
+            <a:off x="4630056" y="4725776"/>
+            <a:ext cx="2857500" cy="1143000"/>
+          </a:xfrm>
+          <a:prstGeom prst="rect">
+            <a:avLst/>
+          </a:prstGeom>
+          <a:solidFill>
+            <a:schemeClr val="accent6">
+              <a:alpha val="50000"/>
+            </a:schemeClr>
+          </a:solidFill>
+          <a:ln>
+            <a:noFill/>
+          </a:ln>
+        </p:spPr>
+        <p:style>
+          <a:lnRef idx="0">
+            <a:scrgbClr r="0" g="0" b="0"/>
+          </a:lnRef>
+          <a:fillRef idx="0">
+            <a:scrgbClr r="0" g="0" b="0"/>
+          </a:fillRef>
+          <a:effectRef idx="0">
+            <a:scrgbClr r="0" g="0" b="0"/>
+          </a:effectRef>
+          <a:fontRef idx="minor">
+            <a:schemeClr val="lt1"/>
+          </a:fontRef>
+        </p:style>
+        <p:txBody>
+          <a:bodyPr rtlCol="0" anchor="ctr"/>
+          <a:lstStyle/>
+          <a:p>
+            <a:pPr algn="ctr"/>
+            <a:r>
+              <a:rPr lang="zh-CN" altLang="en-US" b="1" dirty="0">
+                <a:solidFill>
+                  <a:schemeClr val="tx1"/>
+                </a:solidFill>
+              </a:rPr>
+              <a:t>加入房间（激活状态）</a:t>
+            </a:r>
+          </a:p>
+        </p:txBody>
+      </p:sp>
+      <p:sp>
+        <p:nvSpPr>
+          <p:cNvPr id="19" name="矩形 18">
+            <a:extLst>
+              <a:ext uri="{FF2B5EF4-FFF2-40B4-BE49-F238E27FC236}">
+                <a16:creationId xmlns:a16="http://schemas.microsoft.com/office/drawing/2014/main" id="{6ECCC354-E3A8-4E33-D5C8-546D46F7EE16}"/>
+              </a:ext>
+            </a:extLst>
+          </p:cNvPr>
+          <p:cNvSpPr/>
+          <p:nvPr/>
+        </p:nvSpPr>
+        <p:spPr>
+          <a:xfrm>
+            <a:off x="1051284" y="2833914"/>
+            <a:ext cx="2857500" cy="1143000"/>
+          </a:xfrm>
+          <a:prstGeom prst="rect">
+            <a:avLst/>
+          </a:prstGeom>
+          <a:solidFill>
+            <a:schemeClr val="accent6">
+              <a:alpha val="50000"/>
+            </a:schemeClr>
+          </a:solidFill>
+          <a:ln>
+            <a:noFill/>
+          </a:ln>
+        </p:spPr>
+        <p:style>
+          <a:lnRef idx="0">
+            <a:scrgbClr r="0" g="0" b="0"/>
+          </a:lnRef>
+          <a:fillRef idx="0">
+            <a:scrgbClr r="0" g="0" b="0"/>
+          </a:fillRef>
+          <a:effectRef idx="0">
+            <a:scrgbClr r="0" g="0" b="0"/>
+          </a:effectRef>
+          <a:fontRef idx="minor">
+            <a:schemeClr val="lt1"/>
+          </a:fontRef>
+        </p:style>
+        <p:txBody>
+          <a:bodyPr rtlCol="0" anchor="ctr"/>
+          <a:lstStyle/>
+          <a:p>
+            <a:pPr algn="ctr"/>
+            <a:r>
+              <a:rPr lang="zh-CN" altLang="en-US" b="1" dirty="0">
+                <a:solidFill>
+                  <a:schemeClr val="tx1"/>
+                </a:solidFill>
+              </a:rPr>
+              <a:t>创建房间（悬停状态）</a:t>
+            </a:r>
+          </a:p>
+        </p:txBody>
+      </p:sp>
+      <p:sp>
+        <p:nvSpPr>
+          <p:cNvPr id="20" name="矩形 19">
+            <a:extLst>
+              <a:ext uri="{FF2B5EF4-FFF2-40B4-BE49-F238E27FC236}">
+                <a16:creationId xmlns:a16="http://schemas.microsoft.com/office/drawing/2014/main" id="{AEF1228C-F78C-7B15-0DE5-4C766F72D56B}"/>
+              </a:ext>
+            </a:extLst>
+          </p:cNvPr>
+          <p:cNvSpPr/>
+          <p:nvPr/>
+        </p:nvSpPr>
+        <p:spPr>
+          <a:xfrm>
+            <a:off x="1051284" y="942052"/>
+            <a:ext cx="2857500" cy="1143000"/>
+          </a:xfrm>
+          <a:prstGeom prst="rect">
+            <a:avLst/>
+          </a:prstGeom>
+          <a:solidFill>
+            <a:schemeClr val="accent6">
+              <a:alpha val="50000"/>
+            </a:schemeClr>
+          </a:solidFill>
+          <a:ln>
+            <a:noFill/>
+          </a:ln>
+        </p:spPr>
+        <p:style>
+          <a:lnRef idx="0">
+            <a:scrgbClr r="0" g="0" b="0"/>
+          </a:lnRef>
+          <a:fillRef idx="0">
+            <a:scrgbClr r="0" g="0" b="0"/>
+          </a:fillRef>
+          <a:effectRef idx="0">
+            <a:scrgbClr r="0" g="0" b="0"/>
+          </a:effectRef>
+          <a:fontRef idx="minor">
+            <a:schemeClr val="lt1"/>
+          </a:fontRef>
+        </p:style>
+        <p:txBody>
+          <a:bodyPr rtlCol="0" anchor="ctr"/>
+          <a:lstStyle/>
+          <a:p>
+            <a:pPr algn="ctr"/>
+            <a:r>
+              <a:rPr lang="zh-CN" altLang="en-US" b="1" dirty="0">
+                <a:solidFill>
+                  <a:schemeClr val="tx1"/>
+                </a:solidFill>
+              </a:rPr>
+              <a:t>创建房间（默认状态）</a:t>
+            </a:r>
+          </a:p>
+        </p:txBody>
+      </p:sp>
+      <p:sp>
+        <p:nvSpPr>
+          <p:cNvPr id="21" name="矩形 20">
+            <a:extLst>
+              <a:ext uri="{FF2B5EF4-FFF2-40B4-BE49-F238E27FC236}">
+                <a16:creationId xmlns:a16="http://schemas.microsoft.com/office/drawing/2014/main" id="{556A2F02-AA5B-E2DD-C780-C5792542CC31}"/>
+              </a:ext>
+            </a:extLst>
+          </p:cNvPr>
+          <p:cNvSpPr/>
+          <p:nvPr/>
+        </p:nvSpPr>
+        <p:spPr>
+          <a:xfrm>
+            <a:off x="1051284" y="4725776"/>
+            <a:ext cx="2857500" cy="1143000"/>
+          </a:xfrm>
+          <a:prstGeom prst="rect">
+            <a:avLst/>
+          </a:prstGeom>
+          <a:solidFill>
+            <a:schemeClr val="accent6">
+              <a:alpha val="50000"/>
+            </a:schemeClr>
+          </a:solidFill>
+          <a:ln>
+            <a:noFill/>
+          </a:ln>
+        </p:spPr>
+        <p:style>
+          <a:lnRef idx="0">
+            <a:scrgbClr r="0" g="0" b="0"/>
+          </a:lnRef>
+          <a:fillRef idx="0">
+            <a:scrgbClr r="0" g="0" b="0"/>
+          </a:fillRef>
+          <a:effectRef idx="0">
+            <a:scrgbClr r="0" g="0" b="0"/>
+          </a:effectRef>
+          <a:fontRef idx="minor">
+            <a:schemeClr val="lt1"/>
+          </a:fontRef>
+        </p:style>
+        <p:txBody>
+          <a:bodyPr rtlCol="0" anchor="ctr"/>
+          <a:lstStyle/>
+          <a:p>
+            <a:pPr algn="ctr"/>
+            <a:r>
+              <a:rPr lang="zh-CN" altLang="en-US" b="1" dirty="0">
+                <a:solidFill>
+                  <a:schemeClr val="tx1"/>
+                </a:solidFill>
+              </a:rPr>
+              <a:t>创建房间（激活状态）</a:t>
+            </a:r>
+          </a:p>
+        </p:txBody>
+      </p:sp>
+      <p:sp>
+        <p:nvSpPr>
+          <p:cNvPr id="22" name="矩形 21">
+            <a:extLst>
+              <a:ext uri="{FF2B5EF4-FFF2-40B4-BE49-F238E27FC236}">
+                <a16:creationId xmlns:a16="http://schemas.microsoft.com/office/drawing/2014/main" id="{A59D5C53-6573-400C-4E29-0153CD1D385B}"/>
+              </a:ext>
+            </a:extLst>
+          </p:cNvPr>
+          <p:cNvSpPr/>
+          <p:nvPr/>
+        </p:nvSpPr>
+        <p:spPr>
+          <a:xfrm>
+            <a:off x="8208828" y="2833914"/>
+            <a:ext cx="2857500" cy="1143000"/>
+          </a:xfrm>
+          <a:prstGeom prst="rect">
+            <a:avLst/>
+          </a:prstGeom>
+          <a:solidFill>
+            <a:schemeClr val="accent6">
+              <a:alpha val="50000"/>
+            </a:schemeClr>
+          </a:solidFill>
+          <a:ln>
+            <a:noFill/>
+          </a:ln>
+        </p:spPr>
+        <p:style>
+          <a:lnRef idx="0">
+            <a:scrgbClr r="0" g="0" b="0"/>
+          </a:lnRef>
+          <a:fillRef idx="0">
+            <a:scrgbClr r="0" g="0" b="0"/>
+          </a:fillRef>
+          <a:effectRef idx="0">
+            <a:scrgbClr r="0" g="0" b="0"/>
+          </a:effectRef>
+          <a:fontRef idx="minor">
+            <a:schemeClr val="lt1"/>
+          </a:fontRef>
+        </p:style>
+        <p:txBody>
+          <a:bodyPr rtlCol="0" anchor="ctr"/>
+          <a:lstStyle/>
+          <a:p>
+            <a:pPr algn="ctr"/>
+            <a:r>
+              <a:rPr lang="zh-CN" altLang="en-US" b="1" dirty="0">
+                <a:solidFill>
+                  <a:schemeClr val="tx1"/>
+                </a:solidFill>
+              </a:rPr>
+              <a:t>返回菜单（悬停状态）</a:t>
+            </a:r>
+          </a:p>
+        </p:txBody>
+      </p:sp>
+      <p:sp>
+        <p:nvSpPr>
+          <p:cNvPr id="23" name="矩形 22">
+            <a:extLst>
+              <a:ext uri="{FF2B5EF4-FFF2-40B4-BE49-F238E27FC236}">
+                <a16:creationId xmlns:a16="http://schemas.microsoft.com/office/drawing/2014/main" id="{EE2220CD-9C15-74C8-FE05-6535559515A8}"/>
+              </a:ext>
+            </a:extLst>
+          </p:cNvPr>
+          <p:cNvSpPr/>
+          <p:nvPr/>
+        </p:nvSpPr>
+        <p:spPr>
+          <a:xfrm>
+            <a:off x="8208828" y="942052"/>
+            <a:ext cx="2857500" cy="1143000"/>
+          </a:xfrm>
+          <a:prstGeom prst="rect">
+            <a:avLst/>
+          </a:prstGeom>
+          <a:solidFill>
+            <a:schemeClr val="accent6">
+              <a:alpha val="50000"/>
+            </a:schemeClr>
+          </a:solidFill>
+          <a:ln>
+            <a:noFill/>
+          </a:ln>
+        </p:spPr>
+        <p:style>
+          <a:lnRef idx="0">
+            <a:scrgbClr r="0" g="0" b="0"/>
+          </a:lnRef>
+          <a:fillRef idx="0">
+            <a:scrgbClr r="0" g="0" b="0"/>
+          </a:fillRef>
+          <a:effectRef idx="0">
+            <a:scrgbClr r="0" g="0" b="0"/>
+          </a:effectRef>
+          <a:fontRef idx="minor">
+            <a:schemeClr val="lt1"/>
+          </a:fontRef>
+        </p:style>
+        <p:txBody>
+          <a:bodyPr rtlCol="0" anchor="ctr"/>
+          <a:lstStyle/>
+          <a:p>
+            <a:pPr algn="ctr"/>
+            <a:r>
+              <a:rPr lang="zh-CN" altLang="en-US" b="1" dirty="0">
+                <a:solidFill>
+                  <a:schemeClr val="tx1"/>
+                </a:solidFill>
+              </a:rPr>
+              <a:t>返回菜单（默认状态）</a:t>
+            </a:r>
+          </a:p>
+        </p:txBody>
+      </p:sp>
+      <p:sp>
+        <p:nvSpPr>
+          <p:cNvPr id="24" name="矩形 23">
+            <a:extLst>
+              <a:ext uri="{FF2B5EF4-FFF2-40B4-BE49-F238E27FC236}">
+                <a16:creationId xmlns:a16="http://schemas.microsoft.com/office/drawing/2014/main" id="{65990AE8-AFE6-68EB-DFA7-E4E5F042BD71}"/>
+              </a:ext>
+            </a:extLst>
+          </p:cNvPr>
+          <p:cNvSpPr/>
+          <p:nvPr/>
+        </p:nvSpPr>
+        <p:spPr>
+          <a:xfrm>
+            <a:off x="8208828" y="4725776"/>
+            <a:ext cx="2857500" cy="1143000"/>
+          </a:xfrm>
+          <a:prstGeom prst="rect">
+            <a:avLst/>
+          </a:prstGeom>
+          <a:solidFill>
+            <a:schemeClr val="accent6">
+              <a:alpha val="50000"/>
+            </a:schemeClr>
+          </a:solidFill>
+          <a:ln>
+            <a:noFill/>
+          </a:ln>
+        </p:spPr>
+        <p:style>
+          <a:lnRef idx="0">
+            <a:scrgbClr r="0" g="0" b="0"/>
+          </a:lnRef>
+          <a:fillRef idx="0">
+            <a:scrgbClr r="0" g="0" b="0"/>
+          </a:fillRef>
+          <a:effectRef idx="0">
+            <a:scrgbClr r="0" g="0" b="0"/>
+          </a:effectRef>
+          <a:fontRef idx="minor">
+            <a:schemeClr val="lt1"/>
+          </a:fontRef>
+        </p:style>
+        <p:txBody>
+          <a:bodyPr rtlCol="0" anchor="ctr"/>
+          <a:lstStyle/>
+          <a:p>
+            <a:pPr algn="ctr"/>
+            <a:r>
+              <a:rPr lang="zh-CN" altLang="en-US" b="1" dirty="0">
+                <a:solidFill>
+                  <a:schemeClr val="tx1"/>
+                </a:solidFill>
+              </a:rPr>
+              <a:t>返回菜单（激活状态）</a:t>
+            </a:r>
+          </a:p>
+        </p:txBody>
+      </p:sp>
+    </p:spTree>
+    <p:extLst>
+      <p:ext uri="{BB962C8B-B14F-4D97-AF65-F5344CB8AC3E}">
+        <p14:creationId xmlns:p14="http://schemas.microsoft.com/office/powerpoint/2010/main" val="2447101063"/>
+      </p:ext>
+    </p:extLst>
+  </p:cSld>
+  <p:clrMapOvr>
+    <a:masterClrMapping/>
+  </p:clrMapOvr>
+</p:sld>
+</file>
+
+<file path=ppt/slides/slide6.xml><?xml version="1.0" encoding="utf-8"?>
 <p:sld xmlns:a="http://schemas.openxmlformats.org/drawingml/2006/main" xmlns:r="http://schemas.openxmlformats.org/officeDocument/2006/relationships" xmlns:p="http://schemas.openxmlformats.org/presentationml/2006/main">
   <p:cSld>
     <p:spTree>

--- a/Resources/Canvas.pptx
+++ b/Resources/Canvas.pptx
@@ -11,6 +11,7 @@
     <p:sldId id="258" r:id="rId5"/>
     <p:sldId id="261" r:id="rId6"/>
     <p:sldId id="259" r:id="rId7"/>
+    <p:sldId id="262" r:id="rId8"/>
   </p:sldIdLst>
   <p:sldSz cx="12192000" cy="6858000"/>
   <p:notesSz cx="6858000" cy="9144000"/>
@@ -248,7 +249,7 @@
           <a:p>
             <a:fld id="{2B928D23-DF1B-4C68-B99A-2491BA0067D3}" type="datetimeFigureOut">
               <a:rPr lang="zh-CN" altLang="en-US" smtClean="0"/>
-              <a:t>2023/12/6</a:t>
+              <a:t>2023/12/14</a:t>
             </a:fld>
             <a:endParaRPr lang="zh-CN" altLang="en-US"/>
           </a:p>
@@ -418,7 +419,7 @@
           <a:p>
             <a:fld id="{2B928D23-DF1B-4C68-B99A-2491BA0067D3}" type="datetimeFigureOut">
               <a:rPr lang="zh-CN" altLang="en-US" smtClean="0"/>
-              <a:t>2023/12/6</a:t>
+              <a:t>2023/12/14</a:t>
             </a:fld>
             <a:endParaRPr lang="zh-CN" altLang="en-US"/>
           </a:p>
@@ -598,7 +599,7 @@
           <a:p>
             <a:fld id="{2B928D23-DF1B-4C68-B99A-2491BA0067D3}" type="datetimeFigureOut">
               <a:rPr lang="zh-CN" altLang="en-US" smtClean="0"/>
-              <a:t>2023/12/6</a:t>
+              <a:t>2023/12/14</a:t>
             </a:fld>
             <a:endParaRPr lang="zh-CN" altLang="en-US"/>
           </a:p>
@@ -768,7 +769,7 @@
           <a:p>
             <a:fld id="{2B928D23-DF1B-4C68-B99A-2491BA0067D3}" type="datetimeFigureOut">
               <a:rPr lang="zh-CN" altLang="en-US" smtClean="0"/>
-              <a:t>2023/12/6</a:t>
+              <a:t>2023/12/14</a:t>
             </a:fld>
             <a:endParaRPr lang="zh-CN" altLang="en-US"/>
           </a:p>
@@ -1014,7 +1015,7 @@
           <a:p>
             <a:fld id="{2B928D23-DF1B-4C68-B99A-2491BA0067D3}" type="datetimeFigureOut">
               <a:rPr lang="zh-CN" altLang="en-US" smtClean="0"/>
-              <a:t>2023/12/6</a:t>
+              <a:t>2023/12/14</a:t>
             </a:fld>
             <a:endParaRPr lang="zh-CN" altLang="en-US"/>
           </a:p>
@@ -1246,7 +1247,7 @@
           <a:p>
             <a:fld id="{2B928D23-DF1B-4C68-B99A-2491BA0067D3}" type="datetimeFigureOut">
               <a:rPr lang="zh-CN" altLang="en-US" smtClean="0"/>
-              <a:t>2023/12/6</a:t>
+              <a:t>2023/12/14</a:t>
             </a:fld>
             <a:endParaRPr lang="zh-CN" altLang="en-US"/>
           </a:p>
@@ -1613,7 +1614,7 @@
           <a:p>
             <a:fld id="{2B928D23-DF1B-4C68-B99A-2491BA0067D3}" type="datetimeFigureOut">
               <a:rPr lang="zh-CN" altLang="en-US" smtClean="0"/>
-              <a:t>2023/12/6</a:t>
+              <a:t>2023/12/14</a:t>
             </a:fld>
             <a:endParaRPr lang="zh-CN" altLang="en-US"/>
           </a:p>
@@ -1731,7 +1732,7 @@
           <a:p>
             <a:fld id="{2B928D23-DF1B-4C68-B99A-2491BA0067D3}" type="datetimeFigureOut">
               <a:rPr lang="zh-CN" altLang="en-US" smtClean="0"/>
-              <a:t>2023/12/6</a:t>
+              <a:t>2023/12/14</a:t>
             </a:fld>
             <a:endParaRPr lang="zh-CN" altLang="en-US"/>
           </a:p>
@@ -1826,7 +1827,7 @@
           <a:p>
             <a:fld id="{2B928D23-DF1B-4C68-B99A-2491BA0067D3}" type="datetimeFigureOut">
               <a:rPr lang="zh-CN" altLang="en-US" smtClean="0"/>
-              <a:t>2023/12/6</a:t>
+              <a:t>2023/12/14</a:t>
             </a:fld>
             <a:endParaRPr lang="zh-CN" altLang="en-US"/>
           </a:p>
@@ -2103,7 +2104,7 @@
           <a:p>
             <a:fld id="{2B928D23-DF1B-4C68-B99A-2491BA0067D3}" type="datetimeFigureOut">
               <a:rPr lang="zh-CN" altLang="en-US" smtClean="0"/>
-              <a:t>2023/12/6</a:t>
+              <a:t>2023/12/14</a:t>
             </a:fld>
             <a:endParaRPr lang="zh-CN" altLang="en-US"/>
           </a:p>
@@ -2360,7 +2361,7 @@
           <a:p>
             <a:fld id="{2B928D23-DF1B-4C68-B99A-2491BA0067D3}" type="datetimeFigureOut">
               <a:rPr lang="zh-CN" altLang="en-US" smtClean="0"/>
-              <a:t>2023/12/6</a:t>
+              <a:t>2023/12/14</a:t>
             </a:fld>
             <a:endParaRPr lang="zh-CN" altLang="en-US"/>
           </a:p>
@@ -2573,7 +2574,7 @@
           <a:p>
             <a:fld id="{2B928D23-DF1B-4C68-B99A-2491BA0067D3}" type="datetimeFigureOut">
               <a:rPr lang="zh-CN" altLang="en-US" smtClean="0"/>
-              <a:t>2023/12/6</a:t>
+              <a:t>2023/12/14</a:t>
             </a:fld>
             <a:endParaRPr lang="zh-CN" altLang="en-US"/>
           </a:p>
@@ -4872,6 +4873,4829 @@
 </p:sld>
 </file>
 
+<file path=ppt/slides/slide7.xml><?xml version="1.0" encoding="utf-8"?>
+<p:sld xmlns:a="http://schemas.openxmlformats.org/drawingml/2006/main" xmlns:r="http://schemas.openxmlformats.org/officeDocument/2006/relationships" xmlns:p="http://schemas.openxmlformats.org/presentationml/2006/main">
+  <p:cSld>
+    <p:spTree>
+      <p:nvGrpSpPr>
+        <p:cNvPr id="1" name=""/>
+        <p:cNvGrpSpPr/>
+        <p:nvPr/>
+      </p:nvGrpSpPr>
+      <p:grpSpPr>
+        <a:xfrm>
+          <a:off x="0" y="0"/>
+          <a:ext cx="0" cy="0"/>
+          <a:chOff x="0" y="0"/>
+          <a:chExt cx="0" cy="0"/>
+        </a:xfrm>
+      </p:grpSpPr>
+      <p:sp>
+        <p:nvSpPr>
+          <p:cNvPr id="4" name="矩形 3">
+            <a:extLst>
+              <a:ext uri="{FF2B5EF4-FFF2-40B4-BE49-F238E27FC236}">
+                <a16:creationId xmlns:a16="http://schemas.microsoft.com/office/drawing/2014/main" id="{F2AA24D8-A9FB-29D5-942F-6CD243246807}"/>
+              </a:ext>
+            </a:extLst>
+          </p:cNvPr>
+          <p:cNvSpPr>
+            <a:spLocks/>
+          </p:cNvSpPr>
+          <p:nvPr/>
+        </p:nvSpPr>
+        <p:spPr>
+          <a:xfrm>
+            <a:off x="3714750" y="5715000"/>
+            <a:ext cx="952500" cy="1143000"/>
+          </a:xfrm>
+          <a:prstGeom prst="rect">
+            <a:avLst/>
+          </a:prstGeom>
+          <a:solidFill>
+            <a:srgbClr val="F6A0BB"/>
+          </a:solidFill>
+          <a:ln>
+            <a:noFill/>
+          </a:ln>
+        </p:spPr>
+        <p:style>
+          <a:lnRef idx="2">
+            <a:schemeClr val="accent1">
+              <a:shade val="15000"/>
+            </a:schemeClr>
+          </a:lnRef>
+          <a:fillRef idx="1">
+            <a:schemeClr val="accent1"/>
+          </a:fillRef>
+          <a:effectRef idx="0">
+            <a:schemeClr val="accent1"/>
+          </a:effectRef>
+          <a:fontRef idx="minor">
+            <a:schemeClr val="lt1"/>
+          </a:fontRef>
+        </p:style>
+        <p:txBody>
+          <a:bodyPr rtlCol="0" anchor="ctr"/>
+          <a:lstStyle/>
+          <a:p>
+            <a:pPr algn="ctr"/>
+            <a:r>
+              <a:rPr lang="en-US" altLang="zh-CN" sz="1600" dirty="0"/>
+              <a:t>200*240</a:t>
+            </a:r>
+            <a:endParaRPr lang="zh-CN" altLang="en-US" sz="1600" dirty="0"/>
+          </a:p>
+        </p:txBody>
+      </p:sp>
+      <p:sp>
+        <p:nvSpPr>
+          <p:cNvPr id="5" name="矩形 4">
+            <a:extLst>
+              <a:ext uri="{FF2B5EF4-FFF2-40B4-BE49-F238E27FC236}">
+                <a16:creationId xmlns:a16="http://schemas.microsoft.com/office/drawing/2014/main" id="{94650EC1-F9FB-D1D5-2EC5-4A6F96F2F4DD}"/>
+              </a:ext>
+            </a:extLst>
+          </p:cNvPr>
+          <p:cNvSpPr>
+            <a:spLocks/>
+          </p:cNvSpPr>
+          <p:nvPr/>
+        </p:nvSpPr>
+        <p:spPr>
+          <a:xfrm>
+            <a:off x="4667250" y="5715000"/>
+            <a:ext cx="952500" cy="1143000"/>
+          </a:xfrm>
+          <a:prstGeom prst="rect">
+            <a:avLst/>
+          </a:prstGeom>
+          <a:solidFill>
+            <a:srgbClr val="FCC4D9"/>
+          </a:solidFill>
+          <a:ln>
+            <a:noFill/>
+          </a:ln>
+        </p:spPr>
+        <p:style>
+          <a:lnRef idx="2">
+            <a:schemeClr val="accent1">
+              <a:shade val="15000"/>
+            </a:schemeClr>
+          </a:lnRef>
+          <a:fillRef idx="1">
+            <a:schemeClr val="accent1"/>
+          </a:fillRef>
+          <a:effectRef idx="0">
+            <a:schemeClr val="accent1"/>
+          </a:effectRef>
+          <a:fontRef idx="minor">
+            <a:schemeClr val="lt1"/>
+          </a:fontRef>
+        </p:style>
+        <p:txBody>
+          <a:bodyPr rtlCol="0" anchor="ctr"/>
+          <a:lstStyle/>
+          <a:p>
+            <a:pPr algn="ctr"/>
+            <a:endParaRPr lang="zh-CN" altLang="en-US"/>
+          </a:p>
+        </p:txBody>
+      </p:sp>
+      <p:sp>
+        <p:nvSpPr>
+          <p:cNvPr id="6" name="矩形 5">
+            <a:extLst>
+              <a:ext uri="{FF2B5EF4-FFF2-40B4-BE49-F238E27FC236}">
+                <a16:creationId xmlns:a16="http://schemas.microsoft.com/office/drawing/2014/main" id="{3D653ABE-7BED-A897-418E-07690CCB7FB3}"/>
+              </a:ext>
+            </a:extLst>
+          </p:cNvPr>
+          <p:cNvSpPr>
+            <a:spLocks/>
+          </p:cNvSpPr>
+          <p:nvPr/>
+        </p:nvSpPr>
+        <p:spPr>
+          <a:xfrm>
+            <a:off x="5619750" y="5715000"/>
+            <a:ext cx="952500" cy="1143000"/>
+          </a:xfrm>
+          <a:prstGeom prst="rect">
+            <a:avLst/>
+          </a:prstGeom>
+          <a:solidFill>
+            <a:srgbClr val="F6A0BB"/>
+          </a:solidFill>
+          <a:ln>
+            <a:noFill/>
+          </a:ln>
+        </p:spPr>
+        <p:style>
+          <a:lnRef idx="2">
+            <a:schemeClr val="accent1">
+              <a:shade val="15000"/>
+            </a:schemeClr>
+          </a:lnRef>
+          <a:fillRef idx="1">
+            <a:schemeClr val="accent1"/>
+          </a:fillRef>
+          <a:effectRef idx="0">
+            <a:schemeClr val="accent1"/>
+          </a:effectRef>
+          <a:fontRef idx="minor">
+            <a:schemeClr val="lt1"/>
+          </a:fontRef>
+        </p:style>
+        <p:txBody>
+          <a:bodyPr rtlCol="0" anchor="ctr"/>
+          <a:lstStyle/>
+          <a:p>
+            <a:pPr algn="ctr"/>
+            <a:endParaRPr lang="zh-CN" altLang="en-US"/>
+          </a:p>
+        </p:txBody>
+      </p:sp>
+      <p:sp>
+        <p:nvSpPr>
+          <p:cNvPr id="7" name="矩形 6">
+            <a:extLst>
+              <a:ext uri="{FF2B5EF4-FFF2-40B4-BE49-F238E27FC236}">
+                <a16:creationId xmlns:a16="http://schemas.microsoft.com/office/drawing/2014/main" id="{48A90D59-C996-5970-B79B-08D381E62540}"/>
+              </a:ext>
+            </a:extLst>
+          </p:cNvPr>
+          <p:cNvSpPr>
+            <a:spLocks/>
+          </p:cNvSpPr>
+          <p:nvPr/>
+        </p:nvSpPr>
+        <p:spPr>
+          <a:xfrm>
+            <a:off x="6572250" y="5715000"/>
+            <a:ext cx="952500" cy="1143000"/>
+          </a:xfrm>
+          <a:prstGeom prst="rect">
+            <a:avLst/>
+          </a:prstGeom>
+          <a:solidFill>
+            <a:srgbClr val="FCC4D9"/>
+          </a:solidFill>
+          <a:ln>
+            <a:noFill/>
+          </a:ln>
+        </p:spPr>
+        <p:style>
+          <a:lnRef idx="2">
+            <a:schemeClr val="accent1">
+              <a:shade val="15000"/>
+            </a:schemeClr>
+          </a:lnRef>
+          <a:fillRef idx="1">
+            <a:schemeClr val="accent1"/>
+          </a:fillRef>
+          <a:effectRef idx="0">
+            <a:schemeClr val="accent1"/>
+          </a:effectRef>
+          <a:fontRef idx="minor">
+            <a:schemeClr val="lt1"/>
+          </a:fontRef>
+        </p:style>
+        <p:txBody>
+          <a:bodyPr rtlCol="0" anchor="ctr"/>
+          <a:lstStyle/>
+          <a:p>
+            <a:pPr algn="ctr"/>
+            <a:endParaRPr lang="zh-CN" altLang="en-US"/>
+          </a:p>
+        </p:txBody>
+      </p:sp>
+      <p:sp>
+        <p:nvSpPr>
+          <p:cNvPr id="8" name="矩形 7">
+            <a:extLst>
+              <a:ext uri="{FF2B5EF4-FFF2-40B4-BE49-F238E27FC236}">
+                <a16:creationId xmlns:a16="http://schemas.microsoft.com/office/drawing/2014/main" id="{DA482B5E-40B1-4473-EE07-6D71961AC479}"/>
+              </a:ext>
+            </a:extLst>
+          </p:cNvPr>
+          <p:cNvSpPr>
+            <a:spLocks/>
+          </p:cNvSpPr>
+          <p:nvPr/>
+        </p:nvSpPr>
+        <p:spPr>
+          <a:xfrm>
+            <a:off x="7524750" y="5715000"/>
+            <a:ext cx="952500" cy="1143000"/>
+          </a:xfrm>
+          <a:prstGeom prst="rect">
+            <a:avLst/>
+          </a:prstGeom>
+          <a:solidFill>
+            <a:srgbClr val="F6A0BB"/>
+          </a:solidFill>
+          <a:ln>
+            <a:noFill/>
+          </a:ln>
+        </p:spPr>
+        <p:style>
+          <a:lnRef idx="2">
+            <a:schemeClr val="accent1">
+              <a:shade val="15000"/>
+            </a:schemeClr>
+          </a:lnRef>
+          <a:fillRef idx="1">
+            <a:schemeClr val="accent1"/>
+          </a:fillRef>
+          <a:effectRef idx="0">
+            <a:schemeClr val="accent1"/>
+          </a:effectRef>
+          <a:fontRef idx="minor">
+            <a:schemeClr val="lt1"/>
+          </a:fontRef>
+        </p:style>
+        <p:txBody>
+          <a:bodyPr rtlCol="0" anchor="ctr"/>
+          <a:lstStyle/>
+          <a:p>
+            <a:pPr algn="ctr"/>
+            <a:endParaRPr lang="zh-CN" altLang="en-US"/>
+          </a:p>
+        </p:txBody>
+      </p:sp>
+      <p:grpSp>
+        <p:nvGrpSpPr>
+          <p:cNvPr id="165" name="组合 164">
+            <a:extLst>
+              <a:ext uri="{FF2B5EF4-FFF2-40B4-BE49-F238E27FC236}">
+                <a16:creationId xmlns:a16="http://schemas.microsoft.com/office/drawing/2014/main" id="{94302B86-572B-0F20-0B0F-1C8A7C569922}"/>
+              </a:ext>
+            </a:extLst>
+          </p:cNvPr>
+          <p:cNvGrpSpPr/>
+          <p:nvPr/>
+        </p:nvGrpSpPr>
+        <p:grpSpPr>
+          <a:xfrm>
+            <a:off x="3652065" y="717685"/>
+            <a:ext cx="4887870" cy="4297024"/>
+            <a:chOff x="3652065" y="717685"/>
+            <a:chExt cx="4887870" cy="4297024"/>
+          </a:xfrm>
+        </p:grpSpPr>
+        <p:sp>
+          <p:nvSpPr>
+            <p:cNvPr id="12" name="六边形 11">
+              <a:extLst>
+                <a:ext uri="{FF2B5EF4-FFF2-40B4-BE49-F238E27FC236}">
+                  <a16:creationId xmlns:a16="http://schemas.microsoft.com/office/drawing/2014/main" id="{F820D53C-DE28-C967-276A-5036F9B947E3}"/>
+                </a:ext>
+              </a:extLst>
+            </p:cNvPr>
+            <p:cNvSpPr/>
+            <p:nvPr/>
+          </p:nvSpPr>
+          <p:spPr>
+            <a:xfrm rot="16200000">
+              <a:off x="3606062" y="763688"/>
+              <a:ext cx="667050" cy="575044"/>
+            </a:xfrm>
+            <a:prstGeom prst="hexagon">
+              <a:avLst/>
+            </a:prstGeom>
+            <a:solidFill>
+              <a:schemeClr val="accent1">
+                <a:lumMod val="20000"/>
+                <a:lumOff val="80000"/>
+              </a:schemeClr>
+            </a:solidFill>
+            <a:ln>
+              <a:noFill/>
+            </a:ln>
+          </p:spPr>
+          <p:style>
+            <a:lnRef idx="2">
+              <a:schemeClr val="accent1">
+                <a:shade val="15000"/>
+              </a:schemeClr>
+            </a:lnRef>
+            <a:fillRef idx="1">
+              <a:schemeClr val="accent1"/>
+            </a:fillRef>
+            <a:effectRef idx="0">
+              <a:schemeClr val="accent1"/>
+            </a:effectRef>
+            <a:fontRef idx="minor">
+              <a:schemeClr val="lt1"/>
+            </a:fontRef>
+          </p:style>
+          <p:txBody>
+            <a:bodyPr rtlCol="0" anchor="ctr"/>
+            <a:lstStyle/>
+            <a:p>
+              <a:pPr algn="ctr"/>
+              <a:endParaRPr lang="zh-CN" altLang="en-US"/>
+            </a:p>
+          </p:txBody>
+        </p:sp>
+        <p:sp>
+          <p:nvSpPr>
+            <p:cNvPr id="13" name="六边形 12">
+              <a:extLst>
+                <a:ext uri="{FF2B5EF4-FFF2-40B4-BE49-F238E27FC236}">
+                  <a16:creationId xmlns:a16="http://schemas.microsoft.com/office/drawing/2014/main" id="{16958130-2468-4E12-3724-96151F532069}"/>
+                </a:ext>
+              </a:extLst>
+            </p:cNvPr>
+            <p:cNvSpPr/>
+            <p:nvPr/>
+          </p:nvSpPr>
+          <p:spPr>
+            <a:xfrm rot="16200000">
+              <a:off x="4181105" y="763688"/>
+              <a:ext cx="667050" cy="575044"/>
+            </a:xfrm>
+            <a:prstGeom prst="hexagon">
+              <a:avLst/>
+            </a:prstGeom>
+            <a:solidFill>
+              <a:schemeClr val="accent1">
+                <a:lumMod val="75000"/>
+              </a:schemeClr>
+            </a:solidFill>
+            <a:ln>
+              <a:noFill/>
+            </a:ln>
+          </p:spPr>
+          <p:style>
+            <a:lnRef idx="2">
+              <a:schemeClr val="accent1">
+                <a:shade val="15000"/>
+              </a:schemeClr>
+            </a:lnRef>
+            <a:fillRef idx="1">
+              <a:schemeClr val="accent1"/>
+            </a:fillRef>
+            <a:effectRef idx="0">
+              <a:schemeClr val="accent1"/>
+            </a:effectRef>
+            <a:fontRef idx="minor">
+              <a:schemeClr val="lt1"/>
+            </a:fontRef>
+          </p:style>
+          <p:txBody>
+            <a:bodyPr rtlCol="0" anchor="ctr"/>
+            <a:lstStyle/>
+            <a:p>
+              <a:pPr algn="ctr"/>
+              <a:endParaRPr lang="zh-CN" altLang="en-US"/>
+            </a:p>
+          </p:txBody>
+        </p:sp>
+        <p:sp>
+          <p:nvSpPr>
+            <p:cNvPr id="14" name="六边形 13">
+              <a:extLst>
+                <a:ext uri="{FF2B5EF4-FFF2-40B4-BE49-F238E27FC236}">
+                  <a16:creationId xmlns:a16="http://schemas.microsoft.com/office/drawing/2014/main" id="{57D1F29A-73D5-099C-BF7F-0638D06A5B1C}"/>
+                </a:ext>
+              </a:extLst>
+            </p:cNvPr>
+            <p:cNvSpPr/>
+            <p:nvPr/>
+          </p:nvSpPr>
+          <p:spPr>
+            <a:xfrm rot="16200000">
+              <a:off x="4756149" y="763688"/>
+              <a:ext cx="667050" cy="575044"/>
+            </a:xfrm>
+            <a:prstGeom prst="hexagon">
+              <a:avLst/>
+            </a:prstGeom>
+            <a:solidFill>
+              <a:schemeClr val="accent1">
+                <a:lumMod val="20000"/>
+                <a:lumOff val="80000"/>
+              </a:schemeClr>
+            </a:solidFill>
+            <a:ln>
+              <a:noFill/>
+            </a:ln>
+          </p:spPr>
+          <p:style>
+            <a:lnRef idx="2">
+              <a:schemeClr val="accent1">
+                <a:shade val="15000"/>
+              </a:schemeClr>
+            </a:lnRef>
+            <a:fillRef idx="1">
+              <a:schemeClr val="accent1"/>
+            </a:fillRef>
+            <a:effectRef idx="0">
+              <a:schemeClr val="accent1"/>
+            </a:effectRef>
+            <a:fontRef idx="minor">
+              <a:schemeClr val="lt1"/>
+            </a:fontRef>
+          </p:style>
+          <p:txBody>
+            <a:bodyPr rtlCol="0" anchor="ctr"/>
+            <a:lstStyle/>
+            <a:p>
+              <a:pPr algn="ctr"/>
+              <a:endParaRPr lang="zh-CN" altLang="en-US"/>
+            </a:p>
+          </p:txBody>
+        </p:sp>
+        <p:sp>
+          <p:nvSpPr>
+            <p:cNvPr id="15" name="六边形 14">
+              <a:extLst>
+                <a:ext uri="{FF2B5EF4-FFF2-40B4-BE49-F238E27FC236}">
+                  <a16:creationId xmlns:a16="http://schemas.microsoft.com/office/drawing/2014/main" id="{E28E7497-ED0A-6444-70A0-CDC08782EA66}"/>
+                </a:ext>
+              </a:extLst>
+            </p:cNvPr>
+            <p:cNvSpPr/>
+            <p:nvPr/>
+          </p:nvSpPr>
+          <p:spPr>
+            <a:xfrm rot="16200000">
+              <a:off x="5331192" y="763688"/>
+              <a:ext cx="667050" cy="575044"/>
+            </a:xfrm>
+            <a:prstGeom prst="hexagon">
+              <a:avLst/>
+            </a:prstGeom>
+            <a:solidFill>
+              <a:schemeClr val="accent1">
+                <a:lumMod val="75000"/>
+              </a:schemeClr>
+            </a:solidFill>
+            <a:ln>
+              <a:noFill/>
+            </a:ln>
+          </p:spPr>
+          <p:style>
+            <a:lnRef idx="2">
+              <a:schemeClr val="accent1">
+                <a:shade val="15000"/>
+              </a:schemeClr>
+            </a:lnRef>
+            <a:fillRef idx="1">
+              <a:schemeClr val="accent1"/>
+            </a:fillRef>
+            <a:effectRef idx="0">
+              <a:schemeClr val="accent1"/>
+            </a:effectRef>
+            <a:fontRef idx="minor">
+              <a:schemeClr val="lt1"/>
+            </a:fontRef>
+          </p:style>
+          <p:txBody>
+            <a:bodyPr rtlCol="0" anchor="ctr"/>
+            <a:lstStyle/>
+            <a:p>
+              <a:pPr algn="ctr"/>
+              <a:endParaRPr lang="zh-CN" altLang="en-US"/>
+            </a:p>
+          </p:txBody>
+        </p:sp>
+        <p:sp>
+          <p:nvSpPr>
+            <p:cNvPr id="16" name="六边形 15">
+              <a:extLst>
+                <a:ext uri="{FF2B5EF4-FFF2-40B4-BE49-F238E27FC236}">
+                  <a16:creationId xmlns:a16="http://schemas.microsoft.com/office/drawing/2014/main" id="{4A1FD2BE-B5B7-12C8-7691-3F9DDDA893B6}"/>
+                </a:ext>
+              </a:extLst>
+            </p:cNvPr>
+            <p:cNvSpPr/>
+            <p:nvPr/>
+          </p:nvSpPr>
+          <p:spPr>
+            <a:xfrm rot="16200000">
+              <a:off x="5906236" y="763688"/>
+              <a:ext cx="667050" cy="575044"/>
+            </a:xfrm>
+            <a:prstGeom prst="hexagon">
+              <a:avLst/>
+            </a:prstGeom>
+            <a:solidFill>
+              <a:schemeClr val="accent1">
+                <a:lumMod val="20000"/>
+                <a:lumOff val="80000"/>
+              </a:schemeClr>
+            </a:solidFill>
+            <a:ln>
+              <a:noFill/>
+            </a:ln>
+          </p:spPr>
+          <p:style>
+            <a:lnRef idx="2">
+              <a:schemeClr val="accent1">
+                <a:shade val="15000"/>
+              </a:schemeClr>
+            </a:lnRef>
+            <a:fillRef idx="1">
+              <a:schemeClr val="accent1"/>
+            </a:fillRef>
+            <a:effectRef idx="0">
+              <a:schemeClr val="accent1"/>
+            </a:effectRef>
+            <a:fontRef idx="minor">
+              <a:schemeClr val="lt1"/>
+            </a:fontRef>
+          </p:style>
+          <p:txBody>
+            <a:bodyPr rtlCol="0" anchor="ctr"/>
+            <a:lstStyle/>
+            <a:p>
+              <a:pPr algn="ctr"/>
+              <a:endParaRPr lang="zh-CN" altLang="en-US"/>
+            </a:p>
+          </p:txBody>
+        </p:sp>
+        <p:sp>
+          <p:nvSpPr>
+            <p:cNvPr id="17" name="六边形 16">
+              <a:extLst>
+                <a:ext uri="{FF2B5EF4-FFF2-40B4-BE49-F238E27FC236}">
+                  <a16:creationId xmlns:a16="http://schemas.microsoft.com/office/drawing/2014/main" id="{4C90484B-EA67-4CE0-F8B6-61A18221B40F}"/>
+                </a:ext>
+              </a:extLst>
+            </p:cNvPr>
+            <p:cNvSpPr/>
+            <p:nvPr/>
+          </p:nvSpPr>
+          <p:spPr>
+            <a:xfrm rot="16200000">
+              <a:off x="6481279" y="763688"/>
+              <a:ext cx="667050" cy="575044"/>
+            </a:xfrm>
+            <a:prstGeom prst="hexagon">
+              <a:avLst/>
+            </a:prstGeom>
+            <a:solidFill>
+              <a:schemeClr val="accent1">
+                <a:lumMod val="75000"/>
+              </a:schemeClr>
+            </a:solidFill>
+            <a:ln>
+              <a:noFill/>
+            </a:ln>
+          </p:spPr>
+          <p:style>
+            <a:lnRef idx="2">
+              <a:schemeClr val="accent1">
+                <a:shade val="15000"/>
+              </a:schemeClr>
+            </a:lnRef>
+            <a:fillRef idx="1">
+              <a:schemeClr val="accent1"/>
+            </a:fillRef>
+            <a:effectRef idx="0">
+              <a:schemeClr val="accent1"/>
+            </a:effectRef>
+            <a:fontRef idx="minor">
+              <a:schemeClr val="lt1"/>
+            </a:fontRef>
+          </p:style>
+          <p:txBody>
+            <a:bodyPr rtlCol="0" anchor="ctr"/>
+            <a:lstStyle/>
+            <a:p>
+              <a:pPr algn="ctr"/>
+              <a:endParaRPr lang="zh-CN" altLang="en-US"/>
+            </a:p>
+          </p:txBody>
+        </p:sp>
+        <p:sp>
+          <p:nvSpPr>
+            <p:cNvPr id="18" name="六边形 17">
+              <a:extLst>
+                <a:ext uri="{FF2B5EF4-FFF2-40B4-BE49-F238E27FC236}">
+                  <a16:creationId xmlns:a16="http://schemas.microsoft.com/office/drawing/2014/main" id="{03C58A7D-BDAC-041A-5E68-D733FEA921C3}"/>
+                </a:ext>
+              </a:extLst>
+            </p:cNvPr>
+            <p:cNvSpPr/>
+            <p:nvPr/>
+          </p:nvSpPr>
+          <p:spPr>
+            <a:xfrm rot="16200000">
+              <a:off x="7056323" y="763688"/>
+              <a:ext cx="667050" cy="575044"/>
+            </a:xfrm>
+            <a:prstGeom prst="hexagon">
+              <a:avLst/>
+            </a:prstGeom>
+            <a:solidFill>
+              <a:schemeClr val="accent1">
+                <a:lumMod val="20000"/>
+                <a:lumOff val="80000"/>
+              </a:schemeClr>
+            </a:solidFill>
+            <a:ln>
+              <a:noFill/>
+            </a:ln>
+          </p:spPr>
+          <p:style>
+            <a:lnRef idx="2">
+              <a:schemeClr val="accent1">
+                <a:shade val="15000"/>
+              </a:schemeClr>
+            </a:lnRef>
+            <a:fillRef idx="1">
+              <a:schemeClr val="accent1"/>
+            </a:fillRef>
+            <a:effectRef idx="0">
+              <a:schemeClr val="accent1"/>
+            </a:effectRef>
+            <a:fontRef idx="minor">
+              <a:schemeClr val="lt1"/>
+            </a:fontRef>
+          </p:style>
+          <p:txBody>
+            <a:bodyPr rtlCol="0" anchor="ctr"/>
+            <a:lstStyle/>
+            <a:p>
+              <a:pPr algn="ctr"/>
+              <a:endParaRPr lang="zh-CN" altLang="en-US"/>
+            </a:p>
+          </p:txBody>
+        </p:sp>
+        <p:sp>
+          <p:nvSpPr>
+            <p:cNvPr id="19" name="六边形 18">
+              <a:extLst>
+                <a:ext uri="{FF2B5EF4-FFF2-40B4-BE49-F238E27FC236}">
+                  <a16:creationId xmlns:a16="http://schemas.microsoft.com/office/drawing/2014/main" id="{A5A7F082-BFFB-31E6-40C0-419AD08C68CE}"/>
+                </a:ext>
+              </a:extLst>
+            </p:cNvPr>
+            <p:cNvSpPr/>
+            <p:nvPr/>
+          </p:nvSpPr>
+          <p:spPr>
+            <a:xfrm rot="16200000">
+              <a:off x="7631366" y="763688"/>
+              <a:ext cx="667050" cy="575044"/>
+            </a:xfrm>
+            <a:prstGeom prst="hexagon">
+              <a:avLst/>
+            </a:prstGeom>
+            <a:solidFill>
+              <a:schemeClr val="accent1">
+                <a:lumMod val="75000"/>
+              </a:schemeClr>
+            </a:solidFill>
+            <a:ln>
+              <a:noFill/>
+            </a:ln>
+          </p:spPr>
+          <p:style>
+            <a:lnRef idx="2">
+              <a:schemeClr val="accent1">
+                <a:shade val="15000"/>
+              </a:schemeClr>
+            </a:lnRef>
+            <a:fillRef idx="1">
+              <a:schemeClr val="accent1"/>
+            </a:fillRef>
+            <a:effectRef idx="0">
+              <a:schemeClr val="accent1"/>
+            </a:effectRef>
+            <a:fontRef idx="minor">
+              <a:schemeClr val="lt1"/>
+            </a:fontRef>
+          </p:style>
+          <p:txBody>
+            <a:bodyPr rtlCol="0" anchor="ctr"/>
+            <a:lstStyle/>
+            <a:p>
+              <a:pPr algn="ctr"/>
+              <a:endParaRPr lang="zh-CN" altLang="en-US"/>
+            </a:p>
+          </p:txBody>
+        </p:sp>
+        <p:sp>
+          <p:nvSpPr>
+            <p:cNvPr id="20" name="六边形 19">
+              <a:extLst>
+                <a:ext uri="{FF2B5EF4-FFF2-40B4-BE49-F238E27FC236}">
+                  <a16:creationId xmlns:a16="http://schemas.microsoft.com/office/drawing/2014/main" id="{2FB947B6-49F3-8696-C94C-79B6C0DC6C89}"/>
+                </a:ext>
+              </a:extLst>
+            </p:cNvPr>
+            <p:cNvSpPr/>
+            <p:nvPr/>
+          </p:nvSpPr>
+          <p:spPr>
+            <a:xfrm rot="16200000">
+              <a:off x="3893583" y="1282826"/>
+              <a:ext cx="667050" cy="575044"/>
+            </a:xfrm>
+            <a:prstGeom prst="hexagon">
+              <a:avLst/>
+            </a:prstGeom>
+            <a:solidFill>
+              <a:schemeClr val="accent1">
+                <a:lumMod val="60000"/>
+                <a:lumOff val="40000"/>
+              </a:schemeClr>
+            </a:solidFill>
+            <a:ln>
+              <a:noFill/>
+            </a:ln>
+          </p:spPr>
+          <p:style>
+            <a:lnRef idx="2">
+              <a:schemeClr val="accent1">
+                <a:shade val="15000"/>
+              </a:schemeClr>
+            </a:lnRef>
+            <a:fillRef idx="1">
+              <a:schemeClr val="accent1"/>
+            </a:fillRef>
+            <a:effectRef idx="0">
+              <a:schemeClr val="accent1"/>
+            </a:effectRef>
+            <a:fontRef idx="minor">
+              <a:schemeClr val="lt1"/>
+            </a:fontRef>
+          </p:style>
+          <p:txBody>
+            <a:bodyPr rtlCol="0" anchor="ctr"/>
+            <a:lstStyle/>
+            <a:p>
+              <a:pPr algn="ctr"/>
+              <a:endParaRPr lang="zh-CN" altLang="en-US"/>
+            </a:p>
+          </p:txBody>
+        </p:sp>
+        <p:sp>
+          <p:nvSpPr>
+            <p:cNvPr id="21" name="六边形 20">
+              <a:extLst>
+                <a:ext uri="{FF2B5EF4-FFF2-40B4-BE49-F238E27FC236}">
+                  <a16:creationId xmlns:a16="http://schemas.microsoft.com/office/drawing/2014/main" id="{AFC04978-0E22-14B8-001C-9ED23ED4DF1F}"/>
+                </a:ext>
+              </a:extLst>
+            </p:cNvPr>
+            <p:cNvSpPr/>
+            <p:nvPr/>
+          </p:nvSpPr>
+          <p:spPr>
+            <a:xfrm rot="16200000">
+              <a:off x="4468627" y="1282826"/>
+              <a:ext cx="667050" cy="575044"/>
+            </a:xfrm>
+            <a:prstGeom prst="hexagon">
+              <a:avLst/>
+            </a:prstGeom>
+            <a:solidFill>
+              <a:schemeClr val="accent1">
+                <a:lumMod val="40000"/>
+                <a:lumOff val="60000"/>
+              </a:schemeClr>
+            </a:solidFill>
+            <a:ln>
+              <a:noFill/>
+            </a:ln>
+          </p:spPr>
+          <p:style>
+            <a:lnRef idx="2">
+              <a:schemeClr val="accent1">
+                <a:shade val="15000"/>
+              </a:schemeClr>
+            </a:lnRef>
+            <a:fillRef idx="1">
+              <a:schemeClr val="accent1"/>
+            </a:fillRef>
+            <a:effectRef idx="0">
+              <a:schemeClr val="accent1"/>
+            </a:effectRef>
+            <a:fontRef idx="minor">
+              <a:schemeClr val="lt1"/>
+            </a:fontRef>
+          </p:style>
+          <p:txBody>
+            <a:bodyPr rtlCol="0" anchor="ctr"/>
+            <a:lstStyle/>
+            <a:p>
+              <a:pPr algn="ctr"/>
+              <a:endParaRPr lang="zh-CN" altLang="en-US"/>
+            </a:p>
+          </p:txBody>
+        </p:sp>
+        <p:sp>
+          <p:nvSpPr>
+            <p:cNvPr id="22" name="六边形 21">
+              <a:extLst>
+                <a:ext uri="{FF2B5EF4-FFF2-40B4-BE49-F238E27FC236}">
+                  <a16:creationId xmlns:a16="http://schemas.microsoft.com/office/drawing/2014/main" id="{EFF7700D-94E4-474E-AA76-CA98C09A5D53}"/>
+                </a:ext>
+              </a:extLst>
+            </p:cNvPr>
+            <p:cNvSpPr/>
+            <p:nvPr/>
+          </p:nvSpPr>
+          <p:spPr>
+            <a:xfrm rot="16200000">
+              <a:off x="5043671" y="1282826"/>
+              <a:ext cx="667050" cy="575044"/>
+            </a:xfrm>
+            <a:prstGeom prst="hexagon">
+              <a:avLst/>
+            </a:prstGeom>
+            <a:solidFill>
+              <a:schemeClr val="accent1">
+                <a:lumMod val="60000"/>
+                <a:lumOff val="40000"/>
+              </a:schemeClr>
+            </a:solidFill>
+            <a:ln>
+              <a:noFill/>
+            </a:ln>
+          </p:spPr>
+          <p:style>
+            <a:lnRef idx="2">
+              <a:schemeClr val="accent1">
+                <a:shade val="15000"/>
+              </a:schemeClr>
+            </a:lnRef>
+            <a:fillRef idx="1">
+              <a:schemeClr val="accent1"/>
+            </a:fillRef>
+            <a:effectRef idx="0">
+              <a:schemeClr val="accent1"/>
+            </a:effectRef>
+            <a:fontRef idx="minor">
+              <a:schemeClr val="lt1"/>
+            </a:fontRef>
+          </p:style>
+          <p:txBody>
+            <a:bodyPr rtlCol="0" anchor="ctr"/>
+            <a:lstStyle/>
+            <a:p>
+              <a:pPr algn="ctr"/>
+              <a:endParaRPr lang="zh-CN" altLang="en-US"/>
+            </a:p>
+          </p:txBody>
+        </p:sp>
+        <p:sp>
+          <p:nvSpPr>
+            <p:cNvPr id="23" name="六边形 22">
+              <a:extLst>
+                <a:ext uri="{FF2B5EF4-FFF2-40B4-BE49-F238E27FC236}">
+                  <a16:creationId xmlns:a16="http://schemas.microsoft.com/office/drawing/2014/main" id="{4126D97D-F040-3D15-C8CB-E43DE8C82598}"/>
+                </a:ext>
+              </a:extLst>
+            </p:cNvPr>
+            <p:cNvSpPr/>
+            <p:nvPr/>
+          </p:nvSpPr>
+          <p:spPr>
+            <a:xfrm rot="16200000">
+              <a:off x="5618714" y="1282826"/>
+              <a:ext cx="667050" cy="575044"/>
+            </a:xfrm>
+            <a:prstGeom prst="hexagon">
+              <a:avLst/>
+            </a:prstGeom>
+            <a:solidFill>
+              <a:schemeClr val="accent1">
+                <a:lumMod val="40000"/>
+                <a:lumOff val="60000"/>
+              </a:schemeClr>
+            </a:solidFill>
+            <a:ln>
+              <a:noFill/>
+            </a:ln>
+          </p:spPr>
+          <p:style>
+            <a:lnRef idx="2">
+              <a:schemeClr val="accent1">
+                <a:shade val="15000"/>
+              </a:schemeClr>
+            </a:lnRef>
+            <a:fillRef idx="1">
+              <a:schemeClr val="accent1"/>
+            </a:fillRef>
+            <a:effectRef idx="0">
+              <a:schemeClr val="accent1"/>
+            </a:effectRef>
+            <a:fontRef idx="minor">
+              <a:schemeClr val="lt1"/>
+            </a:fontRef>
+          </p:style>
+          <p:txBody>
+            <a:bodyPr rtlCol="0" anchor="ctr"/>
+            <a:lstStyle/>
+            <a:p>
+              <a:pPr algn="ctr"/>
+              <a:endParaRPr lang="zh-CN" altLang="en-US"/>
+            </a:p>
+          </p:txBody>
+        </p:sp>
+        <p:sp>
+          <p:nvSpPr>
+            <p:cNvPr id="24" name="六边形 23">
+              <a:extLst>
+                <a:ext uri="{FF2B5EF4-FFF2-40B4-BE49-F238E27FC236}">
+                  <a16:creationId xmlns:a16="http://schemas.microsoft.com/office/drawing/2014/main" id="{937A3BF7-2EA7-7CB2-6548-EEF86994AB4B}"/>
+                </a:ext>
+              </a:extLst>
+            </p:cNvPr>
+            <p:cNvSpPr/>
+            <p:nvPr/>
+          </p:nvSpPr>
+          <p:spPr>
+            <a:xfrm rot="16200000">
+              <a:off x="6193758" y="1282826"/>
+              <a:ext cx="667050" cy="575044"/>
+            </a:xfrm>
+            <a:prstGeom prst="hexagon">
+              <a:avLst/>
+            </a:prstGeom>
+            <a:solidFill>
+              <a:schemeClr val="accent1">
+                <a:lumMod val="60000"/>
+                <a:lumOff val="40000"/>
+              </a:schemeClr>
+            </a:solidFill>
+            <a:ln>
+              <a:noFill/>
+            </a:ln>
+          </p:spPr>
+          <p:style>
+            <a:lnRef idx="2">
+              <a:schemeClr val="accent1">
+                <a:shade val="15000"/>
+              </a:schemeClr>
+            </a:lnRef>
+            <a:fillRef idx="1">
+              <a:schemeClr val="accent1"/>
+            </a:fillRef>
+            <a:effectRef idx="0">
+              <a:schemeClr val="accent1"/>
+            </a:effectRef>
+            <a:fontRef idx="minor">
+              <a:schemeClr val="lt1"/>
+            </a:fontRef>
+          </p:style>
+          <p:txBody>
+            <a:bodyPr rtlCol="0" anchor="ctr"/>
+            <a:lstStyle/>
+            <a:p>
+              <a:pPr algn="ctr"/>
+              <a:endParaRPr lang="zh-CN" altLang="en-US"/>
+            </a:p>
+          </p:txBody>
+        </p:sp>
+        <p:sp>
+          <p:nvSpPr>
+            <p:cNvPr id="25" name="六边形 24">
+              <a:extLst>
+                <a:ext uri="{FF2B5EF4-FFF2-40B4-BE49-F238E27FC236}">
+                  <a16:creationId xmlns:a16="http://schemas.microsoft.com/office/drawing/2014/main" id="{4817B806-2C1A-5599-A99D-0ACC806F636F}"/>
+                </a:ext>
+              </a:extLst>
+            </p:cNvPr>
+            <p:cNvSpPr/>
+            <p:nvPr/>
+          </p:nvSpPr>
+          <p:spPr>
+            <a:xfrm rot="16200000">
+              <a:off x="6768801" y="1282826"/>
+              <a:ext cx="667050" cy="575044"/>
+            </a:xfrm>
+            <a:prstGeom prst="hexagon">
+              <a:avLst/>
+            </a:prstGeom>
+            <a:solidFill>
+              <a:schemeClr val="accent1">
+                <a:lumMod val="40000"/>
+                <a:lumOff val="60000"/>
+              </a:schemeClr>
+            </a:solidFill>
+            <a:ln>
+              <a:noFill/>
+            </a:ln>
+          </p:spPr>
+          <p:style>
+            <a:lnRef idx="2">
+              <a:schemeClr val="accent1">
+                <a:shade val="15000"/>
+              </a:schemeClr>
+            </a:lnRef>
+            <a:fillRef idx="1">
+              <a:schemeClr val="accent1"/>
+            </a:fillRef>
+            <a:effectRef idx="0">
+              <a:schemeClr val="accent1"/>
+            </a:effectRef>
+            <a:fontRef idx="minor">
+              <a:schemeClr val="lt1"/>
+            </a:fontRef>
+          </p:style>
+          <p:txBody>
+            <a:bodyPr rtlCol="0" anchor="ctr"/>
+            <a:lstStyle/>
+            <a:p>
+              <a:pPr algn="ctr"/>
+              <a:endParaRPr lang="zh-CN" altLang="en-US"/>
+            </a:p>
+          </p:txBody>
+        </p:sp>
+        <p:sp>
+          <p:nvSpPr>
+            <p:cNvPr id="26" name="六边形 25">
+              <a:extLst>
+                <a:ext uri="{FF2B5EF4-FFF2-40B4-BE49-F238E27FC236}">
+                  <a16:creationId xmlns:a16="http://schemas.microsoft.com/office/drawing/2014/main" id="{EDA3E2C0-5DF1-7B13-2645-DE6C89048FF3}"/>
+                </a:ext>
+              </a:extLst>
+            </p:cNvPr>
+            <p:cNvSpPr/>
+            <p:nvPr/>
+          </p:nvSpPr>
+          <p:spPr>
+            <a:xfrm rot="16200000">
+              <a:off x="7343845" y="1282826"/>
+              <a:ext cx="667050" cy="575044"/>
+            </a:xfrm>
+            <a:prstGeom prst="hexagon">
+              <a:avLst/>
+            </a:prstGeom>
+            <a:solidFill>
+              <a:schemeClr val="accent1">
+                <a:lumMod val="60000"/>
+                <a:lumOff val="40000"/>
+              </a:schemeClr>
+            </a:solidFill>
+            <a:ln>
+              <a:noFill/>
+            </a:ln>
+          </p:spPr>
+          <p:style>
+            <a:lnRef idx="2">
+              <a:schemeClr val="accent1">
+                <a:shade val="15000"/>
+              </a:schemeClr>
+            </a:lnRef>
+            <a:fillRef idx="1">
+              <a:schemeClr val="accent1"/>
+            </a:fillRef>
+            <a:effectRef idx="0">
+              <a:schemeClr val="accent1"/>
+            </a:effectRef>
+            <a:fontRef idx="minor">
+              <a:schemeClr val="lt1"/>
+            </a:fontRef>
+          </p:style>
+          <p:txBody>
+            <a:bodyPr rtlCol="0" anchor="ctr"/>
+            <a:lstStyle/>
+            <a:p>
+              <a:pPr algn="ctr"/>
+              <a:endParaRPr lang="zh-CN" altLang="en-US"/>
+            </a:p>
+          </p:txBody>
+        </p:sp>
+        <p:sp>
+          <p:nvSpPr>
+            <p:cNvPr id="27" name="六边形 26">
+              <a:extLst>
+                <a:ext uri="{FF2B5EF4-FFF2-40B4-BE49-F238E27FC236}">
+                  <a16:creationId xmlns:a16="http://schemas.microsoft.com/office/drawing/2014/main" id="{84989A04-CD5B-E3C7-80D0-BF43586A3BDD}"/>
+                </a:ext>
+              </a:extLst>
+            </p:cNvPr>
+            <p:cNvSpPr/>
+            <p:nvPr/>
+          </p:nvSpPr>
+          <p:spPr>
+            <a:xfrm rot="16200000">
+              <a:off x="7918888" y="1282826"/>
+              <a:ext cx="667050" cy="575044"/>
+            </a:xfrm>
+            <a:prstGeom prst="hexagon">
+              <a:avLst/>
+            </a:prstGeom>
+            <a:solidFill>
+              <a:schemeClr val="accent1">
+                <a:lumMod val="40000"/>
+                <a:lumOff val="60000"/>
+              </a:schemeClr>
+            </a:solidFill>
+            <a:ln>
+              <a:noFill/>
+            </a:ln>
+          </p:spPr>
+          <p:style>
+            <a:lnRef idx="2">
+              <a:schemeClr val="accent1">
+                <a:shade val="15000"/>
+              </a:schemeClr>
+            </a:lnRef>
+            <a:fillRef idx="1">
+              <a:schemeClr val="accent1"/>
+            </a:fillRef>
+            <a:effectRef idx="0">
+              <a:schemeClr val="accent1"/>
+            </a:effectRef>
+            <a:fontRef idx="minor">
+              <a:schemeClr val="lt1"/>
+            </a:fontRef>
+          </p:style>
+          <p:txBody>
+            <a:bodyPr rtlCol="0" anchor="ctr"/>
+            <a:lstStyle/>
+            <a:p>
+              <a:pPr algn="ctr"/>
+              <a:endParaRPr lang="zh-CN" altLang="en-US"/>
+            </a:p>
+          </p:txBody>
+        </p:sp>
+        <p:sp>
+          <p:nvSpPr>
+            <p:cNvPr id="28" name="六边形 27">
+              <a:extLst>
+                <a:ext uri="{FF2B5EF4-FFF2-40B4-BE49-F238E27FC236}">
+                  <a16:creationId xmlns:a16="http://schemas.microsoft.com/office/drawing/2014/main" id="{0C5FE729-9F30-7A1E-02B7-B9DE220B5160}"/>
+                </a:ext>
+              </a:extLst>
+            </p:cNvPr>
+            <p:cNvSpPr/>
+            <p:nvPr/>
+          </p:nvSpPr>
+          <p:spPr>
+            <a:xfrm rot="16200000">
+              <a:off x="3606062" y="1800635"/>
+              <a:ext cx="667050" cy="575044"/>
+            </a:xfrm>
+            <a:prstGeom prst="hexagon">
+              <a:avLst/>
+            </a:prstGeom>
+            <a:solidFill>
+              <a:schemeClr val="accent1">
+                <a:lumMod val="20000"/>
+                <a:lumOff val="80000"/>
+              </a:schemeClr>
+            </a:solidFill>
+            <a:ln>
+              <a:noFill/>
+            </a:ln>
+          </p:spPr>
+          <p:style>
+            <a:lnRef idx="2">
+              <a:schemeClr val="accent1">
+                <a:shade val="15000"/>
+              </a:schemeClr>
+            </a:lnRef>
+            <a:fillRef idx="1">
+              <a:schemeClr val="accent1"/>
+            </a:fillRef>
+            <a:effectRef idx="0">
+              <a:schemeClr val="accent1"/>
+            </a:effectRef>
+            <a:fontRef idx="minor">
+              <a:schemeClr val="lt1"/>
+            </a:fontRef>
+          </p:style>
+          <p:txBody>
+            <a:bodyPr rtlCol="0" anchor="ctr"/>
+            <a:lstStyle/>
+            <a:p>
+              <a:pPr algn="ctr"/>
+              <a:endParaRPr lang="zh-CN" altLang="en-US"/>
+            </a:p>
+          </p:txBody>
+        </p:sp>
+        <p:sp>
+          <p:nvSpPr>
+            <p:cNvPr id="29" name="六边形 28">
+              <a:extLst>
+                <a:ext uri="{FF2B5EF4-FFF2-40B4-BE49-F238E27FC236}">
+                  <a16:creationId xmlns:a16="http://schemas.microsoft.com/office/drawing/2014/main" id="{0ECFDB9A-F8FF-DCA8-19E9-83EA30F46A85}"/>
+                </a:ext>
+              </a:extLst>
+            </p:cNvPr>
+            <p:cNvSpPr/>
+            <p:nvPr/>
+          </p:nvSpPr>
+          <p:spPr>
+            <a:xfrm rot="16200000">
+              <a:off x="4181105" y="1800635"/>
+              <a:ext cx="667050" cy="575044"/>
+            </a:xfrm>
+            <a:prstGeom prst="hexagon">
+              <a:avLst/>
+            </a:prstGeom>
+            <a:solidFill>
+              <a:schemeClr val="accent1">
+                <a:lumMod val="75000"/>
+              </a:schemeClr>
+            </a:solidFill>
+            <a:ln>
+              <a:noFill/>
+            </a:ln>
+          </p:spPr>
+          <p:style>
+            <a:lnRef idx="2">
+              <a:schemeClr val="accent1">
+                <a:shade val="15000"/>
+              </a:schemeClr>
+            </a:lnRef>
+            <a:fillRef idx="1">
+              <a:schemeClr val="accent1"/>
+            </a:fillRef>
+            <a:effectRef idx="0">
+              <a:schemeClr val="accent1"/>
+            </a:effectRef>
+            <a:fontRef idx="minor">
+              <a:schemeClr val="lt1"/>
+            </a:fontRef>
+          </p:style>
+          <p:txBody>
+            <a:bodyPr rtlCol="0" anchor="ctr"/>
+            <a:lstStyle/>
+            <a:p>
+              <a:pPr algn="ctr"/>
+              <a:endParaRPr lang="zh-CN" altLang="en-US"/>
+            </a:p>
+          </p:txBody>
+        </p:sp>
+        <p:sp>
+          <p:nvSpPr>
+            <p:cNvPr id="30" name="六边形 29">
+              <a:extLst>
+                <a:ext uri="{FF2B5EF4-FFF2-40B4-BE49-F238E27FC236}">
+                  <a16:creationId xmlns:a16="http://schemas.microsoft.com/office/drawing/2014/main" id="{245E55F9-BF3A-E1FE-6B73-B2EF2C30B3D8}"/>
+                </a:ext>
+              </a:extLst>
+            </p:cNvPr>
+            <p:cNvSpPr/>
+            <p:nvPr/>
+          </p:nvSpPr>
+          <p:spPr>
+            <a:xfrm rot="16200000">
+              <a:off x="4756149" y="1800635"/>
+              <a:ext cx="667050" cy="575044"/>
+            </a:xfrm>
+            <a:prstGeom prst="hexagon">
+              <a:avLst/>
+            </a:prstGeom>
+            <a:solidFill>
+              <a:schemeClr val="accent1">
+                <a:lumMod val="20000"/>
+                <a:lumOff val="80000"/>
+              </a:schemeClr>
+            </a:solidFill>
+            <a:ln>
+              <a:noFill/>
+            </a:ln>
+          </p:spPr>
+          <p:style>
+            <a:lnRef idx="2">
+              <a:schemeClr val="accent1">
+                <a:shade val="15000"/>
+              </a:schemeClr>
+            </a:lnRef>
+            <a:fillRef idx="1">
+              <a:schemeClr val="accent1"/>
+            </a:fillRef>
+            <a:effectRef idx="0">
+              <a:schemeClr val="accent1"/>
+            </a:effectRef>
+            <a:fontRef idx="minor">
+              <a:schemeClr val="lt1"/>
+            </a:fontRef>
+          </p:style>
+          <p:txBody>
+            <a:bodyPr rtlCol="0" anchor="ctr"/>
+            <a:lstStyle/>
+            <a:p>
+              <a:pPr algn="ctr"/>
+              <a:endParaRPr lang="zh-CN" altLang="en-US"/>
+            </a:p>
+          </p:txBody>
+        </p:sp>
+        <p:sp>
+          <p:nvSpPr>
+            <p:cNvPr id="31" name="六边形 30">
+              <a:extLst>
+                <a:ext uri="{FF2B5EF4-FFF2-40B4-BE49-F238E27FC236}">
+                  <a16:creationId xmlns:a16="http://schemas.microsoft.com/office/drawing/2014/main" id="{0033D56F-E0CE-8BA6-BED7-BDCB2070DBDF}"/>
+                </a:ext>
+              </a:extLst>
+            </p:cNvPr>
+            <p:cNvSpPr/>
+            <p:nvPr/>
+          </p:nvSpPr>
+          <p:spPr>
+            <a:xfrm rot="16200000">
+              <a:off x="5331192" y="1800635"/>
+              <a:ext cx="667050" cy="575044"/>
+            </a:xfrm>
+            <a:prstGeom prst="hexagon">
+              <a:avLst/>
+            </a:prstGeom>
+            <a:solidFill>
+              <a:schemeClr val="accent1">
+                <a:lumMod val="75000"/>
+              </a:schemeClr>
+            </a:solidFill>
+            <a:ln>
+              <a:noFill/>
+            </a:ln>
+          </p:spPr>
+          <p:style>
+            <a:lnRef idx="2">
+              <a:schemeClr val="accent1">
+                <a:shade val="15000"/>
+              </a:schemeClr>
+            </a:lnRef>
+            <a:fillRef idx="1">
+              <a:schemeClr val="accent1"/>
+            </a:fillRef>
+            <a:effectRef idx="0">
+              <a:schemeClr val="accent1"/>
+            </a:effectRef>
+            <a:fontRef idx="minor">
+              <a:schemeClr val="lt1"/>
+            </a:fontRef>
+          </p:style>
+          <p:txBody>
+            <a:bodyPr rtlCol="0" anchor="ctr"/>
+            <a:lstStyle/>
+            <a:p>
+              <a:pPr algn="ctr"/>
+              <a:endParaRPr lang="zh-CN" altLang="en-US"/>
+            </a:p>
+          </p:txBody>
+        </p:sp>
+        <p:sp>
+          <p:nvSpPr>
+            <p:cNvPr id="32" name="六边形 31">
+              <a:extLst>
+                <a:ext uri="{FF2B5EF4-FFF2-40B4-BE49-F238E27FC236}">
+                  <a16:creationId xmlns:a16="http://schemas.microsoft.com/office/drawing/2014/main" id="{4EF603B3-76BA-46EA-83C4-E6F86492E46D}"/>
+                </a:ext>
+              </a:extLst>
+            </p:cNvPr>
+            <p:cNvSpPr/>
+            <p:nvPr/>
+          </p:nvSpPr>
+          <p:spPr>
+            <a:xfrm rot="16200000">
+              <a:off x="5906236" y="1800635"/>
+              <a:ext cx="667050" cy="575044"/>
+            </a:xfrm>
+            <a:prstGeom prst="hexagon">
+              <a:avLst/>
+            </a:prstGeom>
+            <a:solidFill>
+              <a:schemeClr val="accent1">
+                <a:lumMod val="20000"/>
+                <a:lumOff val="80000"/>
+              </a:schemeClr>
+            </a:solidFill>
+            <a:ln>
+              <a:noFill/>
+            </a:ln>
+          </p:spPr>
+          <p:style>
+            <a:lnRef idx="2">
+              <a:schemeClr val="accent1">
+                <a:shade val="15000"/>
+              </a:schemeClr>
+            </a:lnRef>
+            <a:fillRef idx="1">
+              <a:schemeClr val="accent1"/>
+            </a:fillRef>
+            <a:effectRef idx="0">
+              <a:schemeClr val="accent1"/>
+            </a:effectRef>
+            <a:fontRef idx="minor">
+              <a:schemeClr val="lt1"/>
+            </a:fontRef>
+          </p:style>
+          <p:txBody>
+            <a:bodyPr rtlCol="0" anchor="ctr"/>
+            <a:lstStyle/>
+            <a:p>
+              <a:pPr algn="ctr"/>
+              <a:endParaRPr lang="zh-CN" altLang="en-US"/>
+            </a:p>
+          </p:txBody>
+        </p:sp>
+        <p:sp>
+          <p:nvSpPr>
+            <p:cNvPr id="33" name="六边形 32">
+              <a:extLst>
+                <a:ext uri="{FF2B5EF4-FFF2-40B4-BE49-F238E27FC236}">
+                  <a16:creationId xmlns:a16="http://schemas.microsoft.com/office/drawing/2014/main" id="{A2BDC3ED-C93B-844E-2953-260FD8349A0C}"/>
+                </a:ext>
+              </a:extLst>
+            </p:cNvPr>
+            <p:cNvSpPr/>
+            <p:nvPr/>
+          </p:nvSpPr>
+          <p:spPr>
+            <a:xfrm rot="16200000">
+              <a:off x="6481279" y="1800635"/>
+              <a:ext cx="667050" cy="575044"/>
+            </a:xfrm>
+            <a:prstGeom prst="hexagon">
+              <a:avLst/>
+            </a:prstGeom>
+            <a:solidFill>
+              <a:schemeClr val="accent1">
+                <a:lumMod val="75000"/>
+              </a:schemeClr>
+            </a:solidFill>
+            <a:ln>
+              <a:noFill/>
+            </a:ln>
+          </p:spPr>
+          <p:style>
+            <a:lnRef idx="2">
+              <a:schemeClr val="accent1">
+                <a:shade val="15000"/>
+              </a:schemeClr>
+            </a:lnRef>
+            <a:fillRef idx="1">
+              <a:schemeClr val="accent1"/>
+            </a:fillRef>
+            <a:effectRef idx="0">
+              <a:schemeClr val="accent1"/>
+            </a:effectRef>
+            <a:fontRef idx="minor">
+              <a:schemeClr val="lt1"/>
+            </a:fontRef>
+          </p:style>
+          <p:txBody>
+            <a:bodyPr rtlCol="0" anchor="ctr"/>
+            <a:lstStyle/>
+            <a:p>
+              <a:pPr algn="ctr"/>
+              <a:endParaRPr lang="zh-CN" altLang="en-US"/>
+            </a:p>
+          </p:txBody>
+        </p:sp>
+        <p:sp>
+          <p:nvSpPr>
+            <p:cNvPr id="34" name="六边形 33">
+              <a:extLst>
+                <a:ext uri="{FF2B5EF4-FFF2-40B4-BE49-F238E27FC236}">
+                  <a16:creationId xmlns:a16="http://schemas.microsoft.com/office/drawing/2014/main" id="{0FD9E0E6-7203-5EF3-686F-0472A2DFC1B2}"/>
+                </a:ext>
+              </a:extLst>
+            </p:cNvPr>
+            <p:cNvSpPr/>
+            <p:nvPr/>
+          </p:nvSpPr>
+          <p:spPr>
+            <a:xfrm rot="16200000">
+              <a:off x="7056323" y="1800635"/>
+              <a:ext cx="667050" cy="575044"/>
+            </a:xfrm>
+            <a:prstGeom prst="hexagon">
+              <a:avLst/>
+            </a:prstGeom>
+            <a:solidFill>
+              <a:schemeClr val="accent1">
+                <a:lumMod val="20000"/>
+                <a:lumOff val="80000"/>
+              </a:schemeClr>
+            </a:solidFill>
+            <a:ln>
+              <a:noFill/>
+            </a:ln>
+          </p:spPr>
+          <p:style>
+            <a:lnRef idx="2">
+              <a:schemeClr val="accent1">
+                <a:shade val="15000"/>
+              </a:schemeClr>
+            </a:lnRef>
+            <a:fillRef idx="1">
+              <a:schemeClr val="accent1"/>
+            </a:fillRef>
+            <a:effectRef idx="0">
+              <a:schemeClr val="accent1"/>
+            </a:effectRef>
+            <a:fontRef idx="minor">
+              <a:schemeClr val="lt1"/>
+            </a:fontRef>
+          </p:style>
+          <p:txBody>
+            <a:bodyPr rtlCol="0" anchor="ctr"/>
+            <a:lstStyle/>
+            <a:p>
+              <a:pPr algn="ctr"/>
+              <a:endParaRPr lang="zh-CN" altLang="en-US"/>
+            </a:p>
+          </p:txBody>
+        </p:sp>
+        <p:sp>
+          <p:nvSpPr>
+            <p:cNvPr id="35" name="六边形 34">
+              <a:extLst>
+                <a:ext uri="{FF2B5EF4-FFF2-40B4-BE49-F238E27FC236}">
+                  <a16:creationId xmlns:a16="http://schemas.microsoft.com/office/drawing/2014/main" id="{C6E8CABF-025F-3F60-A402-7059960B4817}"/>
+                </a:ext>
+              </a:extLst>
+            </p:cNvPr>
+            <p:cNvSpPr/>
+            <p:nvPr/>
+          </p:nvSpPr>
+          <p:spPr>
+            <a:xfrm rot="16200000">
+              <a:off x="7631366" y="1800635"/>
+              <a:ext cx="667050" cy="575044"/>
+            </a:xfrm>
+            <a:prstGeom prst="hexagon">
+              <a:avLst/>
+            </a:prstGeom>
+            <a:solidFill>
+              <a:schemeClr val="accent1">
+                <a:lumMod val="75000"/>
+              </a:schemeClr>
+            </a:solidFill>
+            <a:ln>
+              <a:noFill/>
+            </a:ln>
+          </p:spPr>
+          <p:style>
+            <a:lnRef idx="2">
+              <a:schemeClr val="accent1">
+                <a:shade val="15000"/>
+              </a:schemeClr>
+            </a:lnRef>
+            <a:fillRef idx="1">
+              <a:schemeClr val="accent1"/>
+            </a:fillRef>
+            <a:effectRef idx="0">
+              <a:schemeClr val="accent1"/>
+            </a:effectRef>
+            <a:fontRef idx="minor">
+              <a:schemeClr val="lt1"/>
+            </a:fontRef>
+          </p:style>
+          <p:txBody>
+            <a:bodyPr rtlCol="0" anchor="ctr"/>
+            <a:lstStyle/>
+            <a:p>
+              <a:pPr algn="ctr"/>
+              <a:endParaRPr lang="zh-CN" altLang="en-US"/>
+            </a:p>
+          </p:txBody>
+        </p:sp>
+        <p:sp>
+          <p:nvSpPr>
+            <p:cNvPr id="36" name="六边形 35">
+              <a:extLst>
+                <a:ext uri="{FF2B5EF4-FFF2-40B4-BE49-F238E27FC236}">
+                  <a16:creationId xmlns:a16="http://schemas.microsoft.com/office/drawing/2014/main" id="{29D35E83-B957-1394-D40D-9959C186856D}"/>
+                </a:ext>
+              </a:extLst>
+            </p:cNvPr>
+            <p:cNvSpPr/>
+            <p:nvPr/>
+          </p:nvSpPr>
+          <p:spPr>
+            <a:xfrm rot="16200000">
+              <a:off x="3893583" y="2319772"/>
+              <a:ext cx="667050" cy="575044"/>
+            </a:xfrm>
+            <a:prstGeom prst="hexagon">
+              <a:avLst/>
+            </a:prstGeom>
+            <a:solidFill>
+              <a:schemeClr val="accent1">
+                <a:lumMod val="60000"/>
+                <a:lumOff val="40000"/>
+              </a:schemeClr>
+            </a:solidFill>
+            <a:ln>
+              <a:noFill/>
+            </a:ln>
+          </p:spPr>
+          <p:style>
+            <a:lnRef idx="2">
+              <a:schemeClr val="accent1">
+                <a:shade val="15000"/>
+              </a:schemeClr>
+            </a:lnRef>
+            <a:fillRef idx="1">
+              <a:schemeClr val="accent1"/>
+            </a:fillRef>
+            <a:effectRef idx="0">
+              <a:schemeClr val="accent1"/>
+            </a:effectRef>
+            <a:fontRef idx="minor">
+              <a:schemeClr val="lt1"/>
+            </a:fontRef>
+          </p:style>
+          <p:txBody>
+            <a:bodyPr rtlCol="0" anchor="ctr"/>
+            <a:lstStyle/>
+            <a:p>
+              <a:pPr algn="ctr"/>
+              <a:endParaRPr lang="zh-CN" altLang="en-US"/>
+            </a:p>
+          </p:txBody>
+        </p:sp>
+        <p:sp>
+          <p:nvSpPr>
+            <p:cNvPr id="37" name="六边形 36">
+              <a:extLst>
+                <a:ext uri="{FF2B5EF4-FFF2-40B4-BE49-F238E27FC236}">
+                  <a16:creationId xmlns:a16="http://schemas.microsoft.com/office/drawing/2014/main" id="{C0CA8F13-32FA-C8FA-35FE-81FDD50583AF}"/>
+                </a:ext>
+              </a:extLst>
+            </p:cNvPr>
+            <p:cNvSpPr/>
+            <p:nvPr/>
+          </p:nvSpPr>
+          <p:spPr>
+            <a:xfrm rot="16200000">
+              <a:off x="4468627" y="2319772"/>
+              <a:ext cx="667050" cy="575044"/>
+            </a:xfrm>
+            <a:prstGeom prst="hexagon">
+              <a:avLst/>
+            </a:prstGeom>
+            <a:solidFill>
+              <a:schemeClr val="accent1">
+                <a:lumMod val="40000"/>
+                <a:lumOff val="60000"/>
+              </a:schemeClr>
+            </a:solidFill>
+            <a:ln>
+              <a:noFill/>
+            </a:ln>
+          </p:spPr>
+          <p:style>
+            <a:lnRef idx="2">
+              <a:schemeClr val="accent1">
+                <a:shade val="15000"/>
+              </a:schemeClr>
+            </a:lnRef>
+            <a:fillRef idx="1">
+              <a:schemeClr val="accent1"/>
+            </a:fillRef>
+            <a:effectRef idx="0">
+              <a:schemeClr val="accent1"/>
+            </a:effectRef>
+            <a:fontRef idx="minor">
+              <a:schemeClr val="lt1"/>
+            </a:fontRef>
+          </p:style>
+          <p:txBody>
+            <a:bodyPr rtlCol="0" anchor="ctr"/>
+            <a:lstStyle/>
+            <a:p>
+              <a:pPr algn="ctr"/>
+              <a:endParaRPr lang="zh-CN" altLang="en-US"/>
+            </a:p>
+          </p:txBody>
+        </p:sp>
+        <p:sp>
+          <p:nvSpPr>
+            <p:cNvPr id="38" name="六边形 37">
+              <a:extLst>
+                <a:ext uri="{FF2B5EF4-FFF2-40B4-BE49-F238E27FC236}">
+                  <a16:creationId xmlns:a16="http://schemas.microsoft.com/office/drawing/2014/main" id="{2DE38359-6A5A-4744-DB59-04DC56B47DA9}"/>
+                </a:ext>
+              </a:extLst>
+            </p:cNvPr>
+            <p:cNvSpPr/>
+            <p:nvPr/>
+          </p:nvSpPr>
+          <p:spPr>
+            <a:xfrm rot="16200000">
+              <a:off x="5043671" y="2319772"/>
+              <a:ext cx="667050" cy="575044"/>
+            </a:xfrm>
+            <a:prstGeom prst="hexagon">
+              <a:avLst/>
+            </a:prstGeom>
+            <a:solidFill>
+              <a:schemeClr val="accent1">
+                <a:lumMod val="60000"/>
+                <a:lumOff val="40000"/>
+              </a:schemeClr>
+            </a:solidFill>
+            <a:ln>
+              <a:noFill/>
+            </a:ln>
+          </p:spPr>
+          <p:style>
+            <a:lnRef idx="2">
+              <a:schemeClr val="accent1">
+                <a:shade val="15000"/>
+              </a:schemeClr>
+            </a:lnRef>
+            <a:fillRef idx="1">
+              <a:schemeClr val="accent1"/>
+            </a:fillRef>
+            <a:effectRef idx="0">
+              <a:schemeClr val="accent1"/>
+            </a:effectRef>
+            <a:fontRef idx="minor">
+              <a:schemeClr val="lt1"/>
+            </a:fontRef>
+          </p:style>
+          <p:txBody>
+            <a:bodyPr rtlCol="0" anchor="ctr"/>
+            <a:lstStyle/>
+            <a:p>
+              <a:pPr algn="ctr"/>
+              <a:endParaRPr lang="zh-CN" altLang="en-US"/>
+            </a:p>
+          </p:txBody>
+        </p:sp>
+        <p:sp>
+          <p:nvSpPr>
+            <p:cNvPr id="39" name="六边形 38">
+              <a:extLst>
+                <a:ext uri="{FF2B5EF4-FFF2-40B4-BE49-F238E27FC236}">
+                  <a16:creationId xmlns:a16="http://schemas.microsoft.com/office/drawing/2014/main" id="{FF0D52F7-F40B-A3D2-A32C-9D1EE1C94D1F}"/>
+                </a:ext>
+              </a:extLst>
+            </p:cNvPr>
+            <p:cNvSpPr/>
+            <p:nvPr/>
+          </p:nvSpPr>
+          <p:spPr>
+            <a:xfrm rot="16200000">
+              <a:off x="5618714" y="2319772"/>
+              <a:ext cx="667050" cy="575044"/>
+            </a:xfrm>
+            <a:prstGeom prst="hexagon">
+              <a:avLst/>
+            </a:prstGeom>
+            <a:solidFill>
+              <a:schemeClr val="accent1">
+                <a:lumMod val="40000"/>
+                <a:lumOff val="60000"/>
+              </a:schemeClr>
+            </a:solidFill>
+            <a:ln>
+              <a:noFill/>
+            </a:ln>
+          </p:spPr>
+          <p:style>
+            <a:lnRef idx="2">
+              <a:schemeClr val="accent1">
+                <a:shade val="15000"/>
+              </a:schemeClr>
+            </a:lnRef>
+            <a:fillRef idx="1">
+              <a:schemeClr val="accent1"/>
+            </a:fillRef>
+            <a:effectRef idx="0">
+              <a:schemeClr val="accent1"/>
+            </a:effectRef>
+            <a:fontRef idx="minor">
+              <a:schemeClr val="lt1"/>
+            </a:fontRef>
+          </p:style>
+          <p:txBody>
+            <a:bodyPr rtlCol="0" anchor="ctr"/>
+            <a:lstStyle/>
+            <a:p>
+              <a:pPr algn="ctr"/>
+              <a:endParaRPr lang="zh-CN" altLang="en-US"/>
+            </a:p>
+          </p:txBody>
+        </p:sp>
+        <p:sp>
+          <p:nvSpPr>
+            <p:cNvPr id="40" name="六边形 39">
+              <a:extLst>
+                <a:ext uri="{FF2B5EF4-FFF2-40B4-BE49-F238E27FC236}">
+                  <a16:creationId xmlns:a16="http://schemas.microsoft.com/office/drawing/2014/main" id="{B93CE1B9-F6D5-D2B0-5F45-BB0E68C1979D}"/>
+                </a:ext>
+              </a:extLst>
+            </p:cNvPr>
+            <p:cNvSpPr/>
+            <p:nvPr/>
+          </p:nvSpPr>
+          <p:spPr>
+            <a:xfrm rot="16200000">
+              <a:off x="6193758" y="2319772"/>
+              <a:ext cx="667050" cy="575044"/>
+            </a:xfrm>
+            <a:prstGeom prst="hexagon">
+              <a:avLst/>
+            </a:prstGeom>
+            <a:solidFill>
+              <a:schemeClr val="accent1">
+                <a:lumMod val="60000"/>
+                <a:lumOff val="40000"/>
+              </a:schemeClr>
+            </a:solidFill>
+            <a:ln>
+              <a:noFill/>
+            </a:ln>
+          </p:spPr>
+          <p:style>
+            <a:lnRef idx="2">
+              <a:schemeClr val="accent1">
+                <a:shade val="15000"/>
+              </a:schemeClr>
+            </a:lnRef>
+            <a:fillRef idx="1">
+              <a:schemeClr val="accent1"/>
+            </a:fillRef>
+            <a:effectRef idx="0">
+              <a:schemeClr val="accent1"/>
+            </a:effectRef>
+            <a:fontRef idx="minor">
+              <a:schemeClr val="lt1"/>
+            </a:fontRef>
+          </p:style>
+          <p:txBody>
+            <a:bodyPr rtlCol="0" anchor="ctr"/>
+            <a:lstStyle/>
+            <a:p>
+              <a:pPr algn="ctr"/>
+              <a:endParaRPr lang="zh-CN" altLang="en-US"/>
+            </a:p>
+          </p:txBody>
+        </p:sp>
+        <p:sp>
+          <p:nvSpPr>
+            <p:cNvPr id="41" name="六边形 40">
+              <a:extLst>
+                <a:ext uri="{FF2B5EF4-FFF2-40B4-BE49-F238E27FC236}">
+                  <a16:creationId xmlns:a16="http://schemas.microsoft.com/office/drawing/2014/main" id="{50474D2A-5B9E-66B7-3A67-A2694D74BA39}"/>
+                </a:ext>
+              </a:extLst>
+            </p:cNvPr>
+            <p:cNvSpPr/>
+            <p:nvPr/>
+          </p:nvSpPr>
+          <p:spPr>
+            <a:xfrm rot="16200000">
+              <a:off x="6768801" y="2319772"/>
+              <a:ext cx="667050" cy="575044"/>
+            </a:xfrm>
+            <a:prstGeom prst="hexagon">
+              <a:avLst/>
+            </a:prstGeom>
+            <a:solidFill>
+              <a:schemeClr val="accent1">
+                <a:lumMod val="40000"/>
+                <a:lumOff val="60000"/>
+              </a:schemeClr>
+            </a:solidFill>
+            <a:ln>
+              <a:noFill/>
+            </a:ln>
+          </p:spPr>
+          <p:style>
+            <a:lnRef idx="2">
+              <a:schemeClr val="accent1">
+                <a:shade val="15000"/>
+              </a:schemeClr>
+            </a:lnRef>
+            <a:fillRef idx="1">
+              <a:schemeClr val="accent1"/>
+            </a:fillRef>
+            <a:effectRef idx="0">
+              <a:schemeClr val="accent1"/>
+            </a:effectRef>
+            <a:fontRef idx="minor">
+              <a:schemeClr val="lt1"/>
+            </a:fontRef>
+          </p:style>
+          <p:txBody>
+            <a:bodyPr rtlCol="0" anchor="ctr"/>
+            <a:lstStyle/>
+            <a:p>
+              <a:pPr algn="ctr"/>
+              <a:endParaRPr lang="zh-CN" altLang="en-US"/>
+            </a:p>
+          </p:txBody>
+        </p:sp>
+        <p:sp>
+          <p:nvSpPr>
+            <p:cNvPr id="42" name="六边形 41">
+              <a:extLst>
+                <a:ext uri="{FF2B5EF4-FFF2-40B4-BE49-F238E27FC236}">
+                  <a16:creationId xmlns:a16="http://schemas.microsoft.com/office/drawing/2014/main" id="{68AE3206-6F92-CF3F-151A-0D60B82A946F}"/>
+                </a:ext>
+              </a:extLst>
+            </p:cNvPr>
+            <p:cNvSpPr/>
+            <p:nvPr/>
+          </p:nvSpPr>
+          <p:spPr>
+            <a:xfrm rot="16200000">
+              <a:off x="7343845" y="2319772"/>
+              <a:ext cx="667050" cy="575044"/>
+            </a:xfrm>
+            <a:prstGeom prst="hexagon">
+              <a:avLst/>
+            </a:prstGeom>
+            <a:solidFill>
+              <a:schemeClr val="accent1">
+                <a:lumMod val="60000"/>
+                <a:lumOff val="40000"/>
+              </a:schemeClr>
+            </a:solidFill>
+            <a:ln>
+              <a:noFill/>
+            </a:ln>
+          </p:spPr>
+          <p:style>
+            <a:lnRef idx="2">
+              <a:schemeClr val="accent1">
+                <a:shade val="15000"/>
+              </a:schemeClr>
+            </a:lnRef>
+            <a:fillRef idx="1">
+              <a:schemeClr val="accent1"/>
+            </a:fillRef>
+            <a:effectRef idx="0">
+              <a:schemeClr val="accent1"/>
+            </a:effectRef>
+            <a:fontRef idx="minor">
+              <a:schemeClr val="lt1"/>
+            </a:fontRef>
+          </p:style>
+          <p:txBody>
+            <a:bodyPr rtlCol="0" anchor="ctr"/>
+            <a:lstStyle/>
+            <a:p>
+              <a:pPr algn="ctr"/>
+              <a:endParaRPr lang="zh-CN" altLang="en-US"/>
+            </a:p>
+          </p:txBody>
+        </p:sp>
+        <p:sp>
+          <p:nvSpPr>
+            <p:cNvPr id="43" name="六边形 42">
+              <a:extLst>
+                <a:ext uri="{FF2B5EF4-FFF2-40B4-BE49-F238E27FC236}">
+                  <a16:creationId xmlns:a16="http://schemas.microsoft.com/office/drawing/2014/main" id="{D4A5E22E-DD27-9ED3-3522-CE823A60A7A9}"/>
+                </a:ext>
+              </a:extLst>
+            </p:cNvPr>
+            <p:cNvSpPr/>
+            <p:nvPr/>
+          </p:nvSpPr>
+          <p:spPr>
+            <a:xfrm rot="16200000">
+              <a:off x="7918888" y="2319772"/>
+              <a:ext cx="667050" cy="575044"/>
+            </a:xfrm>
+            <a:prstGeom prst="hexagon">
+              <a:avLst/>
+            </a:prstGeom>
+            <a:solidFill>
+              <a:schemeClr val="accent1">
+                <a:lumMod val="40000"/>
+                <a:lumOff val="60000"/>
+              </a:schemeClr>
+            </a:solidFill>
+            <a:ln>
+              <a:noFill/>
+            </a:ln>
+          </p:spPr>
+          <p:style>
+            <a:lnRef idx="2">
+              <a:schemeClr val="accent1">
+                <a:shade val="15000"/>
+              </a:schemeClr>
+            </a:lnRef>
+            <a:fillRef idx="1">
+              <a:schemeClr val="accent1"/>
+            </a:fillRef>
+            <a:effectRef idx="0">
+              <a:schemeClr val="accent1"/>
+            </a:effectRef>
+            <a:fontRef idx="minor">
+              <a:schemeClr val="lt1"/>
+            </a:fontRef>
+          </p:style>
+          <p:txBody>
+            <a:bodyPr rtlCol="0" anchor="ctr"/>
+            <a:lstStyle/>
+            <a:p>
+              <a:pPr algn="ctr"/>
+              <a:endParaRPr lang="zh-CN" altLang="en-US"/>
+            </a:p>
+          </p:txBody>
+        </p:sp>
+        <p:sp>
+          <p:nvSpPr>
+            <p:cNvPr id="44" name="六边形 43">
+              <a:extLst>
+                <a:ext uri="{FF2B5EF4-FFF2-40B4-BE49-F238E27FC236}">
+                  <a16:creationId xmlns:a16="http://schemas.microsoft.com/office/drawing/2014/main" id="{0CCCADC4-72D9-3421-D184-E490DF1DDC72}"/>
+                </a:ext>
+              </a:extLst>
+            </p:cNvPr>
+            <p:cNvSpPr/>
+            <p:nvPr/>
+          </p:nvSpPr>
+          <p:spPr>
+            <a:xfrm rot="16200000">
+              <a:off x="3606062" y="2837578"/>
+              <a:ext cx="667050" cy="575044"/>
+            </a:xfrm>
+            <a:prstGeom prst="hexagon">
+              <a:avLst/>
+            </a:prstGeom>
+            <a:solidFill>
+              <a:schemeClr val="accent1">
+                <a:lumMod val="20000"/>
+                <a:lumOff val="80000"/>
+              </a:schemeClr>
+            </a:solidFill>
+            <a:ln>
+              <a:noFill/>
+            </a:ln>
+          </p:spPr>
+          <p:style>
+            <a:lnRef idx="2">
+              <a:schemeClr val="accent1">
+                <a:shade val="15000"/>
+              </a:schemeClr>
+            </a:lnRef>
+            <a:fillRef idx="1">
+              <a:schemeClr val="accent1"/>
+            </a:fillRef>
+            <a:effectRef idx="0">
+              <a:schemeClr val="accent1"/>
+            </a:effectRef>
+            <a:fontRef idx="minor">
+              <a:schemeClr val="lt1"/>
+            </a:fontRef>
+          </p:style>
+          <p:txBody>
+            <a:bodyPr rtlCol="0" anchor="ctr"/>
+            <a:lstStyle/>
+            <a:p>
+              <a:pPr algn="ctr"/>
+              <a:endParaRPr lang="zh-CN" altLang="en-US"/>
+            </a:p>
+          </p:txBody>
+        </p:sp>
+        <p:sp>
+          <p:nvSpPr>
+            <p:cNvPr id="45" name="六边形 44">
+              <a:extLst>
+                <a:ext uri="{FF2B5EF4-FFF2-40B4-BE49-F238E27FC236}">
+                  <a16:creationId xmlns:a16="http://schemas.microsoft.com/office/drawing/2014/main" id="{8CF882C0-5DDF-E82B-15B5-7E31C775B466}"/>
+                </a:ext>
+              </a:extLst>
+            </p:cNvPr>
+            <p:cNvSpPr/>
+            <p:nvPr/>
+          </p:nvSpPr>
+          <p:spPr>
+            <a:xfrm rot="16200000">
+              <a:off x="4181105" y="2837578"/>
+              <a:ext cx="667050" cy="575044"/>
+            </a:xfrm>
+            <a:prstGeom prst="hexagon">
+              <a:avLst/>
+            </a:prstGeom>
+            <a:solidFill>
+              <a:schemeClr val="accent1">
+                <a:lumMod val="75000"/>
+              </a:schemeClr>
+            </a:solidFill>
+            <a:ln>
+              <a:noFill/>
+            </a:ln>
+          </p:spPr>
+          <p:style>
+            <a:lnRef idx="2">
+              <a:schemeClr val="accent1">
+                <a:shade val="15000"/>
+              </a:schemeClr>
+            </a:lnRef>
+            <a:fillRef idx="1">
+              <a:schemeClr val="accent1"/>
+            </a:fillRef>
+            <a:effectRef idx="0">
+              <a:schemeClr val="accent1"/>
+            </a:effectRef>
+            <a:fontRef idx="minor">
+              <a:schemeClr val="lt1"/>
+            </a:fontRef>
+          </p:style>
+          <p:txBody>
+            <a:bodyPr rtlCol="0" anchor="ctr"/>
+            <a:lstStyle/>
+            <a:p>
+              <a:pPr algn="ctr"/>
+              <a:endParaRPr lang="zh-CN" altLang="en-US"/>
+            </a:p>
+          </p:txBody>
+        </p:sp>
+        <p:sp>
+          <p:nvSpPr>
+            <p:cNvPr id="46" name="六边形 45">
+              <a:extLst>
+                <a:ext uri="{FF2B5EF4-FFF2-40B4-BE49-F238E27FC236}">
+                  <a16:creationId xmlns:a16="http://schemas.microsoft.com/office/drawing/2014/main" id="{4D3FE1B7-14BD-88A6-6E08-C4B496531EC9}"/>
+                </a:ext>
+              </a:extLst>
+            </p:cNvPr>
+            <p:cNvSpPr/>
+            <p:nvPr/>
+          </p:nvSpPr>
+          <p:spPr>
+            <a:xfrm rot="16200000">
+              <a:off x="4756149" y="2837578"/>
+              <a:ext cx="667050" cy="575044"/>
+            </a:xfrm>
+            <a:prstGeom prst="hexagon">
+              <a:avLst/>
+            </a:prstGeom>
+            <a:solidFill>
+              <a:schemeClr val="accent1">
+                <a:lumMod val="20000"/>
+                <a:lumOff val="80000"/>
+              </a:schemeClr>
+            </a:solidFill>
+            <a:ln>
+              <a:noFill/>
+            </a:ln>
+          </p:spPr>
+          <p:style>
+            <a:lnRef idx="2">
+              <a:schemeClr val="accent1">
+                <a:shade val="15000"/>
+              </a:schemeClr>
+            </a:lnRef>
+            <a:fillRef idx="1">
+              <a:schemeClr val="accent1"/>
+            </a:fillRef>
+            <a:effectRef idx="0">
+              <a:schemeClr val="accent1"/>
+            </a:effectRef>
+            <a:fontRef idx="minor">
+              <a:schemeClr val="lt1"/>
+            </a:fontRef>
+          </p:style>
+          <p:txBody>
+            <a:bodyPr rtlCol="0" anchor="ctr"/>
+            <a:lstStyle/>
+            <a:p>
+              <a:pPr algn="ctr"/>
+              <a:endParaRPr lang="zh-CN" altLang="en-US"/>
+            </a:p>
+          </p:txBody>
+        </p:sp>
+        <p:sp>
+          <p:nvSpPr>
+            <p:cNvPr id="47" name="六边形 46">
+              <a:extLst>
+                <a:ext uri="{FF2B5EF4-FFF2-40B4-BE49-F238E27FC236}">
+                  <a16:creationId xmlns:a16="http://schemas.microsoft.com/office/drawing/2014/main" id="{DDDB9C85-783F-54F2-B77A-D3EF29459FF7}"/>
+                </a:ext>
+              </a:extLst>
+            </p:cNvPr>
+            <p:cNvSpPr/>
+            <p:nvPr/>
+          </p:nvSpPr>
+          <p:spPr>
+            <a:xfrm rot="16200000">
+              <a:off x="5331192" y="2837578"/>
+              <a:ext cx="667050" cy="575044"/>
+            </a:xfrm>
+            <a:prstGeom prst="hexagon">
+              <a:avLst/>
+            </a:prstGeom>
+            <a:solidFill>
+              <a:schemeClr val="accent1">
+                <a:lumMod val="75000"/>
+              </a:schemeClr>
+            </a:solidFill>
+            <a:ln>
+              <a:noFill/>
+            </a:ln>
+          </p:spPr>
+          <p:style>
+            <a:lnRef idx="2">
+              <a:schemeClr val="accent1">
+                <a:shade val="15000"/>
+              </a:schemeClr>
+            </a:lnRef>
+            <a:fillRef idx="1">
+              <a:schemeClr val="accent1"/>
+            </a:fillRef>
+            <a:effectRef idx="0">
+              <a:schemeClr val="accent1"/>
+            </a:effectRef>
+            <a:fontRef idx="minor">
+              <a:schemeClr val="lt1"/>
+            </a:fontRef>
+          </p:style>
+          <p:txBody>
+            <a:bodyPr rtlCol="0" anchor="ctr"/>
+            <a:lstStyle/>
+            <a:p>
+              <a:pPr algn="ctr"/>
+              <a:endParaRPr lang="zh-CN" altLang="en-US"/>
+            </a:p>
+          </p:txBody>
+        </p:sp>
+        <p:sp>
+          <p:nvSpPr>
+            <p:cNvPr id="48" name="六边形 47">
+              <a:extLst>
+                <a:ext uri="{FF2B5EF4-FFF2-40B4-BE49-F238E27FC236}">
+                  <a16:creationId xmlns:a16="http://schemas.microsoft.com/office/drawing/2014/main" id="{DCD18AC7-FF93-097D-5269-F4C2D0CDA7EF}"/>
+                </a:ext>
+              </a:extLst>
+            </p:cNvPr>
+            <p:cNvSpPr/>
+            <p:nvPr/>
+          </p:nvSpPr>
+          <p:spPr>
+            <a:xfrm rot="16200000">
+              <a:off x="5906236" y="2837578"/>
+              <a:ext cx="667050" cy="575044"/>
+            </a:xfrm>
+            <a:prstGeom prst="hexagon">
+              <a:avLst/>
+            </a:prstGeom>
+            <a:solidFill>
+              <a:schemeClr val="accent1">
+                <a:lumMod val="20000"/>
+                <a:lumOff val="80000"/>
+              </a:schemeClr>
+            </a:solidFill>
+            <a:ln>
+              <a:noFill/>
+            </a:ln>
+          </p:spPr>
+          <p:style>
+            <a:lnRef idx="2">
+              <a:schemeClr val="accent1">
+                <a:shade val="15000"/>
+              </a:schemeClr>
+            </a:lnRef>
+            <a:fillRef idx="1">
+              <a:schemeClr val="accent1"/>
+            </a:fillRef>
+            <a:effectRef idx="0">
+              <a:schemeClr val="accent1"/>
+            </a:effectRef>
+            <a:fontRef idx="minor">
+              <a:schemeClr val="lt1"/>
+            </a:fontRef>
+          </p:style>
+          <p:txBody>
+            <a:bodyPr rtlCol="0" anchor="ctr"/>
+            <a:lstStyle/>
+            <a:p>
+              <a:pPr algn="ctr"/>
+              <a:endParaRPr lang="zh-CN" altLang="en-US"/>
+            </a:p>
+          </p:txBody>
+        </p:sp>
+        <p:sp>
+          <p:nvSpPr>
+            <p:cNvPr id="49" name="六边形 48">
+              <a:extLst>
+                <a:ext uri="{FF2B5EF4-FFF2-40B4-BE49-F238E27FC236}">
+                  <a16:creationId xmlns:a16="http://schemas.microsoft.com/office/drawing/2014/main" id="{B346F83A-914A-62F9-2277-F1D4E0005315}"/>
+                </a:ext>
+              </a:extLst>
+            </p:cNvPr>
+            <p:cNvSpPr/>
+            <p:nvPr/>
+          </p:nvSpPr>
+          <p:spPr>
+            <a:xfrm rot="16200000">
+              <a:off x="6481279" y="2837578"/>
+              <a:ext cx="667050" cy="575044"/>
+            </a:xfrm>
+            <a:prstGeom prst="hexagon">
+              <a:avLst/>
+            </a:prstGeom>
+            <a:solidFill>
+              <a:schemeClr val="accent1">
+                <a:lumMod val="75000"/>
+              </a:schemeClr>
+            </a:solidFill>
+            <a:ln>
+              <a:noFill/>
+            </a:ln>
+          </p:spPr>
+          <p:style>
+            <a:lnRef idx="2">
+              <a:schemeClr val="accent1">
+                <a:shade val="15000"/>
+              </a:schemeClr>
+            </a:lnRef>
+            <a:fillRef idx="1">
+              <a:schemeClr val="accent1"/>
+            </a:fillRef>
+            <a:effectRef idx="0">
+              <a:schemeClr val="accent1"/>
+            </a:effectRef>
+            <a:fontRef idx="minor">
+              <a:schemeClr val="lt1"/>
+            </a:fontRef>
+          </p:style>
+          <p:txBody>
+            <a:bodyPr rtlCol="0" anchor="ctr"/>
+            <a:lstStyle/>
+            <a:p>
+              <a:pPr algn="ctr"/>
+              <a:endParaRPr lang="zh-CN" altLang="en-US"/>
+            </a:p>
+          </p:txBody>
+        </p:sp>
+        <p:sp>
+          <p:nvSpPr>
+            <p:cNvPr id="50" name="六边形 49">
+              <a:extLst>
+                <a:ext uri="{FF2B5EF4-FFF2-40B4-BE49-F238E27FC236}">
+                  <a16:creationId xmlns:a16="http://schemas.microsoft.com/office/drawing/2014/main" id="{CB83C9B2-784B-E977-6547-D1DFE683A99F}"/>
+                </a:ext>
+              </a:extLst>
+            </p:cNvPr>
+            <p:cNvSpPr/>
+            <p:nvPr/>
+          </p:nvSpPr>
+          <p:spPr>
+            <a:xfrm rot="16200000">
+              <a:off x="7056323" y="2837578"/>
+              <a:ext cx="667050" cy="575044"/>
+            </a:xfrm>
+            <a:prstGeom prst="hexagon">
+              <a:avLst/>
+            </a:prstGeom>
+            <a:solidFill>
+              <a:schemeClr val="accent1">
+                <a:lumMod val="20000"/>
+                <a:lumOff val="80000"/>
+              </a:schemeClr>
+            </a:solidFill>
+            <a:ln>
+              <a:noFill/>
+            </a:ln>
+          </p:spPr>
+          <p:style>
+            <a:lnRef idx="2">
+              <a:schemeClr val="accent1">
+                <a:shade val="15000"/>
+              </a:schemeClr>
+            </a:lnRef>
+            <a:fillRef idx="1">
+              <a:schemeClr val="accent1"/>
+            </a:fillRef>
+            <a:effectRef idx="0">
+              <a:schemeClr val="accent1"/>
+            </a:effectRef>
+            <a:fontRef idx="minor">
+              <a:schemeClr val="lt1"/>
+            </a:fontRef>
+          </p:style>
+          <p:txBody>
+            <a:bodyPr rtlCol="0" anchor="ctr"/>
+            <a:lstStyle/>
+            <a:p>
+              <a:pPr algn="ctr"/>
+              <a:endParaRPr lang="zh-CN" altLang="en-US"/>
+            </a:p>
+          </p:txBody>
+        </p:sp>
+        <p:sp>
+          <p:nvSpPr>
+            <p:cNvPr id="51" name="六边形 50">
+              <a:extLst>
+                <a:ext uri="{FF2B5EF4-FFF2-40B4-BE49-F238E27FC236}">
+                  <a16:creationId xmlns:a16="http://schemas.microsoft.com/office/drawing/2014/main" id="{E7F15C18-7301-565B-A34F-F3889F0DEE08}"/>
+                </a:ext>
+              </a:extLst>
+            </p:cNvPr>
+            <p:cNvSpPr/>
+            <p:nvPr/>
+          </p:nvSpPr>
+          <p:spPr>
+            <a:xfrm rot="16200000">
+              <a:off x="7631366" y="2837578"/>
+              <a:ext cx="667050" cy="575044"/>
+            </a:xfrm>
+            <a:prstGeom prst="hexagon">
+              <a:avLst/>
+            </a:prstGeom>
+            <a:solidFill>
+              <a:schemeClr val="accent1">
+                <a:lumMod val="75000"/>
+              </a:schemeClr>
+            </a:solidFill>
+            <a:ln>
+              <a:noFill/>
+            </a:ln>
+          </p:spPr>
+          <p:style>
+            <a:lnRef idx="2">
+              <a:schemeClr val="accent1">
+                <a:shade val="15000"/>
+              </a:schemeClr>
+            </a:lnRef>
+            <a:fillRef idx="1">
+              <a:schemeClr val="accent1"/>
+            </a:fillRef>
+            <a:effectRef idx="0">
+              <a:schemeClr val="accent1"/>
+            </a:effectRef>
+            <a:fontRef idx="minor">
+              <a:schemeClr val="lt1"/>
+            </a:fontRef>
+          </p:style>
+          <p:txBody>
+            <a:bodyPr rtlCol="0" anchor="ctr"/>
+            <a:lstStyle/>
+            <a:p>
+              <a:pPr algn="ctr"/>
+              <a:endParaRPr lang="zh-CN" altLang="en-US"/>
+            </a:p>
+          </p:txBody>
+        </p:sp>
+        <p:sp>
+          <p:nvSpPr>
+            <p:cNvPr id="52" name="六边形 51">
+              <a:extLst>
+                <a:ext uri="{FF2B5EF4-FFF2-40B4-BE49-F238E27FC236}">
+                  <a16:creationId xmlns:a16="http://schemas.microsoft.com/office/drawing/2014/main" id="{FF2953DA-5F0C-88F0-6B93-FC786D68E79D}"/>
+                </a:ext>
+              </a:extLst>
+            </p:cNvPr>
+            <p:cNvSpPr/>
+            <p:nvPr/>
+          </p:nvSpPr>
+          <p:spPr>
+            <a:xfrm rot="16200000">
+              <a:off x="3893583" y="3356716"/>
+              <a:ext cx="667050" cy="575044"/>
+            </a:xfrm>
+            <a:prstGeom prst="hexagon">
+              <a:avLst/>
+            </a:prstGeom>
+            <a:solidFill>
+              <a:schemeClr val="accent1">
+                <a:lumMod val="60000"/>
+                <a:lumOff val="40000"/>
+              </a:schemeClr>
+            </a:solidFill>
+            <a:ln>
+              <a:noFill/>
+            </a:ln>
+          </p:spPr>
+          <p:style>
+            <a:lnRef idx="2">
+              <a:schemeClr val="accent1">
+                <a:shade val="15000"/>
+              </a:schemeClr>
+            </a:lnRef>
+            <a:fillRef idx="1">
+              <a:schemeClr val="accent1"/>
+            </a:fillRef>
+            <a:effectRef idx="0">
+              <a:schemeClr val="accent1"/>
+            </a:effectRef>
+            <a:fontRef idx="minor">
+              <a:schemeClr val="lt1"/>
+            </a:fontRef>
+          </p:style>
+          <p:txBody>
+            <a:bodyPr rtlCol="0" anchor="ctr"/>
+            <a:lstStyle/>
+            <a:p>
+              <a:pPr algn="ctr"/>
+              <a:endParaRPr lang="zh-CN" altLang="en-US"/>
+            </a:p>
+          </p:txBody>
+        </p:sp>
+        <p:sp>
+          <p:nvSpPr>
+            <p:cNvPr id="53" name="六边形 52">
+              <a:extLst>
+                <a:ext uri="{FF2B5EF4-FFF2-40B4-BE49-F238E27FC236}">
+                  <a16:creationId xmlns:a16="http://schemas.microsoft.com/office/drawing/2014/main" id="{E1B51A5F-3226-686B-CC08-15E6F7D8F459}"/>
+                </a:ext>
+              </a:extLst>
+            </p:cNvPr>
+            <p:cNvSpPr/>
+            <p:nvPr/>
+          </p:nvSpPr>
+          <p:spPr>
+            <a:xfrm rot="16200000">
+              <a:off x="4468627" y="3356716"/>
+              <a:ext cx="667050" cy="575044"/>
+            </a:xfrm>
+            <a:prstGeom prst="hexagon">
+              <a:avLst/>
+            </a:prstGeom>
+            <a:solidFill>
+              <a:schemeClr val="accent1">
+                <a:lumMod val="40000"/>
+                <a:lumOff val="60000"/>
+              </a:schemeClr>
+            </a:solidFill>
+            <a:ln>
+              <a:noFill/>
+            </a:ln>
+          </p:spPr>
+          <p:style>
+            <a:lnRef idx="2">
+              <a:schemeClr val="accent1">
+                <a:shade val="15000"/>
+              </a:schemeClr>
+            </a:lnRef>
+            <a:fillRef idx="1">
+              <a:schemeClr val="accent1"/>
+            </a:fillRef>
+            <a:effectRef idx="0">
+              <a:schemeClr val="accent1"/>
+            </a:effectRef>
+            <a:fontRef idx="minor">
+              <a:schemeClr val="lt1"/>
+            </a:fontRef>
+          </p:style>
+          <p:txBody>
+            <a:bodyPr rtlCol="0" anchor="ctr"/>
+            <a:lstStyle/>
+            <a:p>
+              <a:pPr algn="ctr"/>
+              <a:endParaRPr lang="zh-CN" altLang="en-US"/>
+            </a:p>
+          </p:txBody>
+        </p:sp>
+        <p:sp>
+          <p:nvSpPr>
+            <p:cNvPr id="54" name="六边形 53">
+              <a:extLst>
+                <a:ext uri="{FF2B5EF4-FFF2-40B4-BE49-F238E27FC236}">
+                  <a16:creationId xmlns:a16="http://schemas.microsoft.com/office/drawing/2014/main" id="{5742E14F-D815-6A8C-857B-AB6F0D2A90A5}"/>
+                </a:ext>
+              </a:extLst>
+            </p:cNvPr>
+            <p:cNvSpPr/>
+            <p:nvPr/>
+          </p:nvSpPr>
+          <p:spPr>
+            <a:xfrm rot="16200000">
+              <a:off x="5043671" y="3356716"/>
+              <a:ext cx="667050" cy="575044"/>
+            </a:xfrm>
+            <a:prstGeom prst="hexagon">
+              <a:avLst/>
+            </a:prstGeom>
+            <a:solidFill>
+              <a:schemeClr val="accent1">
+                <a:lumMod val="60000"/>
+                <a:lumOff val="40000"/>
+              </a:schemeClr>
+            </a:solidFill>
+            <a:ln>
+              <a:noFill/>
+            </a:ln>
+          </p:spPr>
+          <p:style>
+            <a:lnRef idx="2">
+              <a:schemeClr val="accent1">
+                <a:shade val="15000"/>
+              </a:schemeClr>
+            </a:lnRef>
+            <a:fillRef idx="1">
+              <a:schemeClr val="accent1"/>
+            </a:fillRef>
+            <a:effectRef idx="0">
+              <a:schemeClr val="accent1"/>
+            </a:effectRef>
+            <a:fontRef idx="minor">
+              <a:schemeClr val="lt1"/>
+            </a:fontRef>
+          </p:style>
+          <p:txBody>
+            <a:bodyPr rtlCol="0" anchor="ctr"/>
+            <a:lstStyle/>
+            <a:p>
+              <a:pPr algn="ctr"/>
+              <a:endParaRPr lang="zh-CN" altLang="en-US"/>
+            </a:p>
+          </p:txBody>
+        </p:sp>
+        <p:sp>
+          <p:nvSpPr>
+            <p:cNvPr id="55" name="六边形 54">
+              <a:extLst>
+                <a:ext uri="{FF2B5EF4-FFF2-40B4-BE49-F238E27FC236}">
+                  <a16:creationId xmlns:a16="http://schemas.microsoft.com/office/drawing/2014/main" id="{7D7137FB-48CD-F3D3-B1B1-0873DD5F4AF7}"/>
+                </a:ext>
+              </a:extLst>
+            </p:cNvPr>
+            <p:cNvSpPr/>
+            <p:nvPr/>
+          </p:nvSpPr>
+          <p:spPr>
+            <a:xfrm rot="16200000">
+              <a:off x="5618714" y="3356716"/>
+              <a:ext cx="667050" cy="575044"/>
+            </a:xfrm>
+            <a:prstGeom prst="hexagon">
+              <a:avLst/>
+            </a:prstGeom>
+            <a:solidFill>
+              <a:schemeClr val="accent1">
+                <a:lumMod val="40000"/>
+                <a:lumOff val="60000"/>
+              </a:schemeClr>
+            </a:solidFill>
+            <a:ln>
+              <a:noFill/>
+            </a:ln>
+          </p:spPr>
+          <p:style>
+            <a:lnRef idx="2">
+              <a:schemeClr val="accent1">
+                <a:shade val="15000"/>
+              </a:schemeClr>
+            </a:lnRef>
+            <a:fillRef idx="1">
+              <a:schemeClr val="accent1"/>
+            </a:fillRef>
+            <a:effectRef idx="0">
+              <a:schemeClr val="accent1"/>
+            </a:effectRef>
+            <a:fontRef idx="minor">
+              <a:schemeClr val="lt1"/>
+            </a:fontRef>
+          </p:style>
+          <p:txBody>
+            <a:bodyPr rtlCol="0" anchor="ctr"/>
+            <a:lstStyle/>
+            <a:p>
+              <a:pPr algn="ctr"/>
+              <a:endParaRPr lang="zh-CN" altLang="en-US"/>
+            </a:p>
+          </p:txBody>
+        </p:sp>
+        <p:sp>
+          <p:nvSpPr>
+            <p:cNvPr id="56" name="六边形 55">
+              <a:extLst>
+                <a:ext uri="{FF2B5EF4-FFF2-40B4-BE49-F238E27FC236}">
+                  <a16:creationId xmlns:a16="http://schemas.microsoft.com/office/drawing/2014/main" id="{A9014593-4AB9-217B-E0E7-71D9FC92A112}"/>
+                </a:ext>
+              </a:extLst>
+            </p:cNvPr>
+            <p:cNvSpPr/>
+            <p:nvPr/>
+          </p:nvSpPr>
+          <p:spPr>
+            <a:xfrm rot="16200000">
+              <a:off x="6193758" y="3356716"/>
+              <a:ext cx="667050" cy="575044"/>
+            </a:xfrm>
+            <a:prstGeom prst="hexagon">
+              <a:avLst/>
+            </a:prstGeom>
+            <a:solidFill>
+              <a:schemeClr val="accent1">
+                <a:lumMod val="60000"/>
+                <a:lumOff val="40000"/>
+              </a:schemeClr>
+            </a:solidFill>
+            <a:ln>
+              <a:noFill/>
+            </a:ln>
+          </p:spPr>
+          <p:style>
+            <a:lnRef idx="2">
+              <a:schemeClr val="accent1">
+                <a:shade val="15000"/>
+              </a:schemeClr>
+            </a:lnRef>
+            <a:fillRef idx="1">
+              <a:schemeClr val="accent1"/>
+            </a:fillRef>
+            <a:effectRef idx="0">
+              <a:schemeClr val="accent1"/>
+            </a:effectRef>
+            <a:fontRef idx="minor">
+              <a:schemeClr val="lt1"/>
+            </a:fontRef>
+          </p:style>
+          <p:txBody>
+            <a:bodyPr rtlCol="0" anchor="ctr"/>
+            <a:lstStyle/>
+            <a:p>
+              <a:pPr algn="ctr"/>
+              <a:endParaRPr lang="zh-CN" altLang="en-US"/>
+            </a:p>
+          </p:txBody>
+        </p:sp>
+        <p:sp>
+          <p:nvSpPr>
+            <p:cNvPr id="57" name="六边形 56">
+              <a:extLst>
+                <a:ext uri="{FF2B5EF4-FFF2-40B4-BE49-F238E27FC236}">
+                  <a16:creationId xmlns:a16="http://schemas.microsoft.com/office/drawing/2014/main" id="{59BB5E5B-A64F-F9B1-CD2C-4342856A5415}"/>
+                </a:ext>
+              </a:extLst>
+            </p:cNvPr>
+            <p:cNvSpPr/>
+            <p:nvPr/>
+          </p:nvSpPr>
+          <p:spPr>
+            <a:xfrm rot="16200000">
+              <a:off x="6768801" y="3356716"/>
+              <a:ext cx="667050" cy="575044"/>
+            </a:xfrm>
+            <a:prstGeom prst="hexagon">
+              <a:avLst/>
+            </a:prstGeom>
+            <a:solidFill>
+              <a:schemeClr val="accent1">
+                <a:lumMod val="40000"/>
+                <a:lumOff val="60000"/>
+              </a:schemeClr>
+            </a:solidFill>
+            <a:ln>
+              <a:noFill/>
+            </a:ln>
+          </p:spPr>
+          <p:style>
+            <a:lnRef idx="2">
+              <a:schemeClr val="accent1">
+                <a:shade val="15000"/>
+              </a:schemeClr>
+            </a:lnRef>
+            <a:fillRef idx="1">
+              <a:schemeClr val="accent1"/>
+            </a:fillRef>
+            <a:effectRef idx="0">
+              <a:schemeClr val="accent1"/>
+            </a:effectRef>
+            <a:fontRef idx="minor">
+              <a:schemeClr val="lt1"/>
+            </a:fontRef>
+          </p:style>
+          <p:txBody>
+            <a:bodyPr rtlCol="0" anchor="ctr"/>
+            <a:lstStyle/>
+            <a:p>
+              <a:pPr algn="ctr"/>
+              <a:endParaRPr lang="zh-CN" altLang="en-US"/>
+            </a:p>
+          </p:txBody>
+        </p:sp>
+        <p:sp>
+          <p:nvSpPr>
+            <p:cNvPr id="58" name="六边形 57">
+              <a:extLst>
+                <a:ext uri="{FF2B5EF4-FFF2-40B4-BE49-F238E27FC236}">
+                  <a16:creationId xmlns:a16="http://schemas.microsoft.com/office/drawing/2014/main" id="{1524E3F1-7372-A01A-DD27-6A168ED7EE31}"/>
+                </a:ext>
+              </a:extLst>
+            </p:cNvPr>
+            <p:cNvSpPr/>
+            <p:nvPr/>
+          </p:nvSpPr>
+          <p:spPr>
+            <a:xfrm rot="16200000">
+              <a:off x="7343845" y="3356716"/>
+              <a:ext cx="667050" cy="575044"/>
+            </a:xfrm>
+            <a:prstGeom prst="hexagon">
+              <a:avLst/>
+            </a:prstGeom>
+            <a:solidFill>
+              <a:schemeClr val="accent1">
+                <a:lumMod val="60000"/>
+                <a:lumOff val="40000"/>
+              </a:schemeClr>
+            </a:solidFill>
+            <a:ln>
+              <a:noFill/>
+            </a:ln>
+          </p:spPr>
+          <p:style>
+            <a:lnRef idx="2">
+              <a:schemeClr val="accent1">
+                <a:shade val="15000"/>
+              </a:schemeClr>
+            </a:lnRef>
+            <a:fillRef idx="1">
+              <a:schemeClr val="accent1"/>
+            </a:fillRef>
+            <a:effectRef idx="0">
+              <a:schemeClr val="accent1"/>
+            </a:effectRef>
+            <a:fontRef idx="minor">
+              <a:schemeClr val="lt1"/>
+            </a:fontRef>
+          </p:style>
+          <p:txBody>
+            <a:bodyPr rtlCol="0" anchor="ctr"/>
+            <a:lstStyle/>
+            <a:p>
+              <a:pPr algn="ctr"/>
+              <a:endParaRPr lang="zh-CN" altLang="en-US"/>
+            </a:p>
+          </p:txBody>
+        </p:sp>
+        <p:sp>
+          <p:nvSpPr>
+            <p:cNvPr id="59" name="六边形 58">
+              <a:extLst>
+                <a:ext uri="{FF2B5EF4-FFF2-40B4-BE49-F238E27FC236}">
+                  <a16:creationId xmlns:a16="http://schemas.microsoft.com/office/drawing/2014/main" id="{24A717B0-0174-C15B-294F-99EA3AAC99E9}"/>
+                </a:ext>
+              </a:extLst>
+            </p:cNvPr>
+            <p:cNvSpPr/>
+            <p:nvPr/>
+          </p:nvSpPr>
+          <p:spPr>
+            <a:xfrm rot="16200000">
+              <a:off x="7918888" y="3356716"/>
+              <a:ext cx="667050" cy="575044"/>
+            </a:xfrm>
+            <a:prstGeom prst="hexagon">
+              <a:avLst/>
+            </a:prstGeom>
+            <a:solidFill>
+              <a:schemeClr val="accent1">
+                <a:lumMod val="40000"/>
+                <a:lumOff val="60000"/>
+              </a:schemeClr>
+            </a:solidFill>
+            <a:ln>
+              <a:noFill/>
+            </a:ln>
+          </p:spPr>
+          <p:style>
+            <a:lnRef idx="2">
+              <a:schemeClr val="accent1">
+                <a:shade val="15000"/>
+              </a:schemeClr>
+            </a:lnRef>
+            <a:fillRef idx="1">
+              <a:schemeClr val="accent1"/>
+            </a:fillRef>
+            <a:effectRef idx="0">
+              <a:schemeClr val="accent1"/>
+            </a:effectRef>
+            <a:fontRef idx="minor">
+              <a:schemeClr val="lt1"/>
+            </a:fontRef>
+          </p:style>
+          <p:txBody>
+            <a:bodyPr rtlCol="0" anchor="ctr"/>
+            <a:lstStyle/>
+            <a:p>
+              <a:pPr algn="ctr"/>
+              <a:endParaRPr lang="zh-CN" altLang="en-US"/>
+            </a:p>
+          </p:txBody>
+        </p:sp>
+        <p:sp>
+          <p:nvSpPr>
+            <p:cNvPr id="60" name="六边形 59">
+              <a:extLst>
+                <a:ext uri="{FF2B5EF4-FFF2-40B4-BE49-F238E27FC236}">
+                  <a16:creationId xmlns:a16="http://schemas.microsoft.com/office/drawing/2014/main" id="{7F26E5F3-8E56-2DE9-7841-54F5ED65FED7}"/>
+                </a:ext>
+              </a:extLst>
+            </p:cNvPr>
+            <p:cNvSpPr/>
+            <p:nvPr/>
+          </p:nvSpPr>
+          <p:spPr>
+            <a:xfrm rot="16200000">
+              <a:off x="3606062" y="3874525"/>
+              <a:ext cx="667050" cy="575044"/>
+            </a:xfrm>
+            <a:prstGeom prst="hexagon">
+              <a:avLst/>
+            </a:prstGeom>
+            <a:solidFill>
+              <a:schemeClr val="accent1">
+                <a:lumMod val="20000"/>
+                <a:lumOff val="80000"/>
+              </a:schemeClr>
+            </a:solidFill>
+            <a:ln>
+              <a:noFill/>
+            </a:ln>
+          </p:spPr>
+          <p:style>
+            <a:lnRef idx="2">
+              <a:schemeClr val="accent1">
+                <a:shade val="15000"/>
+              </a:schemeClr>
+            </a:lnRef>
+            <a:fillRef idx="1">
+              <a:schemeClr val="accent1"/>
+            </a:fillRef>
+            <a:effectRef idx="0">
+              <a:schemeClr val="accent1"/>
+            </a:effectRef>
+            <a:fontRef idx="minor">
+              <a:schemeClr val="lt1"/>
+            </a:fontRef>
+          </p:style>
+          <p:txBody>
+            <a:bodyPr rtlCol="0" anchor="ctr"/>
+            <a:lstStyle/>
+            <a:p>
+              <a:pPr algn="ctr"/>
+              <a:endParaRPr lang="zh-CN" altLang="en-US"/>
+            </a:p>
+          </p:txBody>
+        </p:sp>
+        <p:sp>
+          <p:nvSpPr>
+            <p:cNvPr id="61" name="六边形 60">
+              <a:extLst>
+                <a:ext uri="{FF2B5EF4-FFF2-40B4-BE49-F238E27FC236}">
+                  <a16:creationId xmlns:a16="http://schemas.microsoft.com/office/drawing/2014/main" id="{63430E3F-FF4D-7CD7-6567-09A3F4482610}"/>
+                </a:ext>
+              </a:extLst>
+            </p:cNvPr>
+            <p:cNvSpPr/>
+            <p:nvPr/>
+          </p:nvSpPr>
+          <p:spPr>
+            <a:xfrm rot="16200000">
+              <a:off x="4181105" y="3874525"/>
+              <a:ext cx="667050" cy="575044"/>
+            </a:xfrm>
+            <a:prstGeom prst="hexagon">
+              <a:avLst/>
+            </a:prstGeom>
+            <a:solidFill>
+              <a:schemeClr val="accent1">
+                <a:lumMod val="75000"/>
+              </a:schemeClr>
+            </a:solidFill>
+            <a:ln>
+              <a:noFill/>
+            </a:ln>
+          </p:spPr>
+          <p:style>
+            <a:lnRef idx="2">
+              <a:schemeClr val="accent1">
+                <a:shade val="15000"/>
+              </a:schemeClr>
+            </a:lnRef>
+            <a:fillRef idx="1">
+              <a:schemeClr val="accent1"/>
+            </a:fillRef>
+            <a:effectRef idx="0">
+              <a:schemeClr val="accent1"/>
+            </a:effectRef>
+            <a:fontRef idx="minor">
+              <a:schemeClr val="lt1"/>
+            </a:fontRef>
+          </p:style>
+          <p:txBody>
+            <a:bodyPr rtlCol="0" anchor="ctr"/>
+            <a:lstStyle/>
+            <a:p>
+              <a:pPr algn="ctr"/>
+              <a:endParaRPr lang="zh-CN" altLang="en-US"/>
+            </a:p>
+          </p:txBody>
+        </p:sp>
+        <p:sp>
+          <p:nvSpPr>
+            <p:cNvPr id="62" name="六边形 61">
+              <a:extLst>
+                <a:ext uri="{FF2B5EF4-FFF2-40B4-BE49-F238E27FC236}">
+                  <a16:creationId xmlns:a16="http://schemas.microsoft.com/office/drawing/2014/main" id="{FFDE9839-0224-7D0B-6F7A-376B856A8C35}"/>
+                </a:ext>
+              </a:extLst>
+            </p:cNvPr>
+            <p:cNvSpPr/>
+            <p:nvPr/>
+          </p:nvSpPr>
+          <p:spPr>
+            <a:xfrm rot="16200000">
+              <a:off x="4756149" y="3874525"/>
+              <a:ext cx="667050" cy="575044"/>
+            </a:xfrm>
+            <a:prstGeom prst="hexagon">
+              <a:avLst/>
+            </a:prstGeom>
+            <a:solidFill>
+              <a:schemeClr val="accent1">
+                <a:lumMod val="20000"/>
+                <a:lumOff val="80000"/>
+              </a:schemeClr>
+            </a:solidFill>
+            <a:ln>
+              <a:noFill/>
+            </a:ln>
+          </p:spPr>
+          <p:style>
+            <a:lnRef idx="2">
+              <a:schemeClr val="accent1">
+                <a:shade val="15000"/>
+              </a:schemeClr>
+            </a:lnRef>
+            <a:fillRef idx="1">
+              <a:schemeClr val="accent1"/>
+            </a:fillRef>
+            <a:effectRef idx="0">
+              <a:schemeClr val="accent1"/>
+            </a:effectRef>
+            <a:fontRef idx="minor">
+              <a:schemeClr val="lt1"/>
+            </a:fontRef>
+          </p:style>
+          <p:txBody>
+            <a:bodyPr rtlCol="0" anchor="ctr"/>
+            <a:lstStyle/>
+            <a:p>
+              <a:pPr algn="ctr"/>
+              <a:endParaRPr lang="zh-CN" altLang="en-US"/>
+            </a:p>
+          </p:txBody>
+        </p:sp>
+        <p:sp>
+          <p:nvSpPr>
+            <p:cNvPr id="63" name="六边形 62">
+              <a:extLst>
+                <a:ext uri="{FF2B5EF4-FFF2-40B4-BE49-F238E27FC236}">
+                  <a16:creationId xmlns:a16="http://schemas.microsoft.com/office/drawing/2014/main" id="{19E10412-5D66-01EC-3599-EC1EAB75A79C}"/>
+                </a:ext>
+              </a:extLst>
+            </p:cNvPr>
+            <p:cNvSpPr/>
+            <p:nvPr/>
+          </p:nvSpPr>
+          <p:spPr>
+            <a:xfrm rot="16200000">
+              <a:off x="5331192" y="3874525"/>
+              <a:ext cx="667050" cy="575044"/>
+            </a:xfrm>
+            <a:prstGeom prst="hexagon">
+              <a:avLst/>
+            </a:prstGeom>
+            <a:solidFill>
+              <a:schemeClr val="accent1">
+                <a:lumMod val="75000"/>
+              </a:schemeClr>
+            </a:solidFill>
+            <a:ln>
+              <a:noFill/>
+            </a:ln>
+          </p:spPr>
+          <p:style>
+            <a:lnRef idx="2">
+              <a:schemeClr val="accent1">
+                <a:shade val="15000"/>
+              </a:schemeClr>
+            </a:lnRef>
+            <a:fillRef idx="1">
+              <a:schemeClr val="accent1"/>
+            </a:fillRef>
+            <a:effectRef idx="0">
+              <a:schemeClr val="accent1"/>
+            </a:effectRef>
+            <a:fontRef idx="minor">
+              <a:schemeClr val="lt1"/>
+            </a:fontRef>
+          </p:style>
+          <p:txBody>
+            <a:bodyPr rtlCol="0" anchor="ctr"/>
+            <a:lstStyle/>
+            <a:p>
+              <a:pPr algn="ctr"/>
+              <a:endParaRPr lang="zh-CN" altLang="en-US"/>
+            </a:p>
+          </p:txBody>
+        </p:sp>
+        <p:sp>
+          <p:nvSpPr>
+            <p:cNvPr id="64" name="六边形 63">
+              <a:extLst>
+                <a:ext uri="{FF2B5EF4-FFF2-40B4-BE49-F238E27FC236}">
+                  <a16:creationId xmlns:a16="http://schemas.microsoft.com/office/drawing/2014/main" id="{DFC15D8C-5068-86AC-3274-6AC8A9A0D922}"/>
+                </a:ext>
+              </a:extLst>
+            </p:cNvPr>
+            <p:cNvSpPr/>
+            <p:nvPr/>
+          </p:nvSpPr>
+          <p:spPr>
+            <a:xfrm rot="16200000">
+              <a:off x="5906236" y="3874525"/>
+              <a:ext cx="667050" cy="575044"/>
+            </a:xfrm>
+            <a:prstGeom prst="hexagon">
+              <a:avLst/>
+            </a:prstGeom>
+            <a:solidFill>
+              <a:schemeClr val="accent1">
+                <a:lumMod val="20000"/>
+                <a:lumOff val="80000"/>
+              </a:schemeClr>
+            </a:solidFill>
+            <a:ln>
+              <a:noFill/>
+            </a:ln>
+          </p:spPr>
+          <p:style>
+            <a:lnRef idx="2">
+              <a:schemeClr val="accent1">
+                <a:shade val="15000"/>
+              </a:schemeClr>
+            </a:lnRef>
+            <a:fillRef idx="1">
+              <a:schemeClr val="accent1"/>
+            </a:fillRef>
+            <a:effectRef idx="0">
+              <a:schemeClr val="accent1"/>
+            </a:effectRef>
+            <a:fontRef idx="minor">
+              <a:schemeClr val="lt1"/>
+            </a:fontRef>
+          </p:style>
+          <p:txBody>
+            <a:bodyPr rtlCol="0" anchor="ctr"/>
+            <a:lstStyle/>
+            <a:p>
+              <a:pPr algn="ctr"/>
+              <a:endParaRPr lang="zh-CN" altLang="en-US"/>
+            </a:p>
+          </p:txBody>
+        </p:sp>
+        <p:sp>
+          <p:nvSpPr>
+            <p:cNvPr id="65" name="六边形 64">
+              <a:extLst>
+                <a:ext uri="{FF2B5EF4-FFF2-40B4-BE49-F238E27FC236}">
+                  <a16:creationId xmlns:a16="http://schemas.microsoft.com/office/drawing/2014/main" id="{60891FE4-899A-8EB1-A5E5-CB9B28CFA307}"/>
+                </a:ext>
+              </a:extLst>
+            </p:cNvPr>
+            <p:cNvSpPr/>
+            <p:nvPr/>
+          </p:nvSpPr>
+          <p:spPr>
+            <a:xfrm rot="16200000">
+              <a:off x="6481279" y="3874525"/>
+              <a:ext cx="667050" cy="575044"/>
+            </a:xfrm>
+            <a:prstGeom prst="hexagon">
+              <a:avLst/>
+            </a:prstGeom>
+            <a:solidFill>
+              <a:schemeClr val="accent1">
+                <a:lumMod val="75000"/>
+              </a:schemeClr>
+            </a:solidFill>
+            <a:ln>
+              <a:noFill/>
+            </a:ln>
+          </p:spPr>
+          <p:style>
+            <a:lnRef idx="2">
+              <a:schemeClr val="accent1">
+                <a:shade val="15000"/>
+              </a:schemeClr>
+            </a:lnRef>
+            <a:fillRef idx="1">
+              <a:schemeClr val="accent1"/>
+            </a:fillRef>
+            <a:effectRef idx="0">
+              <a:schemeClr val="accent1"/>
+            </a:effectRef>
+            <a:fontRef idx="minor">
+              <a:schemeClr val="lt1"/>
+            </a:fontRef>
+          </p:style>
+          <p:txBody>
+            <a:bodyPr rtlCol="0" anchor="ctr"/>
+            <a:lstStyle/>
+            <a:p>
+              <a:pPr algn="ctr"/>
+              <a:endParaRPr lang="zh-CN" altLang="en-US"/>
+            </a:p>
+          </p:txBody>
+        </p:sp>
+        <p:sp>
+          <p:nvSpPr>
+            <p:cNvPr id="66" name="六边形 65">
+              <a:extLst>
+                <a:ext uri="{FF2B5EF4-FFF2-40B4-BE49-F238E27FC236}">
+                  <a16:creationId xmlns:a16="http://schemas.microsoft.com/office/drawing/2014/main" id="{53CA9823-02DE-B63A-D27C-E21DAA6902F7}"/>
+                </a:ext>
+              </a:extLst>
+            </p:cNvPr>
+            <p:cNvSpPr/>
+            <p:nvPr/>
+          </p:nvSpPr>
+          <p:spPr>
+            <a:xfrm rot="16200000">
+              <a:off x="7056323" y="3874525"/>
+              <a:ext cx="667050" cy="575044"/>
+            </a:xfrm>
+            <a:prstGeom prst="hexagon">
+              <a:avLst/>
+            </a:prstGeom>
+            <a:solidFill>
+              <a:schemeClr val="accent1">
+                <a:lumMod val="20000"/>
+                <a:lumOff val="80000"/>
+              </a:schemeClr>
+            </a:solidFill>
+            <a:ln>
+              <a:noFill/>
+            </a:ln>
+          </p:spPr>
+          <p:style>
+            <a:lnRef idx="2">
+              <a:schemeClr val="accent1">
+                <a:shade val="15000"/>
+              </a:schemeClr>
+            </a:lnRef>
+            <a:fillRef idx="1">
+              <a:schemeClr val="accent1"/>
+            </a:fillRef>
+            <a:effectRef idx="0">
+              <a:schemeClr val="accent1"/>
+            </a:effectRef>
+            <a:fontRef idx="minor">
+              <a:schemeClr val="lt1"/>
+            </a:fontRef>
+          </p:style>
+          <p:txBody>
+            <a:bodyPr rtlCol="0" anchor="ctr"/>
+            <a:lstStyle/>
+            <a:p>
+              <a:pPr algn="ctr"/>
+              <a:endParaRPr lang="zh-CN" altLang="en-US"/>
+            </a:p>
+          </p:txBody>
+        </p:sp>
+        <p:sp>
+          <p:nvSpPr>
+            <p:cNvPr id="67" name="六边形 66">
+              <a:extLst>
+                <a:ext uri="{FF2B5EF4-FFF2-40B4-BE49-F238E27FC236}">
+                  <a16:creationId xmlns:a16="http://schemas.microsoft.com/office/drawing/2014/main" id="{5BD2FC1B-817B-62C8-109B-73759C81AA62}"/>
+                </a:ext>
+              </a:extLst>
+            </p:cNvPr>
+            <p:cNvSpPr/>
+            <p:nvPr/>
+          </p:nvSpPr>
+          <p:spPr>
+            <a:xfrm rot="16200000">
+              <a:off x="7631366" y="3874525"/>
+              <a:ext cx="667050" cy="575044"/>
+            </a:xfrm>
+            <a:prstGeom prst="hexagon">
+              <a:avLst/>
+            </a:prstGeom>
+            <a:solidFill>
+              <a:schemeClr val="accent1">
+                <a:lumMod val="75000"/>
+              </a:schemeClr>
+            </a:solidFill>
+            <a:ln>
+              <a:noFill/>
+            </a:ln>
+          </p:spPr>
+          <p:style>
+            <a:lnRef idx="2">
+              <a:schemeClr val="accent1">
+                <a:shade val="15000"/>
+              </a:schemeClr>
+            </a:lnRef>
+            <a:fillRef idx="1">
+              <a:schemeClr val="accent1"/>
+            </a:fillRef>
+            <a:effectRef idx="0">
+              <a:schemeClr val="accent1"/>
+            </a:effectRef>
+            <a:fontRef idx="minor">
+              <a:schemeClr val="lt1"/>
+            </a:fontRef>
+          </p:style>
+          <p:txBody>
+            <a:bodyPr rtlCol="0" anchor="ctr"/>
+            <a:lstStyle/>
+            <a:p>
+              <a:pPr algn="ctr"/>
+              <a:endParaRPr lang="zh-CN" altLang="en-US"/>
+            </a:p>
+          </p:txBody>
+        </p:sp>
+        <p:sp>
+          <p:nvSpPr>
+            <p:cNvPr id="68" name="六边形 67">
+              <a:extLst>
+                <a:ext uri="{FF2B5EF4-FFF2-40B4-BE49-F238E27FC236}">
+                  <a16:creationId xmlns:a16="http://schemas.microsoft.com/office/drawing/2014/main" id="{D5FBD81D-E9D1-3408-0C06-E7757C470C08}"/>
+                </a:ext>
+              </a:extLst>
+            </p:cNvPr>
+            <p:cNvSpPr/>
+            <p:nvPr/>
+          </p:nvSpPr>
+          <p:spPr>
+            <a:xfrm rot="16200000">
+              <a:off x="3893583" y="4393662"/>
+              <a:ext cx="667050" cy="575044"/>
+            </a:xfrm>
+            <a:prstGeom prst="hexagon">
+              <a:avLst/>
+            </a:prstGeom>
+            <a:solidFill>
+              <a:schemeClr val="accent1">
+                <a:lumMod val="60000"/>
+                <a:lumOff val="40000"/>
+              </a:schemeClr>
+            </a:solidFill>
+            <a:ln>
+              <a:noFill/>
+            </a:ln>
+          </p:spPr>
+          <p:style>
+            <a:lnRef idx="2">
+              <a:schemeClr val="accent1">
+                <a:shade val="15000"/>
+              </a:schemeClr>
+            </a:lnRef>
+            <a:fillRef idx="1">
+              <a:schemeClr val="accent1"/>
+            </a:fillRef>
+            <a:effectRef idx="0">
+              <a:schemeClr val="accent1"/>
+            </a:effectRef>
+            <a:fontRef idx="minor">
+              <a:schemeClr val="lt1"/>
+            </a:fontRef>
+          </p:style>
+          <p:txBody>
+            <a:bodyPr rtlCol="0" anchor="ctr"/>
+            <a:lstStyle/>
+            <a:p>
+              <a:pPr algn="ctr"/>
+              <a:endParaRPr lang="zh-CN" altLang="en-US"/>
+            </a:p>
+          </p:txBody>
+        </p:sp>
+        <p:sp>
+          <p:nvSpPr>
+            <p:cNvPr id="69" name="六边形 68">
+              <a:extLst>
+                <a:ext uri="{FF2B5EF4-FFF2-40B4-BE49-F238E27FC236}">
+                  <a16:creationId xmlns:a16="http://schemas.microsoft.com/office/drawing/2014/main" id="{BEFB23B6-C3AF-4B97-91E8-8571CA4C0286}"/>
+                </a:ext>
+              </a:extLst>
+            </p:cNvPr>
+            <p:cNvSpPr/>
+            <p:nvPr/>
+          </p:nvSpPr>
+          <p:spPr>
+            <a:xfrm rot="16200000">
+              <a:off x="4468627" y="4393662"/>
+              <a:ext cx="667050" cy="575044"/>
+            </a:xfrm>
+            <a:prstGeom prst="hexagon">
+              <a:avLst/>
+            </a:prstGeom>
+            <a:solidFill>
+              <a:schemeClr val="accent1">
+                <a:lumMod val="40000"/>
+                <a:lumOff val="60000"/>
+              </a:schemeClr>
+            </a:solidFill>
+            <a:ln>
+              <a:noFill/>
+            </a:ln>
+          </p:spPr>
+          <p:style>
+            <a:lnRef idx="2">
+              <a:schemeClr val="accent1">
+                <a:shade val="15000"/>
+              </a:schemeClr>
+            </a:lnRef>
+            <a:fillRef idx="1">
+              <a:schemeClr val="accent1"/>
+            </a:fillRef>
+            <a:effectRef idx="0">
+              <a:schemeClr val="accent1"/>
+            </a:effectRef>
+            <a:fontRef idx="minor">
+              <a:schemeClr val="lt1"/>
+            </a:fontRef>
+          </p:style>
+          <p:txBody>
+            <a:bodyPr rtlCol="0" anchor="ctr"/>
+            <a:lstStyle/>
+            <a:p>
+              <a:pPr algn="ctr"/>
+              <a:endParaRPr lang="zh-CN" altLang="en-US"/>
+            </a:p>
+          </p:txBody>
+        </p:sp>
+        <p:sp>
+          <p:nvSpPr>
+            <p:cNvPr id="70" name="六边形 69">
+              <a:extLst>
+                <a:ext uri="{FF2B5EF4-FFF2-40B4-BE49-F238E27FC236}">
+                  <a16:creationId xmlns:a16="http://schemas.microsoft.com/office/drawing/2014/main" id="{414CBDA3-5C06-7841-B51E-2B9660367FF9}"/>
+                </a:ext>
+              </a:extLst>
+            </p:cNvPr>
+            <p:cNvSpPr/>
+            <p:nvPr/>
+          </p:nvSpPr>
+          <p:spPr>
+            <a:xfrm rot="16200000">
+              <a:off x="5043671" y="4393662"/>
+              <a:ext cx="667050" cy="575044"/>
+            </a:xfrm>
+            <a:prstGeom prst="hexagon">
+              <a:avLst/>
+            </a:prstGeom>
+            <a:solidFill>
+              <a:schemeClr val="accent1">
+                <a:lumMod val="60000"/>
+                <a:lumOff val="40000"/>
+              </a:schemeClr>
+            </a:solidFill>
+            <a:ln>
+              <a:noFill/>
+            </a:ln>
+          </p:spPr>
+          <p:style>
+            <a:lnRef idx="2">
+              <a:schemeClr val="accent1">
+                <a:shade val="15000"/>
+              </a:schemeClr>
+            </a:lnRef>
+            <a:fillRef idx="1">
+              <a:schemeClr val="accent1"/>
+            </a:fillRef>
+            <a:effectRef idx="0">
+              <a:schemeClr val="accent1"/>
+            </a:effectRef>
+            <a:fontRef idx="minor">
+              <a:schemeClr val="lt1"/>
+            </a:fontRef>
+          </p:style>
+          <p:txBody>
+            <a:bodyPr rtlCol="0" anchor="ctr"/>
+            <a:lstStyle/>
+            <a:p>
+              <a:pPr algn="ctr"/>
+              <a:endParaRPr lang="zh-CN" altLang="en-US"/>
+            </a:p>
+          </p:txBody>
+        </p:sp>
+        <p:sp>
+          <p:nvSpPr>
+            <p:cNvPr id="71" name="六边形 70">
+              <a:extLst>
+                <a:ext uri="{FF2B5EF4-FFF2-40B4-BE49-F238E27FC236}">
+                  <a16:creationId xmlns:a16="http://schemas.microsoft.com/office/drawing/2014/main" id="{D0FE210C-CDAC-DD64-FB49-AC8BC496DA82}"/>
+                </a:ext>
+              </a:extLst>
+            </p:cNvPr>
+            <p:cNvSpPr/>
+            <p:nvPr/>
+          </p:nvSpPr>
+          <p:spPr>
+            <a:xfrm rot="16200000">
+              <a:off x="5618714" y="4393662"/>
+              <a:ext cx="667050" cy="575044"/>
+            </a:xfrm>
+            <a:prstGeom prst="hexagon">
+              <a:avLst/>
+            </a:prstGeom>
+            <a:solidFill>
+              <a:schemeClr val="accent1">
+                <a:lumMod val="40000"/>
+                <a:lumOff val="60000"/>
+              </a:schemeClr>
+            </a:solidFill>
+            <a:ln>
+              <a:noFill/>
+            </a:ln>
+          </p:spPr>
+          <p:style>
+            <a:lnRef idx="2">
+              <a:schemeClr val="accent1">
+                <a:shade val="15000"/>
+              </a:schemeClr>
+            </a:lnRef>
+            <a:fillRef idx="1">
+              <a:schemeClr val="accent1"/>
+            </a:fillRef>
+            <a:effectRef idx="0">
+              <a:schemeClr val="accent1"/>
+            </a:effectRef>
+            <a:fontRef idx="minor">
+              <a:schemeClr val="lt1"/>
+            </a:fontRef>
+          </p:style>
+          <p:txBody>
+            <a:bodyPr rtlCol="0" anchor="ctr"/>
+            <a:lstStyle/>
+            <a:p>
+              <a:pPr algn="ctr"/>
+              <a:endParaRPr lang="zh-CN" altLang="en-US"/>
+            </a:p>
+          </p:txBody>
+        </p:sp>
+        <p:sp>
+          <p:nvSpPr>
+            <p:cNvPr id="72" name="六边形 71">
+              <a:extLst>
+                <a:ext uri="{FF2B5EF4-FFF2-40B4-BE49-F238E27FC236}">
+                  <a16:creationId xmlns:a16="http://schemas.microsoft.com/office/drawing/2014/main" id="{B3B0BF36-101E-8409-414F-7F614C991B41}"/>
+                </a:ext>
+              </a:extLst>
+            </p:cNvPr>
+            <p:cNvSpPr/>
+            <p:nvPr/>
+          </p:nvSpPr>
+          <p:spPr>
+            <a:xfrm rot="16200000">
+              <a:off x="6193758" y="4393662"/>
+              <a:ext cx="667050" cy="575044"/>
+            </a:xfrm>
+            <a:prstGeom prst="hexagon">
+              <a:avLst/>
+            </a:prstGeom>
+            <a:solidFill>
+              <a:schemeClr val="accent1">
+                <a:lumMod val="60000"/>
+                <a:lumOff val="40000"/>
+              </a:schemeClr>
+            </a:solidFill>
+            <a:ln>
+              <a:noFill/>
+            </a:ln>
+          </p:spPr>
+          <p:style>
+            <a:lnRef idx="2">
+              <a:schemeClr val="accent1">
+                <a:shade val="15000"/>
+              </a:schemeClr>
+            </a:lnRef>
+            <a:fillRef idx="1">
+              <a:schemeClr val="accent1"/>
+            </a:fillRef>
+            <a:effectRef idx="0">
+              <a:schemeClr val="accent1"/>
+            </a:effectRef>
+            <a:fontRef idx="minor">
+              <a:schemeClr val="lt1"/>
+            </a:fontRef>
+          </p:style>
+          <p:txBody>
+            <a:bodyPr rtlCol="0" anchor="ctr"/>
+            <a:lstStyle/>
+            <a:p>
+              <a:pPr algn="ctr"/>
+              <a:endParaRPr lang="zh-CN" altLang="en-US"/>
+            </a:p>
+          </p:txBody>
+        </p:sp>
+        <p:sp>
+          <p:nvSpPr>
+            <p:cNvPr id="73" name="六边形 72">
+              <a:extLst>
+                <a:ext uri="{FF2B5EF4-FFF2-40B4-BE49-F238E27FC236}">
+                  <a16:creationId xmlns:a16="http://schemas.microsoft.com/office/drawing/2014/main" id="{AFDAC7DB-316D-BA07-2601-F40EA1F925F6}"/>
+                </a:ext>
+              </a:extLst>
+            </p:cNvPr>
+            <p:cNvSpPr/>
+            <p:nvPr/>
+          </p:nvSpPr>
+          <p:spPr>
+            <a:xfrm rot="16200000">
+              <a:off x="6768801" y="4393662"/>
+              <a:ext cx="667050" cy="575044"/>
+            </a:xfrm>
+            <a:prstGeom prst="hexagon">
+              <a:avLst/>
+            </a:prstGeom>
+            <a:solidFill>
+              <a:schemeClr val="accent1">
+                <a:lumMod val="40000"/>
+                <a:lumOff val="60000"/>
+              </a:schemeClr>
+            </a:solidFill>
+            <a:ln>
+              <a:noFill/>
+            </a:ln>
+          </p:spPr>
+          <p:style>
+            <a:lnRef idx="2">
+              <a:schemeClr val="accent1">
+                <a:shade val="15000"/>
+              </a:schemeClr>
+            </a:lnRef>
+            <a:fillRef idx="1">
+              <a:schemeClr val="accent1"/>
+            </a:fillRef>
+            <a:effectRef idx="0">
+              <a:schemeClr val="accent1"/>
+            </a:effectRef>
+            <a:fontRef idx="minor">
+              <a:schemeClr val="lt1"/>
+            </a:fontRef>
+          </p:style>
+          <p:txBody>
+            <a:bodyPr rtlCol="0" anchor="ctr"/>
+            <a:lstStyle/>
+            <a:p>
+              <a:pPr algn="ctr"/>
+              <a:endParaRPr lang="zh-CN" altLang="en-US"/>
+            </a:p>
+          </p:txBody>
+        </p:sp>
+        <p:sp>
+          <p:nvSpPr>
+            <p:cNvPr id="74" name="六边形 73">
+              <a:extLst>
+                <a:ext uri="{FF2B5EF4-FFF2-40B4-BE49-F238E27FC236}">
+                  <a16:creationId xmlns:a16="http://schemas.microsoft.com/office/drawing/2014/main" id="{5B1EFE62-D23F-8354-593A-86DDDFBE1690}"/>
+                </a:ext>
+              </a:extLst>
+            </p:cNvPr>
+            <p:cNvSpPr/>
+            <p:nvPr/>
+          </p:nvSpPr>
+          <p:spPr>
+            <a:xfrm rot="16200000">
+              <a:off x="7343845" y="4393662"/>
+              <a:ext cx="667050" cy="575044"/>
+            </a:xfrm>
+            <a:prstGeom prst="hexagon">
+              <a:avLst/>
+            </a:prstGeom>
+            <a:solidFill>
+              <a:schemeClr val="accent1">
+                <a:lumMod val="60000"/>
+                <a:lumOff val="40000"/>
+              </a:schemeClr>
+            </a:solidFill>
+            <a:ln>
+              <a:noFill/>
+            </a:ln>
+          </p:spPr>
+          <p:style>
+            <a:lnRef idx="2">
+              <a:schemeClr val="accent1">
+                <a:shade val="15000"/>
+              </a:schemeClr>
+            </a:lnRef>
+            <a:fillRef idx="1">
+              <a:schemeClr val="accent1"/>
+            </a:fillRef>
+            <a:effectRef idx="0">
+              <a:schemeClr val="accent1"/>
+            </a:effectRef>
+            <a:fontRef idx="minor">
+              <a:schemeClr val="lt1"/>
+            </a:fontRef>
+          </p:style>
+          <p:txBody>
+            <a:bodyPr rtlCol="0" anchor="ctr"/>
+            <a:lstStyle/>
+            <a:p>
+              <a:pPr algn="ctr"/>
+              <a:endParaRPr lang="zh-CN" altLang="en-US"/>
+            </a:p>
+          </p:txBody>
+        </p:sp>
+        <p:sp>
+          <p:nvSpPr>
+            <p:cNvPr id="75" name="六边形 74">
+              <a:extLst>
+                <a:ext uri="{FF2B5EF4-FFF2-40B4-BE49-F238E27FC236}">
+                  <a16:creationId xmlns:a16="http://schemas.microsoft.com/office/drawing/2014/main" id="{BE717E35-56D7-2F53-C5C9-F43D28E6666B}"/>
+                </a:ext>
+              </a:extLst>
+            </p:cNvPr>
+            <p:cNvSpPr/>
+            <p:nvPr/>
+          </p:nvSpPr>
+          <p:spPr>
+            <a:xfrm rot="16200000">
+              <a:off x="7918888" y="4393662"/>
+              <a:ext cx="667050" cy="575044"/>
+            </a:xfrm>
+            <a:prstGeom prst="hexagon">
+              <a:avLst/>
+            </a:prstGeom>
+            <a:solidFill>
+              <a:schemeClr val="accent1">
+                <a:lumMod val="40000"/>
+                <a:lumOff val="60000"/>
+              </a:schemeClr>
+            </a:solidFill>
+            <a:ln>
+              <a:noFill/>
+            </a:ln>
+          </p:spPr>
+          <p:style>
+            <a:lnRef idx="2">
+              <a:schemeClr val="accent1">
+                <a:shade val="15000"/>
+              </a:schemeClr>
+            </a:lnRef>
+            <a:fillRef idx="1">
+              <a:schemeClr val="accent1"/>
+            </a:fillRef>
+            <a:effectRef idx="0">
+              <a:schemeClr val="accent1"/>
+            </a:effectRef>
+            <a:fontRef idx="minor">
+              <a:schemeClr val="lt1"/>
+            </a:fontRef>
+          </p:style>
+          <p:txBody>
+            <a:bodyPr rtlCol="0" anchor="ctr"/>
+            <a:lstStyle/>
+            <a:p>
+              <a:pPr algn="ctr"/>
+              <a:endParaRPr lang="zh-CN" altLang="en-US"/>
+            </a:p>
+          </p:txBody>
+        </p:sp>
+      </p:grpSp>
+      <p:sp>
+        <p:nvSpPr>
+          <p:cNvPr id="143" name="矩形 142">
+            <a:extLst>
+              <a:ext uri="{FF2B5EF4-FFF2-40B4-BE49-F238E27FC236}">
+                <a16:creationId xmlns:a16="http://schemas.microsoft.com/office/drawing/2014/main" id="{AD4E5EE7-C859-3774-FB37-81A0B86809B9}"/>
+              </a:ext>
+            </a:extLst>
+          </p:cNvPr>
+          <p:cNvSpPr/>
+          <p:nvPr/>
+        </p:nvSpPr>
+        <p:spPr>
+          <a:xfrm>
+            <a:off x="3524250" y="5029200"/>
+            <a:ext cx="571500" cy="571500"/>
+          </a:xfrm>
+          <a:prstGeom prst="rect">
+            <a:avLst/>
+          </a:prstGeom>
+          <a:solidFill>
+            <a:schemeClr val="accent6">
+              <a:lumMod val="60000"/>
+              <a:lumOff val="40000"/>
+            </a:schemeClr>
+          </a:solidFill>
+          <a:ln>
+            <a:noFill/>
+          </a:ln>
+        </p:spPr>
+        <p:style>
+          <a:lnRef idx="2">
+            <a:schemeClr val="accent1">
+              <a:shade val="15000"/>
+            </a:schemeClr>
+          </a:lnRef>
+          <a:fillRef idx="1">
+            <a:schemeClr val="accent1"/>
+          </a:fillRef>
+          <a:effectRef idx="0">
+            <a:schemeClr val="accent1"/>
+          </a:effectRef>
+          <a:fontRef idx="minor">
+            <a:schemeClr val="lt1"/>
+          </a:fontRef>
+        </p:style>
+        <p:txBody>
+          <a:bodyPr rtlCol="0" anchor="ctr"/>
+          <a:lstStyle/>
+          <a:p>
+            <a:pPr algn="ctr"/>
+            <a:r>
+              <a:rPr lang="en-US" altLang="zh-CN" sz="800" dirty="0"/>
+              <a:t>120*120</a:t>
+            </a:r>
+            <a:endParaRPr lang="zh-CN" altLang="en-US" sz="800" dirty="0"/>
+          </a:p>
+        </p:txBody>
+      </p:sp>
+      <p:sp>
+        <p:nvSpPr>
+          <p:cNvPr id="145" name="矩形 144">
+            <a:extLst>
+              <a:ext uri="{FF2B5EF4-FFF2-40B4-BE49-F238E27FC236}">
+                <a16:creationId xmlns:a16="http://schemas.microsoft.com/office/drawing/2014/main" id="{8E2025A3-921B-DE6D-6858-0CAAC4DD601C}"/>
+              </a:ext>
+            </a:extLst>
+          </p:cNvPr>
+          <p:cNvSpPr/>
+          <p:nvPr/>
+        </p:nvSpPr>
+        <p:spPr>
+          <a:xfrm>
+            <a:off x="4095750" y="5029200"/>
+            <a:ext cx="571500" cy="571500"/>
+          </a:xfrm>
+          <a:prstGeom prst="rect">
+            <a:avLst/>
+          </a:prstGeom>
+          <a:solidFill>
+            <a:schemeClr val="accent6">
+              <a:lumMod val="40000"/>
+              <a:lumOff val="60000"/>
+            </a:schemeClr>
+          </a:solidFill>
+          <a:ln>
+            <a:noFill/>
+          </a:ln>
+        </p:spPr>
+        <p:style>
+          <a:lnRef idx="2">
+            <a:schemeClr val="accent1">
+              <a:shade val="15000"/>
+            </a:schemeClr>
+          </a:lnRef>
+          <a:fillRef idx="1">
+            <a:schemeClr val="accent1"/>
+          </a:fillRef>
+          <a:effectRef idx="0">
+            <a:schemeClr val="accent1"/>
+          </a:effectRef>
+          <a:fontRef idx="minor">
+            <a:schemeClr val="lt1"/>
+          </a:fontRef>
+        </p:style>
+        <p:txBody>
+          <a:bodyPr rtlCol="0" anchor="ctr"/>
+          <a:lstStyle/>
+          <a:p>
+            <a:pPr algn="ctr"/>
+            <a:endParaRPr lang="zh-CN" altLang="en-US"/>
+          </a:p>
+        </p:txBody>
+      </p:sp>
+      <p:sp>
+        <p:nvSpPr>
+          <p:cNvPr id="146" name="矩形 145">
+            <a:extLst>
+              <a:ext uri="{FF2B5EF4-FFF2-40B4-BE49-F238E27FC236}">
+                <a16:creationId xmlns:a16="http://schemas.microsoft.com/office/drawing/2014/main" id="{A8C1813C-CDC3-C17A-3DC8-E31C2493BCE4}"/>
+              </a:ext>
+            </a:extLst>
+          </p:cNvPr>
+          <p:cNvSpPr/>
+          <p:nvPr/>
+        </p:nvSpPr>
+        <p:spPr>
+          <a:xfrm>
+            <a:off x="4667250" y="5029200"/>
+            <a:ext cx="571500" cy="571500"/>
+          </a:xfrm>
+          <a:prstGeom prst="rect">
+            <a:avLst/>
+          </a:prstGeom>
+          <a:solidFill>
+            <a:schemeClr val="accent6">
+              <a:lumMod val="60000"/>
+              <a:lumOff val="40000"/>
+            </a:schemeClr>
+          </a:solidFill>
+          <a:ln>
+            <a:noFill/>
+          </a:ln>
+        </p:spPr>
+        <p:style>
+          <a:lnRef idx="2">
+            <a:schemeClr val="accent1">
+              <a:shade val="15000"/>
+            </a:schemeClr>
+          </a:lnRef>
+          <a:fillRef idx="1">
+            <a:schemeClr val="accent1"/>
+          </a:fillRef>
+          <a:effectRef idx="0">
+            <a:schemeClr val="accent1"/>
+          </a:effectRef>
+          <a:fontRef idx="minor">
+            <a:schemeClr val="lt1"/>
+          </a:fontRef>
+        </p:style>
+        <p:txBody>
+          <a:bodyPr rtlCol="0" anchor="ctr"/>
+          <a:lstStyle/>
+          <a:p>
+            <a:pPr algn="ctr"/>
+            <a:endParaRPr lang="zh-CN" altLang="en-US"/>
+          </a:p>
+        </p:txBody>
+      </p:sp>
+      <p:sp>
+        <p:nvSpPr>
+          <p:cNvPr id="147" name="矩形 146">
+            <a:extLst>
+              <a:ext uri="{FF2B5EF4-FFF2-40B4-BE49-F238E27FC236}">
+                <a16:creationId xmlns:a16="http://schemas.microsoft.com/office/drawing/2014/main" id="{5E72F96D-56F6-DD0B-7BBD-92253D315169}"/>
+              </a:ext>
+            </a:extLst>
+          </p:cNvPr>
+          <p:cNvSpPr/>
+          <p:nvPr/>
+        </p:nvSpPr>
+        <p:spPr>
+          <a:xfrm>
+            <a:off x="5238750" y="5029200"/>
+            <a:ext cx="571500" cy="571500"/>
+          </a:xfrm>
+          <a:prstGeom prst="rect">
+            <a:avLst/>
+          </a:prstGeom>
+          <a:solidFill>
+            <a:schemeClr val="accent6">
+              <a:lumMod val="40000"/>
+              <a:lumOff val="60000"/>
+            </a:schemeClr>
+          </a:solidFill>
+          <a:ln>
+            <a:noFill/>
+          </a:ln>
+        </p:spPr>
+        <p:style>
+          <a:lnRef idx="2">
+            <a:schemeClr val="accent1">
+              <a:shade val="15000"/>
+            </a:schemeClr>
+          </a:lnRef>
+          <a:fillRef idx="1">
+            <a:schemeClr val="accent1"/>
+          </a:fillRef>
+          <a:effectRef idx="0">
+            <a:schemeClr val="accent1"/>
+          </a:effectRef>
+          <a:fontRef idx="minor">
+            <a:schemeClr val="lt1"/>
+          </a:fontRef>
+        </p:style>
+        <p:txBody>
+          <a:bodyPr rtlCol="0" anchor="ctr"/>
+          <a:lstStyle/>
+          <a:p>
+            <a:pPr algn="ctr"/>
+            <a:endParaRPr lang="zh-CN" altLang="en-US"/>
+          </a:p>
+        </p:txBody>
+      </p:sp>
+      <p:sp>
+        <p:nvSpPr>
+          <p:cNvPr id="148" name="矩形 147">
+            <a:extLst>
+              <a:ext uri="{FF2B5EF4-FFF2-40B4-BE49-F238E27FC236}">
+                <a16:creationId xmlns:a16="http://schemas.microsoft.com/office/drawing/2014/main" id="{679D4382-B958-D769-98A8-4BBF190AB34C}"/>
+              </a:ext>
+            </a:extLst>
+          </p:cNvPr>
+          <p:cNvSpPr/>
+          <p:nvPr/>
+        </p:nvSpPr>
+        <p:spPr>
+          <a:xfrm>
+            <a:off x="5810250" y="5029200"/>
+            <a:ext cx="571500" cy="571500"/>
+          </a:xfrm>
+          <a:prstGeom prst="rect">
+            <a:avLst/>
+          </a:prstGeom>
+          <a:solidFill>
+            <a:schemeClr val="accent6">
+              <a:lumMod val="60000"/>
+              <a:lumOff val="40000"/>
+            </a:schemeClr>
+          </a:solidFill>
+          <a:ln>
+            <a:noFill/>
+          </a:ln>
+        </p:spPr>
+        <p:style>
+          <a:lnRef idx="2">
+            <a:schemeClr val="accent1">
+              <a:shade val="15000"/>
+            </a:schemeClr>
+          </a:lnRef>
+          <a:fillRef idx="1">
+            <a:schemeClr val="accent1"/>
+          </a:fillRef>
+          <a:effectRef idx="0">
+            <a:schemeClr val="accent1"/>
+          </a:effectRef>
+          <a:fontRef idx="minor">
+            <a:schemeClr val="lt1"/>
+          </a:fontRef>
+        </p:style>
+        <p:txBody>
+          <a:bodyPr rtlCol="0" anchor="ctr"/>
+          <a:lstStyle/>
+          <a:p>
+            <a:pPr algn="ctr"/>
+            <a:endParaRPr lang="zh-CN" altLang="en-US"/>
+          </a:p>
+        </p:txBody>
+      </p:sp>
+      <p:sp>
+        <p:nvSpPr>
+          <p:cNvPr id="149" name="矩形 148">
+            <a:extLst>
+              <a:ext uri="{FF2B5EF4-FFF2-40B4-BE49-F238E27FC236}">
+                <a16:creationId xmlns:a16="http://schemas.microsoft.com/office/drawing/2014/main" id="{0C7F4173-1C89-F0AB-EC2C-967DCA31ACB8}"/>
+              </a:ext>
+            </a:extLst>
+          </p:cNvPr>
+          <p:cNvSpPr/>
+          <p:nvPr/>
+        </p:nvSpPr>
+        <p:spPr>
+          <a:xfrm>
+            <a:off x="6381750" y="5029200"/>
+            <a:ext cx="571500" cy="571500"/>
+          </a:xfrm>
+          <a:prstGeom prst="rect">
+            <a:avLst/>
+          </a:prstGeom>
+          <a:solidFill>
+            <a:schemeClr val="accent6">
+              <a:lumMod val="40000"/>
+              <a:lumOff val="60000"/>
+            </a:schemeClr>
+          </a:solidFill>
+          <a:ln>
+            <a:noFill/>
+          </a:ln>
+        </p:spPr>
+        <p:style>
+          <a:lnRef idx="2">
+            <a:schemeClr val="accent1">
+              <a:shade val="15000"/>
+            </a:schemeClr>
+          </a:lnRef>
+          <a:fillRef idx="1">
+            <a:schemeClr val="accent1"/>
+          </a:fillRef>
+          <a:effectRef idx="0">
+            <a:schemeClr val="accent1"/>
+          </a:effectRef>
+          <a:fontRef idx="minor">
+            <a:schemeClr val="lt1"/>
+          </a:fontRef>
+        </p:style>
+        <p:txBody>
+          <a:bodyPr rtlCol="0" anchor="ctr"/>
+          <a:lstStyle/>
+          <a:p>
+            <a:pPr algn="ctr"/>
+            <a:endParaRPr lang="zh-CN" altLang="en-US"/>
+          </a:p>
+        </p:txBody>
+      </p:sp>
+      <p:sp>
+        <p:nvSpPr>
+          <p:cNvPr id="150" name="矩形 149">
+            <a:extLst>
+              <a:ext uri="{FF2B5EF4-FFF2-40B4-BE49-F238E27FC236}">
+                <a16:creationId xmlns:a16="http://schemas.microsoft.com/office/drawing/2014/main" id="{93AC376D-CA8C-AAD6-5F7C-41185595F5A7}"/>
+              </a:ext>
+            </a:extLst>
+          </p:cNvPr>
+          <p:cNvSpPr/>
+          <p:nvPr/>
+        </p:nvSpPr>
+        <p:spPr>
+          <a:xfrm>
+            <a:off x="6953250" y="5029200"/>
+            <a:ext cx="571500" cy="571500"/>
+          </a:xfrm>
+          <a:prstGeom prst="rect">
+            <a:avLst/>
+          </a:prstGeom>
+          <a:solidFill>
+            <a:schemeClr val="accent6">
+              <a:lumMod val="60000"/>
+              <a:lumOff val="40000"/>
+            </a:schemeClr>
+          </a:solidFill>
+          <a:ln>
+            <a:noFill/>
+          </a:ln>
+        </p:spPr>
+        <p:style>
+          <a:lnRef idx="2">
+            <a:schemeClr val="accent1">
+              <a:shade val="15000"/>
+            </a:schemeClr>
+          </a:lnRef>
+          <a:fillRef idx="1">
+            <a:schemeClr val="accent1"/>
+          </a:fillRef>
+          <a:effectRef idx="0">
+            <a:schemeClr val="accent1"/>
+          </a:effectRef>
+          <a:fontRef idx="minor">
+            <a:schemeClr val="lt1"/>
+          </a:fontRef>
+        </p:style>
+        <p:txBody>
+          <a:bodyPr rtlCol="0" anchor="ctr"/>
+          <a:lstStyle/>
+          <a:p>
+            <a:pPr algn="ctr"/>
+            <a:endParaRPr lang="zh-CN" altLang="en-US"/>
+          </a:p>
+        </p:txBody>
+      </p:sp>
+      <p:sp>
+        <p:nvSpPr>
+          <p:cNvPr id="151" name="矩形 150">
+            <a:extLst>
+              <a:ext uri="{FF2B5EF4-FFF2-40B4-BE49-F238E27FC236}">
+                <a16:creationId xmlns:a16="http://schemas.microsoft.com/office/drawing/2014/main" id="{3F8121DE-96C1-268A-0BB3-9FC6998D6C86}"/>
+              </a:ext>
+            </a:extLst>
+          </p:cNvPr>
+          <p:cNvSpPr/>
+          <p:nvPr/>
+        </p:nvSpPr>
+        <p:spPr>
+          <a:xfrm>
+            <a:off x="7524750" y="5029200"/>
+            <a:ext cx="571500" cy="571500"/>
+          </a:xfrm>
+          <a:prstGeom prst="rect">
+            <a:avLst/>
+          </a:prstGeom>
+          <a:solidFill>
+            <a:schemeClr val="accent6">
+              <a:lumMod val="40000"/>
+              <a:lumOff val="60000"/>
+            </a:schemeClr>
+          </a:solidFill>
+          <a:ln>
+            <a:noFill/>
+          </a:ln>
+        </p:spPr>
+        <p:style>
+          <a:lnRef idx="2">
+            <a:schemeClr val="accent1">
+              <a:shade val="15000"/>
+            </a:schemeClr>
+          </a:lnRef>
+          <a:fillRef idx="1">
+            <a:schemeClr val="accent1"/>
+          </a:fillRef>
+          <a:effectRef idx="0">
+            <a:schemeClr val="accent1"/>
+          </a:effectRef>
+          <a:fontRef idx="minor">
+            <a:schemeClr val="lt1"/>
+          </a:fontRef>
+        </p:style>
+        <p:txBody>
+          <a:bodyPr rtlCol="0" anchor="ctr"/>
+          <a:lstStyle/>
+          <a:p>
+            <a:pPr algn="ctr"/>
+            <a:endParaRPr lang="zh-CN" altLang="en-US"/>
+          </a:p>
+        </p:txBody>
+      </p:sp>
+      <p:sp>
+        <p:nvSpPr>
+          <p:cNvPr id="152" name="矩形 151">
+            <a:extLst>
+              <a:ext uri="{FF2B5EF4-FFF2-40B4-BE49-F238E27FC236}">
+                <a16:creationId xmlns:a16="http://schemas.microsoft.com/office/drawing/2014/main" id="{6C6C29C0-6E7D-9EC6-50DF-C0D91E541178}"/>
+              </a:ext>
+            </a:extLst>
+          </p:cNvPr>
+          <p:cNvSpPr/>
+          <p:nvPr/>
+        </p:nvSpPr>
+        <p:spPr>
+          <a:xfrm>
+            <a:off x="8096250" y="5029200"/>
+            <a:ext cx="571500" cy="571500"/>
+          </a:xfrm>
+          <a:prstGeom prst="rect">
+            <a:avLst/>
+          </a:prstGeom>
+          <a:solidFill>
+            <a:schemeClr val="accent6">
+              <a:lumMod val="60000"/>
+              <a:lumOff val="40000"/>
+            </a:schemeClr>
+          </a:solidFill>
+          <a:ln>
+            <a:noFill/>
+          </a:ln>
+        </p:spPr>
+        <p:style>
+          <a:lnRef idx="2">
+            <a:schemeClr val="accent1">
+              <a:shade val="15000"/>
+            </a:schemeClr>
+          </a:lnRef>
+          <a:fillRef idx="1">
+            <a:schemeClr val="accent1"/>
+          </a:fillRef>
+          <a:effectRef idx="0">
+            <a:schemeClr val="accent1"/>
+          </a:effectRef>
+          <a:fontRef idx="minor">
+            <a:schemeClr val="lt1"/>
+          </a:fontRef>
+        </p:style>
+        <p:txBody>
+          <a:bodyPr rtlCol="0" anchor="ctr"/>
+          <a:lstStyle/>
+          <a:p>
+            <a:pPr algn="ctr"/>
+            <a:endParaRPr lang="zh-CN" altLang="en-US"/>
+          </a:p>
+        </p:txBody>
+      </p:sp>
+      <p:sp>
+        <p:nvSpPr>
+          <p:cNvPr id="155" name="矩形 154">
+            <a:extLst>
+              <a:ext uri="{FF2B5EF4-FFF2-40B4-BE49-F238E27FC236}">
+                <a16:creationId xmlns:a16="http://schemas.microsoft.com/office/drawing/2014/main" id="{3BBD36FD-3451-AC66-4848-883AD3A6652A}"/>
+              </a:ext>
+            </a:extLst>
+          </p:cNvPr>
+          <p:cNvSpPr/>
+          <p:nvPr/>
+        </p:nvSpPr>
+        <p:spPr>
+          <a:xfrm>
+            <a:off x="3524250" y="114600"/>
+            <a:ext cx="571500" cy="571500"/>
+          </a:xfrm>
+          <a:prstGeom prst="rect">
+            <a:avLst/>
+          </a:prstGeom>
+          <a:solidFill>
+            <a:schemeClr val="accent6">
+              <a:lumMod val="60000"/>
+              <a:lumOff val="40000"/>
+            </a:schemeClr>
+          </a:solidFill>
+          <a:ln>
+            <a:noFill/>
+          </a:ln>
+        </p:spPr>
+        <p:style>
+          <a:lnRef idx="2">
+            <a:schemeClr val="accent1">
+              <a:shade val="15000"/>
+            </a:schemeClr>
+          </a:lnRef>
+          <a:fillRef idx="1">
+            <a:schemeClr val="accent1"/>
+          </a:fillRef>
+          <a:effectRef idx="0">
+            <a:schemeClr val="accent1"/>
+          </a:effectRef>
+          <a:fontRef idx="minor">
+            <a:schemeClr val="lt1"/>
+          </a:fontRef>
+        </p:style>
+        <p:txBody>
+          <a:bodyPr rtlCol="0" anchor="ctr"/>
+          <a:lstStyle/>
+          <a:p>
+            <a:pPr algn="ctr"/>
+            <a:endParaRPr lang="zh-CN" altLang="en-US"/>
+          </a:p>
+        </p:txBody>
+      </p:sp>
+      <p:sp>
+        <p:nvSpPr>
+          <p:cNvPr id="156" name="矩形 155">
+            <a:extLst>
+              <a:ext uri="{FF2B5EF4-FFF2-40B4-BE49-F238E27FC236}">
+                <a16:creationId xmlns:a16="http://schemas.microsoft.com/office/drawing/2014/main" id="{E4FBDAD9-6B1C-B6E1-12FA-4FA3C13C5C15}"/>
+              </a:ext>
+            </a:extLst>
+          </p:cNvPr>
+          <p:cNvSpPr/>
+          <p:nvPr/>
+        </p:nvSpPr>
+        <p:spPr>
+          <a:xfrm>
+            <a:off x="4095750" y="114600"/>
+            <a:ext cx="571500" cy="571500"/>
+          </a:xfrm>
+          <a:prstGeom prst="rect">
+            <a:avLst/>
+          </a:prstGeom>
+          <a:solidFill>
+            <a:schemeClr val="accent6">
+              <a:lumMod val="40000"/>
+              <a:lumOff val="60000"/>
+            </a:schemeClr>
+          </a:solidFill>
+          <a:ln>
+            <a:noFill/>
+          </a:ln>
+        </p:spPr>
+        <p:style>
+          <a:lnRef idx="2">
+            <a:schemeClr val="accent1">
+              <a:shade val="15000"/>
+            </a:schemeClr>
+          </a:lnRef>
+          <a:fillRef idx="1">
+            <a:schemeClr val="accent1"/>
+          </a:fillRef>
+          <a:effectRef idx="0">
+            <a:schemeClr val="accent1"/>
+          </a:effectRef>
+          <a:fontRef idx="minor">
+            <a:schemeClr val="lt1"/>
+          </a:fontRef>
+        </p:style>
+        <p:txBody>
+          <a:bodyPr rtlCol="0" anchor="ctr"/>
+          <a:lstStyle/>
+          <a:p>
+            <a:pPr algn="ctr"/>
+            <a:endParaRPr lang="zh-CN" altLang="en-US"/>
+          </a:p>
+        </p:txBody>
+      </p:sp>
+      <p:sp>
+        <p:nvSpPr>
+          <p:cNvPr id="157" name="矩形 156">
+            <a:extLst>
+              <a:ext uri="{FF2B5EF4-FFF2-40B4-BE49-F238E27FC236}">
+                <a16:creationId xmlns:a16="http://schemas.microsoft.com/office/drawing/2014/main" id="{49856BF5-B92E-9941-85BD-C230F10BAEE6}"/>
+              </a:ext>
+            </a:extLst>
+          </p:cNvPr>
+          <p:cNvSpPr/>
+          <p:nvPr/>
+        </p:nvSpPr>
+        <p:spPr>
+          <a:xfrm>
+            <a:off x="4667250" y="114600"/>
+            <a:ext cx="571500" cy="571500"/>
+          </a:xfrm>
+          <a:prstGeom prst="rect">
+            <a:avLst/>
+          </a:prstGeom>
+          <a:solidFill>
+            <a:schemeClr val="accent6">
+              <a:lumMod val="60000"/>
+              <a:lumOff val="40000"/>
+            </a:schemeClr>
+          </a:solidFill>
+          <a:ln>
+            <a:noFill/>
+          </a:ln>
+        </p:spPr>
+        <p:style>
+          <a:lnRef idx="2">
+            <a:schemeClr val="accent1">
+              <a:shade val="15000"/>
+            </a:schemeClr>
+          </a:lnRef>
+          <a:fillRef idx="1">
+            <a:schemeClr val="accent1"/>
+          </a:fillRef>
+          <a:effectRef idx="0">
+            <a:schemeClr val="accent1"/>
+          </a:effectRef>
+          <a:fontRef idx="minor">
+            <a:schemeClr val="lt1"/>
+          </a:fontRef>
+        </p:style>
+        <p:txBody>
+          <a:bodyPr rtlCol="0" anchor="ctr"/>
+          <a:lstStyle/>
+          <a:p>
+            <a:pPr algn="ctr"/>
+            <a:endParaRPr lang="zh-CN" altLang="en-US"/>
+          </a:p>
+        </p:txBody>
+      </p:sp>
+      <p:sp>
+        <p:nvSpPr>
+          <p:cNvPr id="158" name="矩形 157">
+            <a:extLst>
+              <a:ext uri="{FF2B5EF4-FFF2-40B4-BE49-F238E27FC236}">
+                <a16:creationId xmlns:a16="http://schemas.microsoft.com/office/drawing/2014/main" id="{0E8A10E8-2754-D95D-C350-168BCD01F8E4}"/>
+              </a:ext>
+            </a:extLst>
+          </p:cNvPr>
+          <p:cNvSpPr/>
+          <p:nvPr/>
+        </p:nvSpPr>
+        <p:spPr>
+          <a:xfrm>
+            <a:off x="5238750" y="114600"/>
+            <a:ext cx="571500" cy="571500"/>
+          </a:xfrm>
+          <a:prstGeom prst="rect">
+            <a:avLst/>
+          </a:prstGeom>
+          <a:solidFill>
+            <a:schemeClr val="accent6">
+              <a:lumMod val="40000"/>
+              <a:lumOff val="60000"/>
+            </a:schemeClr>
+          </a:solidFill>
+          <a:ln>
+            <a:noFill/>
+          </a:ln>
+        </p:spPr>
+        <p:style>
+          <a:lnRef idx="2">
+            <a:schemeClr val="accent1">
+              <a:shade val="15000"/>
+            </a:schemeClr>
+          </a:lnRef>
+          <a:fillRef idx="1">
+            <a:schemeClr val="accent1"/>
+          </a:fillRef>
+          <a:effectRef idx="0">
+            <a:schemeClr val="accent1"/>
+          </a:effectRef>
+          <a:fontRef idx="minor">
+            <a:schemeClr val="lt1"/>
+          </a:fontRef>
+        </p:style>
+        <p:txBody>
+          <a:bodyPr rtlCol="0" anchor="ctr"/>
+          <a:lstStyle/>
+          <a:p>
+            <a:pPr algn="ctr"/>
+            <a:endParaRPr lang="zh-CN" altLang="en-US"/>
+          </a:p>
+        </p:txBody>
+      </p:sp>
+      <p:sp>
+        <p:nvSpPr>
+          <p:cNvPr id="159" name="矩形 158">
+            <a:extLst>
+              <a:ext uri="{FF2B5EF4-FFF2-40B4-BE49-F238E27FC236}">
+                <a16:creationId xmlns:a16="http://schemas.microsoft.com/office/drawing/2014/main" id="{0A1F7DA3-AC5B-C958-DE80-08CD58AA53E1}"/>
+              </a:ext>
+            </a:extLst>
+          </p:cNvPr>
+          <p:cNvSpPr/>
+          <p:nvPr/>
+        </p:nvSpPr>
+        <p:spPr>
+          <a:xfrm>
+            <a:off x="5810250" y="114600"/>
+            <a:ext cx="571500" cy="571500"/>
+          </a:xfrm>
+          <a:prstGeom prst="rect">
+            <a:avLst/>
+          </a:prstGeom>
+          <a:solidFill>
+            <a:schemeClr val="accent6">
+              <a:lumMod val="60000"/>
+              <a:lumOff val="40000"/>
+            </a:schemeClr>
+          </a:solidFill>
+          <a:ln>
+            <a:noFill/>
+          </a:ln>
+        </p:spPr>
+        <p:style>
+          <a:lnRef idx="2">
+            <a:schemeClr val="accent1">
+              <a:shade val="15000"/>
+            </a:schemeClr>
+          </a:lnRef>
+          <a:fillRef idx="1">
+            <a:schemeClr val="accent1"/>
+          </a:fillRef>
+          <a:effectRef idx="0">
+            <a:schemeClr val="accent1"/>
+          </a:effectRef>
+          <a:fontRef idx="minor">
+            <a:schemeClr val="lt1"/>
+          </a:fontRef>
+        </p:style>
+        <p:txBody>
+          <a:bodyPr rtlCol="0" anchor="ctr"/>
+          <a:lstStyle/>
+          <a:p>
+            <a:pPr algn="ctr"/>
+            <a:endParaRPr lang="zh-CN" altLang="en-US"/>
+          </a:p>
+        </p:txBody>
+      </p:sp>
+      <p:sp>
+        <p:nvSpPr>
+          <p:cNvPr id="160" name="矩形 159">
+            <a:extLst>
+              <a:ext uri="{FF2B5EF4-FFF2-40B4-BE49-F238E27FC236}">
+                <a16:creationId xmlns:a16="http://schemas.microsoft.com/office/drawing/2014/main" id="{65422350-2656-878A-B855-07D1A5FCBDD5}"/>
+              </a:ext>
+            </a:extLst>
+          </p:cNvPr>
+          <p:cNvSpPr/>
+          <p:nvPr/>
+        </p:nvSpPr>
+        <p:spPr>
+          <a:xfrm>
+            <a:off x="6381750" y="114600"/>
+            <a:ext cx="571500" cy="571500"/>
+          </a:xfrm>
+          <a:prstGeom prst="rect">
+            <a:avLst/>
+          </a:prstGeom>
+          <a:solidFill>
+            <a:schemeClr val="accent6">
+              <a:lumMod val="40000"/>
+              <a:lumOff val="60000"/>
+            </a:schemeClr>
+          </a:solidFill>
+          <a:ln>
+            <a:noFill/>
+          </a:ln>
+        </p:spPr>
+        <p:style>
+          <a:lnRef idx="2">
+            <a:schemeClr val="accent1">
+              <a:shade val="15000"/>
+            </a:schemeClr>
+          </a:lnRef>
+          <a:fillRef idx="1">
+            <a:schemeClr val="accent1"/>
+          </a:fillRef>
+          <a:effectRef idx="0">
+            <a:schemeClr val="accent1"/>
+          </a:effectRef>
+          <a:fontRef idx="minor">
+            <a:schemeClr val="lt1"/>
+          </a:fontRef>
+        </p:style>
+        <p:txBody>
+          <a:bodyPr rtlCol="0" anchor="ctr"/>
+          <a:lstStyle/>
+          <a:p>
+            <a:pPr algn="ctr"/>
+            <a:endParaRPr lang="zh-CN" altLang="en-US"/>
+          </a:p>
+        </p:txBody>
+      </p:sp>
+      <p:sp>
+        <p:nvSpPr>
+          <p:cNvPr id="161" name="矩形 160">
+            <a:extLst>
+              <a:ext uri="{FF2B5EF4-FFF2-40B4-BE49-F238E27FC236}">
+                <a16:creationId xmlns:a16="http://schemas.microsoft.com/office/drawing/2014/main" id="{789D8852-E891-A409-5541-47D1C8399896}"/>
+              </a:ext>
+            </a:extLst>
+          </p:cNvPr>
+          <p:cNvSpPr/>
+          <p:nvPr/>
+        </p:nvSpPr>
+        <p:spPr>
+          <a:xfrm>
+            <a:off x="6953250" y="114600"/>
+            <a:ext cx="571500" cy="571500"/>
+          </a:xfrm>
+          <a:prstGeom prst="rect">
+            <a:avLst/>
+          </a:prstGeom>
+          <a:solidFill>
+            <a:schemeClr val="accent6">
+              <a:lumMod val="60000"/>
+              <a:lumOff val="40000"/>
+            </a:schemeClr>
+          </a:solidFill>
+          <a:ln>
+            <a:noFill/>
+          </a:ln>
+        </p:spPr>
+        <p:style>
+          <a:lnRef idx="2">
+            <a:schemeClr val="accent1">
+              <a:shade val="15000"/>
+            </a:schemeClr>
+          </a:lnRef>
+          <a:fillRef idx="1">
+            <a:schemeClr val="accent1"/>
+          </a:fillRef>
+          <a:effectRef idx="0">
+            <a:schemeClr val="accent1"/>
+          </a:effectRef>
+          <a:fontRef idx="minor">
+            <a:schemeClr val="lt1"/>
+          </a:fontRef>
+        </p:style>
+        <p:txBody>
+          <a:bodyPr rtlCol="0" anchor="ctr"/>
+          <a:lstStyle/>
+          <a:p>
+            <a:pPr algn="ctr"/>
+            <a:endParaRPr lang="zh-CN" altLang="en-US"/>
+          </a:p>
+        </p:txBody>
+      </p:sp>
+      <p:sp>
+        <p:nvSpPr>
+          <p:cNvPr id="162" name="矩形 161">
+            <a:extLst>
+              <a:ext uri="{FF2B5EF4-FFF2-40B4-BE49-F238E27FC236}">
+                <a16:creationId xmlns:a16="http://schemas.microsoft.com/office/drawing/2014/main" id="{6E78755F-F9F4-330F-5B08-679B430A4BD2}"/>
+              </a:ext>
+            </a:extLst>
+          </p:cNvPr>
+          <p:cNvSpPr/>
+          <p:nvPr/>
+        </p:nvSpPr>
+        <p:spPr>
+          <a:xfrm>
+            <a:off x="7524750" y="114600"/>
+            <a:ext cx="571500" cy="571500"/>
+          </a:xfrm>
+          <a:prstGeom prst="rect">
+            <a:avLst/>
+          </a:prstGeom>
+          <a:solidFill>
+            <a:schemeClr val="accent6">
+              <a:lumMod val="40000"/>
+              <a:lumOff val="60000"/>
+            </a:schemeClr>
+          </a:solidFill>
+          <a:ln>
+            <a:noFill/>
+          </a:ln>
+        </p:spPr>
+        <p:style>
+          <a:lnRef idx="2">
+            <a:schemeClr val="accent1">
+              <a:shade val="15000"/>
+            </a:schemeClr>
+          </a:lnRef>
+          <a:fillRef idx="1">
+            <a:schemeClr val="accent1"/>
+          </a:fillRef>
+          <a:effectRef idx="0">
+            <a:schemeClr val="accent1"/>
+          </a:effectRef>
+          <a:fontRef idx="minor">
+            <a:schemeClr val="lt1"/>
+          </a:fontRef>
+        </p:style>
+        <p:txBody>
+          <a:bodyPr rtlCol="0" anchor="ctr"/>
+          <a:lstStyle/>
+          <a:p>
+            <a:pPr algn="ctr"/>
+            <a:endParaRPr lang="zh-CN" altLang="en-US"/>
+          </a:p>
+        </p:txBody>
+      </p:sp>
+      <p:sp>
+        <p:nvSpPr>
+          <p:cNvPr id="163" name="矩形 162">
+            <a:extLst>
+              <a:ext uri="{FF2B5EF4-FFF2-40B4-BE49-F238E27FC236}">
+                <a16:creationId xmlns:a16="http://schemas.microsoft.com/office/drawing/2014/main" id="{6FF3A440-2FC5-4423-8385-AA8D9D2E9DCE}"/>
+              </a:ext>
+            </a:extLst>
+          </p:cNvPr>
+          <p:cNvSpPr/>
+          <p:nvPr/>
+        </p:nvSpPr>
+        <p:spPr>
+          <a:xfrm>
+            <a:off x="8096250" y="114600"/>
+            <a:ext cx="571500" cy="571500"/>
+          </a:xfrm>
+          <a:prstGeom prst="rect">
+            <a:avLst/>
+          </a:prstGeom>
+          <a:solidFill>
+            <a:schemeClr val="accent6">
+              <a:lumMod val="60000"/>
+              <a:lumOff val="40000"/>
+            </a:schemeClr>
+          </a:solidFill>
+          <a:ln>
+            <a:noFill/>
+          </a:ln>
+        </p:spPr>
+        <p:style>
+          <a:lnRef idx="2">
+            <a:schemeClr val="accent1">
+              <a:shade val="15000"/>
+            </a:schemeClr>
+          </a:lnRef>
+          <a:fillRef idx="1">
+            <a:schemeClr val="accent1"/>
+          </a:fillRef>
+          <a:effectRef idx="0">
+            <a:schemeClr val="accent1"/>
+          </a:effectRef>
+          <a:fontRef idx="minor">
+            <a:schemeClr val="lt1"/>
+          </a:fontRef>
+        </p:style>
+        <p:txBody>
+          <a:bodyPr rtlCol="0" anchor="ctr"/>
+          <a:lstStyle/>
+          <a:p>
+            <a:pPr algn="ctr"/>
+            <a:endParaRPr lang="zh-CN" altLang="en-US"/>
+          </a:p>
+        </p:txBody>
+      </p:sp>
+    </p:spTree>
+    <p:extLst>
+      <p:ext uri="{BB962C8B-B14F-4D97-AF65-F5344CB8AC3E}">
+        <p14:creationId xmlns:p14="http://schemas.microsoft.com/office/powerpoint/2010/main" val="260119329"/>
+      </p:ext>
+    </p:extLst>
+  </p:cSld>
+  <p:clrMapOvr>
+    <a:masterClrMapping/>
+  </p:clrMapOvr>
+</p:sld>
+</file>
+
 <file path=ppt/theme/theme1.xml><?xml version="1.0" encoding="utf-8"?>
 <a:theme xmlns:a="http://schemas.openxmlformats.org/drawingml/2006/main" name="Office 主题​​">
   <a:themeElements>

--- a/Resources/Canvas.pptx
+++ b/Resources/Canvas.pptx
@@ -10757,61 +10757,6 @@
       </p:sp>
       <p:sp>
         <p:nvSpPr>
-          <p:cNvPr id="30" name="矩形 29">
-            <a:extLst>
-              <a:ext uri="{FF2B5EF4-FFF2-40B4-BE49-F238E27FC236}">
-                <a16:creationId xmlns:a16="http://schemas.microsoft.com/office/drawing/2014/main" id="{72D0730F-7578-1830-EDE6-8A916835A05D}"/>
-              </a:ext>
-            </a:extLst>
-          </p:cNvPr>
-          <p:cNvSpPr/>
-          <p:nvPr/>
-        </p:nvSpPr>
-        <p:spPr>
-          <a:xfrm>
-            <a:off x="4762500" y="5810249"/>
-            <a:ext cx="1143000" cy="952500"/>
-          </a:xfrm>
-          <a:prstGeom prst="rect">
-            <a:avLst/>
-          </a:prstGeom>
-          <a:solidFill>
-            <a:schemeClr val="accent5">
-              <a:lumMod val="60000"/>
-              <a:lumOff val="40000"/>
-            </a:schemeClr>
-          </a:solidFill>
-          <a:ln>
-            <a:noFill/>
-          </a:ln>
-        </p:spPr>
-        <p:style>
-          <a:lnRef idx="2">
-            <a:schemeClr val="accent1">
-              <a:shade val="15000"/>
-            </a:schemeClr>
-          </a:lnRef>
-          <a:fillRef idx="1">
-            <a:schemeClr val="accent1"/>
-          </a:fillRef>
-          <a:effectRef idx="0">
-            <a:schemeClr val="accent1"/>
-          </a:effectRef>
-          <a:fontRef idx="minor">
-            <a:schemeClr val="lt1"/>
-          </a:fontRef>
-        </p:style>
-        <p:txBody>
-          <a:bodyPr rtlCol="0" anchor="ctr"/>
-          <a:lstStyle/>
-          <a:p>
-            <a:pPr algn="ctr"/>
-            <a:endParaRPr lang="zh-CN" altLang="en-US"/>
-          </a:p>
-        </p:txBody>
-      </p:sp>
-      <p:sp>
-        <p:nvSpPr>
           <p:cNvPr id="67" name="矩形 66">
             <a:extLst>
               <a:ext uri="{FF2B5EF4-FFF2-40B4-BE49-F238E27FC236}">
@@ -10977,7 +10922,7 @@
         </p:blipFill>
         <p:spPr>
           <a:xfrm>
-            <a:off x="9427752" y="5474335"/>
+            <a:off x="9427752" y="5463665"/>
             <a:ext cx="290829" cy="290829"/>
           </a:xfrm>
           <a:prstGeom prst="rect">
@@ -10985,226 +10930,6 @@
           </a:prstGeom>
         </p:spPr>
       </p:pic>
-      <p:sp>
-        <p:nvSpPr>
-          <p:cNvPr id="9" name="矩形 8">
-            <a:extLst>
-              <a:ext uri="{FF2B5EF4-FFF2-40B4-BE49-F238E27FC236}">
-                <a16:creationId xmlns:a16="http://schemas.microsoft.com/office/drawing/2014/main" id="{D7F0A996-EB59-653B-9749-D34E5FACB8E4}"/>
-              </a:ext>
-            </a:extLst>
-          </p:cNvPr>
-          <p:cNvSpPr/>
-          <p:nvPr/>
-        </p:nvSpPr>
-        <p:spPr>
-          <a:xfrm>
-            <a:off x="6000750" y="5810249"/>
-            <a:ext cx="1143000" cy="952500"/>
-          </a:xfrm>
-          <a:prstGeom prst="rect">
-            <a:avLst/>
-          </a:prstGeom>
-          <a:solidFill>
-            <a:schemeClr val="accent5">
-              <a:lumMod val="60000"/>
-              <a:lumOff val="40000"/>
-            </a:schemeClr>
-          </a:solidFill>
-          <a:ln>
-            <a:noFill/>
-          </a:ln>
-        </p:spPr>
-        <p:style>
-          <a:lnRef idx="2">
-            <a:schemeClr val="accent1">
-              <a:shade val="15000"/>
-            </a:schemeClr>
-          </a:lnRef>
-          <a:fillRef idx="1">
-            <a:schemeClr val="accent1"/>
-          </a:fillRef>
-          <a:effectRef idx="0">
-            <a:schemeClr val="accent1"/>
-          </a:effectRef>
-          <a:fontRef idx="minor">
-            <a:schemeClr val="lt1"/>
-          </a:fontRef>
-        </p:style>
-        <p:txBody>
-          <a:bodyPr rtlCol="0" anchor="ctr"/>
-          <a:lstStyle/>
-          <a:p>
-            <a:pPr algn="ctr"/>
-            <a:endParaRPr lang="zh-CN" altLang="en-US"/>
-          </a:p>
-        </p:txBody>
-      </p:sp>
-      <p:sp>
-        <p:nvSpPr>
-          <p:cNvPr id="10" name="矩形 9">
-            <a:extLst>
-              <a:ext uri="{FF2B5EF4-FFF2-40B4-BE49-F238E27FC236}">
-                <a16:creationId xmlns:a16="http://schemas.microsoft.com/office/drawing/2014/main" id="{3F96FB46-D9B6-AC42-043D-58BB2D2D6CD7}"/>
-              </a:ext>
-            </a:extLst>
-          </p:cNvPr>
-          <p:cNvSpPr/>
-          <p:nvPr/>
-        </p:nvSpPr>
-        <p:spPr>
-          <a:xfrm>
-            <a:off x="3524250" y="5810249"/>
-            <a:ext cx="1143000" cy="952500"/>
-          </a:xfrm>
-          <a:prstGeom prst="rect">
-            <a:avLst/>
-          </a:prstGeom>
-          <a:solidFill>
-            <a:schemeClr val="accent5">
-              <a:lumMod val="60000"/>
-              <a:lumOff val="40000"/>
-            </a:schemeClr>
-          </a:solidFill>
-          <a:ln>
-            <a:noFill/>
-          </a:ln>
-        </p:spPr>
-        <p:style>
-          <a:lnRef idx="2">
-            <a:schemeClr val="accent1">
-              <a:shade val="15000"/>
-            </a:schemeClr>
-          </a:lnRef>
-          <a:fillRef idx="1">
-            <a:schemeClr val="accent1"/>
-          </a:fillRef>
-          <a:effectRef idx="0">
-            <a:schemeClr val="accent1"/>
-          </a:effectRef>
-          <a:fontRef idx="minor">
-            <a:schemeClr val="lt1"/>
-          </a:fontRef>
-        </p:style>
-        <p:txBody>
-          <a:bodyPr rtlCol="0" anchor="ctr"/>
-          <a:lstStyle/>
-          <a:p>
-            <a:pPr algn="ctr"/>
-            <a:endParaRPr lang="zh-CN" altLang="en-US"/>
-          </a:p>
-        </p:txBody>
-      </p:sp>
-      <p:sp>
-        <p:nvSpPr>
-          <p:cNvPr id="11" name="矩形 10">
-            <a:extLst>
-              <a:ext uri="{FF2B5EF4-FFF2-40B4-BE49-F238E27FC236}">
-                <a16:creationId xmlns:a16="http://schemas.microsoft.com/office/drawing/2014/main" id="{4135FD12-0847-20A3-0C6F-69E1722A917B}"/>
-              </a:ext>
-            </a:extLst>
-          </p:cNvPr>
-          <p:cNvSpPr/>
-          <p:nvPr/>
-        </p:nvSpPr>
-        <p:spPr>
-          <a:xfrm>
-            <a:off x="7239000" y="5810249"/>
-            <a:ext cx="1143000" cy="952500"/>
-          </a:xfrm>
-          <a:prstGeom prst="rect">
-            <a:avLst/>
-          </a:prstGeom>
-          <a:solidFill>
-            <a:schemeClr val="accent5">
-              <a:lumMod val="60000"/>
-              <a:lumOff val="40000"/>
-            </a:schemeClr>
-          </a:solidFill>
-          <a:ln>
-            <a:noFill/>
-          </a:ln>
-        </p:spPr>
-        <p:style>
-          <a:lnRef idx="2">
-            <a:schemeClr val="accent1">
-              <a:shade val="15000"/>
-            </a:schemeClr>
-          </a:lnRef>
-          <a:fillRef idx="1">
-            <a:schemeClr val="accent1"/>
-          </a:fillRef>
-          <a:effectRef idx="0">
-            <a:schemeClr val="accent1"/>
-          </a:effectRef>
-          <a:fontRef idx="minor">
-            <a:schemeClr val="lt1"/>
-          </a:fontRef>
-        </p:style>
-        <p:txBody>
-          <a:bodyPr rtlCol="0" anchor="ctr"/>
-          <a:lstStyle/>
-          <a:p>
-            <a:pPr algn="ctr"/>
-            <a:endParaRPr lang="zh-CN" altLang="en-US"/>
-          </a:p>
-        </p:txBody>
-      </p:sp>
-      <p:sp>
-        <p:nvSpPr>
-          <p:cNvPr id="12" name="矩形 11">
-            <a:extLst>
-              <a:ext uri="{FF2B5EF4-FFF2-40B4-BE49-F238E27FC236}">
-                <a16:creationId xmlns:a16="http://schemas.microsoft.com/office/drawing/2014/main" id="{33D3720C-2381-DF87-245A-AF4A2E784D09}"/>
-              </a:ext>
-            </a:extLst>
-          </p:cNvPr>
-          <p:cNvSpPr/>
-          <p:nvPr/>
-        </p:nvSpPr>
-        <p:spPr>
-          <a:xfrm>
-            <a:off x="8477250" y="5810249"/>
-            <a:ext cx="1143000" cy="952500"/>
-          </a:xfrm>
-          <a:prstGeom prst="rect">
-            <a:avLst/>
-          </a:prstGeom>
-          <a:solidFill>
-            <a:schemeClr val="accent5">
-              <a:lumMod val="60000"/>
-              <a:lumOff val="40000"/>
-            </a:schemeClr>
-          </a:solidFill>
-          <a:ln>
-            <a:noFill/>
-          </a:ln>
-        </p:spPr>
-        <p:style>
-          <a:lnRef idx="2">
-            <a:schemeClr val="accent1">
-              <a:shade val="15000"/>
-            </a:schemeClr>
-          </a:lnRef>
-          <a:fillRef idx="1">
-            <a:schemeClr val="accent1"/>
-          </a:fillRef>
-          <a:effectRef idx="0">
-            <a:schemeClr val="accent1"/>
-          </a:effectRef>
-          <a:fontRef idx="minor">
-            <a:schemeClr val="lt1"/>
-          </a:fontRef>
-        </p:style>
-        <p:txBody>
-          <a:bodyPr rtlCol="0" anchor="ctr"/>
-          <a:lstStyle/>
-          <a:p>
-            <a:pPr algn="ctr"/>
-            <a:endParaRPr lang="zh-CN" altLang="en-US"/>
-          </a:p>
-        </p:txBody>
-      </p:sp>
       <p:pic>
         <p:nvPicPr>
           <p:cNvPr id="18" name="图形 17" descr="硬币 纯色填充">

--- a/Resources/Canvas.pptx
+++ b/Resources/Canvas.pptx
@@ -5,14 +5,11 @@
     <p:sldMasterId id="2147483672" r:id="rId1"/>
   </p:sldMasterIdLst>
   <p:sldIdLst>
-    <p:sldId id="264" r:id="rId2"/>
-    <p:sldId id="256" r:id="rId3"/>
-    <p:sldId id="257" r:id="rId4"/>
-    <p:sldId id="260" r:id="rId5"/>
-    <p:sldId id="258" r:id="rId6"/>
-    <p:sldId id="261" r:id="rId7"/>
-    <p:sldId id="259" r:id="rId8"/>
-    <p:sldId id="263" r:id="rId9"/>
+    <p:sldId id="271" r:id="rId2"/>
+    <p:sldId id="264" r:id="rId3"/>
+    <p:sldId id="265" r:id="rId4"/>
+    <p:sldId id="270" r:id="rId5"/>
+    <p:sldId id="268" r:id="rId6"/>
   </p:sldIdLst>
   <p:sldSz cx="12192000" cy="6858000"/>
   <p:notesSz cx="6858000" cy="9144000"/>
@@ -250,7 +247,7 @@
           <a:p>
             <a:fld id="{2B928D23-DF1B-4C68-B99A-2491BA0067D3}" type="datetimeFigureOut">
               <a:rPr lang="zh-CN" altLang="en-US" smtClean="0"/>
-              <a:t>2023/12/19</a:t>
+              <a:t>2023/12/20</a:t>
             </a:fld>
             <a:endParaRPr lang="zh-CN" altLang="en-US"/>
           </a:p>
@@ -420,7 +417,7 @@
           <a:p>
             <a:fld id="{2B928D23-DF1B-4C68-B99A-2491BA0067D3}" type="datetimeFigureOut">
               <a:rPr lang="zh-CN" altLang="en-US" smtClean="0"/>
-              <a:t>2023/12/19</a:t>
+              <a:t>2023/12/20</a:t>
             </a:fld>
             <a:endParaRPr lang="zh-CN" altLang="en-US"/>
           </a:p>
@@ -600,7 +597,7 @@
           <a:p>
             <a:fld id="{2B928D23-DF1B-4C68-B99A-2491BA0067D3}" type="datetimeFigureOut">
               <a:rPr lang="zh-CN" altLang="en-US" smtClean="0"/>
-              <a:t>2023/12/19</a:t>
+              <a:t>2023/12/20</a:t>
             </a:fld>
             <a:endParaRPr lang="zh-CN" altLang="en-US"/>
           </a:p>
@@ -770,7 +767,7 @@
           <a:p>
             <a:fld id="{2B928D23-DF1B-4C68-B99A-2491BA0067D3}" type="datetimeFigureOut">
               <a:rPr lang="zh-CN" altLang="en-US" smtClean="0"/>
-              <a:t>2023/12/19</a:t>
+              <a:t>2023/12/20</a:t>
             </a:fld>
             <a:endParaRPr lang="zh-CN" altLang="en-US"/>
           </a:p>
@@ -1016,7 +1013,7 @@
           <a:p>
             <a:fld id="{2B928D23-DF1B-4C68-B99A-2491BA0067D3}" type="datetimeFigureOut">
               <a:rPr lang="zh-CN" altLang="en-US" smtClean="0"/>
-              <a:t>2023/12/19</a:t>
+              <a:t>2023/12/20</a:t>
             </a:fld>
             <a:endParaRPr lang="zh-CN" altLang="en-US"/>
           </a:p>
@@ -1248,7 +1245,7 @@
           <a:p>
             <a:fld id="{2B928D23-DF1B-4C68-B99A-2491BA0067D3}" type="datetimeFigureOut">
               <a:rPr lang="zh-CN" altLang="en-US" smtClean="0"/>
-              <a:t>2023/12/19</a:t>
+              <a:t>2023/12/20</a:t>
             </a:fld>
             <a:endParaRPr lang="zh-CN" altLang="en-US"/>
           </a:p>
@@ -1615,7 +1612,7 @@
           <a:p>
             <a:fld id="{2B928D23-DF1B-4C68-B99A-2491BA0067D3}" type="datetimeFigureOut">
               <a:rPr lang="zh-CN" altLang="en-US" smtClean="0"/>
-              <a:t>2023/12/19</a:t>
+              <a:t>2023/12/20</a:t>
             </a:fld>
             <a:endParaRPr lang="zh-CN" altLang="en-US"/>
           </a:p>
@@ -1733,7 +1730,7 @@
           <a:p>
             <a:fld id="{2B928D23-DF1B-4C68-B99A-2491BA0067D3}" type="datetimeFigureOut">
               <a:rPr lang="zh-CN" altLang="en-US" smtClean="0"/>
-              <a:t>2023/12/19</a:t>
+              <a:t>2023/12/20</a:t>
             </a:fld>
             <a:endParaRPr lang="zh-CN" altLang="en-US"/>
           </a:p>
@@ -1828,7 +1825,7 @@
           <a:p>
             <a:fld id="{2B928D23-DF1B-4C68-B99A-2491BA0067D3}" type="datetimeFigureOut">
               <a:rPr lang="zh-CN" altLang="en-US" smtClean="0"/>
-              <a:t>2023/12/19</a:t>
+              <a:t>2023/12/20</a:t>
             </a:fld>
             <a:endParaRPr lang="zh-CN" altLang="en-US"/>
           </a:p>
@@ -2105,7 +2102,7 @@
           <a:p>
             <a:fld id="{2B928D23-DF1B-4C68-B99A-2491BA0067D3}" type="datetimeFigureOut">
               <a:rPr lang="zh-CN" altLang="en-US" smtClean="0"/>
-              <a:t>2023/12/19</a:t>
+              <a:t>2023/12/20</a:t>
             </a:fld>
             <a:endParaRPr lang="zh-CN" altLang="en-US"/>
           </a:p>
@@ -2362,7 +2359,7 @@
           <a:p>
             <a:fld id="{2B928D23-DF1B-4C68-B99A-2491BA0067D3}" type="datetimeFigureOut">
               <a:rPr lang="zh-CN" altLang="en-US" smtClean="0"/>
-              <a:t>2023/12/19</a:t>
+              <a:t>2023/12/20</a:t>
             </a:fld>
             <a:endParaRPr lang="zh-CN" altLang="en-US"/>
           </a:p>
@@ -2575,7 +2572,7 @@
           <a:p>
             <a:fld id="{2B928D23-DF1B-4C68-B99A-2491BA0067D3}" type="datetimeFigureOut">
               <a:rPr lang="zh-CN" altLang="en-US" smtClean="0"/>
-              <a:t>2023/12/19</a:t>
+              <a:t>2023/12/20</a:t>
             </a:fld>
             <a:endParaRPr lang="zh-CN" altLang="en-US"/>
           </a:p>
@@ -2982,10 +2979,10 @@
       </p:grpSpPr>
       <p:pic>
         <p:nvPicPr>
-          <p:cNvPr id="5" name="图片 4">
-            <a:extLst>
-              <a:ext uri="{FF2B5EF4-FFF2-40B4-BE49-F238E27FC236}">
-                <a16:creationId xmlns:a16="http://schemas.microsoft.com/office/drawing/2014/main" id="{70453AF6-5CBC-D0CC-2E9C-73185CD54961}"/>
+          <p:cNvPr id="3" name="图片 2">
+            <a:extLst>
+              <a:ext uri="{FF2B5EF4-FFF2-40B4-BE49-F238E27FC236}">
+                <a16:creationId xmlns:a16="http://schemas.microsoft.com/office/drawing/2014/main" id="{BF429097-C107-7C64-B878-C7BBBF0D7AE1}"/>
               </a:ext>
             </a:extLst>
           </p:cNvPr>
@@ -3002,25 +2999,193 @@
               </a:ext>
             </a:extLst>
           </a:blip>
-          <a:srcRect b="745"/>
+          <a:srcRect t="3858" b="10544"/>
           <a:stretch/>
         </p:blipFill>
         <p:spPr>
           <a:xfrm>
-            <a:off x="0" y="1"/>
-            <a:ext cx="12191999" cy="6858000"/>
+            <a:off x="0" y="0"/>
+            <a:ext cx="12192000" cy="6858000"/>
           </a:xfrm>
           <a:prstGeom prst="rect">
             <a:avLst/>
           </a:prstGeom>
         </p:spPr>
       </p:pic>
-      <p:sp>
-        <p:nvSpPr>
-          <p:cNvPr id="7" name="矩形: 圆角 6">
-            <a:extLst>
-              <a:ext uri="{FF2B5EF4-FFF2-40B4-BE49-F238E27FC236}">
-                <a16:creationId xmlns:a16="http://schemas.microsoft.com/office/drawing/2014/main" id="{EEFDD488-B663-7C29-5E70-768E90A115AC}"/>
+      <p:pic>
+        <p:nvPicPr>
+          <p:cNvPr id="5" name="图片 4">
+            <a:extLst>
+              <a:ext uri="{FF2B5EF4-FFF2-40B4-BE49-F238E27FC236}">
+                <a16:creationId xmlns:a16="http://schemas.microsoft.com/office/drawing/2014/main" id="{21147A0C-B70E-0704-245B-4D2B137F82E6}"/>
+              </a:ext>
+            </a:extLst>
+          </p:cNvPr>
+          <p:cNvPicPr>
+            <a:picLocks noChangeAspect="1"/>
+          </p:cNvPicPr>
+          <p:nvPr/>
+        </p:nvPicPr>
+        <p:blipFill>
+          <a:blip r:embed="rId3">
+            <a:extLst>
+              <a:ext uri="{28A0092B-C50C-407E-A947-70E740481C1C}">
+                <a14:useLocalDpi xmlns:a14="http://schemas.microsoft.com/office/drawing/2010/main" val="0"/>
+              </a:ext>
+            </a:extLst>
+          </a:blip>
+          <a:stretch>
+            <a:fillRect/>
+          </a:stretch>
+        </p:blipFill>
+        <p:spPr>
+          <a:xfrm>
+            <a:off x="4495800" y="853379"/>
+            <a:ext cx="3200400" cy="621986"/>
+          </a:xfrm>
+          <a:prstGeom prst="rect">
+            <a:avLst/>
+          </a:prstGeom>
+        </p:spPr>
+      </p:pic>
+      <p:sp>
+        <p:nvSpPr>
+          <p:cNvPr id="9" name="文本框 8">
+            <a:extLst>
+              <a:ext uri="{FF2B5EF4-FFF2-40B4-BE49-F238E27FC236}">
+                <a16:creationId xmlns:a16="http://schemas.microsoft.com/office/drawing/2014/main" id="{646D1806-9E4F-A5AB-387F-FC34E3DFB279}"/>
+              </a:ext>
+            </a:extLst>
+          </p:cNvPr>
+          <p:cNvSpPr txBox="1"/>
+          <p:nvPr/>
+        </p:nvSpPr>
+        <p:spPr>
+          <a:xfrm>
+            <a:off x="0" y="6244650"/>
+            <a:ext cx="12192000" cy="584775"/>
+          </a:xfrm>
+          <a:prstGeom prst="rect">
+            <a:avLst/>
+          </a:prstGeom>
+          <a:noFill/>
+        </p:spPr>
+        <p:txBody>
+          <a:bodyPr wrap="square">
+            <a:spAutoFit/>
+          </a:bodyPr>
+          <a:lstStyle/>
+          <a:p>
+            <a:pPr algn="ctr"/>
+            <a:r>
+              <a:rPr lang="zh-CN" altLang="en-US" sz="1600" b="1" spc="50" dirty="0">
+                <a:ln w="0"/>
+                <a:solidFill>
+                  <a:srgbClr val="E7D7C8">
+                    <a:alpha val="80000"/>
+                  </a:srgbClr>
+                </a:solidFill>
+                <a:effectLst>
+                  <a:innerShdw blurRad="63500" dist="50800" dir="13500000">
+                    <a:srgbClr val="000000">
+                      <a:alpha val="50000"/>
+                    </a:srgbClr>
+                  </a:innerShdw>
+                </a:effectLst>
+                <a:latin typeface="钉钉进步体" panose="00020600040101010101" pitchFamily="18" charset="-122"/>
+                <a:ea typeface="钉钉进步体" panose="00020600040101010101" pitchFamily="18" charset="-122"/>
+              </a:rPr>
+              <a:t>本游戏基于 </a:t>
+            </a:r>
+            <a:r>
+              <a:rPr lang="en-US" altLang="zh-CN" sz="1600" b="1" spc="50" dirty="0">
+                <a:ln w="0"/>
+                <a:solidFill>
+                  <a:srgbClr val="E7D7C8">
+                    <a:alpha val="80000"/>
+                  </a:srgbClr>
+                </a:solidFill>
+                <a:effectLst>
+                  <a:innerShdw blurRad="63500" dist="50800" dir="13500000">
+                    <a:srgbClr val="000000">
+                      <a:alpha val="50000"/>
+                    </a:srgbClr>
+                  </a:innerShdw>
+                </a:effectLst>
+                <a:latin typeface="钉钉进步体" panose="00020600040101010101" pitchFamily="18" charset="-122"/>
+                <a:ea typeface="钉钉进步体" panose="00020600040101010101" pitchFamily="18" charset="-122"/>
+              </a:rPr>
+              <a:t>Cocos2d-x 3.17.2 </a:t>
+            </a:r>
+            <a:r>
+              <a:rPr lang="zh-CN" altLang="en-US" sz="1600" b="1" spc="50" dirty="0">
+                <a:ln w="0"/>
+                <a:solidFill>
+                  <a:srgbClr val="E7D7C8">
+                    <a:alpha val="80000"/>
+                  </a:srgbClr>
+                </a:solidFill>
+                <a:effectLst>
+                  <a:innerShdw blurRad="63500" dist="50800" dir="13500000">
+                    <a:srgbClr val="000000">
+                      <a:alpha val="50000"/>
+                    </a:srgbClr>
+                  </a:innerShdw>
+                </a:effectLst>
+                <a:latin typeface="钉钉进步体" panose="00020600040101010101" pitchFamily="18" charset="-122"/>
+                <a:ea typeface="钉钉进步体" panose="00020600040101010101" pitchFamily="18" charset="-122"/>
+              </a:rPr>
+              <a:t>开发</a:t>
+            </a:r>
+            <a:endParaRPr lang="en-US" altLang="zh-CN" sz="1600" b="1" spc="50" dirty="0">
+              <a:ln w="0"/>
+              <a:solidFill>
+                <a:srgbClr val="E7D7C8">
+                  <a:alpha val="80000"/>
+                </a:srgbClr>
+              </a:solidFill>
+              <a:effectLst>
+                <a:innerShdw blurRad="63500" dist="50800" dir="13500000">
+                  <a:srgbClr val="000000">
+                    <a:alpha val="50000"/>
+                  </a:srgbClr>
+                </a:innerShdw>
+              </a:effectLst>
+              <a:latin typeface="钉钉进步体" panose="00020600040101010101" pitchFamily="18" charset="-122"/>
+              <a:ea typeface="钉钉进步体" panose="00020600040101010101" pitchFamily="18" charset="-122"/>
+            </a:endParaRPr>
+          </a:p>
+          <a:p>
+            <a:pPr algn="ctr"/>
+            <a:r>
+              <a:rPr lang="zh-CN" altLang="en-US" sz="1600" b="1" spc="50" dirty="0">
+                <a:ln w="0"/>
+                <a:solidFill>
+                  <a:srgbClr val="E7D7C8">
+                    <a:alpha val="80000"/>
+                  </a:srgbClr>
+                </a:solidFill>
+                <a:effectLst>
+                  <a:innerShdw blurRad="63500" dist="50800" dir="13500000">
+                    <a:srgbClr val="000000">
+                      <a:alpha val="50000"/>
+                    </a:srgbClr>
+                  </a:innerShdw>
+                </a:effectLst>
+                <a:latin typeface="钉钉进步体" panose="00020600040101010101" pitchFamily="18" charset="-122"/>
+                <a:ea typeface="钉钉进步体" panose="00020600040101010101" pitchFamily="18" charset="-122"/>
+              </a:rPr>
+              <a:t>Copyright (c) 2023 Jishen Lin, Shuyi Liu, Zhaozhen Yang, Yukun Yang</a:t>
+            </a:r>
+          </a:p>
+        </p:txBody>
+      </p:sp>
+      <p:sp>
+        <p:nvSpPr>
+          <p:cNvPr id="4" name="矩形: 圆角 3">
+            <a:extLst>
+              <a:ext uri="{FF2B5EF4-FFF2-40B4-BE49-F238E27FC236}">
+                <a16:creationId xmlns:a16="http://schemas.microsoft.com/office/drawing/2014/main" id="{60E8CA2C-6522-1C74-274A-C10428AE0213}"/>
               </a:ext>
             </a:extLst>
           </p:cNvPr>
@@ -3029,34 +3194,25 @@
         </p:nvSpPr>
         <p:spPr>
           <a:xfrm>
-            <a:off x="4495798" y="2660263"/>
-            <a:ext cx="3200402" cy="768737"/>
+            <a:off x="2762250" y="5600701"/>
+            <a:ext cx="6667500" cy="237066"/>
           </a:xfrm>
           <a:prstGeom prst="roundRect">
             <a:avLst/>
           </a:prstGeom>
           <a:solidFill>
-            <a:schemeClr val="accent1">
-              <a:lumMod val="40000"/>
-              <a:lumOff val="60000"/>
-              <a:alpha val="75000"/>
+            <a:schemeClr val="tx2">
+              <a:lumMod val="75000"/>
             </a:schemeClr>
           </a:solidFill>
           <a:ln>
-            <a:solidFill>
-              <a:schemeClr val="accent1">
-                <a:lumMod val="75000"/>
-                <a:alpha val="75000"/>
-              </a:schemeClr>
-            </a:solidFill>
+            <a:noFill/>
           </a:ln>
-          <a:scene3d>
-            <a:camera prst="orthographicFront"/>
-            <a:lightRig rig="threePt" dir="t"/>
-          </a:scene3d>
-          <a:sp3d>
-            <a:bevelT w="152400" h="50800" prst="softRound"/>
-          </a:sp3d>
+          <a:effectLst>
+            <a:innerShdw blurRad="114300">
+              <a:prstClr val="black"/>
+            </a:innerShdw>
+          </a:effectLst>
         </p:spPr>
         <p:style>
           <a:lnRef idx="2">
@@ -3079,114 +3235,14 @@
           <a:lstStyle/>
           <a:p>
             <a:pPr algn="ctr"/>
-            <a:endParaRPr lang="zh-CN" altLang="en-US" b="1" dirty="0">
-              <a:solidFill>
-                <a:srgbClr val="002060"/>
-              </a:solidFill>
-            </a:endParaRPr>
-          </a:p>
-        </p:txBody>
-      </p:sp>
-      <p:sp>
-        <p:nvSpPr>
-          <p:cNvPr id="2" name="矩形 1">
-            <a:extLst>
-              <a:ext uri="{FF2B5EF4-FFF2-40B4-BE49-F238E27FC236}">
-                <a16:creationId xmlns:a16="http://schemas.microsoft.com/office/drawing/2014/main" id="{9B771BB5-70D3-A651-B19E-2625878F7075}"/>
-              </a:ext>
-            </a:extLst>
-          </p:cNvPr>
-          <p:cNvSpPr/>
-          <p:nvPr/>
-        </p:nvSpPr>
-        <p:spPr>
-          <a:xfrm>
-            <a:off x="2" y="5852621"/>
-            <a:ext cx="12191998" cy="1000274"/>
-          </a:xfrm>
-          <a:prstGeom prst="rect">
-            <a:avLst/>
-          </a:prstGeom>
-          <a:noFill/>
-        </p:spPr>
-        <p:txBody>
-          <a:bodyPr wrap="square" lIns="91440" tIns="45720" rIns="91440" bIns="45720">
-            <a:spAutoFit/>
-          </a:bodyPr>
-          <a:lstStyle/>
-          <a:p>
-            <a:pPr algn="ctr">
-              <a:lnSpc>
-                <a:spcPct val="150000"/>
-              </a:lnSpc>
-            </a:pPr>
-            <a:r>
-              <a:rPr lang="zh-CN" altLang="en-US" b="1" dirty="0">
-                <a:solidFill>
-                  <a:schemeClr val="tx2">
-                    <a:lumMod val="50000"/>
-                  </a:schemeClr>
-                </a:solidFill>
-                <a:latin typeface="方正朝歌圆 简 ExtraBold" panose="02000900000000000000" pitchFamily="2" charset="-122"/>
-                <a:ea typeface="方正朝歌圆 简 ExtraBold" panose="02000900000000000000" pitchFamily="2" charset="-122"/>
-              </a:rPr>
-              <a:t>健康游戏忠告</a:t>
-            </a:r>
-            <a:endParaRPr lang="en-US" altLang="zh-CN" b="1" dirty="0">
-              <a:solidFill>
-                <a:schemeClr val="tx2">
-                  <a:lumMod val="50000"/>
-                </a:schemeClr>
-              </a:solidFill>
-              <a:latin typeface="方正朝歌圆 简 ExtraBold" panose="02000900000000000000" pitchFamily="2" charset="-122"/>
-              <a:ea typeface="方正朝歌圆 简 ExtraBold" panose="02000900000000000000" pitchFamily="2" charset="-122"/>
-            </a:endParaRPr>
-          </a:p>
-          <a:p>
-            <a:pPr algn="ctr"/>
-            <a:r>
-              <a:rPr lang="zh-CN" altLang="en-US" sz="1600" dirty="0">
-                <a:solidFill>
-                  <a:schemeClr val="tx2">
-                    <a:lumMod val="50000"/>
-                  </a:schemeClr>
-                </a:solidFill>
-                <a:latin typeface="方正朝歌圆 简 ExtraBold" panose="02000900000000000000" pitchFamily="2" charset="-122"/>
-                <a:ea typeface="方正朝歌圆 简 ExtraBold" panose="02000900000000000000" pitchFamily="2" charset="-122"/>
-              </a:rPr>
-              <a:t>抵制不良游戏  拒绝盗版游戏  注意自我保护  谨防上当受骗</a:t>
-            </a:r>
-            <a:endParaRPr lang="en-US" altLang="zh-CN" sz="1600" dirty="0">
-              <a:solidFill>
-                <a:schemeClr val="tx2">
-                  <a:lumMod val="50000"/>
-                </a:schemeClr>
-              </a:solidFill>
-              <a:latin typeface="方正朝歌圆 简 ExtraBold" panose="02000900000000000000" pitchFamily="2" charset="-122"/>
-              <a:ea typeface="方正朝歌圆 简 ExtraBold" panose="02000900000000000000" pitchFamily="2" charset="-122"/>
-            </a:endParaRPr>
-          </a:p>
-          <a:p>
-            <a:pPr algn="ctr"/>
-            <a:r>
-              <a:rPr lang="zh-CN" altLang="en-US" sz="1600" dirty="0">
-                <a:solidFill>
-                  <a:schemeClr val="tx2">
-                    <a:lumMod val="50000"/>
-                  </a:schemeClr>
-                </a:solidFill>
-                <a:latin typeface="方正朝歌圆 简 ExtraBold" panose="02000900000000000000" pitchFamily="2" charset="-122"/>
-                <a:ea typeface="方正朝歌圆 简 ExtraBold" panose="02000900000000000000" pitchFamily="2" charset="-122"/>
-              </a:rPr>
-              <a:t>适度游戏益脑  沉迷游戏伤身  合理安排时间  享受健康生活</a:t>
-            </a:r>
+            <a:endParaRPr lang="zh-CN" altLang="en-US"/>
           </a:p>
         </p:txBody>
       </p:sp>
     </p:spTree>
     <p:extLst>
       <p:ext uri="{BB962C8B-B14F-4D97-AF65-F5344CB8AC3E}">
-        <p14:creationId xmlns:p14="http://schemas.microsoft.com/office/powerpoint/2010/main" val="1954306982"/>
+        <p14:creationId xmlns:p14="http://schemas.microsoft.com/office/powerpoint/2010/main" val="1356504540"/>
       </p:ext>
     </p:extLst>
   </p:cSld>
@@ -3213,12 +3269,48 @@
           <a:chExt cx="0" cy="0"/>
         </a:xfrm>
       </p:grpSpPr>
-      <p:sp>
-        <p:nvSpPr>
-          <p:cNvPr id="5" name="矩形 4">
-            <a:extLst>
-              <a:ext uri="{FF2B5EF4-FFF2-40B4-BE49-F238E27FC236}">
-                <a16:creationId xmlns:a16="http://schemas.microsoft.com/office/drawing/2014/main" id="{86562144-BE88-C328-A61E-B59EEA738074}"/>
+      <p:pic>
+        <p:nvPicPr>
+          <p:cNvPr id="4" name="图片 3">
+            <a:extLst>
+              <a:ext uri="{FF2B5EF4-FFF2-40B4-BE49-F238E27FC236}">
+                <a16:creationId xmlns:a16="http://schemas.microsoft.com/office/drawing/2014/main" id="{15672886-3723-01A6-11C6-A4C58457AD62}"/>
+              </a:ext>
+            </a:extLst>
+          </p:cNvPr>
+          <p:cNvPicPr>
+            <a:picLocks noChangeAspect="1"/>
+          </p:cNvPicPr>
+          <p:nvPr/>
+        </p:nvPicPr>
+        <p:blipFill>
+          <a:blip r:embed="rId2">
+            <a:extLst>
+              <a:ext uri="{28A0092B-C50C-407E-A947-70E740481C1C}">
+                <a14:useLocalDpi xmlns:a14="http://schemas.microsoft.com/office/drawing/2010/main" val="0"/>
+              </a:ext>
+            </a:extLst>
+          </a:blip>
+          <a:stretch>
+            <a:fillRect/>
+          </a:stretch>
+        </p:blipFill>
+        <p:spPr>
+          <a:xfrm>
+            <a:off x="0" y="-3299"/>
+            <a:ext cx="12192000" cy="6861299"/>
+          </a:xfrm>
+          <a:prstGeom prst="rect">
+            <a:avLst/>
+          </a:prstGeom>
+        </p:spPr>
+      </p:pic>
+      <p:sp>
+        <p:nvSpPr>
+          <p:cNvPr id="7" name="矩形: 圆角 6">
+            <a:extLst>
+              <a:ext uri="{FF2B5EF4-FFF2-40B4-BE49-F238E27FC236}">
+                <a16:creationId xmlns:a16="http://schemas.microsoft.com/office/drawing/2014/main" id="{EEFDD488-B663-7C29-5E70-768E90A115AC}"/>
               </a:ext>
             </a:extLst>
           </p:cNvPr>
@@ -3227,30 +3319,46 @@
         </p:nvSpPr>
         <p:spPr>
           <a:xfrm>
-            <a:off x="0" y="0"/>
-            <a:ext cx="12192000" cy="6858000"/>
-          </a:xfrm>
-          <a:prstGeom prst="rect">
-            <a:avLst/>
-          </a:prstGeom>
-          <a:solidFill>
-            <a:schemeClr val="accent1">
-              <a:alpha val="50000"/>
+            <a:off x="7620000" y="2054226"/>
+            <a:ext cx="3600450" cy="592074"/>
+          </a:xfrm>
+          <a:prstGeom prst="roundRect">
+            <a:avLst/>
+          </a:prstGeom>
+          <a:solidFill>
+            <a:schemeClr val="accent1">
+              <a:lumMod val="40000"/>
+              <a:lumOff val="60000"/>
+              <a:alpha val="75000"/>
             </a:schemeClr>
           </a:solidFill>
           <a:ln>
-            <a:noFill/>
+            <a:solidFill>
+              <a:schemeClr val="accent1">
+                <a:lumMod val="75000"/>
+                <a:alpha val="75000"/>
+              </a:schemeClr>
+            </a:solidFill>
           </a:ln>
+          <a:scene3d>
+            <a:camera prst="orthographicFront"/>
+            <a:lightRig rig="threePt" dir="t"/>
+          </a:scene3d>
+          <a:sp3d>
+            <a:bevelT w="152400" h="50800" prst="softRound"/>
+          </a:sp3d>
         </p:spPr>
         <p:style>
-          <a:lnRef idx="0">
-            <a:scrgbClr r="0" g="0" b="0"/>
+          <a:lnRef idx="2">
+            <a:schemeClr val="accent1">
+              <a:shade val="15000"/>
+            </a:schemeClr>
           </a:lnRef>
-          <a:fillRef idx="0">
-            <a:scrgbClr r="0" g="0" b="0"/>
+          <a:fillRef idx="1">
+            <a:schemeClr val="accent1"/>
           </a:fillRef>
           <a:effectRef idx="0">
-            <a:scrgbClr r="0" g="0" b="0"/>
+            <a:schemeClr val="accent1"/>
           </a:effectRef>
           <a:fontRef idx="minor">
             <a:schemeClr val="lt1"/>
@@ -3261,50 +3369,50 @@
           <a:lstStyle/>
           <a:p>
             <a:pPr algn="ctr"/>
-            <a:endParaRPr lang="zh-CN" altLang="en-US"/>
-          </a:p>
-        </p:txBody>
-      </p:sp>
-      <p:sp>
-        <p:nvSpPr>
-          <p:cNvPr id="4" name="文本框 3">
-            <a:extLst>
-              <a:ext uri="{FF2B5EF4-FFF2-40B4-BE49-F238E27FC236}">
-                <a16:creationId xmlns:a16="http://schemas.microsoft.com/office/drawing/2014/main" id="{F836ED06-2A67-2A2A-ACF8-364549A02122}"/>
-              </a:ext>
-            </a:extLst>
-          </p:cNvPr>
-          <p:cNvSpPr txBox="1"/>
-          <p:nvPr/>
-        </p:nvSpPr>
+            <a:endParaRPr lang="zh-CN" altLang="en-US" dirty="0"/>
+          </a:p>
+        </p:txBody>
+      </p:sp>
+      <p:pic>
+        <p:nvPicPr>
+          <p:cNvPr id="8" name="图片 7">
+            <a:extLst>
+              <a:ext uri="{FF2B5EF4-FFF2-40B4-BE49-F238E27FC236}">
+                <a16:creationId xmlns:a16="http://schemas.microsoft.com/office/drawing/2014/main" id="{E592B119-B8EB-E83A-FB09-185A652D5E5E}"/>
+              </a:ext>
+            </a:extLst>
+          </p:cNvPr>
+          <p:cNvPicPr>
+            <a:picLocks noChangeAspect="1"/>
+          </p:cNvPicPr>
+          <p:nvPr/>
+        </p:nvPicPr>
+        <p:blipFill>
+          <a:blip r:embed="rId3">
+            <a:extLst>
+              <a:ext uri="{28A0092B-C50C-407E-A947-70E740481C1C}">
+                <a14:useLocalDpi xmlns:a14="http://schemas.microsoft.com/office/drawing/2010/main" val="0"/>
+              </a:ext>
+            </a:extLst>
+          </a:blip>
+          <a:stretch>
+            <a:fillRect/>
+          </a:stretch>
+        </p:blipFill>
         <p:spPr>
           <a:xfrm>
-            <a:off x="5353050" y="3244334"/>
-            <a:ext cx="1485900" cy="369332"/>
+            <a:off x="295612" y="247716"/>
+            <a:ext cx="1885613" cy="366462"/>
           </a:xfrm>
           <a:prstGeom prst="rect">
             <a:avLst/>
           </a:prstGeom>
-          <a:noFill/>
-        </p:spPr>
-        <p:txBody>
-          <a:bodyPr wrap="square" rtlCol="0">
-            <a:spAutoFit/>
-          </a:bodyPr>
-          <a:lstStyle/>
-          <a:p>
-            <a:pPr algn="ctr"/>
-            <a:r>
-              <a:rPr lang="zh-CN" altLang="en-US" b="1" dirty="0"/>
-              <a:t>初始场景</a:t>
-            </a:r>
-          </a:p>
-        </p:txBody>
-      </p:sp>
+        </p:spPr>
+      </p:pic>
     </p:spTree>
     <p:extLst>
       <p:ext uri="{BB962C8B-B14F-4D97-AF65-F5344CB8AC3E}">
-        <p14:creationId xmlns:p14="http://schemas.microsoft.com/office/powerpoint/2010/main" val="581337897"/>
+        <p14:creationId xmlns:p14="http://schemas.microsoft.com/office/powerpoint/2010/main" val="1954306982"/>
       </p:ext>
     </p:extLst>
   </p:cSld>
@@ -3331,18 +3439,31 @@
           <a:chExt cx="0" cy="0"/>
         </a:xfrm>
       </p:grpSpPr>
-      <p:sp>
-        <p:nvSpPr>
-          <p:cNvPr id="5" name="矩形 4">
-            <a:extLst>
-              <a:ext uri="{FF2B5EF4-FFF2-40B4-BE49-F238E27FC236}">
-                <a16:creationId xmlns:a16="http://schemas.microsoft.com/office/drawing/2014/main" id="{86562144-BE88-C328-A61E-B59EEA738074}"/>
-              </a:ext>
-            </a:extLst>
-          </p:cNvPr>
-          <p:cNvSpPr/>
-          <p:nvPr/>
-        </p:nvSpPr>
+      <p:pic>
+        <p:nvPicPr>
+          <p:cNvPr id="5" name="图片 4">
+            <a:extLst>
+              <a:ext uri="{FF2B5EF4-FFF2-40B4-BE49-F238E27FC236}">
+                <a16:creationId xmlns:a16="http://schemas.microsoft.com/office/drawing/2014/main" id="{A7354796-500E-FDCA-EDCA-B508DA353EA2}"/>
+              </a:ext>
+            </a:extLst>
+          </p:cNvPr>
+          <p:cNvPicPr>
+            <a:picLocks noChangeAspect="1"/>
+          </p:cNvPicPr>
+          <p:nvPr/>
+        </p:nvPicPr>
+        <p:blipFill rotWithShape="1">
+          <a:blip r:embed="rId2">
+            <a:extLst>
+              <a:ext uri="{28A0092B-C50C-407E-A947-70E740481C1C}">
+                <a14:useLocalDpi xmlns:a14="http://schemas.microsoft.com/office/drawing/2010/main" val="0"/>
+              </a:ext>
+            </a:extLst>
+          </a:blip>
+          <a:srcRect r="11111"/>
+          <a:stretch/>
+        </p:blipFill>
         <p:spPr>
           <a:xfrm>
             <a:off x="0" y="0"/>
@@ -3351,78 +3472,12 @@
           <a:prstGeom prst="rect">
             <a:avLst/>
           </a:prstGeom>
-          <a:solidFill>
-            <a:schemeClr val="accent4">
-              <a:alpha val="50000"/>
-            </a:schemeClr>
-          </a:solidFill>
-          <a:ln>
-            <a:noFill/>
-          </a:ln>
-        </p:spPr>
-        <p:style>
-          <a:lnRef idx="0">
-            <a:scrgbClr r="0" g="0" b="0"/>
-          </a:lnRef>
-          <a:fillRef idx="0">
-            <a:scrgbClr r="0" g="0" b="0"/>
-          </a:fillRef>
-          <a:effectRef idx="0">
-            <a:scrgbClr r="0" g="0" b="0"/>
-          </a:effectRef>
-          <a:fontRef idx="minor">
-            <a:schemeClr val="lt1"/>
-          </a:fontRef>
-        </p:style>
-        <p:txBody>
-          <a:bodyPr rtlCol="0" anchor="ctr"/>
-          <a:lstStyle/>
-          <a:p>
-            <a:pPr algn="ctr"/>
-            <a:endParaRPr lang="zh-CN" altLang="en-US"/>
-          </a:p>
-        </p:txBody>
-      </p:sp>
-      <p:sp>
-        <p:nvSpPr>
-          <p:cNvPr id="4" name="文本框 3">
-            <a:extLst>
-              <a:ext uri="{FF2B5EF4-FFF2-40B4-BE49-F238E27FC236}">
-                <a16:creationId xmlns:a16="http://schemas.microsoft.com/office/drawing/2014/main" id="{F836ED06-2A67-2A2A-ACF8-364549A02122}"/>
-              </a:ext>
-            </a:extLst>
-          </p:cNvPr>
-          <p:cNvSpPr txBox="1"/>
-          <p:nvPr/>
-        </p:nvSpPr>
-        <p:spPr>
-          <a:xfrm>
-            <a:off x="5353050" y="3244334"/>
-            <a:ext cx="1485900" cy="369332"/>
-          </a:xfrm>
-          <a:prstGeom prst="rect">
-            <a:avLst/>
-          </a:prstGeom>
-          <a:noFill/>
-        </p:spPr>
-        <p:txBody>
-          <a:bodyPr wrap="square" rtlCol="0">
-            <a:spAutoFit/>
-          </a:bodyPr>
-          <a:lstStyle/>
-          <a:p>
-            <a:pPr algn="ctr"/>
-            <a:r>
-              <a:rPr lang="zh-CN" altLang="en-US" b="1" dirty="0"/>
-              <a:t>目录场景</a:t>
-            </a:r>
-          </a:p>
-        </p:txBody>
-      </p:sp>
+        </p:spPr>
+      </p:pic>
     </p:spTree>
     <p:extLst>
       <p:ext uri="{BB962C8B-B14F-4D97-AF65-F5344CB8AC3E}">
-        <p14:creationId xmlns:p14="http://schemas.microsoft.com/office/powerpoint/2010/main" val="4248663054"/>
+        <p14:creationId xmlns:p14="http://schemas.microsoft.com/office/powerpoint/2010/main" val="4277613246"/>
       </p:ext>
     </p:extLst>
   </p:cSld>
@@ -3433,1477 +3488,6 @@
 </file>
 
 <file path=ppt/slides/slide4.xml><?xml version="1.0" encoding="utf-8"?>
-<p:sld xmlns:a="http://schemas.openxmlformats.org/drawingml/2006/main" xmlns:r="http://schemas.openxmlformats.org/officeDocument/2006/relationships" xmlns:p="http://schemas.openxmlformats.org/presentationml/2006/main">
-  <p:cSld>
-    <p:spTree>
-      <p:nvGrpSpPr>
-        <p:cNvPr id="1" name=""/>
-        <p:cNvGrpSpPr/>
-        <p:nvPr/>
-      </p:nvGrpSpPr>
-      <p:grpSpPr>
-        <a:xfrm>
-          <a:off x="0" y="0"/>
-          <a:ext cx="0" cy="0"/>
-          <a:chOff x="0" y="0"/>
-          <a:chExt cx="0" cy="0"/>
-        </a:xfrm>
-      </p:grpSpPr>
-      <p:sp>
-        <p:nvSpPr>
-          <p:cNvPr id="5" name="矩形 4">
-            <a:extLst>
-              <a:ext uri="{FF2B5EF4-FFF2-40B4-BE49-F238E27FC236}">
-                <a16:creationId xmlns:a16="http://schemas.microsoft.com/office/drawing/2014/main" id="{86562144-BE88-C328-A61E-B59EEA738074}"/>
-              </a:ext>
-            </a:extLst>
-          </p:cNvPr>
-          <p:cNvSpPr/>
-          <p:nvPr/>
-        </p:nvSpPr>
-        <p:spPr>
-          <a:xfrm>
-            <a:off x="0" y="0"/>
-            <a:ext cx="12192000" cy="6858000"/>
-          </a:xfrm>
-          <a:prstGeom prst="rect">
-            <a:avLst/>
-          </a:prstGeom>
-          <a:solidFill>
-            <a:schemeClr val="accent2">
-              <a:alpha val="50000"/>
-            </a:schemeClr>
-          </a:solidFill>
-          <a:ln>
-            <a:noFill/>
-          </a:ln>
-        </p:spPr>
-        <p:style>
-          <a:lnRef idx="0">
-            <a:scrgbClr r="0" g="0" b="0"/>
-          </a:lnRef>
-          <a:fillRef idx="0">
-            <a:scrgbClr r="0" g="0" b="0"/>
-          </a:fillRef>
-          <a:effectRef idx="0">
-            <a:scrgbClr r="0" g="0" b="0"/>
-          </a:effectRef>
-          <a:fontRef idx="minor">
-            <a:schemeClr val="lt1"/>
-          </a:fontRef>
-        </p:style>
-        <p:txBody>
-          <a:bodyPr rtlCol="0" anchor="ctr"/>
-          <a:lstStyle/>
-          <a:p>
-            <a:pPr algn="ctr"/>
-            <a:endParaRPr lang="zh-CN" altLang="en-US"/>
-          </a:p>
-        </p:txBody>
-      </p:sp>
-      <p:sp>
-        <p:nvSpPr>
-          <p:cNvPr id="4" name="文本框 3">
-            <a:extLst>
-              <a:ext uri="{FF2B5EF4-FFF2-40B4-BE49-F238E27FC236}">
-                <a16:creationId xmlns:a16="http://schemas.microsoft.com/office/drawing/2014/main" id="{F836ED06-2A67-2A2A-ACF8-364549A02122}"/>
-              </a:ext>
-            </a:extLst>
-          </p:cNvPr>
-          <p:cNvSpPr txBox="1"/>
-          <p:nvPr/>
-        </p:nvSpPr>
-        <p:spPr>
-          <a:xfrm>
-            <a:off x="4533900" y="3244334"/>
-            <a:ext cx="3124200" cy="369332"/>
-          </a:xfrm>
-          <a:prstGeom prst="rect">
-            <a:avLst/>
-          </a:prstGeom>
-          <a:noFill/>
-        </p:spPr>
-        <p:txBody>
-          <a:bodyPr wrap="square" rtlCol="0">
-            <a:spAutoFit/>
-          </a:bodyPr>
-          <a:lstStyle/>
-          <a:p>
-            <a:pPr algn="ctr"/>
-            <a:r>
-              <a:rPr lang="zh-CN" altLang="en-US" b="1" dirty="0"/>
-              <a:t>联机模式菜单场景</a:t>
-            </a:r>
-          </a:p>
-        </p:txBody>
-      </p:sp>
-    </p:spTree>
-    <p:extLst>
-      <p:ext uri="{BB962C8B-B14F-4D97-AF65-F5344CB8AC3E}">
-        <p14:creationId xmlns:p14="http://schemas.microsoft.com/office/powerpoint/2010/main" val="1213912537"/>
-      </p:ext>
-    </p:extLst>
-  </p:cSld>
-  <p:clrMapOvr>
-    <a:masterClrMapping/>
-  </p:clrMapOvr>
-</p:sld>
-</file>
-
-<file path=ppt/slides/slide5.xml><?xml version="1.0" encoding="utf-8"?>
-<p:sld xmlns:a="http://schemas.openxmlformats.org/drawingml/2006/main" xmlns:r="http://schemas.openxmlformats.org/officeDocument/2006/relationships" xmlns:p="http://schemas.openxmlformats.org/presentationml/2006/main">
-  <p:cSld>
-    <p:spTree>
-      <p:nvGrpSpPr>
-        <p:cNvPr id="1" name=""/>
-        <p:cNvGrpSpPr/>
-        <p:nvPr/>
-      </p:nvGrpSpPr>
-      <p:grpSpPr>
-        <a:xfrm>
-          <a:off x="0" y="0"/>
-          <a:ext cx="0" cy="0"/>
-          <a:chOff x="0" y="0"/>
-          <a:chExt cx="0" cy="0"/>
-        </a:xfrm>
-      </p:grpSpPr>
-      <p:sp>
-        <p:nvSpPr>
-          <p:cNvPr id="16" name="矩形 15">
-            <a:extLst>
-              <a:ext uri="{FF2B5EF4-FFF2-40B4-BE49-F238E27FC236}">
-                <a16:creationId xmlns:a16="http://schemas.microsoft.com/office/drawing/2014/main" id="{4A179002-2C74-AEFD-BFF6-D99C34910BCB}"/>
-              </a:ext>
-            </a:extLst>
-          </p:cNvPr>
-          <p:cNvSpPr/>
-          <p:nvPr/>
-        </p:nvSpPr>
-        <p:spPr>
-          <a:xfrm>
-            <a:off x="4630056" y="2833914"/>
-            <a:ext cx="2857500" cy="1143000"/>
-          </a:xfrm>
-          <a:prstGeom prst="rect">
-            <a:avLst/>
-          </a:prstGeom>
-          <a:solidFill>
-            <a:schemeClr val="accent6">
-              <a:alpha val="50000"/>
-            </a:schemeClr>
-          </a:solidFill>
-          <a:ln>
-            <a:noFill/>
-          </a:ln>
-        </p:spPr>
-        <p:style>
-          <a:lnRef idx="0">
-            <a:scrgbClr r="0" g="0" b="0"/>
-          </a:lnRef>
-          <a:fillRef idx="0">
-            <a:scrgbClr r="0" g="0" b="0"/>
-          </a:fillRef>
-          <a:effectRef idx="0">
-            <a:scrgbClr r="0" g="0" b="0"/>
-          </a:effectRef>
-          <a:fontRef idx="minor">
-            <a:schemeClr val="lt1"/>
-          </a:fontRef>
-        </p:style>
-        <p:txBody>
-          <a:bodyPr rtlCol="0" anchor="ctr"/>
-          <a:lstStyle/>
-          <a:p>
-            <a:pPr algn="ctr"/>
-            <a:r>
-              <a:rPr lang="zh-CN" altLang="en-US" b="1" dirty="0">
-                <a:solidFill>
-                  <a:schemeClr val="tx1"/>
-                </a:solidFill>
-              </a:rPr>
-              <a:t>联机模式（悬停状态）</a:t>
-            </a:r>
-          </a:p>
-        </p:txBody>
-      </p:sp>
-      <p:sp>
-        <p:nvSpPr>
-          <p:cNvPr id="17" name="矩形 16">
-            <a:extLst>
-              <a:ext uri="{FF2B5EF4-FFF2-40B4-BE49-F238E27FC236}">
-                <a16:creationId xmlns:a16="http://schemas.microsoft.com/office/drawing/2014/main" id="{00897392-5612-BC06-F7D3-B79F5D0EFD16}"/>
-              </a:ext>
-            </a:extLst>
-          </p:cNvPr>
-          <p:cNvSpPr/>
-          <p:nvPr/>
-        </p:nvSpPr>
-        <p:spPr>
-          <a:xfrm>
-            <a:off x="4630056" y="942052"/>
-            <a:ext cx="2857500" cy="1143000"/>
-          </a:xfrm>
-          <a:prstGeom prst="rect">
-            <a:avLst/>
-          </a:prstGeom>
-          <a:solidFill>
-            <a:schemeClr val="accent6">
-              <a:alpha val="50000"/>
-            </a:schemeClr>
-          </a:solidFill>
-          <a:ln>
-            <a:noFill/>
-          </a:ln>
-        </p:spPr>
-        <p:style>
-          <a:lnRef idx="0">
-            <a:scrgbClr r="0" g="0" b="0"/>
-          </a:lnRef>
-          <a:fillRef idx="0">
-            <a:scrgbClr r="0" g="0" b="0"/>
-          </a:fillRef>
-          <a:effectRef idx="0">
-            <a:scrgbClr r="0" g="0" b="0"/>
-          </a:effectRef>
-          <a:fontRef idx="minor">
-            <a:schemeClr val="lt1"/>
-          </a:fontRef>
-        </p:style>
-        <p:txBody>
-          <a:bodyPr rtlCol="0" anchor="ctr"/>
-          <a:lstStyle/>
-          <a:p>
-            <a:pPr algn="ctr"/>
-            <a:r>
-              <a:rPr lang="zh-CN" altLang="en-US" b="1" dirty="0">
-                <a:solidFill>
-                  <a:schemeClr val="tx1"/>
-                </a:solidFill>
-              </a:rPr>
-              <a:t>联机模式（默认状态）</a:t>
-            </a:r>
-          </a:p>
-        </p:txBody>
-      </p:sp>
-      <p:sp>
-        <p:nvSpPr>
-          <p:cNvPr id="18" name="矩形 17">
-            <a:extLst>
-              <a:ext uri="{FF2B5EF4-FFF2-40B4-BE49-F238E27FC236}">
-                <a16:creationId xmlns:a16="http://schemas.microsoft.com/office/drawing/2014/main" id="{5DD21B1F-0462-9FEE-823A-07DF329AE00A}"/>
-              </a:ext>
-            </a:extLst>
-          </p:cNvPr>
-          <p:cNvSpPr/>
-          <p:nvPr/>
-        </p:nvSpPr>
-        <p:spPr>
-          <a:xfrm>
-            <a:off x="4630056" y="4725776"/>
-            <a:ext cx="2857500" cy="1143000"/>
-          </a:xfrm>
-          <a:prstGeom prst="rect">
-            <a:avLst/>
-          </a:prstGeom>
-          <a:solidFill>
-            <a:schemeClr val="accent6">
-              <a:alpha val="50000"/>
-            </a:schemeClr>
-          </a:solidFill>
-          <a:ln>
-            <a:noFill/>
-          </a:ln>
-        </p:spPr>
-        <p:style>
-          <a:lnRef idx="0">
-            <a:scrgbClr r="0" g="0" b="0"/>
-          </a:lnRef>
-          <a:fillRef idx="0">
-            <a:scrgbClr r="0" g="0" b="0"/>
-          </a:fillRef>
-          <a:effectRef idx="0">
-            <a:scrgbClr r="0" g="0" b="0"/>
-          </a:effectRef>
-          <a:fontRef idx="minor">
-            <a:schemeClr val="lt1"/>
-          </a:fontRef>
-        </p:style>
-        <p:txBody>
-          <a:bodyPr rtlCol="0" anchor="ctr"/>
-          <a:lstStyle/>
-          <a:p>
-            <a:pPr algn="ctr"/>
-            <a:r>
-              <a:rPr lang="zh-CN" altLang="en-US" b="1" dirty="0">
-                <a:solidFill>
-                  <a:schemeClr val="tx1"/>
-                </a:solidFill>
-              </a:rPr>
-              <a:t>联机模式（激活状态）</a:t>
-            </a:r>
-          </a:p>
-        </p:txBody>
-      </p:sp>
-      <p:sp>
-        <p:nvSpPr>
-          <p:cNvPr id="19" name="矩形 18">
-            <a:extLst>
-              <a:ext uri="{FF2B5EF4-FFF2-40B4-BE49-F238E27FC236}">
-                <a16:creationId xmlns:a16="http://schemas.microsoft.com/office/drawing/2014/main" id="{6ECCC354-E3A8-4E33-D5C8-546D46F7EE16}"/>
-              </a:ext>
-            </a:extLst>
-          </p:cNvPr>
-          <p:cNvSpPr/>
-          <p:nvPr/>
-        </p:nvSpPr>
-        <p:spPr>
-          <a:xfrm>
-            <a:off x="1051284" y="2833914"/>
-            <a:ext cx="2857500" cy="1143000"/>
-          </a:xfrm>
-          <a:prstGeom prst="rect">
-            <a:avLst/>
-          </a:prstGeom>
-          <a:solidFill>
-            <a:schemeClr val="accent6">
-              <a:alpha val="50000"/>
-            </a:schemeClr>
-          </a:solidFill>
-          <a:ln>
-            <a:noFill/>
-          </a:ln>
-        </p:spPr>
-        <p:style>
-          <a:lnRef idx="0">
-            <a:scrgbClr r="0" g="0" b="0"/>
-          </a:lnRef>
-          <a:fillRef idx="0">
-            <a:scrgbClr r="0" g="0" b="0"/>
-          </a:fillRef>
-          <a:effectRef idx="0">
-            <a:scrgbClr r="0" g="0" b="0"/>
-          </a:effectRef>
-          <a:fontRef idx="minor">
-            <a:schemeClr val="lt1"/>
-          </a:fontRef>
-        </p:style>
-        <p:txBody>
-          <a:bodyPr rtlCol="0" anchor="ctr"/>
-          <a:lstStyle/>
-          <a:p>
-            <a:pPr algn="ctr"/>
-            <a:r>
-              <a:rPr lang="zh-CN" altLang="en-US" b="1">
-                <a:solidFill>
-                  <a:schemeClr val="tx1"/>
-                </a:solidFill>
-              </a:rPr>
-              <a:t>练习模式（</a:t>
-            </a:r>
-            <a:r>
-              <a:rPr lang="zh-CN" altLang="en-US" b="1" dirty="0">
-                <a:solidFill>
-                  <a:schemeClr val="tx1"/>
-                </a:solidFill>
-              </a:rPr>
-              <a:t>悬停状态）</a:t>
-            </a:r>
-          </a:p>
-        </p:txBody>
-      </p:sp>
-      <p:sp>
-        <p:nvSpPr>
-          <p:cNvPr id="20" name="矩形 19">
-            <a:extLst>
-              <a:ext uri="{FF2B5EF4-FFF2-40B4-BE49-F238E27FC236}">
-                <a16:creationId xmlns:a16="http://schemas.microsoft.com/office/drawing/2014/main" id="{AEF1228C-F78C-7B15-0DE5-4C766F72D56B}"/>
-              </a:ext>
-            </a:extLst>
-          </p:cNvPr>
-          <p:cNvSpPr/>
-          <p:nvPr/>
-        </p:nvSpPr>
-        <p:spPr>
-          <a:xfrm>
-            <a:off x="1051284" y="942052"/>
-            <a:ext cx="2857500" cy="1143000"/>
-          </a:xfrm>
-          <a:prstGeom prst="rect">
-            <a:avLst/>
-          </a:prstGeom>
-          <a:solidFill>
-            <a:schemeClr val="accent6">
-              <a:alpha val="50000"/>
-            </a:schemeClr>
-          </a:solidFill>
-          <a:ln>
-            <a:noFill/>
-          </a:ln>
-        </p:spPr>
-        <p:style>
-          <a:lnRef idx="0">
-            <a:scrgbClr r="0" g="0" b="0"/>
-          </a:lnRef>
-          <a:fillRef idx="0">
-            <a:scrgbClr r="0" g="0" b="0"/>
-          </a:fillRef>
-          <a:effectRef idx="0">
-            <a:scrgbClr r="0" g="0" b="0"/>
-          </a:effectRef>
-          <a:fontRef idx="minor">
-            <a:schemeClr val="lt1"/>
-          </a:fontRef>
-        </p:style>
-        <p:txBody>
-          <a:bodyPr rtlCol="0" anchor="ctr"/>
-          <a:lstStyle/>
-          <a:p>
-            <a:pPr algn="ctr"/>
-            <a:r>
-              <a:rPr lang="zh-CN" altLang="en-US" b="1">
-                <a:solidFill>
-                  <a:schemeClr val="tx1"/>
-                </a:solidFill>
-              </a:rPr>
-              <a:t>练习模式（</a:t>
-            </a:r>
-            <a:r>
-              <a:rPr lang="zh-CN" altLang="en-US" b="1" dirty="0">
-                <a:solidFill>
-                  <a:schemeClr val="tx1"/>
-                </a:solidFill>
-              </a:rPr>
-              <a:t>默认状态）</a:t>
-            </a:r>
-          </a:p>
-        </p:txBody>
-      </p:sp>
-      <p:sp>
-        <p:nvSpPr>
-          <p:cNvPr id="21" name="矩形 20">
-            <a:extLst>
-              <a:ext uri="{FF2B5EF4-FFF2-40B4-BE49-F238E27FC236}">
-                <a16:creationId xmlns:a16="http://schemas.microsoft.com/office/drawing/2014/main" id="{556A2F02-AA5B-E2DD-C780-C5792542CC31}"/>
-              </a:ext>
-            </a:extLst>
-          </p:cNvPr>
-          <p:cNvSpPr/>
-          <p:nvPr/>
-        </p:nvSpPr>
-        <p:spPr>
-          <a:xfrm>
-            <a:off x="1051284" y="4725776"/>
-            <a:ext cx="2857500" cy="1143000"/>
-          </a:xfrm>
-          <a:prstGeom prst="rect">
-            <a:avLst/>
-          </a:prstGeom>
-          <a:solidFill>
-            <a:schemeClr val="accent6">
-              <a:alpha val="50000"/>
-            </a:schemeClr>
-          </a:solidFill>
-          <a:ln>
-            <a:noFill/>
-          </a:ln>
-        </p:spPr>
-        <p:style>
-          <a:lnRef idx="0">
-            <a:scrgbClr r="0" g="0" b="0"/>
-          </a:lnRef>
-          <a:fillRef idx="0">
-            <a:scrgbClr r="0" g="0" b="0"/>
-          </a:fillRef>
-          <a:effectRef idx="0">
-            <a:scrgbClr r="0" g="0" b="0"/>
-          </a:effectRef>
-          <a:fontRef idx="minor">
-            <a:schemeClr val="lt1"/>
-          </a:fontRef>
-        </p:style>
-        <p:txBody>
-          <a:bodyPr rtlCol="0" anchor="ctr"/>
-          <a:lstStyle/>
-          <a:p>
-            <a:pPr algn="ctr"/>
-            <a:r>
-              <a:rPr lang="zh-CN" altLang="en-US" b="1">
-                <a:solidFill>
-                  <a:schemeClr val="tx1"/>
-                </a:solidFill>
-              </a:rPr>
-              <a:t>练习模式（</a:t>
-            </a:r>
-            <a:r>
-              <a:rPr lang="zh-CN" altLang="en-US" b="1" dirty="0">
-                <a:solidFill>
-                  <a:schemeClr val="tx1"/>
-                </a:solidFill>
-              </a:rPr>
-              <a:t>激活状态）</a:t>
-            </a:r>
-          </a:p>
-        </p:txBody>
-      </p:sp>
-      <p:sp>
-        <p:nvSpPr>
-          <p:cNvPr id="22" name="矩形 21">
-            <a:extLst>
-              <a:ext uri="{FF2B5EF4-FFF2-40B4-BE49-F238E27FC236}">
-                <a16:creationId xmlns:a16="http://schemas.microsoft.com/office/drawing/2014/main" id="{A59D5C53-6573-400C-4E29-0153CD1D385B}"/>
-              </a:ext>
-            </a:extLst>
-          </p:cNvPr>
-          <p:cNvSpPr/>
-          <p:nvPr/>
-        </p:nvSpPr>
-        <p:spPr>
-          <a:xfrm>
-            <a:off x="8208828" y="2833914"/>
-            <a:ext cx="2857500" cy="1143000"/>
-          </a:xfrm>
-          <a:prstGeom prst="rect">
-            <a:avLst/>
-          </a:prstGeom>
-          <a:solidFill>
-            <a:schemeClr val="accent6">
-              <a:alpha val="50000"/>
-            </a:schemeClr>
-          </a:solidFill>
-          <a:ln>
-            <a:noFill/>
-          </a:ln>
-        </p:spPr>
-        <p:style>
-          <a:lnRef idx="0">
-            <a:scrgbClr r="0" g="0" b="0"/>
-          </a:lnRef>
-          <a:fillRef idx="0">
-            <a:scrgbClr r="0" g="0" b="0"/>
-          </a:fillRef>
-          <a:effectRef idx="0">
-            <a:scrgbClr r="0" g="0" b="0"/>
-          </a:effectRef>
-          <a:fontRef idx="minor">
-            <a:schemeClr val="lt1"/>
-          </a:fontRef>
-        </p:style>
-        <p:txBody>
-          <a:bodyPr rtlCol="0" anchor="ctr"/>
-          <a:lstStyle/>
-          <a:p>
-            <a:pPr algn="ctr"/>
-            <a:r>
-              <a:rPr lang="zh-CN" altLang="en-US" b="1" dirty="0">
-                <a:solidFill>
-                  <a:schemeClr val="tx1"/>
-                </a:solidFill>
-              </a:rPr>
-              <a:t>设置（悬停状态）</a:t>
-            </a:r>
-          </a:p>
-        </p:txBody>
-      </p:sp>
-      <p:sp>
-        <p:nvSpPr>
-          <p:cNvPr id="23" name="矩形 22">
-            <a:extLst>
-              <a:ext uri="{FF2B5EF4-FFF2-40B4-BE49-F238E27FC236}">
-                <a16:creationId xmlns:a16="http://schemas.microsoft.com/office/drawing/2014/main" id="{EE2220CD-9C15-74C8-FE05-6535559515A8}"/>
-              </a:ext>
-            </a:extLst>
-          </p:cNvPr>
-          <p:cNvSpPr/>
-          <p:nvPr/>
-        </p:nvSpPr>
-        <p:spPr>
-          <a:xfrm>
-            <a:off x="8208828" y="942052"/>
-            <a:ext cx="2857500" cy="1143000"/>
-          </a:xfrm>
-          <a:prstGeom prst="rect">
-            <a:avLst/>
-          </a:prstGeom>
-          <a:solidFill>
-            <a:schemeClr val="accent6">
-              <a:alpha val="50000"/>
-            </a:schemeClr>
-          </a:solidFill>
-          <a:ln>
-            <a:noFill/>
-          </a:ln>
-        </p:spPr>
-        <p:style>
-          <a:lnRef idx="0">
-            <a:scrgbClr r="0" g="0" b="0"/>
-          </a:lnRef>
-          <a:fillRef idx="0">
-            <a:scrgbClr r="0" g="0" b="0"/>
-          </a:fillRef>
-          <a:effectRef idx="0">
-            <a:scrgbClr r="0" g="0" b="0"/>
-          </a:effectRef>
-          <a:fontRef idx="minor">
-            <a:schemeClr val="lt1"/>
-          </a:fontRef>
-        </p:style>
-        <p:txBody>
-          <a:bodyPr rtlCol="0" anchor="ctr"/>
-          <a:lstStyle/>
-          <a:p>
-            <a:pPr algn="ctr"/>
-            <a:r>
-              <a:rPr lang="zh-CN" altLang="en-US" b="1" dirty="0">
-                <a:solidFill>
-                  <a:schemeClr val="tx1"/>
-                </a:solidFill>
-              </a:rPr>
-              <a:t>设置（默认状态）</a:t>
-            </a:r>
-          </a:p>
-        </p:txBody>
-      </p:sp>
-      <p:sp>
-        <p:nvSpPr>
-          <p:cNvPr id="24" name="矩形 23">
-            <a:extLst>
-              <a:ext uri="{FF2B5EF4-FFF2-40B4-BE49-F238E27FC236}">
-                <a16:creationId xmlns:a16="http://schemas.microsoft.com/office/drawing/2014/main" id="{65990AE8-AFE6-68EB-DFA7-E4E5F042BD71}"/>
-              </a:ext>
-            </a:extLst>
-          </p:cNvPr>
-          <p:cNvSpPr/>
-          <p:nvPr/>
-        </p:nvSpPr>
-        <p:spPr>
-          <a:xfrm>
-            <a:off x="8208828" y="4725776"/>
-            <a:ext cx="2857500" cy="1143000"/>
-          </a:xfrm>
-          <a:prstGeom prst="rect">
-            <a:avLst/>
-          </a:prstGeom>
-          <a:solidFill>
-            <a:schemeClr val="accent6">
-              <a:alpha val="50000"/>
-            </a:schemeClr>
-          </a:solidFill>
-          <a:ln>
-            <a:noFill/>
-          </a:ln>
-        </p:spPr>
-        <p:style>
-          <a:lnRef idx="0">
-            <a:scrgbClr r="0" g="0" b="0"/>
-          </a:lnRef>
-          <a:fillRef idx="0">
-            <a:scrgbClr r="0" g="0" b="0"/>
-          </a:fillRef>
-          <a:effectRef idx="0">
-            <a:scrgbClr r="0" g="0" b="0"/>
-          </a:effectRef>
-          <a:fontRef idx="minor">
-            <a:schemeClr val="lt1"/>
-          </a:fontRef>
-        </p:style>
-        <p:txBody>
-          <a:bodyPr rtlCol="0" anchor="ctr"/>
-          <a:lstStyle/>
-          <a:p>
-            <a:pPr algn="ctr"/>
-            <a:r>
-              <a:rPr lang="zh-CN" altLang="en-US" b="1" dirty="0">
-                <a:solidFill>
-                  <a:schemeClr val="tx1"/>
-                </a:solidFill>
-              </a:rPr>
-              <a:t>设置（激活状态）</a:t>
-            </a:r>
-          </a:p>
-        </p:txBody>
-      </p:sp>
-    </p:spTree>
-    <p:extLst>
-      <p:ext uri="{BB962C8B-B14F-4D97-AF65-F5344CB8AC3E}">
-        <p14:creationId xmlns:p14="http://schemas.microsoft.com/office/powerpoint/2010/main" val="2841839047"/>
-      </p:ext>
-    </p:extLst>
-  </p:cSld>
-  <p:clrMapOvr>
-    <a:masterClrMapping/>
-  </p:clrMapOvr>
-</p:sld>
-</file>
-
-<file path=ppt/slides/slide6.xml><?xml version="1.0" encoding="utf-8"?>
-<p:sld xmlns:a="http://schemas.openxmlformats.org/drawingml/2006/main" xmlns:r="http://schemas.openxmlformats.org/officeDocument/2006/relationships" xmlns:p="http://schemas.openxmlformats.org/presentationml/2006/main">
-  <p:cSld>
-    <p:spTree>
-      <p:nvGrpSpPr>
-        <p:cNvPr id="1" name=""/>
-        <p:cNvGrpSpPr/>
-        <p:nvPr/>
-      </p:nvGrpSpPr>
-      <p:grpSpPr>
-        <a:xfrm>
-          <a:off x="0" y="0"/>
-          <a:ext cx="0" cy="0"/>
-          <a:chOff x="0" y="0"/>
-          <a:chExt cx="0" cy="0"/>
-        </a:xfrm>
-      </p:grpSpPr>
-      <p:sp>
-        <p:nvSpPr>
-          <p:cNvPr id="16" name="矩形 15">
-            <a:extLst>
-              <a:ext uri="{FF2B5EF4-FFF2-40B4-BE49-F238E27FC236}">
-                <a16:creationId xmlns:a16="http://schemas.microsoft.com/office/drawing/2014/main" id="{4A179002-2C74-AEFD-BFF6-D99C34910BCB}"/>
-              </a:ext>
-            </a:extLst>
-          </p:cNvPr>
-          <p:cNvSpPr/>
-          <p:nvPr/>
-        </p:nvSpPr>
-        <p:spPr>
-          <a:xfrm>
-            <a:off x="4630056" y="2833914"/>
-            <a:ext cx="2857500" cy="1143000"/>
-          </a:xfrm>
-          <a:prstGeom prst="rect">
-            <a:avLst/>
-          </a:prstGeom>
-          <a:solidFill>
-            <a:schemeClr val="accent6">
-              <a:alpha val="50000"/>
-            </a:schemeClr>
-          </a:solidFill>
-          <a:ln>
-            <a:noFill/>
-          </a:ln>
-        </p:spPr>
-        <p:style>
-          <a:lnRef idx="0">
-            <a:scrgbClr r="0" g="0" b="0"/>
-          </a:lnRef>
-          <a:fillRef idx="0">
-            <a:scrgbClr r="0" g="0" b="0"/>
-          </a:fillRef>
-          <a:effectRef idx="0">
-            <a:scrgbClr r="0" g="0" b="0"/>
-          </a:effectRef>
-          <a:fontRef idx="minor">
-            <a:schemeClr val="lt1"/>
-          </a:fontRef>
-        </p:style>
-        <p:txBody>
-          <a:bodyPr rtlCol="0" anchor="ctr"/>
-          <a:lstStyle/>
-          <a:p>
-            <a:pPr algn="ctr"/>
-            <a:r>
-              <a:rPr lang="zh-CN" altLang="en-US" b="1" dirty="0">
-                <a:solidFill>
-                  <a:schemeClr val="tx1"/>
-                </a:solidFill>
-              </a:rPr>
-              <a:t>加入房间（悬停状态）</a:t>
-            </a:r>
-          </a:p>
-        </p:txBody>
-      </p:sp>
-      <p:sp>
-        <p:nvSpPr>
-          <p:cNvPr id="17" name="矩形 16">
-            <a:extLst>
-              <a:ext uri="{FF2B5EF4-FFF2-40B4-BE49-F238E27FC236}">
-                <a16:creationId xmlns:a16="http://schemas.microsoft.com/office/drawing/2014/main" id="{00897392-5612-BC06-F7D3-B79F5D0EFD16}"/>
-              </a:ext>
-            </a:extLst>
-          </p:cNvPr>
-          <p:cNvSpPr/>
-          <p:nvPr/>
-        </p:nvSpPr>
-        <p:spPr>
-          <a:xfrm>
-            <a:off x="4630056" y="942052"/>
-            <a:ext cx="2857500" cy="1143000"/>
-          </a:xfrm>
-          <a:prstGeom prst="rect">
-            <a:avLst/>
-          </a:prstGeom>
-          <a:solidFill>
-            <a:schemeClr val="accent6">
-              <a:alpha val="50000"/>
-            </a:schemeClr>
-          </a:solidFill>
-          <a:ln>
-            <a:noFill/>
-          </a:ln>
-        </p:spPr>
-        <p:style>
-          <a:lnRef idx="0">
-            <a:scrgbClr r="0" g="0" b="0"/>
-          </a:lnRef>
-          <a:fillRef idx="0">
-            <a:scrgbClr r="0" g="0" b="0"/>
-          </a:fillRef>
-          <a:effectRef idx="0">
-            <a:scrgbClr r="0" g="0" b="0"/>
-          </a:effectRef>
-          <a:fontRef idx="minor">
-            <a:schemeClr val="lt1"/>
-          </a:fontRef>
-        </p:style>
-        <p:txBody>
-          <a:bodyPr rtlCol="0" anchor="ctr"/>
-          <a:lstStyle/>
-          <a:p>
-            <a:pPr algn="ctr"/>
-            <a:r>
-              <a:rPr lang="zh-CN" altLang="en-US" b="1" dirty="0">
-                <a:solidFill>
-                  <a:schemeClr val="tx1"/>
-                </a:solidFill>
-              </a:rPr>
-              <a:t>加入房间（默认状态）</a:t>
-            </a:r>
-          </a:p>
-        </p:txBody>
-      </p:sp>
-      <p:sp>
-        <p:nvSpPr>
-          <p:cNvPr id="18" name="矩形 17">
-            <a:extLst>
-              <a:ext uri="{FF2B5EF4-FFF2-40B4-BE49-F238E27FC236}">
-                <a16:creationId xmlns:a16="http://schemas.microsoft.com/office/drawing/2014/main" id="{5DD21B1F-0462-9FEE-823A-07DF329AE00A}"/>
-              </a:ext>
-            </a:extLst>
-          </p:cNvPr>
-          <p:cNvSpPr/>
-          <p:nvPr/>
-        </p:nvSpPr>
-        <p:spPr>
-          <a:xfrm>
-            <a:off x="4630056" y="4725776"/>
-            <a:ext cx="2857500" cy="1143000"/>
-          </a:xfrm>
-          <a:prstGeom prst="rect">
-            <a:avLst/>
-          </a:prstGeom>
-          <a:solidFill>
-            <a:schemeClr val="accent6">
-              <a:alpha val="50000"/>
-            </a:schemeClr>
-          </a:solidFill>
-          <a:ln>
-            <a:noFill/>
-          </a:ln>
-        </p:spPr>
-        <p:style>
-          <a:lnRef idx="0">
-            <a:scrgbClr r="0" g="0" b="0"/>
-          </a:lnRef>
-          <a:fillRef idx="0">
-            <a:scrgbClr r="0" g="0" b="0"/>
-          </a:fillRef>
-          <a:effectRef idx="0">
-            <a:scrgbClr r="0" g="0" b="0"/>
-          </a:effectRef>
-          <a:fontRef idx="minor">
-            <a:schemeClr val="lt1"/>
-          </a:fontRef>
-        </p:style>
-        <p:txBody>
-          <a:bodyPr rtlCol="0" anchor="ctr"/>
-          <a:lstStyle/>
-          <a:p>
-            <a:pPr algn="ctr"/>
-            <a:r>
-              <a:rPr lang="zh-CN" altLang="en-US" b="1" dirty="0">
-                <a:solidFill>
-                  <a:schemeClr val="tx1"/>
-                </a:solidFill>
-              </a:rPr>
-              <a:t>加入房间（激活状态）</a:t>
-            </a:r>
-          </a:p>
-        </p:txBody>
-      </p:sp>
-      <p:sp>
-        <p:nvSpPr>
-          <p:cNvPr id="19" name="矩形 18">
-            <a:extLst>
-              <a:ext uri="{FF2B5EF4-FFF2-40B4-BE49-F238E27FC236}">
-                <a16:creationId xmlns:a16="http://schemas.microsoft.com/office/drawing/2014/main" id="{6ECCC354-E3A8-4E33-D5C8-546D46F7EE16}"/>
-              </a:ext>
-            </a:extLst>
-          </p:cNvPr>
-          <p:cNvSpPr/>
-          <p:nvPr/>
-        </p:nvSpPr>
-        <p:spPr>
-          <a:xfrm>
-            <a:off x="1051284" y="2833914"/>
-            <a:ext cx="2857500" cy="1143000"/>
-          </a:xfrm>
-          <a:prstGeom prst="rect">
-            <a:avLst/>
-          </a:prstGeom>
-          <a:solidFill>
-            <a:schemeClr val="accent6">
-              <a:alpha val="50000"/>
-            </a:schemeClr>
-          </a:solidFill>
-          <a:ln>
-            <a:noFill/>
-          </a:ln>
-        </p:spPr>
-        <p:style>
-          <a:lnRef idx="0">
-            <a:scrgbClr r="0" g="0" b="0"/>
-          </a:lnRef>
-          <a:fillRef idx="0">
-            <a:scrgbClr r="0" g="0" b="0"/>
-          </a:fillRef>
-          <a:effectRef idx="0">
-            <a:scrgbClr r="0" g="0" b="0"/>
-          </a:effectRef>
-          <a:fontRef idx="minor">
-            <a:schemeClr val="lt1"/>
-          </a:fontRef>
-        </p:style>
-        <p:txBody>
-          <a:bodyPr rtlCol="0" anchor="ctr"/>
-          <a:lstStyle/>
-          <a:p>
-            <a:pPr algn="ctr"/>
-            <a:r>
-              <a:rPr lang="zh-CN" altLang="en-US" b="1" dirty="0">
-                <a:solidFill>
-                  <a:schemeClr val="tx1"/>
-                </a:solidFill>
-              </a:rPr>
-              <a:t>创建房间（悬停状态）</a:t>
-            </a:r>
-          </a:p>
-        </p:txBody>
-      </p:sp>
-      <p:sp>
-        <p:nvSpPr>
-          <p:cNvPr id="20" name="矩形 19">
-            <a:extLst>
-              <a:ext uri="{FF2B5EF4-FFF2-40B4-BE49-F238E27FC236}">
-                <a16:creationId xmlns:a16="http://schemas.microsoft.com/office/drawing/2014/main" id="{AEF1228C-F78C-7B15-0DE5-4C766F72D56B}"/>
-              </a:ext>
-            </a:extLst>
-          </p:cNvPr>
-          <p:cNvSpPr/>
-          <p:nvPr/>
-        </p:nvSpPr>
-        <p:spPr>
-          <a:xfrm>
-            <a:off x="1051284" y="942052"/>
-            <a:ext cx="2857500" cy="1143000"/>
-          </a:xfrm>
-          <a:prstGeom prst="rect">
-            <a:avLst/>
-          </a:prstGeom>
-          <a:solidFill>
-            <a:schemeClr val="accent6">
-              <a:alpha val="50000"/>
-            </a:schemeClr>
-          </a:solidFill>
-          <a:ln>
-            <a:noFill/>
-          </a:ln>
-        </p:spPr>
-        <p:style>
-          <a:lnRef idx="0">
-            <a:scrgbClr r="0" g="0" b="0"/>
-          </a:lnRef>
-          <a:fillRef idx="0">
-            <a:scrgbClr r="0" g="0" b="0"/>
-          </a:fillRef>
-          <a:effectRef idx="0">
-            <a:scrgbClr r="0" g="0" b="0"/>
-          </a:effectRef>
-          <a:fontRef idx="minor">
-            <a:schemeClr val="lt1"/>
-          </a:fontRef>
-        </p:style>
-        <p:txBody>
-          <a:bodyPr rtlCol="0" anchor="ctr"/>
-          <a:lstStyle/>
-          <a:p>
-            <a:pPr algn="ctr"/>
-            <a:r>
-              <a:rPr lang="zh-CN" altLang="en-US" b="1" dirty="0">
-                <a:solidFill>
-                  <a:schemeClr val="tx1"/>
-                </a:solidFill>
-              </a:rPr>
-              <a:t>创建房间（默认状态）</a:t>
-            </a:r>
-          </a:p>
-        </p:txBody>
-      </p:sp>
-      <p:sp>
-        <p:nvSpPr>
-          <p:cNvPr id="21" name="矩形 20">
-            <a:extLst>
-              <a:ext uri="{FF2B5EF4-FFF2-40B4-BE49-F238E27FC236}">
-                <a16:creationId xmlns:a16="http://schemas.microsoft.com/office/drawing/2014/main" id="{556A2F02-AA5B-E2DD-C780-C5792542CC31}"/>
-              </a:ext>
-            </a:extLst>
-          </p:cNvPr>
-          <p:cNvSpPr/>
-          <p:nvPr/>
-        </p:nvSpPr>
-        <p:spPr>
-          <a:xfrm>
-            <a:off x="1051284" y="4725776"/>
-            <a:ext cx="2857500" cy="1143000"/>
-          </a:xfrm>
-          <a:prstGeom prst="rect">
-            <a:avLst/>
-          </a:prstGeom>
-          <a:solidFill>
-            <a:schemeClr val="accent6">
-              <a:alpha val="50000"/>
-            </a:schemeClr>
-          </a:solidFill>
-          <a:ln>
-            <a:noFill/>
-          </a:ln>
-        </p:spPr>
-        <p:style>
-          <a:lnRef idx="0">
-            <a:scrgbClr r="0" g="0" b="0"/>
-          </a:lnRef>
-          <a:fillRef idx="0">
-            <a:scrgbClr r="0" g="0" b="0"/>
-          </a:fillRef>
-          <a:effectRef idx="0">
-            <a:scrgbClr r="0" g="0" b="0"/>
-          </a:effectRef>
-          <a:fontRef idx="minor">
-            <a:schemeClr val="lt1"/>
-          </a:fontRef>
-        </p:style>
-        <p:txBody>
-          <a:bodyPr rtlCol="0" anchor="ctr"/>
-          <a:lstStyle/>
-          <a:p>
-            <a:pPr algn="ctr"/>
-            <a:r>
-              <a:rPr lang="zh-CN" altLang="en-US" b="1" dirty="0">
-                <a:solidFill>
-                  <a:schemeClr val="tx1"/>
-                </a:solidFill>
-              </a:rPr>
-              <a:t>创建房间（激活状态）</a:t>
-            </a:r>
-          </a:p>
-        </p:txBody>
-      </p:sp>
-      <p:sp>
-        <p:nvSpPr>
-          <p:cNvPr id="22" name="矩形 21">
-            <a:extLst>
-              <a:ext uri="{FF2B5EF4-FFF2-40B4-BE49-F238E27FC236}">
-                <a16:creationId xmlns:a16="http://schemas.microsoft.com/office/drawing/2014/main" id="{A59D5C53-6573-400C-4E29-0153CD1D385B}"/>
-              </a:ext>
-            </a:extLst>
-          </p:cNvPr>
-          <p:cNvSpPr/>
-          <p:nvPr/>
-        </p:nvSpPr>
-        <p:spPr>
-          <a:xfrm>
-            <a:off x="8208828" y="2833914"/>
-            <a:ext cx="2857500" cy="1143000"/>
-          </a:xfrm>
-          <a:prstGeom prst="rect">
-            <a:avLst/>
-          </a:prstGeom>
-          <a:solidFill>
-            <a:schemeClr val="accent6">
-              <a:alpha val="50000"/>
-            </a:schemeClr>
-          </a:solidFill>
-          <a:ln>
-            <a:noFill/>
-          </a:ln>
-        </p:spPr>
-        <p:style>
-          <a:lnRef idx="0">
-            <a:scrgbClr r="0" g="0" b="0"/>
-          </a:lnRef>
-          <a:fillRef idx="0">
-            <a:scrgbClr r="0" g="0" b="0"/>
-          </a:fillRef>
-          <a:effectRef idx="0">
-            <a:scrgbClr r="0" g="0" b="0"/>
-          </a:effectRef>
-          <a:fontRef idx="minor">
-            <a:schemeClr val="lt1"/>
-          </a:fontRef>
-        </p:style>
-        <p:txBody>
-          <a:bodyPr rtlCol="0" anchor="ctr"/>
-          <a:lstStyle/>
-          <a:p>
-            <a:pPr algn="ctr"/>
-            <a:r>
-              <a:rPr lang="zh-CN" altLang="en-US" b="1" dirty="0">
-                <a:solidFill>
-                  <a:schemeClr val="tx1"/>
-                </a:solidFill>
-              </a:rPr>
-              <a:t>返回菜单（悬停状态）</a:t>
-            </a:r>
-          </a:p>
-        </p:txBody>
-      </p:sp>
-      <p:sp>
-        <p:nvSpPr>
-          <p:cNvPr id="23" name="矩形 22">
-            <a:extLst>
-              <a:ext uri="{FF2B5EF4-FFF2-40B4-BE49-F238E27FC236}">
-                <a16:creationId xmlns:a16="http://schemas.microsoft.com/office/drawing/2014/main" id="{EE2220CD-9C15-74C8-FE05-6535559515A8}"/>
-              </a:ext>
-            </a:extLst>
-          </p:cNvPr>
-          <p:cNvSpPr/>
-          <p:nvPr/>
-        </p:nvSpPr>
-        <p:spPr>
-          <a:xfrm>
-            <a:off x="8208828" y="942052"/>
-            <a:ext cx="2857500" cy="1143000"/>
-          </a:xfrm>
-          <a:prstGeom prst="rect">
-            <a:avLst/>
-          </a:prstGeom>
-          <a:solidFill>
-            <a:schemeClr val="accent6">
-              <a:alpha val="50000"/>
-            </a:schemeClr>
-          </a:solidFill>
-          <a:ln>
-            <a:noFill/>
-          </a:ln>
-        </p:spPr>
-        <p:style>
-          <a:lnRef idx="0">
-            <a:scrgbClr r="0" g="0" b="0"/>
-          </a:lnRef>
-          <a:fillRef idx="0">
-            <a:scrgbClr r="0" g="0" b="0"/>
-          </a:fillRef>
-          <a:effectRef idx="0">
-            <a:scrgbClr r="0" g="0" b="0"/>
-          </a:effectRef>
-          <a:fontRef idx="minor">
-            <a:schemeClr val="lt1"/>
-          </a:fontRef>
-        </p:style>
-        <p:txBody>
-          <a:bodyPr rtlCol="0" anchor="ctr"/>
-          <a:lstStyle/>
-          <a:p>
-            <a:pPr algn="ctr"/>
-            <a:r>
-              <a:rPr lang="zh-CN" altLang="en-US" b="1" dirty="0">
-                <a:solidFill>
-                  <a:schemeClr val="tx1"/>
-                </a:solidFill>
-              </a:rPr>
-              <a:t>返回菜单（默认状态）</a:t>
-            </a:r>
-          </a:p>
-        </p:txBody>
-      </p:sp>
-      <p:sp>
-        <p:nvSpPr>
-          <p:cNvPr id="24" name="矩形 23">
-            <a:extLst>
-              <a:ext uri="{FF2B5EF4-FFF2-40B4-BE49-F238E27FC236}">
-                <a16:creationId xmlns:a16="http://schemas.microsoft.com/office/drawing/2014/main" id="{65990AE8-AFE6-68EB-DFA7-E4E5F042BD71}"/>
-              </a:ext>
-            </a:extLst>
-          </p:cNvPr>
-          <p:cNvSpPr/>
-          <p:nvPr/>
-        </p:nvSpPr>
-        <p:spPr>
-          <a:xfrm>
-            <a:off x="8208828" y="4725776"/>
-            <a:ext cx="2857500" cy="1143000"/>
-          </a:xfrm>
-          <a:prstGeom prst="rect">
-            <a:avLst/>
-          </a:prstGeom>
-          <a:solidFill>
-            <a:schemeClr val="accent6">
-              <a:alpha val="50000"/>
-            </a:schemeClr>
-          </a:solidFill>
-          <a:ln>
-            <a:noFill/>
-          </a:ln>
-        </p:spPr>
-        <p:style>
-          <a:lnRef idx="0">
-            <a:scrgbClr r="0" g="0" b="0"/>
-          </a:lnRef>
-          <a:fillRef idx="0">
-            <a:scrgbClr r="0" g="0" b="0"/>
-          </a:fillRef>
-          <a:effectRef idx="0">
-            <a:scrgbClr r="0" g="0" b="0"/>
-          </a:effectRef>
-          <a:fontRef idx="minor">
-            <a:schemeClr val="lt1"/>
-          </a:fontRef>
-        </p:style>
-        <p:txBody>
-          <a:bodyPr rtlCol="0" anchor="ctr"/>
-          <a:lstStyle/>
-          <a:p>
-            <a:pPr algn="ctr"/>
-            <a:r>
-              <a:rPr lang="zh-CN" altLang="en-US" b="1" dirty="0">
-                <a:solidFill>
-                  <a:schemeClr val="tx1"/>
-                </a:solidFill>
-              </a:rPr>
-              <a:t>返回菜单（激活状态）</a:t>
-            </a:r>
-          </a:p>
-        </p:txBody>
-      </p:sp>
-    </p:spTree>
-    <p:extLst>
-      <p:ext uri="{BB962C8B-B14F-4D97-AF65-F5344CB8AC3E}">
-        <p14:creationId xmlns:p14="http://schemas.microsoft.com/office/powerpoint/2010/main" val="2447101063"/>
-      </p:ext>
-    </p:extLst>
-  </p:cSld>
-  <p:clrMapOvr>
-    <a:masterClrMapping/>
-  </p:clrMapOvr>
-</p:sld>
-</file>
-
-<file path=ppt/slides/slide7.xml><?xml version="1.0" encoding="utf-8"?>
-<p:sld xmlns:a="http://schemas.openxmlformats.org/drawingml/2006/main" xmlns:r="http://schemas.openxmlformats.org/officeDocument/2006/relationships" xmlns:p="http://schemas.openxmlformats.org/presentationml/2006/main">
-  <p:cSld>
-    <p:spTree>
-      <p:nvGrpSpPr>
-        <p:cNvPr id="1" name=""/>
-        <p:cNvGrpSpPr/>
-        <p:nvPr/>
-      </p:nvGrpSpPr>
-      <p:grpSpPr>
-        <a:xfrm>
-          <a:off x="0" y="0"/>
-          <a:ext cx="0" cy="0"/>
-          <a:chOff x="0" y="0"/>
-          <a:chExt cx="0" cy="0"/>
-        </a:xfrm>
-      </p:grpSpPr>
-      <p:sp>
-        <p:nvSpPr>
-          <p:cNvPr id="18" name="矩形 17">
-            <a:extLst>
-              <a:ext uri="{FF2B5EF4-FFF2-40B4-BE49-F238E27FC236}">
-                <a16:creationId xmlns:a16="http://schemas.microsoft.com/office/drawing/2014/main" id="{5DD21B1F-0462-9FEE-823A-07DF329AE00A}"/>
-              </a:ext>
-            </a:extLst>
-          </p:cNvPr>
-          <p:cNvSpPr/>
-          <p:nvPr/>
-        </p:nvSpPr>
-        <p:spPr>
-          <a:xfrm>
-            <a:off x="3714750" y="3190875"/>
-            <a:ext cx="4762500" cy="476250"/>
-          </a:xfrm>
-          <a:prstGeom prst="rect">
-            <a:avLst/>
-          </a:prstGeom>
-          <a:solidFill>
-            <a:schemeClr val="accent6">
-              <a:alpha val="50000"/>
-            </a:schemeClr>
-          </a:solidFill>
-          <a:ln>
-            <a:noFill/>
-          </a:ln>
-        </p:spPr>
-        <p:style>
-          <a:lnRef idx="0">
-            <a:scrgbClr r="0" g="0" b="0"/>
-          </a:lnRef>
-          <a:fillRef idx="0">
-            <a:scrgbClr r="0" g="0" b="0"/>
-          </a:fillRef>
-          <a:effectRef idx="0">
-            <a:scrgbClr r="0" g="0" b="0"/>
-          </a:effectRef>
-          <a:fontRef idx="minor">
-            <a:schemeClr val="lt1"/>
-          </a:fontRef>
-        </p:style>
-        <p:txBody>
-          <a:bodyPr rtlCol="0" anchor="ctr"/>
-          <a:lstStyle/>
-          <a:p>
-            <a:pPr algn="ctr"/>
-            <a:r>
-              <a:rPr lang="zh-CN" altLang="en-US" b="1" dirty="0">
-                <a:solidFill>
-                  <a:schemeClr val="tx1"/>
-                </a:solidFill>
-              </a:rPr>
-              <a:t>点击此处开始游戏（悬停状态）</a:t>
-            </a:r>
-          </a:p>
-        </p:txBody>
-      </p:sp>
-      <p:sp>
-        <p:nvSpPr>
-          <p:cNvPr id="2" name="矩形 1">
-            <a:extLst>
-              <a:ext uri="{FF2B5EF4-FFF2-40B4-BE49-F238E27FC236}">
-                <a16:creationId xmlns:a16="http://schemas.microsoft.com/office/drawing/2014/main" id="{E075AA2F-FE36-5605-DFE3-484425CF615B}"/>
-              </a:ext>
-            </a:extLst>
-          </p:cNvPr>
-          <p:cNvSpPr/>
-          <p:nvPr/>
-        </p:nvSpPr>
-        <p:spPr>
-          <a:xfrm>
-            <a:off x="3714750" y="4201069"/>
-            <a:ext cx="4762500" cy="476250"/>
-          </a:xfrm>
-          <a:prstGeom prst="rect">
-            <a:avLst/>
-          </a:prstGeom>
-          <a:solidFill>
-            <a:schemeClr val="accent6">
-              <a:alpha val="50000"/>
-            </a:schemeClr>
-          </a:solidFill>
-          <a:ln>
-            <a:noFill/>
-          </a:ln>
-        </p:spPr>
-        <p:style>
-          <a:lnRef idx="0">
-            <a:scrgbClr r="0" g="0" b="0"/>
-          </a:lnRef>
-          <a:fillRef idx="0">
-            <a:scrgbClr r="0" g="0" b="0"/>
-          </a:fillRef>
-          <a:effectRef idx="0">
-            <a:scrgbClr r="0" g="0" b="0"/>
-          </a:effectRef>
-          <a:fontRef idx="minor">
-            <a:schemeClr val="lt1"/>
-          </a:fontRef>
-        </p:style>
-        <p:txBody>
-          <a:bodyPr rtlCol="0" anchor="ctr"/>
-          <a:lstStyle/>
-          <a:p>
-            <a:pPr algn="ctr"/>
-            <a:r>
-              <a:rPr lang="zh-CN" altLang="en-US" b="1" dirty="0">
-                <a:solidFill>
-                  <a:schemeClr val="tx1"/>
-                </a:solidFill>
-              </a:rPr>
-              <a:t>点击此处开始游戏（激活状态）</a:t>
-            </a:r>
-          </a:p>
-        </p:txBody>
-      </p:sp>
-      <p:sp>
-        <p:nvSpPr>
-          <p:cNvPr id="3" name="矩形 2">
-            <a:extLst>
-              <a:ext uri="{FF2B5EF4-FFF2-40B4-BE49-F238E27FC236}">
-                <a16:creationId xmlns:a16="http://schemas.microsoft.com/office/drawing/2014/main" id="{6CA77DE9-A96C-11D9-DAC8-1EDE969CDF33}"/>
-              </a:ext>
-            </a:extLst>
-          </p:cNvPr>
-          <p:cNvSpPr/>
-          <p:nvPr/>
-        </p:nvSpPr>
-        <p:spPr>
-          <a:xfrm>
-            <a:off x="3714750" y="2175510"/>
-            <a:ext cx="4762500" cy="476250"/>
-          </a:xfrm>
-          <a:prstGeom prst="rect">
-            <a:avLst/>
-          </a:prstGeom>
-          <a:solidFill>
-            <a:schemeClr val="accent6">
-              <a:alpha val="50000"/>
-            </a:schemeClr>
-          </a:solidFill>
-          <a:ln>
-            <a:noFill/>
-          </a:ln>
-        </p:spPr>
-        <p:style>
-          <a:lnRef idx="0">
-            <a:scrgbClr r="0" g="0" b="0"/>
-          </a:lnRef>
-          <a:fillRef idx="0">
-            <a:scrgbClr r="0" g="0" b="0"/>
-          </a:fillRef>
-          <a:effectRef idx="0">
-            <a:scrgbClr r="0" g="0" b="0"/>
-          </a:effectRef>
-          <a:fontRef idx="minor">
-            <a:schemeClr val="lt1"/>
-          </a:fontRef>
-        </p:style>
-        <p:txBody>
-          <a:bodyPr rtlCol="0" anchor="ctr"/>
-          <a:lstStyle/>
-          <a:p>
-            <a:pPr algn="ctr"/>
-            <a:r>
-              <a:rPr lang="zh-CN" altLang="en-US" b="1" dirty="0">
-                <a:solidFill>
-                  <a:schemeClr val="tx1"/>
-                </a:solidFill>
-              </a:rPr>
-              <a:t>点击此处开始游戏（默认状态）</a:t>
-            </a:r>
-          </a:p>
-        </p:txBody>
-      </p:sp>
-    </p:spTree>
-    <p:extLst>
-      <p:ext uri="{BB962C8B-B14F-4D97-AF65-F5344CB8AC3E}">
-        <p14:creationId xmlns:p14="http://schemas.microsoft.com/office/powerpoint/2010/main" val="3958432157"/>
-      </p:ext>
-    </p:extLst>
-  </p:cSld>
-  <p:clrMapOvr>
-    <a:masterClrMapping/>
-  </p:clrMapOvr>
-</p:sld>
-</file>
-
-<file path=ppt/slides/slide8.xml><?xml version="1.0" encoding="utf-8"?>
 <p:sld xmlns:a="http://schemas.openxmlformats.org/drawingml/2006/main" xmlns:r="http://schemas.openxmlformats.org/officeDocument/2006/relationships" xmlns:p="http://schemas.openxmlformats.org/presentationml/2006/main">
   <p:cSld>
     <p:spTree>
@@ -5526,10 +4110,10 @@
       </p:grpSp>
       <p:sp>
         <p:nvSpPr>
-          <p:cNvPr id="57" name="矩形 56">
-            <a:extLst>
-              <a:ext uri="{FF2B5EF4-FFF2-40B4-BE49-F238E27FC236}">
-                <a16:creationId xmlns:a16="http://schemas.microsoft.com/office/drawing/2014/main" id="{8AC81708-4411-6F0A-0772-5E6F0562817C}"/>
+          <p:cNvPr id="2" name="任意多边形: 形状 1">
+            <a:extLst>
+              <a:ext uri="{FF2B5EF4-FFF2-40B4-BE49-F238E27FC236}">
+                <a16:creationId xmlns:a16="http://schemas.microsoft.com/office/drawing/2014/main" id="{8A0DB517-59D1-113E-F17A-7D5EF4888AA8}"/>
               </a:ext>
             </a:extLst>
           </p:cNvPr>
@@ -5538,101 +4122,36 @@
         </p:nvSpPr>
         <p:spPr>
           <a:xfrm>
-            <a:off x="2143125" y="5720079"/>
-            <a:ext cx="7620000" cy="1143000"/>
-          </a:xfrm>
-          <a:prstGeom prst="rect">
-            <a:avLst/>
-          </a:prstGeom>
-          <a:gradFill>
-            <a:gsLst>
-              <a:gs pos="0">
-                <a:srgbClr val="345A50"/>
-              </a:gs>
-              <a:gs pos="25000">
-                <a:srgbClr val="223A34"/>
-              </a:gs>
-              <a:gs pos="50000">
-                <a:srgbClr val="111D1A"/>
-              </a:gs>
-              <a:gs pos="75000">
-                <a:srgbClr val="223A34"/>
-              </a:gs>
-              <a:gs pos="100000">
-                <a:srgbClr val="345A50"/>
-              </a:gs>
-            </a:gsLst>
-            <a:lin ang="5400000" scaled="1"/>
-          </a:gradFill>
-          <a:ln>
-            <a:noFill/>
-          </a:ln>
-        </p:spPr>
-        <p:style>
-          <a:lnRef idx="2">
-            <a:schemeClr val="accent1">
-              <a:shade val="15000"/>
-            </a:schemeClr>
-          </a:lnRef>
-          <a:fillRef idx="1">
-            <a:schemeClr val="accent1"/>
-          </a:fillRef>
-          <a:effectRef idx="0">
-            <a:schemeClr val="accent1"/>
-          </a:effectRef>
-          <a:fontRef idx="minor">
-            <a:schemeClr val="lt1"/>
-          </a:fontRef>
-        </p:style>
-        <p:txBody>
-          <a:bodyPr rtlCol="0" anchor="ctr"/>
-          <a:lstStyle/>
-          <a:p>
-            <a:pPr algn="ctr"/>
-            <a:endParaRPr lang="zh-CN" altLang="en-US"/>
-          </a:p>
-        </p:txBody>
-      </p:sp>
-      <p:sp>
-        <p:nvSpPr>
-          <p:cNvPr id="3" name="矩形 2">
-            <a:extLst>
-              <a:ext uri="{FF2B5EF4-FFF2-40B4-BE49-F238E27FC236}">
-                <a16:creationId xmlns:a16="http://schemas.microsoft.com/office/drawing/2014/main" id="{E6108A15-EADB-1BF8-E01D-A97C71F53FD3}"/>
-              </a:ext>
-            </a:extLst>
-          </p:cNvPr>
-          <p:cNvSpPr/>
-          <p:nvPr/>
-        </p:nvSpPr>
-        <p:spPr>
-          <a:xfrm>
-            <a:off x="2142617" y="5442712"/>
-            <a:ext cx="1012063" cy="277367"/>
+            <a:off x="2142617" y="5442711"/>
+            <a:ext cx="7622794" cy="1420368"/>
           </a:xfrm>
           <a:custGeom>
             <a:avLst/>
             <a:gdLst>
-              <a:gd name="connsiteX0" fmla="*/ 0 w 1143000"/>
-              <a:gd name="connsiteY0" fmla="*/ 0 h 277367"/>
-              <a:gd name="connsiteX1" fmla="*/ 1143000 w 1143000"/>
-              <a:gd name="connsiteY1" fmla="*/ 0 h 277367"/>
-              <a:gd name="connsiteX2" fmla="*/ 1143000 w 1143000"/>
-              <a:gd name="connsiteY2" fmla="*/ 277367 h 277367"/>
-              <a:gd name="connsiteX3" fmla="*/ 0 w 1143000"/>
-              <a:gd name="connsiteY3" fmla="*/ 277367 h 277367"/>
-              <a:gd name="connsiteX4" fmla="*/ 0 w 1143000"/>
-              <a:gd name="connsiteY4" fmla="*/ 0 h 277367"/>
-              <a:gd name="connsiteX0" fmla="*/ 0 w 1143000"/>
-              <a:gd name="connsiteY0" fmla="*/ 0 h 277367"/>
-              <a:gd name="connsiteX1" fmla="*/ 789940 w 1143000"/>
-              <a:gd name="connsiteY1" fmla="*/ 0 h 277367"/>
-              <a:gd name="connsiteX2" fmla="*/ 1143000 w 1143000"/>
-              <a:gd name="connsiteY2" fmla="*/ 277367 h 277367"/>
-              <a:gd name="connsiteX3" fmla="*/ 0 w 1143000"/>
-              <a:gd name="connsiteY3" fmla="*/ 277367 h 277367"/>
-              <a:gd name="connsiteX4" fmla="*/ 0 w 1143000"/>
-              <a:gd name="connsiteY4" fmla="*/ 0 h 277367"/>
+              <a:gd name="connsiteX0" fmla="*/ 0 w 7622794"/>
+              <a:gd name="connsiteY0" fmla="*/ 1 h 1420368"/>
+              <a:gd name="connsiteX1" fmla="*/ 699448 w 7622794"/>
+              <a:gd name="connsiteY1" fmla="*/ 1 h 1420368"/>
+              <a:gd name="connsiteX2" fmla="*/ 1012064 w 7622794"/>
+              <a:gd name="connsiteY2" fmla="*/ 277368 h 1420368"/>
+              <a:gd name="connsiteX3" fmla="*/ 7620508 w 7622794"/>
+              <a:gd name="connsiteY3" fmla="*/ 277368 h 1420368"/>
+              <a:gd name="connsiteX4" fmla="*/ 7620508 w 7622794"/>
+              <a:gd name="connsiteY4" fmla="*/ 1420368 h 1420368"/>
+              <a:gd name="connsiteX5" fmla="*/ 508 w 7622794"/>
+              <a:gd name="connsiteY5" fmla="*/ 1420368 h 1420368"/>
+              <a:gd name="connsiteX6" fmla="*/ 508 w 7622794"/>
+              <a:gd name="connsiteY6" fmla="*/ 277368 h 1420368"/>
+              <a:gd name="connsiteX7" fmla="*/ 0 w 7622794"/>
+              <a:gd name="connsiteY7" fmla="*/ 277368 h 1420368"/>
+              <a:gd name="connsiteX8" fmla="*/ 6923346 w 7622794"/>
+              <a:gd name="connsiteY8" fmla="*/ 0 h 1420368"/>
+              <a:gd name="connsiteX9" fmla="*/ 7622794 w 7622794"/>
+              <a:gd name="connsiteY9" fmla="*/ 0 h 1420368"/>
+              <a:gd name="connsiteX10" fmla="*/ 7622794 w 7622794"/>
+              <a:gd name="connsiteY10" fmla="*/ 277367 h 1420368"/>
+              <a:gd name="connsiteX11" fmla="*/ 6610731 w 7622794"/>
+              <a:gd name="connsiteY11" fmla="*/ 277367 h 1420368"/>
             </a:gdLst>
             <a:ahLst/>
             <a:cxnLst>
@@ -5651,24 +4170,67 @@
               <a:cxn ang="0">
                 <a:pos x="connsiteX4" y="connsiteY4"/>
               </a:cxn>
+              <a:cxn ang="0">
+                <a:pos x="connsiteX5" y="connsiteY5"/>
+              </a:cxn>
+              <a:cxn ang="0">
+                <a:pos x="connsiteX6" y="connsiteY6"/>
+              </a:cxn>
+              <a:cxn ang="0">
+                <a:pos x="connsiteX7" y="connsiteY7"/>
+              </a:cxn>
+              <a:cxn ang="0">
+                <a:pos x="connsiteX8" y="connsiteY8"/>
+              </a:cxn>
+              <a:cxn ang="0">
+                <a:pos x="connsiteX9" y="connsiteY9"/>
+              </a:cxn>
+              <a:cxn ang="0">
+                <a:pos x="connsiteX10" y="connsiteY10"/>
+              </a:cxn>
+              <a:cxn ang="0">
+                <a:pos x="connsiteX11" y="connsiteY11"/>
+              </a:cxn>
             </a:cxnLst>
             <a:rect l="l" t="t" r="r" b="b"/>
             <a:pathLst>
-              <a:path w="1143000" h="277367">
+              <a:path w="7622794" h="1420368">
                 <a:moveTo>
-                  <a:pt x="0" y="0"/>
+                  <a:pt x="0" y="1"/>
                 </a:moveTo>
                 <a:lnTo>
-                  <a:pt x="789940" y="0"/>
+                  <a:pt x="699448" y="1"/>
                 </a:lnTo>
                 <a:lnTo>
-                  <a:pt x="1143000" y="277367"/>
+                  <a:pt x="1012064" y="277368"/>
                 </a:lnTo>
                 <a:lnTo>
-                  <a:pt x="0" y="277367"/>
+                  <a:pt x="7620508" y="277368"/>
                 </a:lnTo>
                 <a:lnTo>
-                  <a:pt x="0" y="0"/>
+                  <a:pt x="7620508" y="1420368"/>
+                </a:lnTo>
+                <a:lnTo>
+                  <a:pt x="508" y="1420368"/>
+                </a:lnTo>
+                <a:lnTo>
+                  <a:pt x="508" y="277368"/>
+                </a:lnTo>
+                <a:lnTo>
+                  <a:pt x="0" y="277368"/>
+                </a:lnTo>
+                <a:close/>
+                <a:moveTo>
+                  <a:pt x="6923346" y="0"/>
+                </a:moveTo>
+                <a:lnTo>
+                  <a:pt x="7622794" y="0"/>
+                </a:lnTo>
+                <a:lnTo>
+                  <a:pt x="7622794" y="277367"/>
+                </a:lnTo>
+                <a:lnTo>
+                  <a:pt x="6610731" y="277367"/>
                 </a:lnTo>
                 <a:close/>
               </a:path>
@@ -5715,137 +4277,9 @@
           </a:fontRef>
         </p:style>
         <p:txBody>
-          <a:bodyPr rtlCol="0" anchor="ctr"/>
-          <a:lstStyle/>
-          <a:p>
-            <a:pPr algn="ctr"/>
-            <a:endParaRPr lang="zh-CN" altLang="en-US"/>
-          </a:p>
-        </p:txBody>
-      </p:sp>
-      <p:sp>
-        <p:nvSpPr>
-          <p:cNvPr id="4" name="矩形 2">
-            <a:extLst>
-              <a:ext uri="{FF2B5EF4-FFF2-40B4-BE49-F238E27FC236}">
-                <a16:creationId xmlns:a16="http://schemas.microsoft.com/office/drawing/2014/main" id="{42729D98-0AF3-EC08-2F04-17E1F7CF94C5}"/>
-              </a:ext>
-            </a:extLst>
-          </p:cNvPr>
-          <p:cNvSpPr/>
-          <p:nvPr/>
-        </p:nvSpPr>
-        <p:spPr>
-          <a:xfrm flipH="1">
-            <a:off x="8753348" y="5442711"/>
-            <a:ext cx="1012063" cy="277367"/>
-          </a:xfrm>
-          <a:custGeom>
-            <a:avLst/>
-            <a:gdLst>
-              <a:gd name="connsiteX0" fmla="*/ 0 w 1143000"/>
-              <a:gd name="connsiteY0" fmla="*/ 0 h 277367"/>
-              <a:gd name="connsiteX1" fmla="*/ 1143000 w 1143000"/>
-              <a:gd name="connsiteY1" fmla="*/ 0 h 277367"/>
-              <a:gd name="connsiteX2" fmla="*/ 1143000 w 1143000"/>
-              <a:gd name="connsiteY2" fmla="*/ 277367 h 277367"/>
-              <a:gd name="connsiteX3" fmla="*/ 0 w 1143000"/>
-              <a:gd name="connsiteY3" fmla="*/ 277367 h 277367"/>
-              <a:gd name="connsiteX4" fmla="*/ 0 w 1143000"/>
-              <a:gd name="connsiteY4" fmla="*/ 0 h 277367"/>
-              <a:gd name="connsiteX0" fmla="*/ 0 w 1143000"/>
-              <a:gd name="connsiteY0" fmla="*/ 0 h 277367"/>
-              <a:gd name="connsiteX1" fmla="*/ 789940 w 1143000"/>
-              <a:gd name="connsiteY1" fmla="*/ 0 h 277367"/>
-              <a:gd name="connsiteX2" fmla="*/ 1143000 w 1143000"/>
-              <a:gd name="connsiteY2" fmla="*/ 277367 h 277367"/>
-              <a:gd name="connsiteX3" fmla="*/ 0 w 1143000"/>
-              <a:gd name="connsiteY3" fmla="*/ 277367 h 277367"/>
-              <a:gd name="connsiteX4" fmla="*/ 0 w 1143000"/>
-              <a:gd name="connsiteY4" fmla="*/ 0 h 277367"/>
-            </a:gdLst>
-            <a:ahLst/>
-            <a:cxnLst>
-              <a:cxn ang="0">
-                <a:pos x="connsiteX0" y="connsiteY0"/>
-              </a:cxn>
-              <a:cxn ang="0">
-                <a:pos x="connsiteX1" y="connsiteY1"/>
-              </a:cxn>
-              <a:cxn ang="0">
-                <a:pos x="connsiteX2" y="connsiteY2"/>
-              </a:cxn>
-              <a:cxn ang="0">
-                <a:pos x="connsiteX3" y="connsiteY3"/>
-              </a:cxn>
-              <a:cxn ang="0">
-                <a:pos x="connsiteX4" y="connsiteY4"/>
-              </a:cxn>
-            </a:cxnLst>
-            <a:rect l="l" t="t" r="r" b="b"/>
-            <a:pathLst>
-              <a:path w="1143000" h="277367">
-                <a:moveTo>
-                  <a:pt x="0" y="0"/>
-                </a:moveTo>
-                <a:lnTo>
-                  <a:pt x="789940" y="0"/>
-                </a:lnTo>
-                <a:lnTo>
-                  <a:pt x="1143000" y="277367"/>
-                </a:lnTo>
-                <a:lnTo>
-                  <a:pt x="0" y="277367"/>
-                </a:lnTo>
-                <a:lnTo>
-                  <a:pt x="0" y="0"/>
-                </a:lnTo>
-                <a:close/>
-              </a:path>
-            </a:pathLst>
-          </a:custGeom>
-          <a:gradFill>
-            <a:gsLst>
-              <a:gs pos="0">
-                <a:srgbClr val="345A50"/>
-              </a:gs>
-              <a:gs pos="25000">
-                <a:srgbClr val="223A34"/>
-              </a:gs>
-              <a:gs pos="50000">
-                <a:srgbClr val="111D1A"/>
-              </a:gs>
-              <a:gs pos="75000">
-                <a:srgbClr val="223A34"/>
-              </a:gs>
-              <a:gs pos="100000">
-                <a:srgbClr val="345A50"/>
-              </a:gs>
-            </a:gsLst>
-            <a:lin ang="5400000" scaled="1"/>
-          </a:gradFill>
-          <a:ln>
-            <a:noFill/>
-          </a:ln>
-        </p:spPr>
-        <p:style>
-          <a:lnRef idx="2">
-            <a:schemeClr val="accent1">
-              <a:shade val="15000"/>
-            </a:schemeClr>
-          </a:lnRef>
-          <a:fillRef idx="1">
-            <a:schemeClr val="accent1"/>
-          </a:fillRef>
-          <a:effectRef idx="0">
-            <a:schemeClr val="accent1"/>
-          </a:effectRef>
-          <a:fontRef idx="minor">
-            <a:schemeClr val="lt1"/>
-          </a:fontRef>
-        </p:style>
-        <p:txBody>
-          <a:bodyPr rtlCol="0" anchor="ctr"/>
+          <a:bodyPr wrap="square" rtlCol="0" anchor="ctr">
+            <a:noAutofit/>
+          </a:bodyPr>
           <a:lstStyle/>
           <a:p>
             <a:pPr algn="ctr"/>
@@ -11346,7 +9780,304 @@
     </p:spTree>
     <p:extLst>
       <p:ext uri="{BB962C8B-B14F-4D97-AF65-F5344CB8AC3E}">
-        <p14:creationId xmlns:p14="http://schemas.microsoft.com/office/powerpoint/2010/main" val="2556609012"/>
+        <p14:creationId xmlns:p14="http://schemas.microsoft.com/office/powerpoint/2010/main" val="3078913086"/>
+      </p:ext>
+    </p:extLst>
+  </p:cSld>
+  <p:clrMapOvr>
+    <a:masterClrMapping/>
+  </p:clrMapOvr>
+</p:sld>
+</file>
+
+<file path=ppt/slides/slide5.xml><?xml version="1.0" encoding="utf-8"?>
+<p:sld xmlns:a="http://schemas.openxmlformats.org/drawingml/2006/main" xmlns:r="http://schemas.openxmlformats.org/officeDocument/2006/relationships" xmlns:p="http://schemas.openxmlformats.org/presentationml/2006/main">
+  <p:cSld>
+    <p:spTree>
+      <p:nvGrpSpPr>
+        <p:cNvPr id="1" name=""/>
+        <p:cNvGrpSpPr/>
+        <p:nvPr/>
+      </p:nvGrpSpPr>
+      <p:grpSpPr>
+        <a:xfrm>
+          <a:off x="0" y="0"/>
+          <a:ext cx="0" cy="0"/>
+          <a:chOff x="0" y="0"/>
+          <a:chExt cx="0" cy="0"/>
+        </a:xfrm>
+      </p:grpSpPr>
+      <p:sp>
+        <p:nvSpPr>
+          <p:cNvPr id="2" name="矩形 1">
+            <a:extLst>
+              <a:ext uri="{FF2B5EF4-FFF2-40B4-BE49-F238E27FC236}">
+                <a16:creationId xmlns:a16="http://schemas.microsoft.com/office/drawing/2014/main" id="{A14ACB5A-F498-1C4B-E3E7-E5316E7ECF40}"/>
+              </a:ext>
+            </a:extLst>
+          </p:cNvPr>
+          <p:cNvSpPr/>
+          <p:nvPr/>
+        </p:nvSpPr>
+        <p:spPr>
+          <a:xfrm>
+            <a:off x="1337034" y="1132552"/>
+            <a:ext cx="2286000" cy="762000"/>
+          </a:xfrm>
+          <a:prstGeom prst="rect">
+            <a:avLst/>
+          </a:prstGeom>
+          <a:blipFill dpi="0" rotWithShape="1">
+            <a:blip r:embed="rId2"/>
+            <a:srcRect/>
+            <a:stretch>
+              <a:fillRect/>
+            </a:stretch>
+          </a:blipFill>
+          <a:ln w="38100">
+            <a:solidFill>
+              <a:schemeClr val="accent5">
+                <a:lumMod val="60000"/>
+                <a:lumOff val="40000"/>
+              </a:schemeClr>
+            </a:solidFill>
+          </a:ln>
+          <a:effectLst>
+            <a:softEdge rad="635000"/>
+          </a:effectLst>
+          <a:scene3d>
+            <a:camera prst="orthographicFront"/>
+            <a:lightRig rig="threePt" dir="t"/>
+          </a:scene3d>
+          <a:sp3d>
+            <a:bevelT w="127000" prst="angle"/>
+            <a:bevelB w="0" h="0"/>
+          </a:sp3d>
+        </p:spPr>
+        <p:style>
+          <a:lnRef idx="0">
+            <a:scrgbClr r="0" g="0" b="0"/>
+          </a:lnRef>
+          <a:fillRef idx="0">
+            <a:scrgbClr r="0" g="0" b="0"/>
+          </a:fillRef>
+          <a:effectRef idx="0">
+            <a:scrgbClr r="0" g="0" b="0"/>
+          </a:effectRef>
+          <a:fontRef idx="minor">
+            <a:schemeClr val="lt1"/>
+          </a:fontRef>
+        </p:style>
+        <p:txBody>
+          <a:bodyPr rtlCol="0" anchor="ctr"/>
+          <a:lstStyle/>
+          <a:p>
+            <a:pPr algn="ctr"/>
+            <a:r>
+              <a:rPr lang="zh-CN" altLang="en-US" sz="2400" b="1" dirty="0">
+                <a:solidFill>
+                  <a:schemeClr val="accent1">
+                    <a:lumMod val="20000"/>
+                    <a:lumOff val="80000"/>
+                  </a:schemeClr>
+                </a:solidFill>
+                <a:effectLst>
+                  <a:outerShdw blurRad="38100" dist="38100" dir="2700000" algn="tl">
+                    <a:srgbClr val="000000">
+                      <a:alpha val="43137"/>
+                    </a:srgbClr>
+                  </a:outerShdw>
+                </a:effectLst>
+                <a:latin typeface="钉钉进步体" panose="00020600040101010101" pitchFamily="18" charset="-122"/>
+                <a:ea typeface="钉钉进步体" panose="00020600040101010101" pitchFamily="18" charset="-122"/>
+              </a:rPr>
+              <a:t>创建房间</a:t>
+            </a:r>
+          </a:p>
+        </p:txBody>
+      </p:sp>
+      <p:sp>
+        <p:nvSpPr>
+          <p:cNvPr id="11" name="矩形 10">
+            <a:extLst>
+              <a:ext uri="{FF2B5EF4-FFF2-40B4-BE49-F238E27FC236}">
+                <a16:creationId xmlns:a16="http://schemas.microsoft.com/office/drawing/2014/main" id="{A7AA55A9-8B50-14C4-C7AA-90EE32EDFF4C}"/>
+              </a:ext>
+            </a:extLst>
+          </p:cNvPr>
+          <p:cNvSpPr/>
+          <p:nvPr/>
+        </p:nvSpPr>
+        <p:spPr>
+          <a:xfrm>
+            <a:off x="8494578" y="1132552"/>
+            <a:ext cx="2286000" cy="762000"/>
+          </a:xfrm>
+          <a:prstGeom prst="rect">
+            <a:avLst/>
+          </a:prstGeom>
+          <a:blipFill dpi="0" rotWithShape="1">
+            <a:blip r:embed="rId2"/>
+            <a:srcRect/>
+            <a:stretch>
+              <a:fillRect/>
+            </a:stretch>
+          </a:blipFill>
+          <a:ln w="38100">
+            <a:solidFill>
+              <a:schemeClr val="accent5">
+                <a:lumMod val="60000"/>
+                <a:lumOff val="40000"/>
+              </a:schemeClr>
+            </a:solidFill>
+          </a:ln>
+          <a:effectLst>
+            <a:softEdge rad="635000"/>
+          </a:effectLst>
+          <a:scene3d>
+            <a:camera prst="orthographicFront"/>
+            <a:lightRig rig="threePt" dir="t"/>
+          </a:scene3d>
+          <a:sp3d>
+            <a:bevelT w="127000" prst="angle"/>
+            <a:bevelB w="0" h="0"/>
+          </a:sp3d>
+        </p:spPr>
+        <p:style>
+          <a:lnRef idx="0">
+            <a:scrgbClr r="0" g="0" b="0"/>
+          </a:lnRef>
+          <a:fillRef idx="0">
+            <a:scrgbClr r="0" g="0" b="0"/>
+          </a:fillRef>
+          <a:effectRef idx="0">
+            <a:scrgbClr r="0" g="0" b="0"/>
+          </a:effectRef>
+          <a:fontRef idx="minor">
+            <a:schemeClr val="lt1"/>
+          </a:fontRef>
+        </p:style>
+        <p:txBody>
+          <a:bodyPr rtlCol="0" anchor="ctr"/>
+          <a:lstStyle/>
+          <a:p>
+            <a:pPr algn="ctr"/>
+            <a:r>
+              <a:rPr lang="zh-CN" altLang="en-US" sz="2400" b="1" dirty="0">
+                <a:solidFill>
+                  <a:schemeClr val="accent1">
+                    <a:lumMod val="20000"/>
+                    <a:lumOff val="80000"/>
+                  </a:schemeClr>
+                </a:solidFill>
+                <a:effectLst>
+                  <a:outerShdw blurRad="38100" dist="38100" dir="2700000" algn="tl">
+                    <a:srgbClr val="000000">
+                      <a:alpha val="43137"/>
+                    </a:srgbClr>
+                  </a:outerShdw>
+                </a:effectLst>
+                <a:latin typeface="钉钉进步体" panose="00020600040101010101" pitchFamily="18" charset="-122"/>
+                <a:ea typeface="钉钉进步体" panose="00020600040101010101" pitchFamily="18" charset="-122"/>
+              </a:rPr>
+              <a:t>返回菜单</a:t>
+            </a:r>
+          </a:p>
+        </p:txBody>
+      </p:sp>
+      <p:sp>
+        <p:nvSpPr>
+          <p:cNvPr id="12" name="矩形 11">
+            <a:extLst>
+              <a:ext uri="{FF2B5EF4-FFF2-40B4-BE49-F238E27FC236}">
+                <a16:creationId xmlns:a16="http://schemas.microsoft.com/office/drawing/2014/main" id="{E679D609-BD03-FA9C-BAAB-1C8031873386}"/>
+              </a:ext>
+            </a:extLst>
+          </p:cNvPr>
+          <p:cNvSpPr/>
+          <p:nvPr/>
+        </p:nvSpPr>
+        <p:spPr>
+          <a:xfrm>
+            <a:off x="4953000" y="1132552"/>
+            <a:ext cx="2286000" cy="762000"/>
+          </a:xfrm>
+          <a:prstGeom prst="rect">
+            <a:avLst/>
+          </a:prstGeom>
+          <a:blipFill dpi="0" rotWithShape="1">
+            <a:blip r:embed="rId2"/>
+            <a:srcRect/>
+            <a:stretch>
+              <a:fillRect/>
+            </a:stretch>
+          </a:blipFill>
+          <a:ln w="38100">
+            <a:solidFill>
+              <a:schemeClr val="accent5">
+                <a:lumMod val="60000"/>
+                <a:lumOff val="40000"/>
+              </a:schemeClr>
+            </a:solidFill>
+          </a:ln>
+          <a:effectLst>
+            <a:softEdge rad="635000"/>
+          </a:effectLst>
+          <a:scene3d>
+            <a:camera prst="orthographicFront"/>
+            <a:lightRig rig="threePt" dir="t"/>
+          </a:scene3d>
+          <a:sp3d>
+            <a:bevelT w="127000" prst="angle"/>
+            <a:bevelB w="0" h="0"/>
+          </a:sp3d>
+        </p:spPr>
+        <p:style>
+          <a:lnRef idx="0">
+            <a:scrgbClr r="0" g="0" b="0"/>
+          </a:lnRef>
+          <a:fillRef idx="0">
+            <a:scrgbClr r="0" g="0" b="0"/>
+          </a:fillRef>
+          <a:effectRef idx="0">
+            <a:scrgbClr r="0" g="0" b="0"/>
+          </a:effectRef>
+          <a:fontRef idx="minor">
+            <a:schemeClr val="lt1"/>
+          </a:fontRef>
+        </p:style>
+        <p:txBody>
+          <a:bodyPr rtlCol="0" anchor="ctr"/>
+          <a:lstStyle/>
+          <a:p>
+            <a:pPr algn="ctr"/>
+            <a:r>
+              <a:rPr lang="zh-CN" altLang="en-US" sz="2400" b="1" dirty="0">
+                <a:solidFill>
+                  <a:schemeClr val="accent1">
+                    <a:lumMod val="20000"/>
+                    <a:lumOff val="80000"/>
+                  </a:schemeClr>
+                </a:solidFill>
+                <a:effectLst>
+                  <a:outerShdw blurRad="38100" dist="38100" dir="2700000" algn="tl">
+                    <a:srgbClr val="000000">
+                      <a:alpha val="43137"/>
+                    </a:srgbClr>
+                  </a:outerShdw>
+                </a:effectLst>
+                <a:latin typeface="钉钉进步体" panose="00020600040101010101" pitchFamily="18" charset="-122"/>
+                <a:ea typeface="钉钉进步体" panose="00020600040101010101" pitchFamily="18" charset="-122"/>
+              </a:rPr>
+              <a:t>加入房间</a:t>
+            </a:r>
+          </a:p>
+        </p:txBody>
+      </p:sp>
+    </p:spTree>
+    <p:extLst>
+      <p:ext uri="{BB962C8B-B14F-4D97-AF65-F5344CB8AC3E}">
+        <p14:creationId xmlns:p14="http://schemas.microsoft.com/office/powerpoint/2010/main" val="2051130291"/>
       </p:ext>
     </p:extLst>
   </p:cSld>

--- a/Resources/Canvas.pptx
+++ b/Resources/Canvas.pptx
@@ -9,7 +9,8 @@
     <p:sldId id="264" r:id="rId3"/>
     <p:sldId id="265" r:id="rId4"/>
     <p:sldId id="270" r:id="rId5"/>
-    <p:sldId id="268" r:id="rId6"/>
+    <p:sldId id="272" r:id="rId6"/>
+    <p:sldId id="268" r:id="rId7"/>
   </p:sldIdLst>
   <p:sldSz cx="12192000" cy="6858000"/>
   <p:notesSz cx="6858000" cy="9144000"/>
@@ -9777,6 +9778,175 @@
           </a:p>
         </p:txBody>
       </p:sp>
+      <p:sp>
+        <p:nvSpPr>
+          <p:cNvPr id="4" name="文本框 3">
+            <a:extLst>
+              <a:ext uri="{FF2B5EF4-FFF2-40B4-BE49-F238E27FC236}">
+                <a16:creationId xmlns:a16="http://schemas.microsoft.com/office/drawing/2014/main" id="{42B1131B-7258-0414-5C0B-EFFBCAE6E005}"/>
+              </a:ext>
+            </a:extLst>
+          </p:cNvPr>
+          <p:cNvSpPr txBox="1"/>
+          <p:nvPr/>
+        </p:nvSpPr>
+        <p:spPr>
+          <a:xfrm>
+            <a:off x="97724" y="256229"/>
+            <a:ext cx="824296" cy="338554"/>
+          </a:xfrm>
+          <a:prstGeom prst="rect">
+            <a:avLst/>
+          </a:prstGeom>
+          <a:noFill/>
+        </p:spPr>
+        <p:txBody>
+          <a:bodyPr wrap="square" rtlCol="0">
+            <a:spAutoFit/>
+          </a:bodyPr>
+          <a:lstStyle/>
+          <a:p>
+            <a:r>
+              <a:rPr lang="zh-CN" altLang="en-US" sz="1600" dirty="0">
+                <a:latin typeface="钉钉进步体" panose="00020600040101010101" pitchFamily="18" charset="-122"/>
+                <a:ea typeface="钉钉进步体" panose="00020600040101010101" pitchFamily="18" charset="-122"/>
+              </a:rPr>
+              <a:t>倒计时</a:t>
+            </a:r>
+          </a:p>
+        </p:txBody>
+      </p:sp>
+      <p:sp>
+        <p:nvSpPr>
+          <p:cNvPr id="5" name="矩形: 圆角 4">
+            <a:extLst>
+              <a:ext uri="{FF2B5EF4-FFF2-40B4-BE49-F238E27FC236}">
+                <a16:creationId xmlns:a16="http://schemas.microsoft.com/office/drawing/2014/main" id="{E9162AE0-6388-5DC8-C561-73C0C1021D0C}"/>
+              </a:ext>
+            </a:extLst>
+          </p:cNvPr>
+          <p:cNvSpPr/>
+          <p:nvPr/>
+        </p:nvSpPr>
+        <p:spPr>
+          <a:xfrm>
+            <a:off x="907526" y="306973"/>
+            <a:ext cx="2241693" cy="237066"/>
+          </a:xfrm>
+          <a:prstGeom prst="roundRect">
+            <a:avLst>
+              <a:gd name="adj" fmla="val 26712"/>
+            </a:avLst>
+          </a:prstGeom>
+          <a:solidFill>
+            <a:schemeClr val="tx2">
+              <a:lumMod val="75000"/>
+            </a:schemeClr>
+          </a:solidFill>
+          <a:ln>
+            <a:noFill/>
+          </a:ln>
+          <a:effectLst>
+            <a:innerShdw blurRad="114300">
+              <a:prstClr val="black"/>
+            </a:innerShdw>
+          </a:effectLst>
+        </p:spPr>
+        <p:style>
+          <a:lnRef idx="2">
+            <a:schemeClr val="accent1">
+              <a:shade val="15000"/>
+            </a:schemeClr>
+          </a:lnRef>
+          <a:fillRef idx="1">
+            <a:schemeClr val="accent1"/>
+          </a:fillRef>
+          <a:effectRef idx="0">
+            <a:schemeClr val="accent1"/>
+          </a:effectRef>
+          <a:fontRef idx="minor">
+            <a:schemeClr val="lt1"/>
+          </a:fontRef>
+        </p:style>
+        <p:txBody>
+          <a:bodyPr rtlCol="0" anchor="ctr"/>
+          <a:lstStyle/>
+          <a:p>
+            <a:pPr algn="ctr"/>
+            <a:endParaRPr lang="zh-CN" altLang="en-US"/>
+          </a:p>
+        </p:txBody>
+      </p:sp>
+      <p:sp>
+        <p:nvSpPr>
+          <p:cNvPr id="9" name="矩形: 圆角 8">
+            <a:extLst>
+              <a:ext uri="{FF2B5EF4-FFF2-40B4-BE49-F238E27FC236}">
+                <a16:creationId xmlns:a16="http://schemas.microsoft.com/office/drawing/2014/main" id="{901244DE-4FDC-BB2D-532C-FB3D0FF6A150}"/>
+              </a:ext>
+            </a:extLst>
+          </p:cNvPr>
+          <p:cNvSpPr/>
+          <p:nvPr/>
+        </p:nvSpPr>
+        <p:spPr>
+          <a:xfrm>
+            <a:off x="907525" y="-327462"/>
+            <a:ext cx="2241693" cy="237066"/>
+          </a:xfrm>
+          <a:prstGeom prst="roundRect">
+            <a:avLst/>
+          </a:prstGeom>
+          <a:gradFill flip="none" rotWithShape="1">
+            <a:gsLst>
+              <a:gs pos="0">
+                <a:schemeClr val="accent5">
+                  <a:lumMod val="67000"/>
+                </a:schemeClr>
+              </a:gs>
+              <a:gs pos="48000">
+                <a:schemeClr val="accent5">
+                  <a:lumMod val="97000"/>
+                  <a:lumOff val="3000"/>
+                </a:schemeClr>
+              </a:gs>
+              <a:gs pos="100000">
+                <a:schemeClr val="accent5">
+                  <a:lumMod val="60000"/>
+                  <a:lumOff val="40000"/>
+                </a:schemeClr>
+              </a:gs>
+            </a:gsLst>
+            <a:lin ang="10800000" scaled="0"/>
+            <a:tileRect/>
+          </a:gradFill>
+          <a:ln>
+            <a:noFill/>
+          </a:ln>
+        </p:spPr>
+        <p:style>
+          <a:lnRef idx="0">
+            <a:scrgbClr r="0" g="0" b="0"/>
+          </a:lnRef>
+          <a:fillRef idx="0">
+            <a:scrgbClr r="0" g="0" b="0"/>
+          </a:fillRef>
+          <a:effectRef idx="0">
+            <a:scrgbClr r="0" g="0" b="0"/>
+          </a:effectRef>
+          <a:fontRef idx="minor">
+            <a:schemeClr val="lt1"/>
+          </a:fontRef>
+        </p:style>
+        <p:txBody>
+          <a:bodyPr rtlCol="0" anchor="ctr"/>
+          <a:lstStyle/>
+          <a:p>
+            <a:pPr algn="ctr"/>
+            <a:endParaRPr lang="zh-CN" altLang="en-US"/>
+          </a:p>
+        </p:txBody>
+      </p:sp>
     </p:spTree>
     <p:extLst>
       <p:ext uri="{BB962C8B-B14F-4D97-AF65-F5344CB8AC3E}">
@@ -9791,6 +9961,4938 @@
 </file>
 
 <file path=ppt/slides/slide5.xml><?xml version="1.0" encoding="utf-8"?>
+<p:sld xmlns:a="http://schemas.openxmlformats.org/drawingml/2006/main" xmlns:r="http://schemas.openxmlformats.org/officeDocument/2006/relationships" xmlns:p="http://schemas.openxmlformats.org/presentationml/2006/main">
+  <p:cSld>
+    <p:spTree>
+      <p:nvGrpSpPr>
+        <p:cNvPr id="1" name=""/>
+        <p:cNvGrpSpPr/>
+        <p:nvPr/>
+      </p:nvGrpSpPr>
+      <p:grpSpPr>
+        <a:xfrm>
+          <a:off x="0" y="0"/>
+          <a:ext cx="0" cy="0"/>
+          <a:chOff x="0" y="0"/>
+          <a:chExt cx="0" cy="0"/>
+        </a:xfrm>
+      </p:grpSpPr>
+      <p:sp>
+        <p:nvSpPr>
+          <p:cNvPr id="143" name="矩形 142">
+            <a:extLst>
+              <a:ext uri="{FF2B5EF4-FFF2-40B4-BE49-F238E27FC236}">
+                <a16:creationId xmlns:a16="http://schemas.microsoft.com/office/drawing/2014/main" id="{AD4E5EE7-C859-3774-FB37-81A0B86809B9}"/>
+              </a:ext>
+            </a:extLst>
+          </p:cNvPr>
+          <p:cNvSpPr/>
+          <p:nvPr/>
+        </p:nvSpPr>
+        <p:spPr>
+          <a:xfrm>
+            <a:off x="3667125" y="4715562"/>
+            <a:ext cx="571500" cy="571500"/>
+          </a:xfrm>
+          <a:prstGeom prst="rect">
+            <a:avLst/>
+          </a:prstGeom>
+          <a:solidFill>
+            <a:schemeClr val="accent6">
+              <a:lumMod val="60000"/>
+              <a:lumOff val="40000"/>
+            </a:schemeClr>
+          </a:solidFill>
+          <a:ln>
+            <a:noFill/>
+          </a:ln>
+        </p:spPr>
+        <p:style>
+          <a:lnRef idx="2">
+            <a:schemeClr val="accent1">
+              <a:shade val="15000"/>
+            </a:schemeClr>
+          </a:lnRef>
+          <a:fillRef idx="1">
+            <a:schemeClr val="accent1"/>
+          </a:fillRef>
+          <a:effectRef idx="0">
+            <a:schemeClr val="accent1"/>
+          </a:effectRef>
+          <a:fontRef idx="minor">
+            <a:schemeClr val="lt1"/>
+          </a:fontRef>
+        </p:style>
+        <p:txBody>
+          <a:bodyPr rtlCol="0" anchor="ctr"/>
+          <a:lstStyle/>
+          <a:p>
+            <a:pPr algn="ctr"/>
+            <a:endParaRPr lang="zh-CN" altLang="en-US" sz="800" dirty="0"/>
+          </a:p>
+        </p:txBody>
+      </p:sp>
+      <p:sp>
+        <p:nvSpPr>
+          <p:cNvPr id="145" name="矩形 144">
+            <a:extLst>
+              <a:ext uri="{FF2B5EF4-FFF2-40B4-BE49-F238E27FC236}">
+                <a16:creationId xmlns:a16="http://schemas.microsoft.com/office/drawing/2014/main" id="{8E2025A3-921B-DE6D-6858-0CAAC4DD601C}"/>
+              </a:ext>
+            </a:extLst>
+          </p:cNvPr>
+          <p:cNvSpPr/>
+          <p:nvPr/>
+        </p:nvSpPr>
+        <p:spPr>
+          <a:xfrm>
+            <a:off x="4238625" y="4715562"/>
+            <a:ext cx="571500" cy="571500"/>
+          </a:xfrm>
+          <a:prstGeom prst="rect">
+            <a:avLst/>
+          </a:prstGeom>
+          <a:solidFill>
+            <a:schemeClr val="accent6">
+              <a:lumMod val="40000"/>
+              <a:lumOff val="60000"/>
+            </a:schemeClr>
+          </a:solidFill>
+          <a:ln>
+            <a:noFill/>
+          </a:ln>
+        </p:spPr>
+        <p:style>
+          <a:lnRef idx="2">
+            <a:schemeClr val="accent1">
+              <a:shade val="15000"/>
+            </a:schemeClr>
+          </a:lnRef>
+          <a:fillRef idx="1">
+            <a:schemeClr val="accent1"/>
+          </a:fillRef>
+          <a:effectRef idx="0">
+            <a:schemeClr val="accent1"/>
+          </a:effectRef>
+          <a:fontRef idx="minor">
+            <a:schemeClr val="lt1"/>
+          </a:fontRef>
+        </p:style>
+        <p:txBody>
+          <a:bodyPr rtlCol="0" anchor="ctr"/>
+          <a:lstStyle/>
+          <a:p>
+            <a:pPr algn="ctr"/>
+            <a:endParaRPr lang="zh-CN" altLang="en-US"/>
+          </a:p>
+        </p:txBody>
+      </p:sp>
+      <p:sp>
+        <p:nvSpPr>
+          <p:cNvPr id="146" name="矩形 145">
+            <a:extLst>
+              <a:ext uri="{FF2B5EF4-FFF2-40B4-BE49-F238E27FC236}">
+                <a16:creationId xmlns:a16="http://schemas.microsoft.com/office/drawing/2014/main" id="{A8C1813C-CDC3-C17A-3DC8-E31C2493BCE4}"/>
+              </a:ext>
+            </a:extLst>
+          </p:cNvPr>
+          <p:cNvSpPr/>
+          <p:nvPr/>
+        </p:nvSpPr>
+        <p:spPr>
+          <a:xfrm>
+            <a:off x="4810125" y="4715562"/>
+            <a:ext cx="571500" cy="571500"/>
+          </a:xfrm>
+          <a:prstGeom prst="rect">
+            <a:avLst/>
+          </a:prstGeom>
+          <a:solidFill>
+            <a:schemeClr val="accent6">
+              <a:lumMod val="60000"/>
+              <a:lumOff val="40000"/>
+            </a:schemeClr>
+          </a:solidFill>
+          <a:ln>
+            <a:noFill/>
+          </a:ln>
+        </p:spPr>
+        <p:style>
+          <a:lnRef idx="2">
+            <a:schemeClr val="accent1">
+              <a:shade val="15000"/>
+            </a:schemeClr>
+          </a:lnRef>
+          <a:fillRef idx="1">
+            <a:schemeClr val="accent1"/>
+          </a:fillRef>
+          <a:effectRef idx="0">
+            <a:schemeClr val="accent1"/>
+          </a:effectRef>
+          <a:fontRef idx="minor">
+            <a:schemeClr val="lt1"/>
+          </a:fontRef>
+        </p:style>
+        <p:txBody>
+          <a:bodyPr rtlCol="0" anchor="ctr"/>
+          <a:lstStyle/>
+          <a:p>
+            <a:pPr algn="ctr"/>
+            <a:endParaRPr lang="zh-CN" altLang="en-US"/>
+          </a:p>
+        </p:txBody>
+      </p:sp>
+      <p:sp>
+        <p:nvSpPr>
+          <p:cNvPr id="147" name="矩形 146">
+            <a:extLst>
+              <a:ext uri="{FF2B5EF4-FFF2-40B4-BE49-F238E27FC236}">
+                <a16:creationId xmlns:a16="http://schemas.microsoft.com/office/drawing/2014/main" id="{5E72F96D-56F6-DD0B-7BBD-92253D315169}"/>
+              </a:ext>
+            </a:extLst>
+          </p:cNvPr>
+          <p:cNvSpPr/>
+          <p:nvPr/>
+        </p:nvSpPr>
+        <p:spPr>
+          <a:xfrm>
+            <a:off x="5381625" y="4715562"/>
+            <a:ext cx="571500" cy="571500"/>
+          </a:xfrm>
+          <a:prstGeom prst="rect">
+            <a:avLst/>
+          </a:prstGeom>
+          <a:solidFill>
+            <a:schemeClr val="accent6">
+              <a:lumMod val="40000"/>
+              <a:lumOff val="60000"/>
+            </a:schemeClr>
+          </a:solidFill>
+          <a:ln>
+            <a:noFill/>
+          </a:ln>
+        </p:spPr>
+        <p:style>
+          <a:lnRef idx="2">
+            <a:schemeClr val="accent1">
+              <a:shade val="15000"/>
+            </a:schemeClr>
+          </a:lnRef>
+          <a:fillRef idx="1">
+            <a:schemeClr val="accent1"/>
+          </a:fillRef>
+          <a:effectRef idx="0">
+            <a:schemeClr val="accent1"/>
+          </a:effectRef>
+          <a:fontRef idx="minor">
+            <a:schemeClr val="lt1"/>
+          </a:fontRef>
+        </p:style>
+        <p:txBody>
+          <a:bodyPr rtlCol="0" anchor="ctr"/>
+          <a:lstStyle/>
+          <a:p>
+            <a:pPr algn="ctr"/>
+            <a:endParaRPr lang="zh-CN" altLang="en-US"/>
+          </a:p>
+        </p:txBody>
+      </p:sp>
+      <p:sp>
+        <p:nvSpPr>
+          <p:cNvPr id="148" name="矩形 147">
+            <a:extLst>
+              <a:ext uri="{FF2B5EF4-FFF2-40B4-BE49-F238E27FC236}">
+                <a16:creationId xmlns:a16="http://schemas.microsoft.com/office/drawing/2014/main" id="{679D4382-B958-D769-98A8-4BBF190AB34C}"/>
+              </a:ext>
+            </a:extLst>
+          </p:cNvPr>
+          <p:cNvSpPr/>
+          <p:nvPr/>
+        </p:nvSpPr>
+        <p:spPr>
+          <a:xfrm>
+            <a:off x="5953125" y="4715562"/>
+            <a:ext cx="571500" cy="571500"/>
+          </a:xfrm>
+          <a:prstGeom prst="rect">
+            <a:avLst/>
+          </a:prstGeom>
+          <a:solidFill>
+            <a:schemeClr val="accent6">
+              <a:lumMod val="60000"/>
+              <a:lumOff val="40000"/>
+            </a:schemeClr>
+          </a:solidFill>
+          <a:ln>
+            <a:noFill/>
+          </a:ln>
+        </p:spPr>
+        <p:style>
+          <a:lnRef idx="2">
+            <a:schemeClr val="accent1">
+              <a:shade val="15000"/>
+            </a:schemeClr>
+          </a:lnRef>
+          <a:fillRef idx="1">
+            <a:schemeClr val="accent1"/>
+          </a:fillRef>
+          <a:effectRef idx="0">
+            <a:schemeClr val="accent1"/>
+          </a:effectRef>
+          <a:fontRef idx="minor">
+            <a:schemeClr val="lt1"/>
+          </a:fontRef>
+        </p:style>
+        <p:txBody>
+          <a:bodyPr rtlCol="0" anchor="ctr"/>
+          <a:lstStyle/>
+          <a:p>
+            <a:pPr algn="ctr"/>
+            <a:endParaRPr lang="zh-CN" altLang="en-US"/>
+          </a:p>
+        </p:txBody>
+      </p:sp>
+      <p:sp>
+        <p:nvSpPr>
+          <p:cNvPr id="149" name="矩形 148">
+            <a:extLst>
+              <a:ext uri="{FF2B5EF4-FFF2-40B4-BE49-F238E27FC236}">
+                <a16:creationId xmlns:a16="http://schemas.microsoft.com/office/drawing/2014/main" id="{0C7F4173-1C89-F0AB-EC2C-967DCA31ACB8}"/>
+              </a:ext>
+            </a:extLst>
+          </p:cNvPr>
+          <p:cNvSpPr/>
+          <p:nvPr/>
+        </p:nvSpPr>
+        <p:spPr>
+          <a:xfrm>
+            <a:off x="6524625" y="4715562"/>
+            <a:ext cx="571500" cy="571500"/>
+          </a:xfrm>
+          <a:prstGeom prst="rect">
+            <a:avLst/>
+          </a:prstGeom>
+          <a:solidFill>
+            <a:schemeClr val="accent6">
+              <a:lumMod val="40000"/>
+              <a:lumOff val="60000"/>
+            </a:schemeClr>
+          </a:solidFill>
+          <a:ln>
+            <a:noFill/>
+          </a:ln>
+        </p:spPr>
+        <p:style>
+          <a:lnRef idx="2">
+            <a:schemeClr val="accent1">
+              <a:shade val="15000"/>
+            </a:schemeClr>
+          </a:lnRef>
+          <a:fillRef idx="1">
+            <a:schemeClr val="accent1"/>
+          </a:fillRef>
+          <a:effectRef idx="0">
+            <a:schemeClr val="accent1"/>
+          </a:effectRef>
+          <a:fontRef idx="minor">
+            <a:schemeClr val="lt1"/>
+          </a:fontRef>
+        </p:style>
+        <p:txBody>
+          <a:bodyPr rtlCol="0" anchor="ctr"/>
+          <a:lstStyle/>
+          <a:p>
+            <a:pPr algn="ctr"/>
+            <a:endParaRPr lang="zh-CN" altLang="en-US"/>
+          </a:p>
+        </p:txBody>
+      </p:sp>
+      <p:sp>
+        <p:nvSpPr>
+          <p:cNvPr id="150" name="矩形 149">
+            <a:extLst>
+              <a:ext uri="{FF2B5EF4-FFF2-40B4-BE49-F238E27FC236}">
+                <a16:creationId xmlns:a16="http://schemas.microsoft.com/office/drawing/2014/main" id="{93AC376D-CA8C-AAD6-5F7C-41185595F5A7}"/>
+              </a:ext>
+            </a:extLst>
+          </p:cNvPr>
+          <p:cNvSpPr/>
+          <p:nvPr/>
+        </p:nvSpPr>
+        <p:spPr>
+          <a:xfrm>
+            <a:off x="7096125" y="4715562"/>
+            <a:ext cx="571500" cy="571500"/>
+          </a:xfrm>
+          <a:prstGeom prst="rect">
+            <a:avLst/>
+          </a:prstGeom>
+          <a:solidFill>
+            <a:schemeClr val="accent6">
+              <a:lumMod val="60000"/>
+              <a:lumOff val="40000"/>
+            </a:schemeClr>
+          </a:solidFill>
+          <a:ln>
+            <a:noFill/>
+          </a:ln>
+        </p:spPr>
+        <p:style>
+          <a:lnRef idx="2">
+            <a:schemeClr val="accent1">
+              <a:shade val="15000"/>
+            </a:schemeClr>
+          </a:lnRef>
+          <a:fillRef idx="1">
+            <a:schemeClr val="accent1"/>
+          </a:fillRef>
+          <a:effectRef idx="0">
+            <a:schemeClr val="accent1"/>
+          </a:effectRef>
+          <a:fontRef idx="minor">
+            <a:schemeClr val="lt1"/>
+          </a:fontRef>
+        </p:style>
+        <p:txBody>
+          <a:bodyPr rtlCol="0" anchor="ctr"/>
+          <a:lstStyle/>
+          <a:p>
+            <a:pPr algn="ctr"/>
+            <a:endParaRPr lang="zh-CN" altLang="en-US"/>
+          </a:p>
+        </p:txBody>
+      </p:sp>
+      <p:sp>
+        <p:nvSpPr>
+          <p:cNvPr id="151" name="矩形 150">
+            <a:extLst>
+              <a:ext uri="{FF2B5EF4-FFF2-40B4-BE49-F238E27FC236}">
+                <a16:creationId xmlns:a16="http://schemas.microsoft.com/office/drawing/2014/main" id="{3F8121DE-96C1-268A-0BB3-9FC6998D6C86}"/>
+              </a:ext>
+            </a:extLst>
+          </p:cNvPr>
+          <p:cNvSpPr/>
+          <p:nvPr/>
+        </p:nvSpPr>
+        <p:spPr>
+          <a:xfrm>
+            <a:off x="7667625" y="4715562"/>
+            <a:ext cx="571500" cy="571500"/>
+          </a:xfrm>
+          <a:prstGeom prst="rect">
+            <a:avLst/>
+          </a:prstGeom>
+          <a:solidFill>
+            <a:schemeClr val="accent6">
+              <a:lumMod val="40000"/>
+              <a:lumOff val="60000"/>
+            </a:schemeClr>
+          </a:solidFill>
+          <a:ln>
+            <a:noFill/>
+          </a:ln>
+        </p:spPr>
+        <p:style>
+          <a:lnRef idx="2">
+            <a:schemeClr val="accent1">
+              <a:shade val="15000"/>
+            </a:schemeClr>
+          </a:lnRef>
+          <a:fillRef idx="1">
+            <a:schemeClr val="accent1"/>
+          </a:fillRef>
+          <a:effectRef idx="0">
+            <a:schemeClr val="accent1"/>
+          </a:effectRef>
+          <a:fontRef idx="minor">
+            <a:schemeClr val="lt1"/>
+          </a:fontRef>
+        </p:style>
+        <p:txBody>
+          <a:bodyPr rtlCol="0" anchor="ctr"/>
+          <a:lstStyle/>
+          <a:p>
+            <a:pPr algn="ctr"/>
+            <a:endParaRPr lang="zh-CN" altLang="en-US"/>
+          </a:p>
+        </p:txBody>
+      </p:sp>
+      <p:sp>
+        <p:nvSpPr>
+          <p:cNvPr id="152" name="矩形 151">
+            <a:extLst>
+              <a:ext uri="{FF2B5EF4-FFF2-40B4-BE49-F238E27FC236}">
+                <a16:creationId xmlns:a16="http://schemas.microsoft.com/office/drawing/2014/main" id="{6C6C29C0-6E7D-9EC6-50DF-C0D91E541178}"/>
+              </a:ext>
+            </a:extLst>
+          </p:cNvPr>
+          <p:cNvSpPr/>
+          <p:nvPr/>
+        </p:nvSpPr>
+        <p:spPr>
+          <a:xfrm>
+            <a:off x="8239125" y="4715562"/>
+            <a:ext cx="571500" cy="571500"/>
+          </a:xfrm>
+          <a:prstGeom prst="rect">
+            <a:avLst/>
+          </a:prstGeom>
+          <a:solidFill>
+            <a:schemeClr val="accent6">
+              <a:lumMod val="60000"/>
+              <a:lumOff val="40000"/>
+            </a:schemeClr>
+          </a:solidFill>
+          <a:ln>
+            <a:noFill/>
+          </a:ln>
+        </p:spPr>
+        <p:style>
+          <a:lnRef idx="2">
+            <a:schemeClr val="accent1">
+              <a:shade val="15000"/>
+            </a:schemeClr>
+          </a:lnRef>
+          <a:fillRef idx="1">
+            <a:schemeClr val="accent1"/>
+          </a:fillRef>
+          <a:effectRef idx="0">
+            <a:schemeClr val="accent1"/>
+          </a:effectRef>
+          <a:fontRef idx="minor">
+            <a:schemeClr val="lt1"/>
+          </a:fontRef>
+        </p:style>
+        <p:txBody>
+          <a:bodyPr rtlCol="0" anchor="ctr"/>
+          <a:lstStyle/>
+          <a:p>
+            <a:pPr algn="ctr"/>
+            <a:endParaRPr lang="zh-CN" altLang="en-US"/>
+          </a:p>
+        </p:txBody>
+      </p:sp>
+      <p:sp>
+        <p:nvSpPr>
+          <p:cNvPr id="155" name="矩形 154">
+            <a:extLst>
+              <a:ext uri="{FF2B5EF4-FFF2-40B4-BE49-F238E27FC236}">
+                <a16:creationId xmlns:a16="http://schemas.microsoft.com/office/drawing/2014/main" id="{3BBD36FD-3451-AC66-4848-883AD3A6652A}"/>
+              </a:ext>
+            </a:extLst>
+          </p:cNvPr>
+          <p:cNvSpPr/>
+          <p:nvPr/>
+        </p:nvSpPr>
+        <p:spPr>
+          <a:xfrm>
+            <a:off x="3381375" y="190500"/>
+            <a:ext cx="571500" cy="571500"/>
+          </a:xfrm>
+          <a:prstGeom prst="rect">
+            <a:avLst/>
+          </a:prstGeom>
+          <a:solidFill>
+            <a:schemeClr val="accent6">
+              <a:lumMod val="60000"/>
+              <a:lumOff val="40000"/>
+            </a:schemeClr>
+          </a:solidFill>
+          <a:ln>
+            <a:noFill/>
+          </a:ln>
+        </p:spPr>
+        <p:style>
+          <a:lnRef idx="2">
+            <a:schemeClr val="accent1">
+              <a:shade val="15000"/>
+            </a:schemeClr>
+          </a:lnRef>
+          <a:fillRef idx="1">
+            <a:schemeClr val="accent1"/>
+          </a:fillRef>
+          <a:effectRef idx="0">
+            <a:schemeClr val="accent1"/>
+          </a:effectRef>
+          <a:fontRef idx="minor">
+            <a:schemeClr val="lt1"/>
+          </a:fontRef>
+        </p:style>
+        <p:txBody>
+          <a:bodyPr rtlCol="0" anchor="ctr"/>
+          <a:lstStyle/>
+          <a:p>
+            <a:pPr algn="ctr"/>
+            <a:endParaRPr lang="zh-CN" altLang="en-US"/>
+          </a:p>
+        </p:txBody>
+      </p:sp>
+      <p:sp>
+        <p:nvSpPr>
+          <p:cNvPr id="156" name="矩形 155">
+            <a:extLst>
+              <a:ext uri="{FF2B5EF4-FFF2-40B4-BE49-F238E27FC236}">
+                <a16:creationId xmlns:a16="http://schemas.microsoft.com/office/drawing/2014/main" id="{E4FBDAD9-6B1C-B6E1-12FA-4FA3C13C5C15}"/>
+              </a:ext>
+            </a:extLst>
+          </p:cNvPr>
+          <p:cNvSpPr/>
+          <p:nvPr/>
+        </p:nvSpPr>
+        <p:spPr>
+          <a:xfrm>
+            <a:off x="3952875" y="190500"/>
+            <a:ext cx="571500" cy="571500"/>
+          </a:xfrm>
+          <a:prstGeom prst="rect">
+            <a:avLst/>
+          </a:prstGeom>
+          <a:solidFill>
+            <a:schemeClr val="accent6">
+              <a:lumMod val="40000"/>
+              <a:lumOff val="60000"/>
+            </a:schemeClr>
+          </a:solidFill>
+          <a:ln>
+            <a:noFill/>
+          </a:ln>
+        </p:spPr>
+        <p:style>
+          <a:lnRef idx="2">
+            <a:schemeClr val="accent1">
+              <a:shade val="15000"/>
+            </a:schemeClr>
+          </a:lnRef>
+          <a:fillRef idx="1">
+            <a:schemeClr val="accent1"/>
+          </a:fillRef>
+          <a:effectRef idx="0">
+            <a:schemeClr val="accent1"/>
+          </a:effectRef>
+          <a:fontRef idx="minor">
+            <a:schemeClr val="lt1"/>
+          </a:fontRef>
+        </p:style>
+        <p:txBody>
+          <a:bodyPr rtlCol="0" anchor="ctr"/>
+          <a:lstStyle/>
+          <a:p>
+            <a:pPr algn="ctr"/>
+            <a:endParaRPr lang="zh-CN" altLang="en-US"/>
+          </a:p>
+        </p:txBody>
+      </p:sp>
+      <p:sp>
+        <p:nvSpPr>
+          <p:cNvPr id="157" name="矩形 156">
+            <a:extLst>
+              <a:ext uri="{FF2B5EF4-FFF2-40B4-BE49-F238E27FC236}">
+                <a16:creationId xmlns:a16="http://schemas.microsoft.com/office/drawing/2014/main" id="{49856BF5-B92E-9941-85BD-C230F10BAEE6}"/>
+              </a:ext>
+            </a:extLst>
+          </p:cNvPr>
+          <p:cNvSpPr/>
+          <p:nvPr/>
+        </p:nvSpPr>
+        <p:spPr>
+          <a:xfrm>
+            <a:off x="4524375" y="190500"/>
+            <a:ext cx="571500" cy="571500"/>
+          </a:xfrm>
+          <a:prstGeom prst="rect">
+            <a:avLst/>
+          </a:prstGeom>
+          <a:solidFill>
+            <a:schemeClr val="accent6">
+              <a:lumMod val="60000"/>
+              <a:lumOff val="40000"/>
+            </a:schemeClr>
+          </a:solidFill>
+          <a:ln>
+            <a:noFill/>
+          </a:ln>
+        </p:spPr>
+        <p:style>
+          <a:lnRef idx="2">
+            <a:schemeClr val="accent1">
+              <a:shade val="15000"/>
+            </a:schemeClr>
+          </a:lnRef>
+          <a:fillRef idx="1">
+            <a:schemeClr val="accent1"/>
+          </a:fillRef>
+          <a:effectRef idx="0">
+            <a:schemeClr val="accent1"/>
+          </a:effectRef>
+          <a:fontRef idx="minor">
+            <a:schemeClr val="lt1"/>
+          </a:fontRef>
+        </p:style>
+        <p:txBody>
+          <a:bodyPr rtlCol="0" anchor="ctr"/>
+          <a:lstStyle/>
+          <a:p>
+            <a:pPr algn="ctr"/>
+            <a:endParaRPr lang="zh-CN" altLang="en-US"/>
+          </a:p>
+        </p:txBody>
+      </p:sp>
+      <p:sp>
+        <p:nvSpPr>
+          <p:cNvPr id="158" name="矩形 157">
+            <a:extLst>
+              <a:ext uri="{FF2B5EF4-FFF2-40B4-BE49-F238E27FC236}">
+                <a16:creationId xmlns:a16="http://schemas.microsoft.com/office/drawing/2014/main" id="{0E8A10E8-2754-D95D-C350-168BCD01F8E4}"/>
+              </a:ext>
+            </a:extLst>
+          </p:cNvPr>
+          <p:cNvSpPr/>
+          <p:nvPr/>
+        </p:nvSpPr>
+        <p:spPr>
+          <a:xfrm>
+            <a:off x="5095875" y="190500"/>
+            <a:ext cx="571500" cy="571500"/>
+          </a:xfrm>
+          <a:prstGeom prst="rect">
+            <a:avLst/>
+          </a:prstGeom>
+          <a:solidFill>
+            <a:schemeClr val="accent6">
+              <a:lumMod val="40000"/>
+              <a:lumOff val="60000"/>
+            </a:schemeClr>
+          </a:solidFill>
+          <a:ln>
+            <a:noFill/>
+          </a:ln>
+        </p:spPr>
+        <p:style>
+          <a:lnRef idx="2">
+            <a:schemeClr val="accent1">
+              <a:shade val="15000"/>
+            </a:schemeClr>
+          </a:lnRef>
+          <a:fillRef idx="1">
+            <a:schemeClr val="accent1"/>
+          </a:fillRef>
+          <a:effectRef idx="0">
+            <a:schemeClr val="accent1"/>
+          </a:effectRef>
+          <a:fontRef idx="minor">
+            <a:schemeClr val="lt1"/>
+          </a:fontRef>
+        </p:style>
+        <p:txBody>
+          <a:bodyPr rtlCol="0" anchor="ctr"/>
+          <a:lstStyle/>
+          <a:p>
+            <a:pPr algn="ctr"/>
+            <a:endParaRPr lang="zh-CN" altLang="en-US"/>
+          </a:p>
+        </p:txBody>
+      </p:sp>
+      <p:sp>
+        <p:nvSpPr>
+          <p:cNvPr id="159" name="矩形 158">
+            <a:extLst>
+              <a:ext uri="{FF2B5EF4-FFF2-40B4-BE49-F238E27FC236}">
+                <a16:creationId xmlns:a16="http://schemas.microsoft.com/office/drawing/2014/main" id="{0A1F7DA3-AC5B-C958-DE80-08CD58AA53E1}"/>
+              </a:ext>
+            </a:extLst>
+          </p:cNvPr>
+          <p:cNvSpPr/>
+          <p:nvPr/>
+        </p:nvSpPr>
+        <p:spPr>
+          <a:xfrm>
+            <a:off x="5667375" y="190500"/>
+            <a:ext cx="571500" cy="571500"/>
+          </a:xfrm>
+          <a:prstGeom prst="rect">
+            <a:avLst/>
+          </a:prstGeom>
+          <a:solidFill>
+            <a:schemeClr val="accent6">
+              <a:lumMod val="60000"/>
+              <a:lumOff val="40000"/>
+            </a:schemeClr>
+          </a:solidFill>
+          <a:ln>
+            <a:noFill/>
+          </a:ln>
+        </p:spPr>
+        <p:style>
+          <a:lnRef idx="2">
+            <a:schemeClr val="accent1">
+              <a:shade val="15000"/>
+            </a:schemeClr>
+          </a:lnRef>
+          <a:fillRef idx="1">
+            <a:schemeClr val="accent1"/>
+          </a:fillRef>
+          <a:effectRef idx="0">
+            <a:schemeClr val="accent1"/>
+          </a:effectRef>
+          <a:fontRef idx="minor">
+            <a:schemeClr val="lt1"/>
+          </a:fontRef>
+        </p:style>
+        <p:txBody>
+          <a:bodyPr rtlCol="0" anchor="ctr"/>
+          <a:lstStyle/>
+          <a:p>
+            <a:pPr algn="ctr"/>
+            <a:endParaRPr lang="zh-CN" altLang="en-US"/>
+          </a:p>
+        </p:txBody>
+      </p:sp>
+      <p:sp>
+        <p:nvSpPr>
+          <p:cNvPr id="160" name="矩形 159">
+            <a:extLst>
+              <a:ext uri="{FF2B5EF4-FFF2-40B4-BE49-F238E27FC236}">
+                <a16:creationId xmlns:a16="http://schemas.microsoft.com/office/drawing/2014/main" id="{65422350-2656-878A-B855-07D1A5FCBDD5}"/>
+              </a:ext>
+            </a:extLst>
+          </p:cNvPr>
+          <p:cNvSpPr/>
+          <p:nvPr/>
+        </p:nvSpPr>
+        <p:spPr>
+          <a:xfrm>
+            <a:off x="6238875" y="190500"/>
+            <a:ext cx="571500" cy="571500"/>
+          </a:xfrm>
+          <a:prstGeom prst="rect">
+            <a:avLst/>
+          </a:prstGeom>
+          <a:solidFill>
+            <a:schemeClr val="accent6">
+              <a:lumMod val="40000"/>
+              <a:lumOff val="60000"/>
+            </a:schemeClr>
+          </a:solidFill>
+          <a:ln>
+            <a:noFill/>
+          </a:ln>
+        </p:spPr>
+        <p:style>
+          <a:lnRef idx="2">
+            <a:schemeClr val="accent1">
+              <a:shade val="15000"/>
+            </a:schemeClr>
+          </a:lnRef>
+          <a:fillRef idx="1">
+            <a:schemeClr val="accent1"/>
+          </a:fillRef>
+          <a:effectRef idx="0">
+            <a:schemeClr val="accent1"/>
+          </a:effectRef>
+          <a:fontRef idx="minor">
+            <a:schemeClr val="lt1"/>
+          </a:fontRef>
+        </p:style>
+        <p:txBody>
+          <a:bodyPr rtlCol="0" anchor="ctr"/>
+          <a:lstStyle/>
+          <a:p>
+            <a:pPr algn="ctr"/>
+            <a:endParaRPr lang="zh-CN" altLang="en-US"/>
+          </a:p>
+        </p:txBody>
+      </p:sp>
+      <p:sp>
+        <p:nvSpPr>
+          <p:cNvPr id="161" name="矩形 160">
+            <a:extLst>
+              <a:ext uri="{FF2B5EF4-FFF2-40B4-BE49-F238E27FC236}">
+                <a16:creationId xmlns:a16="http://schemas.microsoft.com/office/drawing/2014/main" id="{789D8852-E891-A409-5541-47D1C8399896}"/>
+              </a:ext>
+            </a:extLst>
+          </p:cNvPr>
+          <p:cNvSpPr/>
+          <p:nvPr/>
+        </p:nvSpPr>
+        <p:spPr>
+          <a:xfrm>
+            <a:off x="6810375" y="190500"/>
+            <a:ext cx="571500" cy="571500"/>
+          </a:xfrm>
+          <a:prstGeom prst="rect">
+            <a:avLst/>
+          </a:prstGeom>
+          <a:solidFill>
+            <a:schemeClr val="accent6">
+              <a:lumMod val="60000"/>
+              <a:lumOff val="40000"/>
+            </a:schemeClr>
+          </a:solidFill>
+          <a:ln>
+            <a:noFill/>
+          </a:ln>
+        </p:spPr>
+        <p:style>
+          <a:lnRef idx="2">
+            <a:schemeClr val="accent1">
+              <a:shade val="15000"/>
+            </a:schemeClr>
+          </a:lnRef>
+          <a:fillRef idx="1">
+            <a:schemeClr val="accent1"/>
+          </a:fillRef>
+          <a:effectRef idx="0">
+            <a:schemeClr val="accent1"/>
+          </a:effectRef>
+          <a:fontRef idx="minor">
+            <a:schemeClr val="lt1"/>
+          </a:fontRef>
+        </p:style>
+        <p:txBody>
+          <a:bodyPr rtlCol="0" anchor="ctr"/>
+          <a:lstStyle/>
+          <a:p>
+            <a:pPr algn="ctr"/>
+            <a:endParaRPr lang="zh-CN" altLang="en-US"/>
+          </a:p>
+        </p:txBody>
+      </p:sp>
+      <p:sp>
+        <p:nvSpPr>
+          <p:cNvPr id="162" name="矩形 161">
+            <a:extLst>
+              <a:ext uri="{FF2B5EF4-FFF2-40B4-BE49-F238E27FC236}">
+                <a16:creationId xmlns:a16="http://schemas.microsoft.com/office/drawing/2014/main" id="{6E78755F-F9F4-330F-5B08-679B430A4BD2}"/>
+              </a:ext>
+            </a:extLst>
+          </p:cNvPr>
+          <p:cNvSpPr/>
+          <p:nvPr/>
+        </p:nvSpPr>
+        <p:spPr>
+          <a:xfrm>
+            <a:off x="7381875" y="190500"/>
+            <a:ext cx="571500" cy="571500"/>
+          </a:xfrm>
+          <a:prstGeom prst="rect">
+            <a:avLst/>
+          </a:prstGeom>
+          <a:solidFill>
+            <a:schemeClr val="accent6">
+              <a:lumMod val="40000"/>
+              <a:lumOff val="60000"/>
+            </a:schemeClr>
+          </a:solidFill>
+          <a:ln>
+            <a:noFill/>
+          </a:ln>
+        </p:spPr>
+        <p:style>
+          <a:lnRef idx="2">
+            <a:schemeClr val="accent1">
+              <a:shade val="15000"/>
+            </a:schemeClr>
+          </a:lnRef>
+          <a:fillRef idx="1">
+            <a:schemeClr val="accent1"/>
+          </a:fillRef>
+          <a:effectRef idx="0">
+            <a:schemeClr val="accent1"/>
+          </a:effectRef>
+          <a:fontRef idx="minor">
+            <a:schemeClr val="lt1"/>
+          </a:fontRef>
+        </p:style>
+        <p:txBody>
+          <a:bodyPr rtlCol="0" anchor="ctr"/>
+          <a:lstStyle/>
+          <a:p>
+            <a:pPr algn="ctr"/>
+            <a:endParaRPr lang="zh-CN" altLang="en-US"/>
+          </a:p>
+        </p:txBody>
+      </p:sp>
+      <p:sp>
+        <p:nvSpPr>
+          <p:cNvPr id="163" name="矩形 162">
+            <a:extLst>
+              <a:ext uri="{FF2B5EF4-FFF2-40B4-BE49-F238E27FC236}">
+                <a16:creationId xmlns:a16="http://schemas.microsoft.com/office/drawing/2014/main" id="{6FF3A440-2FC5-4423-8385-AA8D9D2E9DCE}"/>
+              </a:ext>
+            </a:extLst>
+          </p:cNvPr>
+          <p:cNvSpPr/>
+          <p:nvPr/>
+        </p:nvSpPr>
+        <p:spPr>
+          <a:xfrm>
+            <a:off x="7953375" y="190500"/>
+            <a:ext cx="571500" cy="571500"/>
+          </a:xfrm>
+          <a:prstGeom prst="rect">
+            <a:avLst/>
+          </a:prstGeom>
+          <a:solidFill>
+            <a:schemeClr val="accent6">
+              <a:lumMod val="60000"/>
+              <a:lumOff val="40000"/>
+            </a:schemeClr>
+          </a:solidFill>
+          <a:ln>
+            <a:noFill/>
+          </a:ln>
+        </p:spPr>
+        <p:style>
+          <a:lnRef idx="2">
+            <a:schemeClr val="accent1">
+              <a:shade val="15000"/>
+            </a:schemeClr>
+          </a:lnRef>
+          <a:fillRef idx="1">
+            <a:schemeClr val="accent1"/>
+          </a:fillRef>
+          <a:effectRef idx="0">
+            <a:schemeClr val="accent1"/>
+          </a:effectRef>
+          <a:fontRef idx="minor">
+            <a:schemeClr val="lt1"/>
+          </a:fontRef>
+        </p:style>
+        <p:txBody>
+          <a:bodyPr rtlCol="0" anchor="ctr"/>
+          <a:lstStyle/>
+          <a:p>
+            <a:pPr algn="ctr"/>
+            <a:endParaRPr lang="zh-CN" altLang="en-US"/>
+          </a:p>
+        </p:txBody>
+      </p:sp>
+      <p:sp>
+        <p:nvSpPr>
+          <p:cNvPr id="76" name="六边形 75">
+            <a:extLst>
+              <a:ext uri="{FF2B5EF4-FFF2-40B4-BE49-F238E27FC236}">
+                <a16:creationId xmlns:a16="http://schemas.microsoft.com/office/drawing/2014/main" id="{446CB812-EB12-A8A8-5C2D-FF4FA4224381}"/>
+              </a:ext>
+            </a:extLst>
+          </p:cNvPr>
+          <p:cNvSpPr/>
+          <p:nvPr/>
+        </p:nvSpPr>
+        <p:spPr>
+          <a:xfrm rot="5400000">
+            <a:off x="3381375" y="952501"/>
+            <a:ext cx="571500" cy="571500"/>
+          </a:xfrm>
+          <a:prstGeom prst="hexagon">
+            <a:avLst/>
+          </a:prstGeom>
+          <a:solidFill>
+            <a:schemeClr val="accent5">
+              <a:lumMod val="40000"/>
+              <a:lumOff val="60000"/>
+            </a:schemeClr>
+          </a:solidFill>
+          <a:ln>
+            <a:noFill/>
+          </a:ln>
+        </p:spPr>
+        <p:style>
+          <a:lnRef idx="2">
+            <a:schemeClr val="accent1">
+              <a:shade val="15000"/>
+            </a:schemeClr>
+          </a:lnRef>
+          <a:fillRef idx="1">
+            <a:schemeClr val="accent1"/>
+          </a:fillRef>
+          <a:effectRef idx="0">
+            <a:schemeClr val="accent1"/>
+          </a:effectRef>
+          <a:fontRef idx="minor">
+            <a:schemeClr val="lt1"/>
+          </a:fontRef>
+        </p:style>
+        <p:txBody>
+          <a:bodyPr rtlCol="0" anchor="ctr"/>
+          <a:lstStyle/>
+          <a:p>
+            <a:pPr algn="ctr"/>
+            <a:endParaRPr lang="zh-CN" altLang="en-US"/>
+          </a:p>
+        </p:txBody>
+      </p:sp>
+      <p:sp>
+        <p:nvSpPr>
+          <p:cNvPr id="77" name="六边形 76">
+            <a:extLst>
+              <a:ext uri="{FF2B5EF4-FFF2-40B4-BE49-F238E27FC236}">
+                <a16:creationId xmlns:a16="http://schemas.microsoft.com/office/drawing/2014/main" id="{5C0C0290-69BA-CF2D-D88B-FC0CF7DCF43E}"/>
+              </a:ext>
+            </a:extLst>
+          </p:cNvPr>
+          <p:cNvSpPr/>
+          <p:nvPr/>
+        </p:nvSpPr>
+        <p:spPr>
+          <a:xfrm rot="5400000">
+            <a:off x="3952875" y="952501"/>
+            <a:ext cx="571500" cy="571500"/>
+          </a:xfrm>
+          <a:prstGeom prst="hexagon">
+            <a:avLst/>
+          </a:prstGeom>
+          <a:solidFill>
+            <a:schemeClr val="accent1">
+              <a:lumMod val="60000"/>
+              <a:lumOff val="40000"/>
+            </a:schemeClr>
+          </a:solidFill>
+          <a:ln>
+            <a:noFill/>
+          </a:ln>
+        </p:spPr>
+        <p:style>
+          <a:lnRef idx="2">
+            <a:schemeClr val="accent1">
+              <a:shade val="15000"/>
+            </a:schemeClr>
+          </a:lnRef>
+          <a:fillRef idx="1">
+            <a:schemeClr val="accent1"/>
+          </a:fillRef>
+          <a:effectRef idx="0">
+            <a:schemeClr val="accent1"/>
+          </a:effectRef>
+          <a:fontRef idx="minor">
+            <a:schemeClr val="lt1"/>
+          </a:fontRef>
+        </p:style>
+        <p:txBody>
+          <a:bodyPr rtlCol="0" anchor="ctr"/>
+          <a:lstStyle/>
+          <a:p>
+            <a:pPr algn="ctr"/>
+            <a:endParaRPr lang="zh-CN" altLang="en-US"/>
+          </a:p>
+        </p:txBody>
+      </p:sp>
+      <p:sp>
+        <p:nvSpPr>
+          <p:cNvPr id="78" name="六边形 77">
+            <a:extLst>
+              <a:ext uri="{FF2B5EF4-FFF2-40B4-BE49-F238E27FC236}">
+                <a16:creationId xmlns:a16="http://schemas.microsoft.com/office/drawing/2014/main" id="{B622576A-0F4B-454F-49F9-32FB4011A91C}"/>
+              </a:ext>
+            </a:extLst>
+          </p:cNvPr>
+          <p:cNvSpPr/>
+          <p:nvPr/>
+        </p:nvSpPr>
+        <p:spPr>
+          <a:xfrm rot="5400000">
+            <a:off x="4524375" y="952501"/>
+            <a:ext cx="571500" cy="571500"/>
+          </a:xfrm>
+          <a:prstGeom prst="hexagon">
+            <a:avLst/>
+          </a:prstGeom>
+          <a:solidFill>
+            <a:schemeClr val="accent5">
+              <a:lumMod val="40000"/>
+              <a:lumOff val="60000"/>
+            </a:schemeClr>
+          </a:solidFill>
+          <a:ln>
+            <a:noFill/>
+          </a:ln>
+        </p:spPr>
+        <p:style>
+          <a:lnRef idx="2">
+            <a:schemeClr val="accent1">
+              <a:shade val="15000"/>
+            </a:schemeClr>
+          </a:lnRef>
+          <a:fillRef idx="1">
+            <a:schemeClr val="accent1"/>
+          </a:fillRef>
+          <a:effectRef idx="0">
+            <a:schemeClr val="accent1"/>
+          </a:effectRef>
+          <a:fontRef idx="minor">
+            <a:schemeClr val="lt1"/>
+          </a:fontRef>
+        </p:style>
+        <p:txBody>
+          <a:bodyPr rtlCol="0" anchor="ctr"/>
+          <a:lstStyle/>
+          <a:p>
+            <a:pPr algn="ctr"/>
+            <a:endParaRPr lang="zh-CN" altLang="en-US"/>
+          </a:p>
+        </p:txBody>
+      </p:sp>
+      <p:sp>
+        <p:nvSpPr>
+          <p:cNvPr id="79" name="六边形 78">
+            <a:extLst>
+              <a:ext uri="{FF2B5EF4-FFF2-40B4-BE49-F238E27FC236}">
+                <a16:creationId xmlns:a16="http://schemas.microsoft.com/office/drawing/2014/main" id="{6ED2476F-CE87-0413-AD4D-FF458399693C}"/>
+              </a:ext>
+            </a:extLst>
+          </p:cNvPr>
+          <p:cNvSpPr/>
+          <p:nvPr/>
+        </p:nvSpPr>
+        <p:spPr>
+          <a:xfrm rot="5400000">
+            <a:off x="5095875" y="952501"/>
+            <a:ext cx="571500" cy="571500"/>
+          </a:xfrm>
+          <a:prstGeom prst="hexagon">
+            <a:avLst/>
+          </a:prstGeom>
+          <a:solidFill>
+            <a:schemeClr val="accent1">
+              <a:lumMod val="60000"/>
+              <a:lumOff val="40000"/>
+            </a:schemeClr>
+          </a:solidFill>
+          <a:ln>
+            <a:noFill/>
+          </a:ln>
+        </p:spPr>
+        <p:style>
+          <a:lnRef idx="2">
+            <a:schemeClr val="accent1">
+              <a:shade val="15000"/>
+            </a:schemeClr>
+          </a:lnRef>
+          <a:fillRef idx="1">
+            <a:schemeClr val="accent1"/>
+          </a:fillRef>
+          <a:effectRef idx="0">
+            <a:schemeClr val="accent1"/>
+          </a:effectRef>
+          <a:fontRef idx="minor">
+            <a:schemeClr val="lt1"/>
+          </a:fontRef>
+        </p:style>
+        <p:txBody>
+          <a:bodyPr rtlCol="0" anchor="ctr"/>
+          <a:lstStyle/>
+          <a:p>
+            <a:pPr algn="ctr"/>
+            <a:endParaRPr lang="zh-CN" altLang="en-US"/>
+          </a:p>
+        </p:txBody>
+      </p:sp>
+      <p:sp>
+        <p:nvSpPr>
+          <p:cNvPr id="80" name="六边形 79">
+            <a:extLst>
+              <a:ext uri="{FF2B5EF4-FFF2-40B4-BE49-F238E27FC236}">
+                <a16:creationId xmlns:a16="http://schemas.microsoft.com/office/drawing/2014/main" id="{F4A964CD-E65B-6C81-3B20-D47197B5C459}"/>
+              </a:ext>
+            </a:extLst>
+          </p:cNvPr>
+          <p:cNvSpPr/>
+          <p:nvPr/>
+        </p:nvSpPr>
+        <p:spPr>
+          <a:xfrm rot="5400000">
+            <a:off x="5667375" y="952501"/>
+            <a:ext cx="571500" cy="571500"/>
+          </a:xfrm>
+          <a:prstGeom prst="hexagon">
+            <a:avLst/>
+          </a:prstGeom>
+          <a:solidFill>
+            <a:schemeClr val="accent5">
+              <a:lumMod val="40000"/>
+              <a:lumOff val="60000"/>
+            </a:schemeClr>
+          </a:solidFill>
+          <a:ln>
+            <a:noFill/>
+          </a:ln>
+        </p:spPr>
+        <p:style>
+          <a:lnRef idx="2">
+            <a:schemeClr val="accent1">
+              <a:shade val="15000"/>
+            </a:schemeClr>
+          </a:lnRef>
+          <a:fillRef idx="1">
+            <a:schemeClr val="accent1"/>
+          </a:fillRef>
+          <a:effectRef idx="0">
+            <a:schemeClr val="accent1"/>
+          </a:effectRef>
+          <a:fontRef idx="minor">
+            <a:schemeClr val="lt1"/>
+          </a:fontRef>
+        </p:style>
+        <p:txBody>
+          <a:bodyPr rtlCol="0" anchor="ctr"/>
+          <a:lstStyle/>
+          <a:p>
+            <a:pPr algn="ctr"/>
+            <a:endParaRPr lang="zh-CN" altLang="en-US"/>
+          </a:p>
+        </p:txBody>
+      </p:sp>
+      <p:sp>
+        <p:nvSpPr>
+          <p:cNvPr id="81" name="六边形 80">
+            <a:extLst>
+              <a:ext uri="{FF2B5EF4-FFF2-40B4-BE49-F238E27FC236}">
+                <a16:creationId xmlns:a16="http://schemas.microsoft.com/office/drawing/2014/main" id="{F9D2ADC5-BB64-9B46-B80F-3C4E970EF781}"/>
+              </a:ext>
+            </a:extLst>
+          </p:cNvPr>
+          <p:cNvSpPr/>
+          <p:nvPr/>
+        </p:nvSpPr>
+        <p:spPr>
+          <a:xfrm rot="5400000">
+            <a:off x="6238875" y="952501"/>
+            <a:ext cx="571500" cy="571500"/>
+          </a:xfrm>
+          <a:prstGeom prst="hexagon">
+            <a:avLst/>
+          </a:prstGeom>
+          <a:solidFill>
+            <a:schemeClr val="accent1">
+              <a:lumMod val="60000"/>
+              <a:lumOff val="40000"/>
+            </a:schemeClr>
+          </a:solidFill>
+          <a:ln>
+            <a:noFill/>
+          </a:ln>
+        </p:spPr>
+        <p:style>
+          <a:lnRef idx="2">
+            <a:schemeClr val="accent1">
+              <a:shade val="15000"/>
+            </a:schemeClr>
+          </a:lnRef>
+          <a:fillRef idx="1">
+            <a:schemeClr val="accent1"/>
+          </a:fillRef>
+          <a:effectRef idx="0">
+            <a:schemeClr val="accent1"/>
+          </a:effectRef>
+          <a:fontRef idx="minor">
+            <a:schemeClr val="lt1"/>
+          </a:fontRef>
+        </p:style>
+        <p:txBody>
+          <a:bodyPr rtlCol="0" anchor="ctr"/>
+          <a:lstStyle/>
+          <a:p>
+            <a:pPr algn="ctr"/>
+            <a:endParaRPr lang="zh-CN" altLang="en-US"/>
+          </a:p>
+        </p:txBody>
+      </p:sp>
+      <p:sp>
+        <p:nvSpPr>
+          <p:cNvPr id="82" name="六边形 81">
+            <a:extLst>
+              <a:ext uri="{FF2B5EF4-FFF2-40B4-BE49-F238E27FC236}">
+                <a16:creationId xmlns:a16="http://schemas.microsoft.com/office/drawing/2014/main" id="{4769C22C-E001-8A7E-1CD5-F685466B4F88}"/>
+              </a:ext>
+            </a:extLst>
+          </p:cNvPr>
+          <p:cNvSpPr/>
+          <p:nvPr/>
+        </p:nvSpPr>
+        <p:spPr>
+          <a:xfrm rot="5400000">
+            <a:off x="6810375" y="952501"/>
+            <a:ext cx="571500" cy="571500"/>
+          </a:xfrm>
+          <a:prstGeom prst="hexagon">
+            <a:avLst/>
+          </a:prstGeom>
+          <a:solidFill>
+            <a:schemeClr val="accent5">
+              <a:lumMod val="40000"/>
+              <a:lumOff val="60000"/>
+            </a:schemeClr>
+          </a:solidFill>
+          <a:ln>
+            <a:noFill/>
+          </a:ln>
+        </p:spPr>
+        <p:style>
+          <a:lnRef idx="2">
+            <a:schemeClr val="accent1">
+              <a:shade val="15000"/>
+            </a:schemeClr>
+          </a:lnRef>
+          <a:fillRef idx="1">
+            <a:schemeClr val="accent1"/>
+          </a:fillRef>
+          <a:effectRef idx="0">
+            <a:schemeClr val="accent1"/>
+          </a:effectRef>
+          <a:fontRef idx="minor">
+            <a:schemeClr val="lt1"/>
+          </a:fontRef>
+        </p:style>
+        <p:txBody>
+          <a:bodyPr rtlCol="0" anchor="ctr"/>
+          <a:lstStyle/>
+          <a:p>
+            <a:pPr algn="ctr"/>
+            <a:endParaRPr lang="zh-CN" altLang="en-US"/>
+          </a:p>
+        </p:txBody>
+      </p:sp>
+      <p:sp>
+        <p:nvSpPr>
+          <p:cNvPr id="83" name="六边形 82">
+            <a:extLst>
+              <a:ext uri="{FF2B5EF4-FFF2-40B4-BE49-F238E27FC236}">
+                <a16:creationId xmlns:a16="http://schemas.microsoft.com/office/drawing/2014/main" id="{44864E5C-B8AA-86B8-54BD-24E899211B0E}"/>
+              </a:ext>
+            </a:extLst>
+          </p:cNvPr>
+          <p:cNvSpPr/>
+          <p:nvPr/>
+        </p:nvSpPr>
+        <p:spPr>
+          <a:xfrm rot="5400000">
+            <a:off x="7381875" y="952501"/>
+            <a:ext cx="571500" cy="571500"/>
+          </a:xfrm>
+          <a:prstGeom prst="hexagon">
+            <a:avLst/>
+          </a:prstGeom>
+          <a:solidFill>
+            <a:schemeClr val="accent1">
+              <a:lumMod val="60000"/>
+              <a:lumOff val="40000"/>
+            </a:schemeClr>
+          </a:solidFill>
+          <a:ln>
+            <a:noFill/>
+          </a:ln>
+        </p:spPr>
+        <p:style>
+          <a:lnRef idx="2">
+            <a:schemeClr val="accent1">
+              <a:shade val="15000"/>
+            </a:schemeClr>
+          </a:lnRef>
+          <a:fillRef idx="1">
+            <a:schemeClr val="accent1"/>
+          </a:fillRef>
+          <a:effectRef idx="0">
+            <a:schemeClr val="accent1"/>
+          </a:effectRef>
+          <a:fontRef idx="minor">
+            <a:schemeClr val="lt1"/>
+          </a:fontRef>
+        </p:style>
+        <p:txBody>
+          <a:bodyPr rtlCol="0" anchor="ctr"/>
+          <a:lstStyle/>
+          <a:p>
+            <a:pPr algn="ctr"/>
+            <a:endParaRPr lang="zh-CN" altLang="en-US"/>
+          </a:p>
+        </p:txBody>
+      </p:sp>
+      <p:sp>
+        <p:nvSpPr>
+          <p:cNvPr id="84" name="六边形 83">
+            <a:extLst>
+              <a:ext uri="{FF2B5EF4-FFF2-40B4-BE49-F238E27FC236}">
+                <a16:creationId xmlns:a16="http://schemas.microsoft.com/office/drawing/2014/main" id="{27940167-0EFB-E811-6717-FB28A57663F0}"/>
+              </a:ext>
+            </a:extLst>
+          </p:cNvPr>
+          <p:cNvSpPr/>
+          <p:nvPr/>
+        </p:nvSpPr>
+        <p:spPr>
+          <a:xfrm rot="5400000">
+            <a:off x="7953375" y="952501"/>
+            <a:ext cx="571500" cy="571500"/>
+          </a:xfrm>
+          <a:prstGeom prst="hexagon">
+            <a:avLst/>
+          </a:prstGeom>
+          <a:solidFill>
+            <a:schemeClr val="accent5">
+              <a:lumMod val="40000"/>
+              <a:lumOff val="60000"/>
+            </a:schemeClr>
+          </a:solidFill>
+          <a:ln>
+            <a:noFill/>
+          </a:ln>
+        </p:spPr>
+        <p:style>
+          <a:lnRef idx="2">
+            <a:schemeClr val="accent1">
+              <a:shade val="15000"/>
+            </a:schemeClr>
+          </a:lnRef>
+          <a:fillRef idx="1">
+            <a:schemeClr val="accent1"/>
+          </a:fillRef>
+          <a:effectRef idx="0">
+            <a:schemeClr val="accent1"/>
+          </a:effectRef>
+          <a:fontRef idx="minor">
+            <a:schemeClr val="lt1"/>
+          </a:fontRef>
+        </p:style>
+        <p:txBody>
+          <a:bodyPr rtlCol="0" anchor="ctr"/>
+          <a:lstStyle/>
+          <a:p>
+            <a:pPr algn="ctr"/>
+            <a:endParaRPr lang="zh-CN" altLang="en-US"/>
+          </a:p>
+        </p:txBody>
+      </p:sp>
+      <p:sp>
+        <p:nvSpPr>
+          <p:cNvPr id="85" name="六边形 84">
+            <a:extLst>
+              <a:ext uri="{FF2B5EF4-FFF2-40B4-BE49-F238E27FC236}">
+                <a16:creationId xmlns:a16="http://schemas.microsoft.com/office/drawing/2014/main" id="{276A7A78-1790-9E3C-4611-4E3621599548}"/>
+              </a:ext>
+            </a:extLst>
+          </p:cNvPr>
+          <p:cNvSpPr/>
+          <p:nvPr/>
+        </p:nvSpPr>
+        <p:spPr>
+          <a:xfrm rot="5400000">
+            <a:off x="3667125" y="1381224"/>
+            <a:ext cx="571500" cy="571500"/>
+          </a:xfrm>
+          <a:prstGeom prst="hexagon">
+            <a:avLst/>
+          </a:prstGeom>
+          <a:solidFill>
+            <a:schemeClr val="accent5">
+              <a:lumMod val="60000"/>
+              <a:lumOff val="40000"/>
+            </a:schemeClr>
+          </a:solidFill>
+          <a:ln>
+            <a:noFill/>
+          </a:ln>
+        </p:spPr>
+        <p:style>
+          <a:lnRef idx="2">
+            <a:schemeClr val="accent1">
+              <a:shade val="15000"/>
+            </a:schemeClr>
+          </a:lnRef>
+          <a:fillRef idx="1">
+            <a:schemeClr val="accent1"/>
+          </a:fillRef>
+          <a:effectRef idx="0">
+            <a:schemeClr val="accent1"/>
+          </a:effectRef>
+          <a:fontRef idx="minor">
+            <a:schemeClr val="lt1"/>
+          </a:fontRef>
+        </p:style>
+        <p:txBody>
+          <a:bodyPr rtlCol="0" anchor="ctr"/>
+          <a:lstStyle/>
+          <a:p>
+            <a:pPr algn="ctr"/>
+            <a:endParaRPr lang="zh-CN" altLang="en-US"/>
+          </a:p>
+        </p:txBody>
+      </p:sp>
+      <p:sp>
+        <p:nvSpPr>
+          <p:cNvPr id="86" name="六边形 85">
+            <a:extLst>
+              <a:ext uri="{FF2B5EF4-FFF2-40B4-BE49-F238E27FC236}">
+                <a16:creationId xmlns:a16="http://schemas.microsoft.com/office/drawing/2014/main" id="{E77F6029-BA05-EDEE-E23F-2F84DD6E721E}"/>
+              </a:ext>
+            </a:extLst>
+          </p:cNvPr>
+          <p:cNvSpPr/>
+          <p:nvPr/>
+        </p:nvSpPr>
+        <p:spPr>
+          <a:xfrm rot="5400000">
+            <a:off x="4238625" y="1381224"/>
+            <a:ext cx="571500" cy="571500"/>
+          </a:xfrm>
+          <a:prstGeom prst="hexagon">
+            <a:avLst/>
+          </a:prstGeom>
+          <a:solidFill>
+            <a:srgbClr val="00B0F0"/>
+          </a:solidFill>
+          <a:ln>
+            <a:noFill/>
+          </a:ln>
+        </p:spPr>
+        <p:style>
+          <a:lnRef idx="2">
+            <a:schemeClr val="accent1">
+              <a:shade val="15000"/>
+            </a:schemeClr>
+          </a:lnRef>
+          <a:fillRef idx="1">
+            <a:schemeClr val="accent1"/>
+          </a:fillRef>
+          <a:effectRef idx="0">
+            <a:schemeClr val="accent1"/>
+          </a:effectRef>
+          <a:fontRef idx="minor">
+            <a:schemeClr val="lt1"/>
+          </a:fontRef>
+        </p:style>
+        <p:txBody>
+          <a:bodyPr rtlCol="0" anchor="ctr"/>
+          <a:lstStyle/>
+          <a:p>
+            <a:pPr algn="ctr"/>
+            <a:endParaRPr lang="zh-CN" altLang="en-US"/>
+          </a:p>
+        </p:txBody>
+      </p:sp>
+      <p:sp>
+        <p:nvSpPr>
+          <p:cNvPr id="87" name="六边形 86">
+            <a:extLst>
+              <a:ext uri="{FF2B5EF4-FFF2-40B4-BE49-F238E27FC236}">
+                <a16:creationId xmlns:a16="http://schemas.microsoft.com/office/drawing/2014/main" id="{8AB9F97C-939F-72A1-BF77-52AF8114B890}"/>
+              </a:ext>
+            </a:extLst>
+          </p:cNvPr>
+          <p:cNvSpPr/>
+          <p:nvPr/>
+        </p:nvSpPr>
+        <p:spPr>
+          <a:xfrm rot="5400000">
+            <a:off x="4810125" y="1381224"/>
+            <a:ext cx="571500" cy="571500"/>
+          </a:xfrm>
+          <a:prstGeom prst="hexagon">
+            <a:avLst/>
+          </a:prstGeom>
+          <a:solidFill>
+            <a:schemeClr val="accent5">
+              <a:lumMod val="60000"/>
+              <a:lumOff val="40000"/>
+            </a:schemeClr>
+          </a:solidFill>
+          <a:ln>
+            <a:noFill/>
+          </a:ln>
+        </p:spPr>
+        <p:style>
+          <a:lnRef idx="2">
+            <a:schemeClr val="accent1">
+              <a:shade val="15000"/>
+            </a:schemeClr>
+          </a:lnRef>
+          <a:fillRef idx="1">
+            <a:schemeClr val="accent1"/>
+          </a:fillRef>
+          <a:effectRef idx="0">
+            <a:schemeClr val="accent1"/>
+          </a:effectRef>
+          <a:fontRef idx="minor">
+            <a:schemeClr val="lt1"/>
+          </a:fontRef>
+        </p:style>
+        <p:txBody>
+          <a:bodyPr rtlCol="0" anchor="ctr"/>
+          <a:lstStyle/>
+          <a:p>
+            <a:pPr algn="ctr"/>
+            <a:endParaRPr lang="zh-CN" altLang="en-US"/>
+          </a:p>
+        </p:txBody>
+      </p:sp>
+      <p:sp>
+        <p:nvSpPr>
+          <p:cNvPr id="88" name="六边形 87">
+            <a:extLst>
+              <a:ext uri="{FF2B5EF4-FFF2-40B4-BE49-F238E27FC236}">
+                <a16:creationId xmlns:a16="http://schemas.microsoft.com/office/drawing/2014/main" id="{EDC6FEF6-56A8-77C8-399C-065654B06B4C}"/>
+              </a:ext>
+            </a:extLst>
+          </p:cNvPr>
+          <p:cNvSpPr/>
+          <p:nvPr/>
+        </p:nvSpPr>
+        <p:spPr>
+          <a:xfrm rot="5400000">
+            <a:off x="5381625" y="1381224"/>
+            <a:ext cx="571500" cy="571500"/>
+          </a:xfrm>
+          <a:prstGeom prst="hexagon">
+            <a:avLst/>
+          </a:prstGeom>
+          <a:solidFill>
+            <a:srgbClr val="00B0F0"/>
+          </a:solidFill>
+          <a:ln>
+            <a:noFill/>
+          </a:ln>
+        </p:spPr>
+        <p:style>
+          <a:lnRef idx="2">
+            <a:schemeClr val="accent1">
+              <a:shade val="15000"/>
+            </a:schemeClr>
+          </a:lnRef>
+          <a:fillRef idx="1">
+            <a:schemeClr val="accent1"/>
+          </a:fillRef>
+          <a:effectRef idx="0">
+            <a:schemeClr val="accent1"/>
+          </a:effectRef>
+          <a:fontRef idx="minor">
+            <a:schemeClr val="lt1"/>
+          </a:fontRef>
+        </p:style>
+        <p:txBody>
+          <a:bodyPr rtlCol="0" anchor="ctr"/>
+          <a:lstStyle/>
+          <a:p>
+            <a:pPr algn="ctr"/>
+            <a:endParaRPr lang="zh-CN" altLang="en-US"/>
+          </a:p>
+        </p:txBody>
+      </p:sp>
+      <p:sp>
+        <p:nvSpPr>
+          <p:cNvPr id="89" name="六边形 88">
+            <a:extLst>
+              <a:ext uri="{FF2B5EF4-FFF2-40B4-BE49-F238E27FC236}">
+                <a16:creationId xmlns:a16="http://schemas.microsoft.com/office/drawing/2014/main" id="{E5A77C08-7D47-59B7-3369-243659E006D5}"/>
+              </a:ext>
+            </a:extLst>
+          </p:cNvPr>
+          <p:cNvSpPr/>
+          <p:nvPr/>
+        </p:nvSpPr>
+        <p:spPr>
+          <a:xfrm rot="5400000">
+            <a:off x="5953125" y="1381224"/>
+            <a:ext cx="571500" cy="571500"/>
+          </a:xfrm>
+          <a:prstGeom prst="hexagon">
+            <a:avLst/>
+          </a:prstGeom>
+          <a:solidFill>
+            <a:schemeClr val="accent5">
+              <a:lumMod val="60000"/>
+              <a:lumOff val="40000"/>
+            </a:schemeClr>
+          </a:solidFill>
+          <a:ln>
+            <a:noFill/>
+          </a:ln>
+        </p:spPr>
+        <p:style>
+          <a:lnRef idx="2">
+            <a:schemeClr val="accent1">
+              <a:shade val="15000"/>
+            </a:schemeClr>
+          </a:lnRef>
+          <a:fillRef idx="1">
+            <a:schemeClr val="accent1"/>
+          </a:fillRef>
+          <a:effectRef idx="0">
+            <a:schemeClr val="accent1"/>
+          </a:effectRef>
+          <a:fontRef idx="minor">
+            <a:schemeClr val="lt1"/>
+          </a:fontRef>
+        </p:style>
+        <p:txBody>
+          <a:bodyPr rtlCol="0" anchor="ctr"/>
+          <a:lstStyle/>
+          <a:p>
+            <a:pPr algn="ctr"/>
+            <a:endParaRPr lang="zh-CN" altLang="en-US"/>
+          </a:p>
+        </p:txBody>
+      </p:sp>
+      <p:sp>
+        <p:nvSpPr>
+          <p:cNvPr id="90" name="六边形 89">
+            <a:extLst>
+              <a:ext uri="{FF2B5EF4-FFF2-40B4-BE49-F238E27FC236}">
+                <a16:creationId xmlns:a16="http://schemas.microsoft.com/office/drawing/2014/main" id="{199675C6-B111-EFC8-5D58-60CA6B2BCC94}"/>
+              </a:ext>
+            </a:extLst>
+          </p:cNvPr>
+          <p:cNvSpPr/>
+          <p:nvPr/>
+        </p:nvSpPr>
+        <p:spPr>
+          <a:xfrm rot="5400000">
+            <a:off x="6524625" y="1381224"/>
+            <a:ext cx="571500" cy="571500"/>
+          </a:xfrm>
+          <a:prstGeom prst="hexagon">
+            <a:avLst/>
+          </a:prstGeom>
+          <a:solidFill>
+            <a:srgbClr val="00B0F0"/>
+          </a:solidFill>
+          <a:ln>
+            <a:noFill/>
+          </a:ln>
+        </p:spPr>
+        <p:style>
+          <a:lnRef idx="2">
+            <a:schemeClr val="accent1">
+              <a:shade val="15000"/>
+            </a:schemeClr>
+          </a:lnRef>
+          <a:fillRef idx="1">
+            <a:schemeClr val="accent1"/>
+          </a:fillRef>
+          <a:effectRef idx="0">
+            <a:schemeClr val="accent1"/>
+          </a:effectRef>
+          <a:fontRef idx="minor">
+            <a:schemeClr val="lt1"/>
+          </a:fontRef>
+        </p:style>
+        <p:txBody>
+          <a:bodyPr rtlCol="0" anchor="ctr"/>
+          <a:lstStyle/>
+          <a:p>
+            <a:pPr algn="ctr"/>
+            <a:endParaRPr lang="zh-CN" altLang="en-US"/>
+          </a:p>
+        </p:txBody>
+      </p:sp>
+      <p:sp>
+        <p:nvSpPr>
+          <p:cNvPr id="91" name="六边形 90">
+            <a:extLst>
+              <a:ext uri="{FF2B5EF4-FFF2-40B4-BE49-F238E27FC236}">
+                <a16:creationId xmlns:a16="http://schemas.microsoft.com/office/drawing/2014/main" id="{0307B29F-099A-668F-6904-6DF376735338}"/>
+              </a:ext>
+            </a:extLst>
+          </p:cNvPr>
+          <p:cNvSpPr/>
+          <p:nvPr/>
+        </p:nvSpPr>
+        <p:spPr>
+          <a:xfrm rot="5400000">
+            <a:off x="7096125" y="1381224"/>
+            <a:ext cx="571500" cy="571500"/>
+          </a:xfrm>
+          <a:prstGeom prst="hexagon">
+            <a:avLst/>
+          </a:prstGeom>
+          <a:solidFill>
+            <a:schemeClr val="accent5">
+              <a:lumMod val="60000"/>
+              <a:lumOff val="40000"/>
+            </a:schemeClr>
+          </a:solidFill>
+          <a:ln>
+            <a:noFill/>
+          </a:ln>
+        </p:spPr>
+        <p:style>
+          <a:lnRef idx="2">
+            <a:schemeClr val="accent1">
+              <a:shade val="15000"/>
+            </a:schemeClr>
+          </a:lnRef>
+          <a:fillRef idx="1">
+            <a:schemeClr val="accent1"/>
+          </a:fillRef>
+          <a:effectRef idx="0">
+            <a:schemeClr val="accent1"/>
+          </a:effectRef>
+          <a:fontRef idx="minor">
+            <a:schemeClr val="lt1"/>
+          </a:fontRef>
+        </p:style>
+        <p:txBody>
+          <a:bodyPr rtlCol="0" anchor="ctr"/>
+          <a:lstStyle/>
+          <a:p>
+            <a:pPr algn="ctr"/>
+            <a:endParaRPr lang="zh-CN" altLang="en-US"/>
+          </a:p>
+        </p:txBody>
+      </p:sp>
+      <p:sp>
+        <p:nvSpPr>
+          <p:cNvPr id="92" name="六边形 91">
+            <a:extLst>
+              <a:ext uri="{FF2B5EF4-FFF2-40B4-BE49-F238E27FC236}">
+                <a16:creationId xmlns:a16="http://schemas.microsoft.com/office/drawing/2014/main" id="{A781EA0B-B850-A2AB-8557-A4BFFAF27C9F}"/>
+              </a:ext>
+            </a:extLst>
+          </p:cNvPr>
+          <p:cNvSpPr/>
+          <p:nvPr/>
+        </p:nvSpPr>
+        <p:spPr>
+          <a:xfrm rot="5400000">
+            <a:off x="7667625" y="1381224"/>
+            <a:ext cx="571500" cy="571500"/>
+          </a:xfrm>
+          <a:prstGeom prst="hexagon">
+            <a:avLst/>
+          </a:prstGeom>
+          <a:solidFill>
+            <a:srgbClr val="00B0F0"/>
+          </a:solidFill>
+          <a:ln>
+            <a:noFill/>
+          </a:ln>
+        </p:spPr>
+        <p:style>
+          <a:lnRef idx="2">
+            <a:schemeClr val="accent1">
+              <a:shade val="15000"/>
+            </a:schemeClr>
+          </a:lnRef>
+          <a:fillRef idx="1">
+            <a:schemeClr val="accent1"/>
+          </a:fillRef>
+          <a:effectRef idx="0">
+            <a:schemeClr val="accent1"/>
+          </a:effectRef>
+          <a:fontRef idx="minor">
+            <a:schemeClr val="lt1"/>
+          </a:fontRef>
+        </p:style>
+        <p:txBody>
+          <a:bodyPr rtlCol="0" anchor="ctr"/>
+          <a:lstStyle/>
+          <a:p>
+            <a:pPr algn="ctr"/>
+            <a:endParaRPr lang="zh-CN" altLang="en-US"/>
+          </a:p>
+        </p:txBody>
+      </p:sp>
+      <p:sp>
+        <p:nvSpPr>
+          <p:cNvPr id="93" name="六边形 92">
+            <a:extLst>
+              <a:ext uri="{FF2B5EF4-FFF2-40B4-BE49-F238E27FC236}">
+                <a16:creationId xmlns:a16="http://schemas.microsoft.com/office/drawing/2014/main" id="{BA3999F0-A0B9-334A-501D-C60CBDF04587}"/>
+              </a:ext>
+            </a:extLst>
+          </p:cNvPr>
+          <p:cNvSpPr/>
+          <p:nvPr/>
+        </p:nvSpPr>
+        <p:spPr>
+          <a:xfrm rot="5400000">
+            <a:off x="8239125" y="1381224"/>
+            <a:ext cx="571500" cy="571500"/>
+          </a:xfrm>
+          <a:prstGeom prst="hexagon">
+            <a:avLst/>
+          </a:prstGeom>
+          <a:solidFill>
+            <a:schemeClr val="accent5">
+              <a:lumMod val="60000"/>
+              <a:lumOff val="40000"/>
+            </a:schemeClr>
+          </a:solidFill>
+          <a:ln>
+            <a:noFill/>
+          </a:ln>
+        </p:spPr>
+        <p:style>
+          <a:lnRef idx="2">
+            <a:schemeClr val="accent1">
+              <a:shade val="15000"/>
+            </a:schemeClr>
+          </a:lnRef>
+          <a:fillRef idx="1">
+            <a:schemeClr val="accent1"/>
+          </a:fillRef>
+          <a:effectRef idx="0">
+            <a:schemeClr val="accent1"/>
+          </a:effectRef>
+          <a:fontRef idx="minor">
+            <a:schemeClr val="lt1"/>
+          </a:fontRef>
+        </p:style>
+        <p:txBody>
+          <a:bodyPr rtlCol="0" anchor="ctr"/>
+          <a:lstStyle/>
+          <a:p>
+            <a:pPr algn="ctr"/>
+            <a:endParaRPr lang="zh-CN" altLang="en-US"/>
+          </a:p>
+        </p:txBody>
+      </p:sp>
+      <p:sp>
+        <p:nvSpPr>
+          <p:cNvPr id="94" name="六边形 93">
+            <a:extLst>
+              <a:ext uri="{FF2B5EF4-FFF2-40B4-BE49-F238E27FC236}">
+                <a16:creationId xmlns:a16="http://schemas.microsoft.com/office/drawing/2014/main" id="{4330F234-3EF0-53E4-92A2-95679673CB56}"/>
+              </a:ext>
+            </a:extLst>
+          </p:cNvPr>
+          <p:cNvSpPr/>
+          <p:nvPr/>
+        </p:nvSpPr>
+        <p:spPr>
+          <a:xfrm rot="5400000">
+            <a:off x="3381375" y="1809947"/>
+            <a:ext cx="571500" cy="571500"/>
+          </a:xfrm>
+          <a:prstGeom prst="hexagon">
+            <a:avLst/>
+          </a:prstGeom>
+          <a:solidFill>
+            <a:schemeClr val="accent5">
+              <a:lumMod val="40000"/>
+              <a:lumOff val="60000"/>
+            </a:schemeClr>
+          </a:solidFill>
+          <a:ln>
+            <a:noFill/>
+          </a:ln>
+        </p:spPr>
+        <p:style>
+          <a:lnRef idx="2">
+            <a:schemeClr val="accent1">
+              <a:shade val="15000"/>
+            </a:schemeClr>
+          </a:lnRef>
+          <a:fillRef idx="1">
+            <a:schemeClr val="accent1"/>
+          </a:fillRef>
+          <a:effectRef idx="0">
+            <a:schemeClr val="accent1"/>
+          </a:effectRef>
+          <a:fontRef idx="minor">
+            <a:schemeClr val="lt1"/>
+          </a:fontRef>
+        </p:style>
+        <p:txBody>
+          <a:bodyPr rtlCol="0" anchor="ctr"/>
+          <a:lstStyle/>
+          <a:p>
+            <a:pPr algn="ctr"/>
+            <a:endParaRPr lang="zh-CN" altLang="en-US"/>
+          </a:p>
+        </p:txBody>
+      </p:sp>
+      <p:sp>
+        <p:nvSpPr>
+          <p:cNvPr id="95" name="六边形 94">
+            <a:extLst>
+              <a:ext uri="{FF2B5EF4-FFF2-40B4-BE49-F238E27FC236}">
+                <a16:creationId xmlns:a16="http://schemas.microsoft.com/office/drawing/2014/main" id="{B90DFD66-0EBF-210A-C5A0-1ED23951C12A}"/>
+              </a:ext>
+            </a:extLst>
+          </p:cNvPr>
+          <p:cNvSpPr/>
+          <p:nvPr/>
+        </p:nvSpPr>
+        <p:spPr>
+          <a:xfrm rot="5400000">
+            <a:off x="3952875" y="1809947"/>
+            <a:ext cx="571500" cy="571500"/>
+          </a:xfrm>
+          <a:prstGeom prst="hexagon">
+            <a:avLst/>
+          </a:prstGeom>
+          <a:solidFill>
+            <a:schemeClr val="accent1">
+              <a:lumMod val="60000"/>
+              <a:lumOff val="40000"/>
+            </a:schemeClr>
+          </a:solidFill>
+          <a:ln>
+            <a:noFill/>
+          </a:ln>
+        </p:spPr>
+        <p:style>
+          <a:lnRef idx="2">
+            <a:schemeClr val="accent1">
+              <a:shade val="15000"/>
+            </a:schemeClr>
+          </a:lnRef>
+          <a:fillRef idx="1">
+            <a:schemeClr val="accent1"/>
+          </a:fillRef>
+          <a:effectRef idx="0">
+            <a:schemeClr val="accent1"/>
+          </a:effectRef>
+          <a:fontRef idx="minor">
+            <a:schemeClr val="lt1"/>
+          </a:fontRef>
+        </p:style>
+        <p:txBody>
+          <a:bodyPr rtlCol="0" anchor="ctr"/>
+          <a:lstStyle/>
+          <a:p>
+            <a:pPr algn="ctr"/>
+            <a:endParaRPr lang="zh-CN" altLang="en-US"/>
+          </a:p>
+        </p:txBody>
+      </p:sp>
+      <p:sp>
+        <p:nvSpPr>
+          <p:cNvPr id="96" name="六边形 95">
+            <a:extLst>
+              <a:ext uri="{FF2B5EF4-FFF2-40B4-BE49-F238E27FC236}">
+                <a16:creationId xmlns:a16="http://schemas.microsoft.com/office/drawing/2014/main" id="{65774AD2-9B65-1367-70BE-E847C4BB7063}"/>
+              </a:ext>
+            </a:extLst>
+          </p:cNvPr>
+          <p:cNvSpPr/>
+          <p:nvPr/>
+        </p:nvSpPr>
+        <p:spPr>
+          <a:xfrm rot="5400000">
+            <a:off x="4524375" y="1809947"/>
+            <a:ext cx="571500" cy="571500"/>
+          </a:xfrm>
+          <a:prstGeom prst="hexagon">
+            <a:avLst/>
+          </a:prstGeom>
+          <a:solidFill>
+            <a:schemeClr val="accent5">
+              <a:lumMod val="40000"/>
+              <a:lumOff val="60000"/>
+            </a:schemeClr>
+          </a:solidFill>
+          <a:ln>
+            <a:noFill/>
+          </a:ln>
+        </p:spPr>
+        <p:style>
+          <a:lnRef idx="2">
+            <a:schemeClr val="accent1">
+              <a:shade val="15000"/>
+            </a:schemeClr>
+          </a:lnRef>
+          <a:fillRef idx="1">
+            <a:schemeClr val="accent1"/>
+          </a:fillRef>
+          <a:effectRef idx="0">
+            <a:schemeClr val="accent1"/>
+          </a:effectRef>
+          <a:fontRef idx="minor">
+            <a:schemeClr val="lt1"/>
+          </a:fontRef>
+        </p:style>
+        <p:txBody>
+          <a:bodyPr rtlCol="0" anchor="ctr"/>
+          <a:lstStyle/>
+          <a:p>
+            <a:pPr algn="ctr"/>
+            <a:endParaRPr lang="zh-CN" altLang="en-US"/>
+          </a:p>
+        </p:txBody>
+      </p:sp>
+      <p:sp>
+        <p:nvSpPr>
+          <p:cNvPr id="97" name="六边形 96">
+            <a:extLst>
+              <a:ext uri="{FF2B5EF4-FFF2-40B4-BE49-F238E27FC236}">
+                <a16:creationId xmlns:a16="http://schemas.microsoft.com/office/drawing/2014/main" id="{E85C74D4-B979-4C69-A97D-4EA114DC64B9}"/>
+              </a:ext>
+            </a:extLst>
+          </p:cNvPr>
+          <p:cNvSpPr/>
+          <p:nvPr/>
+        </p:nvSpPr>
+        <p:spPr>
+          <a:xfrm rot="5400000">
+            <a:off x="5095875" y="1809947"/>
+            <a:ext cx="571500" cy="571500"/>
+          </a:xfrm>
+          <a:prstGeom prst="hexagon">
+            <a:avLst/>
+          </a:prstGeom>
+          <a:solidFill>
+            <a:schemeClr val="accent1">
+              <a:lumMod val="60000"/>
+              <a:lumOff val="40000"/>
+            </a:schemeClr>
+          </a:solidFill>
+          <a:ln>
+            <a:noFill/>
+          </a:ln>
+        </p:spPr>
+        <p:style>
+          <a:lnRef idx="2">
+            <a:schemeClr val="accent1">
+              <a:shade val="15000"/>
+            </a:schemeClr>
+          </a:lnRef>
+          <a:fillRef idx="1">
+            <a:schemeClr val="accent1"/>
+          </a:fillRef>
+          <a:effectRef idx="0">
+            <a:schemeClr val="accent1"/>
+          </a:effectRef>
+          <a:fontRef idx="minor">
+            <a:schemeClr val="lt1"/>
+          </a:fontRef>
+        </p:style>
+        <p:txBody>
+          <a:bodyPr rtlCol="0" anchor="ctr"/>
+          <a:lstStyle/>
+          <a:p>
+            <a:pPr algn="ctr"/>
+            <a:endParaRPr lang="zh-CN" altLang="en-US"/>
+          </a:p>
+        </p:txBody>
+      </p:sp>
+      <p:sp>
+        <p:nvSpPr>
+          <p:cNvPr id="98" name="六边形 97">
+            <a:extLst>
+              <a:ext uri="{FF2B5EF4-FFF2-40B4-BE49-F238E27FC236}">
+                <a16:creationId xmlns:a16="http://schemas.microsoft.com/office/drawing/2014/main" id="{AB9A688E-6C9D-572D-8E00-63711FEE9794}"/>
+              </a:ext>
+            </a:extLst>
+          </p:cNvPr>
+          <p:cNvSpPr/>
+          <p:nvPr/>
+        </p:nvSpPr>
+        <p:spPr>
+          <a:xfrm rot="5400000">
+            <a:off x="5667375" y="1809947"/>
+            <a:ext cx="571500" cy="571500"/>
+          </a:xfrm>
+          <a:prstGeom prst="hexagon">
+            <a:avLst/>
+          </a:prstGeom>
+          <a:solidFill>
+            <a:schemeClr val="accent5">
+              <a:lumMod val="40000"/>
+              <a:lumOff val="60000"/>
+            </a:schemeClr>
+          </a:solidFill>
+          <a:ln>
+            <a:noFill/>
+          </a:ln>
+        </p:spPr>
+        <p:style>
+          <a:lnRef idx="2">
+            <a:schemeClr val="accent1">
+              <a:shade val="15000"/>
+            </a:schemeClr>
+          </a:lnRef>
+          <a:fillRef idx="1">
+            <a:schemeClr val="accent1"/>
+          </a:fillRef>
+          <a:effectRef idx="0">
+            <a:schemeClr val="accent1"/>
+          </a:effectRef>
+          <a:fontRef idx="minor">
+            <a:schemeClr val="lt1"/>
+          </a:fontRef>
+        </p:style>
+        <p:txBody>
+          <a:bodyPr rtlCol="0" anchor="ctr"/>
+          <a:lstStyle/>
+          <a:p>
+            <a:pPr algn="ctr"/>
+            <a:endParaRPr lang="zh-CN" altLang="en-US"/>
+          </a:p>
+        </p:txBody>
+      </p:sp>
+      <p:sp>
+        <p:nvSpPr>
+          <p:cNvPr id="99" name="六边形 98">
+            <a:extLst>
+              <a:ext uri="{FF2B5EF4-FFF2-40B4-BE49-F238E27FC236}">
+                <a16:creationId xmlns:a16="http://schemas.microsoft.com/office/drawing/2014/main" id="{4E10B59D-F25C-A09C-A7C8-B4952F95B4F9}"/>
+              </a:ext>
+            </a:extLst>
+          </p:cNvPr>
+          <p:cNvSpPr/>
+          <p:nvPr/>
+        </p:nvSpPr>
+        <p:spPr>
+          <a:xfrm rot="5400000">
+            <a:off x="6238875" y="1809947"/>
+            <a:ext cx="571500" cy="571500"/>
+          </a:xfrm>
+          <a:prstGeom prst="hexagon">
+            <a:avLst/>
+          </a:prstGeom>
+          <a:solidFill>
+            <a:schemeClr val="accent1">
+              <a:lumMod val="60000"/>
+              <a:lumOff val="40000"/>
+            </a:schemeClr>
+          </a:solidFill>
+          <a:ln>
+            <a:noFill/>
+          </a:ln>
+        </p:spPr>
+        <p:style>
+          <a:lnRef idx="2">
+            <a:schemeClr val="accent1">
+              <a:shade val="15000"/>
+            </a:schemeClr>
+          </a:lnRef>
+          <a:fillRef idx="1">
+            <a:schemeClr val="accent1"/>
+          </a:fillRef>
+          <a:effectRef idx="0">
+            <a:schemeClr val="accent1"/>
+          </a:effectRef>
+          <a:fontRef idx="minor">
+            <a:schemeClr val="lt1"/>
+          </a:fontRef>
+        </p:style>
+        <p:txBody>
+          <a:bodyPr rtlCol="0" anchor="ctr"/>
+          <a:lstStyle/>
+          <a:p>
+            <a:pPr algn="ctr"/>
+            <a:endParaRPr lang="zh-CN" altLang="en-US"/>
+          </a:p>
+        </p:txBody>
+      </p:sp>
+      <p:sp>
+        <p:nvSpPr>
+          <p:cNvPr id="100" name="六边形 99">
+            <a:extLst>
+              <a:ext uri="{FF2B5EF4-FFF2-40B4-BE49-F238E27FC236}">
+                <a16:creationId xmlns:a16="http://schemas.microsoft.com/office/drawing/2014/main" id="{944F85F0-D27E-2A9E-DC24-9132DEE679F6}"/>
+              </a:ext>
+            </a:extLst>
+          </p:cNvPr>
+          <p:cNvSpPr/>
+          <p:nvPr/>
+        </p:nvSpPr>
+        <p:spPr>
+          <a:xfrm rot="5400000">
+            <a:off x="6810375" y="1809947"/>
+            <a:ext cx="571500" cy="571500"/>
+          </a:xfrm>
+          <a:prstGeom prst="hexagon">
+            <a:avLst/>
+          </a:prstGeom>
+          <a:solidFill>
+            <a:schemeClr val="accent5">
+              <a:lumMod val="40000"/>
+              <a:lumOff val="60000"/>
+            </a:schemeClr>
+          </a:solidFill>
+          <a:ln>
+            <a:noFill/>
+          </a:ln>
+        </p:spPr>
+        <p:style>
+          <a:lnRef idx="2">
+            <a:schemeClr val="accent1">
+              <a:shade val="15000"/>
+            </a:schemeClr>
+          </a:lnRef>
+          <a:fillRef idx="1">
+            <a:schemeClr val="accent1"/>
+          </a:fillRef>
+          <a:effectRef idx="0">
+            <a:schemeClr val="accent1"/>
+          </a:effectRef>
+          <a:fontRef idx="minor">
+            <a:schemeClr val="lt1"/>
+          </a:fontRef>
+        </p:style>
+        <p:txBody>
+          <a:bodyPr rtlCol="0" anchor="ctr"/>
+          <a:lstStyle/>
+          <a:p>
+            <a:pPr algn="ctr"/>
+            <a:endParaRPr lang="zh-CN" altLang="en-US"/>
+          </a:p>
+        </p:txBody>
+      </p:sp>
+      <p:sp>
+        <p:nvSpPr>
+          <p:cNvPr id="101" name="六边形 100">
+            <a:extLst>
+              <a:ext uri="{FF2B5EF4-FFF2-40B4-BE49-F238E27FC236}">
+                <a16:creationId xmlns:a16="http://schemas.microsoft.com/office/drawing/2014/main" id="{6F8D14BE-6E94-12AC-4439-8979F981A414}"/>
+              </a:ext>
+            </a:extLst>
+          </p:cNvPr>
+          <p:cNvSpPr/>
+          <p:nvPr/>
+        </p:nvSpPr>
+        <p:spPr>
+          <a:xfrm rot="5400000">
+            <a:off x="7381875" y="1809947"/>
+            <a:ext cx="571500" cy="571500"/>
+          </a:xfrm>
+          <a:prstGeom prst="hexagon">
+            <a:avLst/>
+          </a:prstGeom>
+          <a:solidFill>
+            <a:schemeClr val="accent1">
+              <a:lumMod val="60000"/>
+              <a:lumOff val="40000"/>
+            </a:schemeClr>
+          </a:solidFill>
+          <a:ln>
+            <a:noFill/>
+          </a:ln>
+        </p:spPr>
+        <p:style>
+          <a:lnRef idx="2">
+            <a:schemeClr val="accent1">
+              <a:shade val="15000"/>
+            </a:schemeClr>
+          </a:lnRef>
+          <a:fillRef idx="1">
+            <a:schemeClr val="accent1"/>
+          </a:fillRef>
+          <a:effectRef idx="0">
+            <a:schemeClr val="accent1"/>
+          </a:effectRef>
+          <a:fontRef idx="minor">
+            <a:schemeClr val="lt1"/>
+          </a:fontRef>
+        </p:style>
+        <p:txBody>
+          <a:bodyPr rtlCol="0" anchor="ctr"/>
+          <a:lstStyle/>
+          <a:p>
+            <a:pPr algn="ctr"/>
+            <a:endParaRPr lang="zh-CN" altLang="en-US"/>
+          </a:p>
+        </p:txBody>
+      </p:sp>
+      <p:sp>
+        <p:nvSpPr>
+          <p:cNvPr id="102" name="六边形 101">
+            <a:extLst>
+              <a:ext uri="{FF2B5EF4-FFF2-40B4-BE49-F238E27FC236}">
+                <a16:creationId xmlns:a16="http://schemas.microsoft.com/office/drawing/2014/main" id="{53890054-4844-BD86-FC58-6CE16736978A}"/>
+              </a:ext>
+            </a:extLst>
+          </p:cNvPr>
+          <p:cNvSpPr/>
+          <p:nvPr/>
+        </p:nvSpPr>
+        <p:spPr>
+          <a:xfrm rot="5400000">
+            <a:off x="7953375" y="1809947"/>
+            <a:ext cx="571500" cy="571500"/>
+          </a:xfrm>
+          <a:prstGeom prst="hexagon">
+            <a:avLst/>
+          </a:prstGeom>
+          <a:solidFill>
+            <a:schemeClr val="accent5">
+              <a:lumMod val="40000"/>
+              <a:lumOff val="60000"/>
+            </a:schemeClr>
+          </a:solidFill>
+          <a:ln>
+            <a:noFill/>
+          </a:ln>
+        </p:spPr>
+        <p:style>
+          <a:lnRef idx="2">
+            <a:schemeClr val="accent1">
+              <a:shade val="15000"/>
+            </a:schemeClr>
+          </a:lnRef>
+          <a:fillRef idx="1">
+            <a:schemeClr val="accent1"/>
+          </a:fillRef>
+          <a:effectRef idx="0">
+            <a:schemeClr val="accent1"/>
+          </a:effectRef>
+          <a:fontRef idx="minor">
+            <a:schemeClr val="lt1"/>
+          </a:fontRef>
+        </p:style>
+        <p:txBody>
+          <a:bodyPr rtlCol="0" anchor="ctr"/>
+          <a:lstStyle/>
+          <a:p>
+            <a:pPr algn="ctr"/>
+            <a:endParaRPr lang="zh-CN" altLang="en-US"/>
+          </a:p>
+        </p:txBody>
+      </p:sp>
+      <p:sp>
+        <p:nvSpPr>
+          <p:cNvPr id="103" name="六边形 102">
+            <a:extLst>
+              <a:ext uri="{FF2B5EF4-FFF2-40B4-BE49-F238E27FC236}">
+                <a16:creationId xmlns:a16="http://schemas.microsoft.com/office/drawing/2014/main" id="{DB7FEB1F-B0C5-82BE-8C23-B1D6C5EADB0B}"/>
+              </a:ext>
+            </a:extLst>
+          </p:cNvPr>
+          <p:cNvSpPr/>
+          <p:nvPr/>
+        </p:nvSpPr>
+        <p:spPr>
+          <a:xfrm rot="5400000">
+            <a:off x="3667125" y="2238670"/>
+            <a:ext cx="571500" cy="571500"/>
+          </a:xfrm>
+          <a:prstGeom prst="hexagon">
+            <a:avLst/>
+          </a:prstGeom>
+          <a:solidFill>
+            <a:schemeClr val="accent5">
+              <a:lumMod val="60000"/>
+              <a:lumOff val="40000"/>
+            </a:schemeClr>
+          </a:solidFill>
+          <a:ln>
+            <a:noFill/>
+          </a:ln>
+        </p:spPr>
+        <p:style>
+          <a:lnRef idx="2">
+            <a:schemeClr val="accent1">
+              <a:shade val="15000"/>
+            </a:schemeClr>
+          </a:lnRef>
+          <a:fillRef idx="1">
+            <a:schemeClr val="accent1"/>
+          </a:fillRef>
+          <a:effectRef idx="0">
+            <a:schemeClr val="accent1"/>
+          </a:effectRef>
+          <a:fontRef idx="minor">
+            <a:schemeClr val="lt1"/>
+          </a:fontRef>
+        </p:style>
+        <p:txBody>
+          <a:bodyPr rtlCol="0" anchor="ctr"/>
+          <a:lstStyle/>
+          <a:p>
+            <a:pPr algn="ctr"/>
+            <a:endParaRPr lang="zh-CN" altLang="en-US"/>
+          </a:p>
+        </p:txBody>
+      </p:sp>
+      <p:sp>
+        <p:nvSpPr>
+          <p:cNvPr id="104" name="六边形 103">
+            <a:extLst>
+              <a:ext uri="{FF2B5EF4-FFF2-40B4-BE49-F238E27FC236}">
+                <a16:creationId xmlns:a16="http://schemas.microsoft.com/office/drawing/2014/main" id="{840741C5-9DE0-8F26-728F-92A059A125B6}"/>
+              </a:ext>
+            </a:extLst>
+          </p:cNvPr>
+          <p:cNvSpPr/>
+          <p:nvPr/>
+        </p:nvSpPr>
+        <p:spPr>
+          <a:xfrm rot="5400000">
+            <a:off x="4238625" y="2238670"/>
+            <a:ext cx="571500" cy="571500"/>
+          </a:xfrm>
+          <a:prstGeom prst="hexagon">
+            <a:avLst/>
+          </a:prstGeom>
+          <a:solidFill>
+            <a:srgbClr val="00B0F0"/>
+          </a:solidFill>
+          <a:ln>
+            <a:noFill/>
+          </a:ln>
+        </p:spPr>
+        <p:style>
+          <a:lnRef idx="2">
+            <a:schemeClr val="accent1">
+              <a:shade val="15000"/>
+            </a:schemeClr>
+          </a:lnRef>
+          <a:fillRef idx="1">
+            <a:schemeClr val="accent1"/>
+          </a:fillRef>
+          <a:effectRef idx="0">
+            <a:schemeClr val="accent1"/>
+          </a:effectRef>
+          <a:fontRef idx="minor">
+            <a:schemeClr val="lt1"/>
+          </a:fontRef>
+        </p:style>
+        <p:txBody>
+          <a:bodyPr rtlCol="0" anchor="ctr"/>
+          <a:lstStyle/>
+          <a:p>
+            <a:pPr algn="ctr"/>
+            <a:endParaRPr lang="zh-CN" altLang="en-US"/>
+          </a:p>
+        </p:txBody>
+      </p:sp>
+      <p:sp>
+        <p:nvSpPr>
+          <p:cNvPr id="105" name="六边形 104">
+            <a:extLst>
+              <a:ext uri="{FF2B5EF4-FFF2-40B4-BE49-F238E27FC236}">
+                <a16:creationId xmlns:a16="http://schemas.microsoft.com/office/drawing/2014/main" id="{9EF7A625-A60D-4770-C824-C3201084C3F2}"/>
+              </a:ext>
+            </a:extLst>
+          </p:cNvPr>
+          <p:cNvSpPr/>
+          <p:nvPr/>
+        </p:nvSpPr>
+        <p:spPr>
+          <a:xfrm rot="5400000">
+            <a:off x="4810125" y="2238670"/>
+            <a:ext cx="571500" cy="571500"/>
+          </a:xfrm>
+          <a:prstGeom prst="hexagon">
+            <a:avLst/>
+          </a:prstGeom>
+          <a:solidFill>
+            <a:schemeClr val="accent5">
+              <a:lumMod val="60000"/>
+              <a:lumOff val="40000"/>
+            </a:schemeClr>
+          </a:solidFill>
+          <a:ln>
+            <a:noFill/>
+          </a:ln>
+        </p:spPr>
+        <p:style>
+          <a:lnRef idx="2">
+            <a:schemeClr val="accent1">
+              <a:shade val="15000"/>
+            </a:schemeClr>
+          </a:lnRef>
+          <a:fillRef idx="1">
+            <a:schemeClr val="accent1"/>
+          </a:fillRef>
+          <a:effectRef idx="0">
+            <a:schemeClr val="accent1"/>
+          </a:effectRef>
+          <a:fontRef idx="minor">
+            <a:schemeClr val="lt1"/>
+          </a:fontRef>
+        </p:style>
+        <p:txBody>
+          <a:bodyPr rtlCol="0" anchor="ctr"/>
+          <a:lstStyle/>
+          <a:p>
+            <a:pPr algn="ctr"/>
+            <a:endParaRPr lang="zh-CN" altLang="en-US"/>
+          </a:p>
+        </p:txBody>
+      </p:sp>
+      <p:sp>
+        <p:nvSpPr>
+          <p:cNvPr id="106" name="六边形 105">
+            <a:extLst>
+              <a:ext uri="{FF2B5EF4-FFF2-40B4-BE49-F238E27FC236}">
+                <a16:creationId xmlns:a16="http://schemas.microsoft.com/office/drawing/2014/main" id="{4E233C7F-4A25-BA07-3558-3D82ABAACEED}"/>
+              </a:ext>
+            </a:extLst>
+          </p:cNvPr>
+          <p:cNvSpPr/>
+          <p:nvPr/>
+        </p:nvSpPr>
+        <p:spPr>
+          <a:xfrm rot="5400000">
+            <a:off x="5381625" y="2238670"/>
+            <a:ext cx="571500" cy="571500"/>
+          </a:xfrm>
+          <a:prstGeom prst="hexagon">
+            <a:avLst/>
+          </a:prstGeom>
+          <a:solidFill>
+            <a:srgbClr val="00B0F0"/>
+          </a:solidFill>
+          <a:ln>
+            <a:noFill/>
+          </a:ln>
+        </p:spPr>
+        <p:style>
+          <a:lnRef idx="2">
+            <a:schemeClr val="accent1">
+              <a:shade val="15000"/>
+            </a:schemeClr>
+          </a:lnRef>
+          <a:fillRef idx="1">
+            <a:schemeClr val="accent1"/>
+          </a:fillRef>
+          <a:effectRef idx="0">
+            <a:schemeClr val="accent1"/>
+          </a:effectRef>
+          <a:fontRef idx="minor">
+            <a:schemeClr val="lt1"/>
+          </a:fontRef>
+        </p:style>
+        <p:txBody>
+          <a:bodyPr rtlCol="0" anchor="ctr"/>
+          <a:lstStyle/>
+          <a:p>
+            <a:pPr algn="ctr"/>
+            <a:endParaRPr lang="zh-CN" altLang="en-US"/>
+          </a:p>
+        </p:txBody>
+      </p:sp>
+      <p:sp>
+        <p:nvSpPr>
+          <p:cNvPr id="107" name="六边形 106">
+            <a:extLst>
+              <a:ext uri="{FF2B5EF4-FFF2-40B4-BE49-F238E27FC236}">
+                <a16:creationId xmlns:a16="http://schemas.microsoft.com/office/drawing/2014/main" id="{3FE09F2F-48B2-84CF-4A61-27F4CEF65480}"/>
+              </a:ext>
+            </a:extLst>
+          </p:cNvPr>
+          <p:cNvSpPr/>
+          <p:nvPr/>
+        </p:nvSpPr>
+        <p:spPr>
+          <a:xfrm rot="5400000">
+            <a:off x="5953125" y="2238670"/>
+            <a:ext cx="571500" cy="571500"/>
+          </a:xfrm>
+          <a:prstGeom prst="hexagon">
+            <a:avLst/>
+          </a:prstGeom>
+          <a:solidFill>
+            <a:schemeClr val="accent5">
+              <a:lumMod val="60000"/>
+              <a:lumOff val="40000"/>
+            </a:schemeClr>
+          </a:solidFill>
+          <a:ln>
+            <a:noFill/>
+          </a:ln>
+        </p:spPr>
+        <p:style>
+          <a:lnRef idx="2">
+            <a:schemeClr val="accent1">
+              <a:shade val="15000"/>
+            </a:schemeClr>
+          </a:lnRef>
+          <a:fillRef idx="1">
+            <a:schemeClr val="accent1"/>
+          </a:fillRef>
+          <a:effectRef idx="0">
+            <a:schemeClr val="accent1"/>
+          </a:effectRef>
+          <a:fontRef idx="minor">
+            <a:schemeClr val="lt1"/>
+          </a:fontRef>
+        </p:style>
+        <p:txBody>
+          <a:bodyPr rtlCol="0" anchor="ctr"/>
+          <a:lstStyle/>
+          <a:p>
+            <a:pPr algn="ctr"/>
+            <a:endParaRPr lang="zh-CN" altLang="en-US"/>
+          </a:p>
+        </p:txBody>
+      </p:sp>
+      <p:sp>
+        <p:nvSpPr>
+          <p:cNvPr id="108" name="六边形 107">
+            <a:extLst>
+              <a:ext uri="{FF2B5EF4-FFF2-40B4-BE49-F238E27FC236}">
+                <a16:creationId xmlns:a16="http://schemas.microsoft.com/office/drawing/2014/main" id="{66C82B02-24F3-AE01-0C41-96C8023D6116}"/>
+              </a:ext>
+            </a:extLst>
+          </p:cNvPr>
+          <p:cNvSpPr/>
+          <p:nvPr/>
+        </p:nvSpPr>
+        <p:spPr>
+          <a:xfrm rot="5400000">
+            <a:off x="6524625" y="2238670"/>
+            <a:ext cx="571500" cy="571500"/>
+          </a:xfrm>
+          <a:prstGeom prst="hexagon">
+            <a:avLst/>
+          </a:prstGeom>
+          <a:solidFill>
+            <a:srgbClr val="00B0F0"/>
+          </a:solidFill>
+          <a:ln>
+            <a:noFill/>
+          </a:ln>
+        </p:spPr>
+        <p:style>
+          <a:lnRef idx="2">
+            <a:schemeClr val="accent1">
+              <a:shade val="15000"/>
+            </a:schemeClr>
+          </a:lnRef>
+          <a:fillRef idx="1">
+            <a:schemeClr val="accent1"/>
+          </a:fillRef>
+          <a:effectRef idx="0">
+            <a:schemeClr val="accent1"/>
+          </a:effectRef>
+          <a:fontRef idx="minor">
+            <a:schemeClr val="lt1"/>
+          </a:fontRef>
+        </p:style>
+        <p:txBody>
+          <a:bodyPr rtlCol="0" anchor="ctr"/>
+          <a:lstStyle/>
+          <a:p>
+            <a:pPr algn="ctr"/>
+            <a:endParaRPr lang="zh-CN" altLang="en-US"/>
+          </a:p>
+        </p:txBody>
+      </p:sp>
+      <p:sp>
+        <p:nvSpPr>
+          <p:cNvPr id="109" name="六边形 108">
+            <a:extLst>
+              <a:ext uri="{FF2B5EF4-FFF2-40B4-BE49-F238E27FC236}">
+                <a16:creationId xmlns:a16="http://schemas.microsoft.com/office/drawing/2014/main" id="{5C0B9335-C2C9-B9F5-B13F-F473ADFFB0CA}"/>
+              </a:ext>
+            </a:extLst>
+          </p:cNvPr>
+          <p:cNvSpPr/>
+          <p:nvPr/>
+        </p:nvSpPr>
+        <p:spPr>
+          <a:xfrm rot="5400000">
+            <a:off x="7096125" y="2238670"/>
+            <a:ext cx="571500" cy="571500"/>
+          </a:xfrm>
+          <a:prstGeom prst="hexagon">
+            <a:avLst/>
+          </a:prstGeom>
+          <a:solidFill>
+            <a:schemeClr val="accent5">
+              <a:lumMod val="60000"/>
+              <a:lumOff val="40000"/>
+            </a:schemeClr>
+          </a:solidFill>
+          <a:ln>
+            <a:noFill/>
+          </a:ln>
+        </p:spPr>
+        <p:style>
+          <a:lnRef idx="2">
+            <a:schemeClr val="accent1">
+              <a:shade val="15000"/>
+            </a:schemeClr>
+          </a:lnRef>
+          <a:fillRef idx="1">
+            <a:schemeClr val="accent1"/>
+          </a:fillRef>
+          <a:effectRef idx="0">
+            <a:schemeClr val="accent1"/>
+          </a:effectRef>
+          <a:fontRef idx="minor">
+            <a:schemeClr val="lt1"/>
+          </a:fontRef>
+        </p:style>
+        <p:txBody>
+          <a:bodyPr rtlCol="0" anchor="ctr"/>
+          <a:lstStyle/>
+          <a:p>
+            <a:pPr algn="ctr"/>
+            <a:endParaRPr lang="zh-CN" altLang="en-US"/>
+          </a:p>
+        </p:txBody>
+      </p:sp>
+      <p:sp>
+        <p:nvSpPr>
+          <p:cNvPr id="110" name="六边形 109">
+            <a:extLst>
+              <a:ext uri="{FF2B5EF4-FFF2-40B4-BE49-F238E27FC236}">
+                <a16:creationId xmlns:a16="http://schemas.microsoft.com/office/drawing/2014/main" id="{CF21AA1B-FAB6-0C72-4BE8-71669ED0ED34}"/>
+              </a:ext>
+            </a:extLst>
+          </p:cNvPr>
+          <p:cNvSpPr/>
+          <p:nvPr/>
+        </p:nvSpPr>
+        <p:spPr>
+          <a:xfrm rot="5400000">
+            <a:off x="7667625" y="2238670"/>
+            <a:ext cx="571500" cy="571500"/>
+          </a:xfrm>
+          <a:prstGeom prst="hexagon">
+            <a:avLst/>
+          </a:prstGeom>
+          <a:solidFill>
+            <a:srgbClr val="00B0F0"/>
+          </a:solidFill>
+          <a:ln>
+            <a:noFill/>
+          </a:ln>
+        </p:spPr>
+        <p:style>
+          <a:lnRef idx="2">
+            <a:schemeClr val="accent1">
+              <a:shade val="15000"/>
+            </a:schemeClr>
+          </a:lnRef>
+          <a:fillRef idx="1">
+            <a:schemeClr val="accent1"/>
+          </a:fillRef>
+          <a:effectRef idx="0">
+            <a:schemeClr val="accent1"/>
+          </a:effectRef>
+          <a:fontRef idx="minor">
+            <a:schemeClr val="lt1"/>
+          </a:fontRef>
+        </p:style>
+        <p:txBody>
+          <a:bodyPr rtlCol="0" anchor="ctr"/>
+          <a:lstStyle/>
+          <a:p>
+            <a:pPr algn="ctr"/>
+            <a:endParaRPr lang="zh-CN" altLang="en-US"/>
+          </a:p>
+        </p:txBody>
+      </p:sp>
+      <p:sp>
+        <p:nvSpPr>
+          <p:cNvPr id="111" name="六边形 110">
+            <a:extLst>
+              <a:ext uri="{FF2B5EF4-FFF2-40B4-BE49-F238E27FC236}">
+                <a16:creationId xmlns:a16="http://schemas.microsoft.com/office/drawing/2014/main" id="{D5EE4EC8-4758-5D5A-630D-F4AC55E6ECAB}"/>
+              </a:ext>
+            </a:extLst>
+          </p:cNvPr>
+          <p:cNvSpPr/>
+          <p:nvPr/>
+        </p:nvSpPr>
+        <p:spPr>
+          <a:xfrm rot="5400000">
+            <a:off x="8239125" y="2238670"/>
+            <a:ext cx="571500" cy="571500"/>
+          </a:xfrm>
+          <a:prstGeom prst="hexagon">
+            <a:avLst/>
+          </a:prstGeom>
+          <a:solidFill>
+            <a:schemeClr val="accent5">
+              <a:lumMod val="60000"/>
+              <a:lumOff val="40000"/>
+            </a:schemeClr>
+          </a:solidFill>
+          <a:ln>
+            <a:noFill/>
+          </a:ln>
+        </p:spPr>
+        <p:style>
+          <a:lnRef idx="2">
+            <a:schemeClr val="accent1">
+              <a:shade val="15000"/>
+            </a:schemeClr>
+          </a:lnRef>
+          <a:fillRef idx="1">
+            <a:schemeClr val="accent1"/>
+          </a:fillRef>
+          <a:effectRef idx="0">
+            <a:schemeClr val="accent1"/>
+          </a:effectRef>
+          <a:fontRef idx="minor">
+            <a:schemeClr val="lt1"/>
+          </a:fontRef>
+        </p:style>
+        <p:txBody>
+          <a:bodyPr rtlCol="0" anchor="ctr"/>
+          <a:lstStyle/>
+          <a:p>
+            <a:pPr algn="ctr"/>
+            <a:endParaRPr lang="zh-CN" altLang="en-US"/>
+          </a:p>
+        </p:txBody>
+      </p:sp>
+      <p:sp>
+        <p:nvSpPr>
+          <p:cNvPr id="112" name="六边形 111">
+            <a:extLst>
+              <a:ext uri="{FF2B5EF4-FFF2-40B4-BE49-F238E27FC236}">
+                <a16:creationId xmlns:a16="http://schemas.microsoft.com/office/drawing/2014/main" id="{76477FB3-B16E-2776-B8DE-3C581EF7FBE0}"/>
+              </a:ext>
+            </a:extLst>
+          </p:cNvPr>
+          <p:cNvSpPr/>
+          <p:nvPr/>
+        </p:nvSpPr>
+        <p:spPr>
+          <a:xfrm rot="5400000">
+            <a:off x="3381375" y="2667393"/>
+            <a:ext cx="571500" cy="571500"/>
+          </a:xfrm>
+          <a:prstGeom prst="hexagon">
+            <a:avLst/>
+          </a:prstGeom>
+          <a:solidFill>
+            <a:schemeClr val="accent5">
+              <a:lumMod val="40000"/>
+              <a:lumOff val="60000"/>
+            </a:schemeClr>
+          </a:solidFill>
+          <a:ln>
+            <a:noFill/>
+          </a:ln>
+        </p:spPr>
+        <p:style>
+          <a:lnRef idx="2">
+            <a:schemeClr val="accent1">
+              <a:shade val="15000"/>
+            </a:schemeClr>
+          </a:lnRef>
+          <a:fillRef idx="1">
+            <a:schemeClr val="accent1"/>
+          </a:fillRef>
+          <a:effectRef idx="0">
+            <a:schemeClr val="accent1"/>
+          </a:effectRef>
+          <a:fontRef idx="minor">
+            <a:schemeClr val="lt1"/>
+          </a:fontRef>
+        </p:style>
+        <p:txBody>
+          <a:bodyPr rtlCol="0" anchor="ctr"/>
+          <a:lstStyle/>
+          <a:p>
+            <a:pPr algn="ctr"/>
+            <a:endParaRPr lang="zh-CN" altLang="en-US"/>
+          </a:p>
+        </p:txBody>
+      </p:sp>
+      <p:sp>
+        <p:nvSpPr>
+          <p:cNvPr id="113" name="六边形 112">
+            <a:extLst>
+              <a:ext uri="{FF2B5EF4-FFF2-40B4-BE49-F238E27FC236}">
+                <a16:creationId xmlns:a16="http://schemas.microsoft.com/office/drawing/2014/main" id="{68905AD7-5395-F341-FE57-E0F017CD5B21}"/>
+              </a:ext>
+            </a:extLst>
+          </p:cNvPr>
+          <p:cNvSpPr/>
+          <p:nvPr/>
+        </p:nvSpPr>
+        <p:spPr>
+          <a:xfrm rot="5400000">
+            <a:off x="3952875" y="2667393"/>
+            <a:ext cx="571500" cy="571500"/>
+          </a:xfrm>
+          <a:prstGeom prst="hexagon">
+            <a:avLst/>
+          </a:prstGeom>
+          <a:solidFill>
+            <a:schemeClr val="accent1">
+              <a:lumMod val="60000"/>
+              <a:lumOff val="40000"/>
+            </a:schemeClr>
+          </a:solidFill>
+          <a:ln>
+            <a:noFill/>
+          </a:ln>
+        </p:spPr>
+        <p:style>
+          <a:lnRef idx="2">
+            <a:schemeClr val="accent1">
+              <a:shade val="15000"/>
+            </a:schemeClr>
+          </a:lnRef>
+          <a:fillRef idx="1">
+            <a:schemeClr val="accent1"/>
+          </a:fillRef>
+          <a:effectRef idx="0">
+            <a:schemeClr val="accent1"/>
+          </a:effectRef>
+          <a:fontRef idx="minor">
+            <a:schemeClr val="lt1"/>
+          </a:fontRef>
+        </p:style>
+        <p:txBody>
+          <a:bodyPr rtlCol="0" anchor="ctr"/>
+          <a:lstStyle/>
+          <a:p>
+            <a:pPr algn="ctr"/>
+            <a:endParaRPr lang="zh-CN" altLang="en-US"/>
+          </a:p>
+        </p:txBody>
+      </p:sp>
+      <p:sp>
+        <p:nvSpPr>
+          <p:cNvPr id="114" name="六边形 113">
+            <a:extLst>
+              <a:ext uri="{FF2B5EF4-FFF2-40B4-BE49-F238E27FC236}">
+                <a16:creationId xmlns:a16="http://schemas.microsoft.com/office/drawing/2014/main" id="{065449CF-D132-CCE6-EBE6-311FB3FA0E81}"/>
+              </a:ext>
+            </a:extLst>
+          </p:cNvPr>
+          <p:cNvSpPr/>
+          <p:nvPr/>
+        </p:nvSpPr>
+        <p:spPr>
+          <a:xfrm rot="5400000">
+            <a:off x="4524375" y="2667393"/>
+            <a:ext cx="571500" cy="571500"/>
+          </a:xfrm>
+          <a:prstGeom prst="hexagon">
+            <a:avLst/>
+          </a:prstGeom>
+          <a:solidFill>
+            <a:schemeClr val="accent5">
+              <a:lumMod val="40000"/>
+              <a:lumOff val="60000"/>
+            </a:schemeClr>
+          </a:solidFill>
+          <a:ln>
+            <a:noFill/>
+          </a:ln>
+        </p:spPr>
+        <p:style>
+          <a:lnRef idx="2">
+            <a:schemeClr val="accent1">
+              <a:shade val="15000"/>
+            </a:schemeClr>
+          </a:lnRef>
+          <a:fillRef idx="1">
+            <a:schemeClr val="accent1"/>
+          </a:fillRef>
+          <a:effectRef idx="0">
+            <a:schemeClr val="accent1"/>
+          </a:effectRef>
+          <a:fontRef idx="minor">
+            <a:schemeClr val="lt1"/>
+          </a:fontRef>
+        </p:style>
+        <p:txBody>
+          <a:bodyPr rtlCol="0" anchor="ctr"/>
+          <a:lstStyle/>
+          <a:p>
+            <a:pPr algn="ctr"/>
+            <a:endParaRPr lang="zh-CN" altLang="en-US"/>
+          </a:p>
+        </p:txBody>
+      </p:sp>
+      <p:sp>
+        <p:nvSpPr>
+          <p:cNvPr id="115" name="六边形 114">
+            <a:extLst>
+              <a:ext uri="{FF2B5EF4-FFF2-40B4-BE49-F238E27FC236}">
+                <a16:creationId xmlns:a16="http://schemas.microsoft.com/office/drawing/2014/main" id="{05F46A5C-1C0B-BB39-EA34-92A21B86D577}"/>
+              </a:ext>
+            </a:extLst>
+          </p:cNvPr>
+          <p:cNvSpPr/>
+          <p:nvPr/>
+        </p:nvSpPr>
+        <p:spPr>
+          <a:xfrm rot="5400000">
+            <a:off x="5095875" y="2667393"/>
+            <a:ext cx="571500" cy="571500"/>
+          </a:xfrm>
+          <a:prstGeom prst="hexagon">
+            <a:avLst/>
+          </a:prstGeom>
+          <a:solidFill>
+            <a:schemeClr val="accent1">
+              <a:lumMod val="60000"/>
+              <a:lumOff val="40000"/>
+            </a:schemeClr>
+          </a:solidFill>
+          <a:ln>
+            <a:noFill/>
+          </a:ln>
+        </p:spPr>
+        <p:style>
+          <a:lnRef idx="2">
+            <a:schemeClr val="accent1">
+              <a:shade val="15000"/>
+            </a:schemeClr>
+          </a:lnRef>
+          <a:fillRef idx="1">
+            <a:schemeClr val="accent1"/>
+          </a:fillRef>
+          <a:effectRef idx="0">
+            <a:schemeClr val="accent1"/>
+          </a:effectRef>
+          <a:fontRef idx="minor">
+            <a:schemeClr val="lt1"/>
+          </a:fontRef>
+        </p:style>
+        <p:txBody>
+          <a:bodyPr rtlCol="0" anchor="ctr"/>
+          <a:lstStyle/>
+          <a:p>
+            <a:pPr algn="ctr"/>
+            <a:endParaRPr lang="zh-CN" altLang="en-US"/>
+          </a:p>
+        </p:txBody>
+      </p:sp>
+      <p:sp>
+        <p:nvSpPr>
+          <p:cNvPr id="116" name="六边形 115">
+            <a:extLst>
+              <a:ext uri="{FF2B5EF4-FFF2-40B4-BE49-F238E27FC236}">
+                <a16:creationId xmlns:a16="http://schemas.microsoft.com/office/drawing/2014/main" id="{1BFD6110-FCC1-DB73-572A-5F8D52A6D01B}"/>
+              </a:ext>
+            </a:extLst>
+          </p:cNvPr>
+          <p:cNvSpPr/>
+          <p:nvPr/>
+        </p:nvSpPr>
+        <p:spPr>
+          <a:xfrm rot="5400000">
+            <a:off x="5667375" y="2667393"/>
+            <a:ext cx="571500" cy="571500"/>
+          </a:xfrm>
+          <a:prstGeom prst="hexagon">
+            <a:avLst/>
+          </a:prstGeom>
+          <a:solidFill>
+            <a:schemeClr val="accent5">
+              <a:lumMod val="40000"/>
+              <a:lumOff val="60000"/>
+            </a:schemeClr>
+          </a:solidFill>
+          <a:ln>
+            <a:noFill/>
+          </a:ln>
+        </p:spPr>
+        <p:style>
+          <a:lnRef idx="2">
+            <a:schemeClr val="accent1">
+              <a:shade val="15000"/>
+            </a:schemeClr>
+          </a:lnRef>
+          <a:fillRef idx="1">
+            <a:schemeClr val="accent1"/>
+          </a:fillRef>
+          <a:effectRef idx="0">
+            <a:schemeClr val="accent1"/>
+          </a:effectRef>
+          <a:fontRef idx="minor">
+            <a:schemeClr val="lt1"/>
+          </a:fontRef>
+        </p:style>
+        <p:txBody>
+          <a:bodyPr rtlCol="0" anchor="ctr"/>
+          <a:lstStyle/>
+          <a:p>
+            <a:pPr algn="ctr"/>
+            <a:endParaRPr lang="zh-CN" altLang="en-US"/>
+          </a:p>
+        </p:txBody>
+      </p:sp>
+      <p:sp>
+        <p:nvSpPr>
+          <p:cNvPr id="117" name="六边形 116">
+            <a:extLst>
+              <a:ext uri="{FF2B5EF4-FFF2-40B4-BE49-F238E27FC236}">
+                <a16:creationId xmlns:a16="http://schemas.microsoft.com/office/drawing/2014/main" id="{41BF1E3E-270C-01D4-D2DC-D369C3586647}"/>
+              </a:ext>
+            </a:extLst>
+          </p:cNvPr>
+          <p:cNvSpPr/>
+          <p:nvPr/>
+        </p:nvSpPr>
+        <p:spPr>
+          <a:xfrm rot="5400000">
+            <a:off x="6238875" y="2667393"/>
+            <a:ext cx="571500" cy="571500"/>
+          </a:xfrm>
+          <a:prstGeom prst="hexagon">
+            <a:avLst/>
+          </a:prstGeom>
+          <a:solidFill>
+            <a:schemeClr val="accent1">
+              <a:lumMod val="60000"/>
+              <a:lumOff val="40000"/>
+            </a:schemeClr>
+          </a:solidFill>
+          <a:ln>
+            <a:noFill/>
+          </a:ln>
+        </p:spPr>
+        <p:style>
+          <a:lnRef idx="2">
+            <a:schemeClr val="accent1">
+              <a:shade val="15000"/>
+            </a:schemeClr>
+          </a:lnRef>
+          <a:fillRef idx="1">
+            <a:schemeClr val="accent1"/>
+          </a:fillRef>
+          <a:effectRef idx="0">
+            <a:schemeClr val="accent1"/>
+          </a:effectRef>
+          <a:fontRef idx="minor">
+            <a:schemeClr val="lt1"/>
+          </a:fontRef>
+        </p:style>
+        <p:txBody>
+          <a:bodyPr rtlCol="0" anchor="ctr"/>
+          <a:lstStyle/>
+          <a:p>
+            <a:pPr algn="ctr"/>
+            <a:endParaRPr lang="zh-CN" altLang="en-US"/>
+          </a:p>
+        </p:txBody>
+      </p:sp>
+      <p:sp>
+        <p:nvSpPr>
+          <p:cNvPr id="118" name="六边形 117">
+            <a:extLst>
+              <a:ext uri="{FF2B5EF4-FFF2-40B4-BE49-F238E27FC236}">
+                <a16:creationId xmlns:a16="http://schemas.microsoft.com/office/drawing/2014/main" id="{E32C2D25-F940-F75F-92E8-06E595647EA8}"/>
+              </a:ext>
+            </a:extLst>
+          </p:cNvPr>
+          <p:cNvSpPr/>
+          <p:nvPr/>
+        </p:nvSpPr>
+        <p:spPr>
+          <a:xfrm rot="5400000">
+            <a:off x="6810375" y="2667393"/>
+            <a:ext cx="571500" cy="571500"/>
+          </a:xfrm>
+          <a:prstGeom prst="hexagon">
+            <a:avLst/>
+          </a:prstGeom>
+          <a:solidFill>
+            <a:schemeClr val="accent5">
+              <a:lumMod val="40000"/>
+              <a:lumOff val="60000"/>
+            </a:schemeClr>
+          </a:solidFill>
+          <a:ln>
+            <a:noFill/>
+          </a:ln>
+        </p:spPr>
+        <p:style>
+          <a:lnRef idx="2">
+            <a:schemeClr val="accent1">
+              <a:shade val="15000"/>
+            </a:schemeClr>
+          </a:lnRef>
+          <a:fillRef idx="1">
+            <a:schemeClr val="accent1"/>
+          </a:fillRef>
+          <a:effectRef idx="0">
+            <a:schemeClr val="accent1"/>
+          </a:effectRef>
+          <a:fontRef idx="minor">
+            <a:schemeClr val="lt1"/>
+          </a:fontRef>
+        </p:style>
+        <p:txBody>
+          <a:bodyPr rtlCol="0" anchor="ctr"/>
+          <a:lstStyle/>
+          <a:p>
+            <a:pPr algn="ctr"/>
+            <a:endParaRPr lang="zh-CN" altLang="en-US"/>
+          </a:p>
+        </p:txBody>
+      </p:sp>
+      <p:sp>
+        <p:nvSpPr>
+          <p:cNvPr id="119" name="六边形 118">
+            <a:extLst>
+              <a:ext uri="{FF2B5EF4-FFF2-40B4-BE49-F238E27FC236}">
+                <a16:creationId xmlns:a16="http://schemas.microsoft.com/office/drawing/2014/main" id="{7C9B4837-FD44-5579-1C83-AF525FD2B77A}"/>
+              </a:ext>
+            </a:extLst>
+          </p:cNvPr>
+          <p:cNvSpPr/>
+          <p:nvPr/>
+        </p:nvSpPr>
+        <p:spPr>
+          <a:xfrm rot="5400000">
+            <a:off x="7381875" y="2667393"/>
+            <a:ext cx="571500" cy="571500"/>
+          </a:xfrm>
+          <a:prstGeom prst="hexagon">
+            <a:avLst/>
+          </a:prstGeom>
+          <a:solidFill>
+            <a:schemeClr val="accent1">
+              <a:lumMod val="60000"/>
+              <a:lumOff val="40000"/>
+            </a:schemeClr>
+          </a:solidFill>
+          <a:ln>
+            <a:noFill/>
+          </a:ln>
+        </p:spPr>
+        <p:style>
+          <a:lnRef idx="2">
+            <a:schemeClr val="accent1">
+              <a:shade val="15000"/>
+            </a:schemeClr>
+          </a:lnRef>
+          <a:fillRef idx="1">
+            <a:schemeClr val="accent1"/>
+          </a:fillRef>
+          <a:effectRef idx="0">
+            <a:schemeClr val="accent1"/>
+          </a:effectRef>
+          <a:fontRef idx="minor">
+            <a:schemeClr val="lt1"/>
+          </a:fontRef>
+        </p:style>
+        <p:txBody>
+          <a:bodyPr rtlCol="0" anchor="ctr"/>
+          <a:lstStyle/>
+          <a:p>
+            <a:pPr algn="ctr"/>
+            <a:endParaRPr lang="zh-CN" altLang="en-US"/>
+          </a:p>
+        </p:txBody>
+      </p:sp>
+      <p:sp>
+        <p:nvSpPr>
+          <p:cNvPr id="120" name="六边形 119">
+            <a:extLst>
+              <a:ext uri="{FF2B5EF4-FFF2-40B4-BE49-F238E27FC236}">
+                <a16:creationId xmlns:a16="http://schemas.microsoft.com/office/drawing/2014/main" id="{2DF30F32-E991-65ED-A5A3-DE9FB32B51D2}"/>
+              </a:ext>
+            </a:extLst>
+          </p:cNvPr>
+          <p:cNvSpPr/>
+          <p:nvPr/>
+        </p:nvSpPr>
+        <p:spPr>
+          <a:xfrm rot="5400000">
+            <a:off x="7953375" y="2667393"/>
+            <a:ext cx="571500" cy="571500"/>
+          </a:xfrm>
+          <a:prstGeom prst="hexagon">
+            <a:avLst/>
+          </a:prstGeom>
+          <a:solidFill>
+            <a:schemeClr val="accent5">
+              <a:lumMod val="40000"/>
+              <a:lumOff val="60000"/>
+            </a:schemeClr>
+          </a:solidFill>
+          <a:ln>
+            <a:noFill/>
+          </a:ln>
+        </p:spPr>
+        <p:style>
+          <a:lnRef idx="2">
+            <a:schemeClr val="accent1">
+              <a:shade val="15000"/>
+            </a:schemeClr>
+          </a:lnRef>
+          <a:fillRef idx="1">
+            <a:schemeClr val="accent1"/>
+          </a:fillRef>
+          <a:effectRef idx="0">
+            <a:schemeClr val="accent1"/>
+          </a:effectRef>
+          <a:fontRef idx="minor">
+            <a:schemeClr val="lt1"/>
+          </a:fontRef>
+        </p:style>
+        <p:txBody>
+          <a:bodyPr rtlCol="0" anchor="ctr"/>
+          <a:lstStyle/>
+          <a:p>
+            <a:pPr algn="ctr"/>
+            <a:endParaRPr lang="zh-CN" altLang="en-US"/>
+          </a:p>
+        </p:txBody>
+      </p:sp>
+      <p:sp>
+        <p:nvSpPr>
+          <p:cNvPr id="121" name="六边形 120">
+            <a:extLst>
+              <a:ext uri="{FF2B5EF4-FFF2-40B4-BE49-F238E27FC236}">
+                <a16:creationId xmlns:a16="http://schemas.microsoft.com/office/drawing/2014/main" id="{499044A7-15B6-07D7-B606-6EB63DAD851A}"/>
+              </a:ext>
+            </a:extLst>
+          </p:cNvPr>
+          <p:cNvSpPr/>
+          <p:nvPr/>
+        </p:nvSpPr>
+        <p:spPr>
+          <a:xfrm rot="5400000">
+            <a:off x="3667125" y="3096116"/>
+            <a:ext cx="571500" cy="571500"/>
+          </a:xfrm>
+          <a:prstGeom prst="hexagon">
+            <a:avLst/>
+          </a:prstGeom>
+          <a:solidFill>
+            <a:schemeClr val="accent5">
+              <a:lumMod val="60000"/>
+              <a:lumOff val="40000"/>
+            </a:schemeClr>
+          </a:solidFill>
+          <a:ln>
+            <a:noFill/>
+          </a:ln>
+        </p:spPr>
+        <p:style>
+          <a:lnRef idx="2">
+            <a:schemeClr val="accent1">
+              <a:shade val="15000"/>
+            </a:schemeClr>
+          </a:lnRef>
+          <a:fillRef idx="1">
+            <a:schemeClr val="accent1"/>
+          </a:fillRef>
+          <a:effectRef idx="0">
+            <a:schemeClr val="accent1"/>
+          </a:effectRef>
+          <a:fontRef idx="minor">
+            <a:schemeClr val="lt1"/>
+          </a:fontRef>
+        </p:style>
+        <p:txBody>
+          <a:bodyPr rtlCol="0" anchor="ctr"/>
+          <a:lstStyle/>
+          <a:p>
+            <a:pPr algn="ctr"/>
+            <a:endParaRPr lang="zh-CN" altLang="en-US"/>
+          </a:p>
+        </p:txBody>
+      </p:sp>
+      <p:sp>
+        <p:nvSpPr>
+          <p:cNvPr id="122" name="六边形 121">
+            <a:extLst>
+              <a:ext uri="{FF2B5EF4-FFF2-40B4-BE49-F238E27FC236}">
+                <a16:creationId xmlns:a16="http://schemas.microsoft.com/office/drawing/2014/main" id="{81BE1DB6-5E21-6924-F6FD-8FDAD056AB97}"/>
+              </a:ext>
+            </a:extLst>
+          </p:cNvPr>
+          <p:cNvSpPr/>
+          <p:nvPr/>
+        </p:nvSpPr>
+        <p:spPr>
+          <a:xfrm rot="5400000">
+            <a:off x="4238625" y="3096116"/>
+            <a:ext cx="571500" cy="571500"/>
+          </a:xfrm>
+          <a:prstGeom prst="hexagon">
+            <a:avLst/>
+          </a:prstGeom>
+          <a:solidFill>
+            <a:srgbClr val="00B0F0"/>
+          </a:solidFill>
+          <a:ln>
+            <a:noFill/>
+          </a:ln>
+        </p:spPr>
+        <p:style>
+          <a:lnRef idx="2">
+            <a:schemeClr val="accent1">
+              <a:shade val="15000"/>
+            </a:schemeClr>
+          </a:lnRef>
+          <a:fillRef idx="1">
+            <a:schemeClr val="accent1"/>
+          </a:fillRef>
+          <a:effectRef idx="0">
+            <a:schemeClr val="accent1"/>
+          </a:effectRef>
+          <a:fontRef idx="minor">
+            <a:schemeClr val="lt1"/>
+          </a:fontRef>
+        </p:style>
+        <p:txBody>
+          <a:bodyPr rtlCol="0" anchor="ctr"/>
+          <a:lstStyle/>
+          <a:p>
+            <a:pPr algn="ctr"/>
+            <a:endParaRPr lang="zh-CN" altLang="en-US"/>
+          </a:p>
+        </p:txBody>
+      </p:sp>
+      <p:sp>
+        <p:nvSpPr>
+          <p:cNvPr id="123" name="六边形 122">
+            <a:extLst>
+              <a:ext uri="{FF2B5EF4-FFF2-40B4-BE49-F238E27FC236}">
+                <a16:creationId xmlns:a16="http://schemas.microsoft.com/office/drawing/2014/main" id="{09714967-8D91-E91A-7A9A-D30CF8CC3D8F}"/>
+              </a:ext>
+            </a:extLst>
+          </p:cNvPr>
+          <p:cNvSpPr/>
+          <p:nvPr/>
+        </p:nvSpPr>
+        <p:spPr>
+          <a:xfrm rot="5400000">
+            <a:off x="4810125" y="3096116"/>
+            <a:ext cx="571500" cy="571500"/>
+          </a:xfrm>
+          <a:prstGeom prst="hexagon">
+            <a:avLst/>
+          </a:prstGeom>
+          <a:solidFill>
+            <a:schemeClr val="accent5">
+              <a:lumMod val="60000"/>
+              <a:lumOff val="40000"/>
+            </a:schemeClr>
+          </a:solidFill>
+          <a:ln>
+            <a:noFill/>
+          </a:ln>
+        </p:spPr>
+        <p:style>
+          <a:lnRef idx="2">
+            <a:schemeClr val="accent1">
+              <a:shade val="15000"/>
+            </a:schemeClr>
+          </a:lnRef>
+          <a:fillRef idx="1">
+            <a:schemeClr val="accent1"/>
+          </a:fillRef>
+          <a:effectRef idx="0">
+            <a:schemeClr val="accent1"/>
+          </a:effectRef>
+          <a:fontRef idx="minor">
+            <a:schemeClr val="lt1"/>
+          </a:fontRef>
+        </p:style>
+        <p:txBody>
+          <a:bodyPr rtlCol="0" anchor="ctr"/>
+          <a:lstStyle/>
+          <a:p>
+            <a:pPr algn="ctr"/>
+            <a:endParaRPr lang="zh-CN" altLang="en-US"/>
+          </a:p>
+        </p:txBody>
+      </p:sp>
+      <p:sp>
+        <p:nvSpPr>
+          <p:cNvPr id="124" name="六边形 123">
+            <a:extLst>
+              <a:ext uri="{FF2B5EF4-FFF2-40B4-BE49-F238E27FC236}">
+                <a16:creationId xmlns:a16="http://schemas.microsoft.com/office/drawing/2014/main" id="{1FC39097-A8B8-E52C-44DC-66991E309EAD}"/>
+              </a:ext>
+            </a:extLst>
+          </p:cNvPr>
+          <p:cNvSpPr/>
+          <p:nvPr/>
+        </p:nvSpPr>
+        <p:spPr>
+          <a:xfrm rot="5400000">
+            <a:off x="5381625" y="3096116"/>
+            <a:ext cx="571500" cy="571500"/>
+          </a:xfrm>
+          <a:prstGeom prst="hexagon">
+            <a:avLst/>
+          </a:prstGeom>
+          <a:solidFill>
+            <a:srgbClr val="00B0F0"/>
+          </a:solidFill>
+          <a:ln>
+            <a:noFill/>
+          </a:ln>
+        </p:spPr>
+        <p:style>
+          <a:lnRef idx="2">
+            <a:schemeClr val="accent1">
+              <a:shade val="15000"/>
+            </a:schemeClr>
+          </a:lnRef>
+          <a:fillRef idx="1">
+            <a:schemeClr val="accent1"/>
+          </a:fillRef>
+          <a:effectRef idx="0">
+            <a:schemeClr val="accent1"/>
+          </a:effectRef>
+          <a:fontRef idx="minor">
+            <a:schemeClr val="lt1"/>
+          </a:fontRef>
+        </p:style>
+        <p:txBody>
+          <a:bodyPr rtlCol="0" anchor="ctr"/>
+          <a:lstStyle/>
+          <a:p>
+            <a:pPr algn="ctr"/>
+            <a:endParaRPr lang="zh-CN" altLang="en-US"/>
+          </a:p>
+        </p:txBody>
+      </p:sp>
+      <p:sp>
+        <p:nvSpPr>
+          <p:cNvPr id="125" name="六边形 124">
+            <a:extLst>
+              <a:ext uri="{FF2B5EF4-FFF2-40B4-BE49-F238E27FC236}">
+                <a16:creationId xmlns:a16="http://schemas.microsoft.com/office/drawing/2014/main" id="{9F2F2CC8-DDF4-5AA8-3175-AB2DAEC99D06}"/>
+              </a:ext>
+            </a:extLst>
+          </p:cNvPr>
+          <p:cNvSpPr/>
+          <p:nvPr/>
+        </p:nvSpPr>
+        <p:spPr>
+          <a:xfrm rot="5400000">
+            <a:off x="5953125" y="3096116"/>
+            <a:ext cx="571500" cy="571500"/>
+          </a:xfrm>
+          <a:prstGeom prst="hexagon">
+            <a:avLst/>
+          </a:prstGeom>
+          <a:solidFill>
+            <a:schemeClr val="accent5">
+              <a:lumMod val="60000"/>
+              <a:lumOff val="40000"/>
+            </a:schemeClr>
+          </a:solidFill>
+          <a:ln>
+            <a:noFill/>
+          </a:ln>
+        </p:spPr>
+        <p:style>
+          <a:lnRef idx="2">
+            <a:schemeClr val="accent1">
+              <a:shade val="15000"/>
+            </a:schemeClr>
+          </a:lnRef>
+          <a:fillRef idx="1">
+            <a:schemeClr val="accent1"/>
+          </a:fillRef>
+          <a:effectRef idx="0">
+            <a:schemeClr val="accent1"/>
+          </a:effectRef>
+          <a:fontRef idx="minor">
+            <a:schemeClr val="lt1"/>
+          </a:fontRef>
+        </p:style>
+        <p:txBody>
+          <a:bodyPr rtlCol="0" anchor="ctr"/>
+          <a:lstStyle/>
+          <a:p>
+            <a:pPr algn="ctr"/>
+            <a:endParaRPr lang="zh-CN" altLang="en-US"/>
+          </a:p>
+        </p:txBody>
+      </p:sp>
+      <p:sp>
+        <p:nvSpPr>
+          <p:cNvPr id="126" name="六边形 125">
+            <a:extLst>
+              <a:ext uri="{FF2B5EF4-FFF2-40B4-BE49-F238E27FC236}">
+                <a16:creationId xmlns:a16="http://schemas.microsoft.com/office/drawing/2014/main" id="{16D5AFAC-647B-528A-5DD7-6E315BF0BEFA}"/>
+              </a:ext>
+            </a:extLst>
+          </p:cNvPr>
+          <p:cNvSpPr/>
+          <p:nvPr/>
+        </p:nvSpPr>
+        <p:spPr>
+          <a:xfrm rot="5400000">
+            <a:off x="6524625" y="3096116"/>
+            <a:ext cx="571500" cy="571500"/>
+          </a:xfrm>
+          <a:prstGeom prst="hexagon">
+            <a:avLst/>
+          </a:prstGeom>
+          <a:solidFill>
+            <a:srgbClr val="00B0F0"/>
+          </a:solidFill>
+          <a:ln>
+            <a:noFill/>
+          </a:ln>
+        </p:spPr>
+        <p:style>
+          <a:lnRef idx="2">
+            <a:schemeClr val="accent1">
+              <a:shade val="15000"/>
+            </a:schemeClr>
+          </a:lnRef>
+          <a:fillRef idx="1">
+            <a:schemeClr val="accent1"/>
+          </a:fillRef>
+          <a:effectRef idx="0">
+            <a:schemeClr val="accent1"/>
+          </a:effectRef>
+          <a:fontRef idx="minor">
+            <a:schemeClr val="lt1"/>
+          </a:fontRef>
+        </p:style>
+        <p:txBody>
+          <a:bodyPr rtlCol="0" anchor="ctr"/>
+          <a:lstStyle/>
+          <a:p>
+            <a:pPr algn="ctr"/>
+            <a:endParaRPr lang="zh-CN" altLang="en-US"/>
+          </a:p>
+        </p:txBody>
+      </p:sp>
+      <p:sp>
+        <p:nvSpPr>
+          <p:cNvPr id="127" name="六边形 126">
+            <a:extLst>
+              <a:ext uri="{FF2B5EF4-FFF2-40B4-BE49-F238E27FC236}">
+                <a16:creationId xmlns:a16="http://schemas.microsoft.com/office/drawing/2014/main" id="{0A31FFF5-3759-372D-E311-78B61D09B158}"/>
+              </a:ext>
+            </a:extLst>
+          </p:cNvPr>
+          <p:cNvSpPr/>
+          <p:nvPr/>
+        </p:nvSpPr>
+        <p:spPr>
+          <a:xfrm rot="5400000">
+            <a:off x="7096125" y="3096116"/>
+            <a:ext cx="571500" cy="571500"/>
+          </a:xfrm>
+          <a:prstGeom prst="hexagon">
+            <a:avLst/>
+          </a:prstGeom>
+          <a:solidFill>
+            <a:schemeClr val="accent5">
+              <a:lumMod val="60000"/>
+              <a:lumOff val="40000"/>
+            </a:schemeClr>
+          </a:solidFill>
+          <a:ln>
+            <a:noFill/>
+          </a:ln>
+        </p:spPr>
+        <p:style>
+          <a:lnRef idx="2">
+            <a:schemeClr val="accent1">
+              <a:shade val="15000"/>
+            </a:schemeClr>
+          </a:lnRef>
+          <a:fillRef idx="1">
+            <a:schemeClr val="accent1"/>
+          </a:fillRef>
+          <a:effectRef idx="0">
+            <a:schemeClr val="accent1"/>
+          </a:effectRef>
+          <a:fontRef idx="minor">
+            <a:schemeClr val="lt1"/>
+          </a:fontRef>
+        </p:style>
+        <p:txBody>
+          <a:bodyPr rtlCol="0" anchor="ctr"/>
+          <a:lstStyle/>
+          <a:p>
+            <a:pPr algn="ctr"/>
+            <a:endParaRPr lang="zh-CN" altLang="en-US"/>
+          </a:p>
+        </p:txBody>
+      </p:sp>
+      <p:sp>
+        <p:nvSpPr>
+          <p:cNvPr id="128" name="六边形 127">
+            <a:extLst>
+              <a:ext uri="{FF2B5EF4-FFF2-40B4-BE49-F238E27FC236}">
+                <a16:creationId xmlns:a16="http://schemas.microsoft.com/office/drawing/2014/main" id="{899BBA53-285C-C95A-CECF-1F049C7CAC19}"/>
+              </a:ext>
+            </a:extLst>
+          </p:cNvPr>
+          <p:cNvSpPr/>
+          <p:nvPr/>
+        </p:nvSpPr>
+        <p:spPr>
+          <a:xfrm rot="5400000">
+            <a:off x="7667625" y="3096116"/>
+            <a:ext cx="571500" cy="571500"/>
+          </a:xfrm>
+          <a:prstGeom prst="hexagon">
+            <a:avLst/>
+          </a:prstGeom>
+          <a:solidFill>
+            <a:srgbClr val="00B0F0"/>
+          </a:solidFill>
+          <a:ln>
+            <a:noFill/>
+          </a:ln>
+        </p:spPr>
+        <p:style>
+          <a:lnRef idx="2">
+            <a:schemeClr val="accent1">
+              <a:shade val="15000"/>
+            </a:schemeClr>
+          </a:lnRef>
+          <a:fillRef idx="1">
+            <a:schemeClr val="accent1"/>
+          </a:fillRef>
+          <a:effectRef idx="0">
+            <a:schemeClr val="accent1"/>
+          </a:effectRef>
+          <a:fontRef idx="minor">
+            <a:schemeClr val="lt1"/>
+          </a:fontRef>
+        </p:style>
+        <p:txBody>
+          <a:bodyPr rtlCol="0" anchor="ctr"/>
+          <a:lstStyle/>
+          <a:p>
+            <a:pPr algn="ctr"/>
+            <a:endParaRPr lang="zh-CN" altLang="en-US"/>
+          </a:p>
+        </p:txBody>
+      </p:sp>
+      <p:sp>
+        <p:nvSpPr>
+          <p:cNvPr id="129" name="六边形 128">
+            <a:extLst>
+              <a:ext uri="{FF2B5EF4-FFF2-40B4-BE49-F238E27FC236}">
+                <a16:creationId xmlns:a16="http://schemas.microsoft.com/office/drawing/2014/main" id="{7886D449-CA1C-48FB-3E3E-CDFB5B004C5D}"/>
+              </a:ext>
+            </a:extLst>
+          </p:cNvPr>
+          <p:cNvSpPr/>
+          <p:nvPr/>
+        </p:nvSpPr>
+        <p:spPr>
+          <a:xfrm rot="5400000">
+            <a:off x="8239125" y="3096116"/>
+            <a:ext cx="571500" cy="571500"/>
+          </a:xfrm>
+          <a:prstGeom prst="hexagon">
+            <a:avLst/>
+          </a:prstGeom>
+          <a:solidFill>
+            <a:schemeClr val="accent5">
+              <a:lumMod val="60000"/>
+              <a:lumOff val="40000"/>
+            </a:schemeClr>
+          </a:solidFill>
+          <a:ln>
+            <a:noFill/>
+          </a:ln>
+        </p:spPr>
+        <p:style>
+          <a:lnRef idx="2">
+            <a:schemeClr val="accent1">
+              <a:shade val="15000"/>
+            </a:schemeClr>
+          </a:lnRef>
+          <a:fillRef idx="1">
+            <a:schemeClr val="accent1"/>
+          </a:fillRef>
+          <a:effectRef idx="0">
+            <a:schemeClr val="accent1"/>
+          </a:effectRef>
+          <a:fontRef idx="minor">
+            <a:schemeClr val="lt1"/>
+          </a:fontRef>
+        </p:style>
+        <p:txBody>
+          <a:bodyPr rtlCol="0" anchor="ctr"/>
+          <a:lstStyle/>
+          <a:p>
+            <a:pPr algn="ctr"/>
+            <a:endParaRPr lang="zh-CN" altLang="en-US"/>
+          </a:p>
+        </p:txBody>
+      </p:sp>
+      <p:sp>
+        <p:nvSpPr>
+          <p:cNvPr id="130" name="六边形 129">
+            <a:extLst>
+              <a:ext uri="{FF2B5EF4-FFF2-40B4-BE49-F238E27FC236}">
+                <a16:creationId xmlns:a16="http://schemas.microsoft.com/office/drawing/2014/main" id="{51667215-F926-0C4C-F09B-EA4B411E960A}"/>
+              </a:ext>
+            </a:extLst>
+          </p:cNvPr>
+          <p:cNvSpPr/>
+          <p:nvPr/>
+        </p:nvSpPr>
+        <p:spPr>
+          <a:xfrm rot="5400000">
+            <a:off x="3381375" y="3524839"/>
+            <a:ext cx="571500" cy="571500"/>
+          </a:xfrm>
+          <a:prstGeom prst="hexagon">
+            <a:avLst/>
+          </a:prstGeom>
+          <a:solidFill>
+            <a:schemeClr val="accent5">
+              <a:lumMod val="40000"/>
+              <a:lumOff val="60000"/>
+            </a:schemeClr>
+          </a:solidFill>
+          <a:ln>
+            <a:noFill/>
+          </a:ln>
+        </p:spPr>
+        <p:style>
+          <a:lnRef idx="2">
+            <a:schemeClr val="accent1">
+              <a:shade val="15000"/>
+            </a:schemeClr>
+          </a:lnRef>
+          <a:fillRef idx="1">
+            <a:schemeClr val="accent1"/>
+          </a:fillRef>
+          <a:effectRef idx="0">
+            <a:schemeClr val="accent1"/>
+          </a:effectRef>
+          <a:fontRef idx="minor">
+            <a:schemeClr val="lt1"/>
+          </a:fontRef>
+        </p:style>
+        <p:txBody>
+          <a:bodyPr rtlCol="0" anchor="ctr"/>
+          <a:lstStyle/>
+          <a:p>
+            <a:pPr algn="ctr"/>
+            <a:endParaRPr lang="zh-CN" altLang="en-US"/>
+          </a:p>
+        </p:txBody>
+      </p:sp>
+      <p:sp>
+        <p:nvSpPr>
+          <p:cNvPr id="131" name="六边形 130">
+            <a:extLst>
+              <a:ext uri="{FF2B5EF4-FFF2-40B4-BE49-F238E27FC236}">
+                <a16:creationId xmlns:a16="http://schemas.microsoft.com/office/drawing/2014/main" id="{919A9C51-14DF-10B6-62D1-57AF77DFC771}"/>
+              </a:ext>
+            </a:extLst>
+          </p:cNvPr>
+          <p:cNvSpPr/>
+          <p:nvPr/>
+        </p:nvSpPr>
+        <p:spPr>
+          <a:xfrm rot="5400000">
+            <a:off x="3952875" y="3524839"/>
+            <a:ext cx="571500" cy="571500"/>
+          </a:xfrm>
+          <a:prstGeom prst="hexagon">
+            <a:avLst/>
+          </a:prstGeom>
+          <a:solidFill>
+            <a:schemeClr val="accent1">
+              <a:lumMod val="60000"/>
+              <a:lumOff val="40000"/>
+            </a:schemeClr>
+          </a:solidFill>
+          <a:ln>
+            <a:noFill/>
+          </a:ln>
+        </p:spPr>
+        <p:style>
+          <a:lnRef idx="2">
+            <a:schemeClr val="accent1">
+              <a:shade val="15000"/>
+            </a:schemeClr>
+          </a:lnRef>
+          <a:fillRef idx="1">
+            <a:schemeClr val="accent1"/>
+          </a:fillRef>
+          <a:effectRef idx="0">
+            <a:schemeClr val="accent1"/>
+          </a:effectRef>
+          <a:fontRef idx="minor">
+            <a:schemeClr val="lt1"/>
+          </a:fontRef>
+        </p:style>
+        <p:txBody>
+          <a:bodyPr rtlCol="0" anchor="ctr"/>
+          <a:lstStyle/>
+          <a:p>
+            <a:pPr algn="ctr"/>
+            <a:endParaRPr lang="zh-CN" altLang="en-US"/>
+          </a:p>
+        </p:txBody>
+      </p:sp>
+      <p:sp>
+        <p:nvSpPr>
+          <p:cNvPr id="132" name="六边形 131">
+            <a:extLst>
+              <a:ext uri="{FF2B5EF4-FFF2-40B4-BE49-F238E27FC236}">
+                <a16:creationId xmlns:a16="http://schemas.microsoft.com/office/drawing/2014/main" id="{EA756FA1-441C-1199-DFFA-CCA6CE77CCFB}"/>
+              </a:ext>
+            </a:extLst>
+          </p:cNvPr>
+          <p:cNvSpPr/>
+          <p:nvPr/>
+        </p:nvSpPr>
+        <p:spPr>
+          <a:xfrm rot="5400000">
+            <a:off x="4524375" y="3524839"/>
+            <a:ext cx="571500" cy="571500"/>
+          </a:xfrm>
+          <a:prstGeom prst="hexagon">
+            <a:avLst/>
+          </a:prstGeom>
+          <a:solidFill>
+            <a:schemeClr val="accent5">
+              <a:lumMod val="40000"/>
+              <a:lumOff val="60000"/>
+            </a:schemeClr>
+          </a:solidFill>
+          <a:ln>
+            <a:noFill/>
+          </a:ln>
+        </p:spPr>
+        <p:style>
+          <a:lnRef idx="2">
+            <a:schemeClr val="accent1">
+              <a:shade val="15000"/>
+            </a:schemeClr>
+          </a:lnRef>
+          <a:fillRef idx="1">
+            <a:schemeClr val="accent1"/>
+          </a:fillRef>
+          <a:effectRef idx="0">
+            <a:schemeClr val="accent1"/>
+          </a:effectRef>
+          <a:fontRef idx="minor">
+            <a:schemeClr val="lt1"/>
+          </a:fontRef>
+        </p:style>
+        <p:txBody>
+          <a:bodyPr rtlCol="0" anchor="ctr"/>
+          <a:lstStyle/>
+          <a:p>
+            <a:pPr algn="ctr"/>
+            <a:endParaRPr lang="zh-CN" altLang="en-US"/>
+          </a:p>
+        </p:txBody>
+      </p:sp>
+      <p:sp>
+        <p:nvSpPr>
+          <p:cNvPr id="133" name="六边形 132">
+            <a:extLst>
+              <a:ext uri="{FF2B5EF4-FFF2-40B4-BE49-F238E27FC236}">
+                <a16:creationId xmlns:a16="http://schemas.microsoft.com/office/drawing/2014/main" id="{78F52069-B3F2-9F51-9796-ADFEF94C8050}"/>
+              </a:ext>
+            </a:extLst>
+          </p:cNvPr>
+          <p:cNvSpPr/>
+          <p:nvPr/>
+        </p:nvSpPr>
+        <p:spPr>
+          <a:xfrm rot="5400000">
+            <a:off x="5095875" y="3524839"/>
+            <a:ext cx="571500" cy="571500"/>
+          </a:xfrm>
+          <a:prstGeom prst="hexagon">
+            <a:avLst/>
+          </a:prstGeom>
+          <a:solidFill>
+            <a:schemeClr val="accent1">
+              <a:lumMod val="60000"/>
+              <a:lumOff val="40000"/>
+            </a:schemeClr>
+          </a:solidFill>
+          <a:ln>
+            <a:noFill/>
+          </a:ln>
+        </p:spPr>
+        <p:style>
+          <a:lnRef idx="2">
+            <a:schemeClr val="accent1">
+              <a:shade val="15000"/>
+            </a:schemeClr>
+          </a:lnRef>
+          <a:fillRef idx="1">
+            <a:schemeClr val="accent1"/>
+          </a:fillRef>
+          <a:effectRef idx="0">
+            <a:schemeClr val="accent1"/>
+          </a:effectRef>
+          <a:fontRef idx="minor">
+            <a:schemeClr val="lt1"/>
+          </a:fontRef>
+        </p:style>
+        <p:txBody>
+          <a:bodyPr rtlCol="0" anchor="ctr"/>
+          <a:lstStyle/>
+          <a:p>
+            <a:pPr algn="ctr"/>
+            <a:endParaRPr lang="zh-CN" altLang="en-US"/>
+          </a:p>
+        </p:txBody>
+      </p:sp>
+      <p:sp>
+        <p:nvSpPr>
+          <p:cNvPr id="134" name="六边形 133">
+            <a:extLst>
+              <a:ext uri="{FF2B5EF4-FFF2-40B4-BE49-F238E27FC236}">
+                <a16:creationId xmlns:a16="http://schemas.microsoft.com/office/drawing/2014/main" id="{0E3C7FF1-1ED8-6EB2-47A8-A2A6996718CA}"/>
+              </a:ext>
+            </a:extLst>
+          </p:cNvPr>
+          <p:cNvSpPr/>
+          <p:nvPr/>
+        </p:nvSpPr>
+        <p:spPr>
+          <a:xfrm rot="5400000">
+            <a:off x="5667375" y="3524839"/>
+            <a:ext cx="571500" cy="571500"/>
+          </a:xfrm>
+          <a:prstGeom prst="hexagon">
+            <a:avLst/>
+          </a:prstGeom>
+          <a:solidFill>
+            <a:schemeClr val="accent5">
+              <a:lumMod val="40000"/>
+              <a:lumOff val="60000"/>
+            </a:schemeClr>
+          </a:solidFill>
+          <a:ln>
+            <a:noFill/>
+          </a:ln>
+        </p:spPr>
+        <p:style>
+          <a:lnRef idx="2">
+            <a:schemeClr val="accent1">
+              <a:shade val="15000"/>
+            </a:schemeClr>
+          </a:lnRef>
+          <a:fillRef idx="1">
+            <a:schemeClr val="accent1"/>
+          </a:fillRef>
+          <a:effectRef idx="0">
+            <a:schemeClr val="accent1"/>
+          </a:effectRef>
+          <a:fontRef idx="minor">
+            <a:schemeClr val="lt1"/>
+          </a:fontRef>
+        </p:style>
+        <p:txBody>
+          <a:bodyPr rtlCol="0" anchor="ctr"/>
+          <a:lstStyle/>
+          <a:p>
+            <a:pPr algn="ctr"/>
+            <a:endParaRPr lang="zh-CN" altLang="en-US"/>
+          </a:p>
+        </p:txBody>
+      </p:sp>
+      <p:sp>
+        <p:nvSpPr>
+          <p:cNvPr id="135" name="六边形 134">
+            <a:extLst>
+              <a:ext uri="{FF2B5EF4-FFF2-40B4-BE49-F238E27FC236}">
+                <a16:creationId xmlns:a16="http://schemas.microsoft.com/office/drawing/2014/main" id="{EC5EA6EA-3E3A-1ECA-CB09-C00346CA66E4}"/>
+              </a:ext>
+            </a:extLst>
+          </p:cNvPr>
+          <p:cNvSpPr/>
+          <p:nvPr/>
+        </p:nvSpPr>
+        <p:spPr>
+          <a:xfrm rot="5400000">
+            <a:off x="6238875" y="3524839"/>
+            <a:ext cx="571500" cy="571500"/>
+          </a:xfrm>
+          <a:prstGeom prst="hexagon">
+            <a:avLst/>
+          </a:prstGeom>
+          <a:solidFill>
+            <a:schemeClr val="accent1">
+              <a:lumMod val="60000"/>
+              <a:lumOff val="40000"/>
+            </a:schemeClr>
+          </a:solidFill>
+          <a:ln>
+            <a:noFill/>
+          </a:ln>
+        </p:spPr>
+        <p:style>
+          <a:lnRef idx="2">
+            <a:schemeClr val="accent1">
+              <a:shade val="15000"/>
+            </a:schemeClr>
+          </a:lnRef>
+          <a:fillRef idx="1">
+            <a:schemeClr val="accent1"/>
+          </a:fillRef>
+          <a:effectRef idx="0">
+            <a:schemeClr val="accent1"/>
+          </a:effectRef>
+          <a:fontRef idx="minor">
+            <a:schemeClr val="lt1"/>
+          </a:fontRef>
+        </p:style>
+        <p:txBody>
+          <a:bodyPr rtlCol="0" anchor="ctr"/>
+          <a:lstStyle/>
+          <a:p>
+            <a:pPr algn="ctr"/>
+            <a:endParaRPr lang="zh-CN" altLang="en-US"/>
+          </a:p>
+        </p:txBody>
+      </p:sp>
+      <p:sp>
+        <p:nvSpPr>
+          <p:cNvPr id="136" name="六边形 135">
+            <a:extLst>
+              <a:ext uri="{FF2B5EF4-FFF2-40B4-BE49-F238E27FC236}">
+                <a16:creationId xmlns:a16="http://schemas.microsoft.com/office/drawing/2014/main" id="{4A874150-BC9F-BB6D-78B9-298794327CF6}"/>
+              </a:ext>
+            </a:extLst>
+          </p:cNvPr>
+          <p:cNvSpPr/>
+          <p:nvPr/>
+        </p:nvSpPr>
+        <p:spPr>
+          <a:xfrm rot="5400000">
+            <a:off x="6810375" y="3524839"/>
+            <a:ext cx="571500" cy="571500"/>
+          </a:xfrm>
+          <a:prstGeom prst="hexagon">
+            <a:avLst/>
+          </a:prstGeom>
+          <a:solidFill>
+            <a:schemeClr val="accent5">
+              <a:lumMod val="40000"/>
+              <a:lumOff val="60000"/>
+            </a:schemeClr>
+          </a:solidFill>
+          <a:ln>
+            <a:noFill/>
+          </a:ln>
+        </p:spPr>
+        <p:style>
+          <a:lnRef idx="2">
+            <a:schemeClr val="accent1">
+              <a:shade val="15000"/>
+            </a:schemeClr>
+          </a:lnRef>
+          <a:fillRef idx="1">
+            <a:schemeClr val="accent1"/>
+          </a:fillRef>
+          <a:effectRef idx="0">
+            <a:schemeClr val="accent1"/>
+          </a:effectRef>
+          <a:fontRef idx="minor">
+            <a:schemeClr val="lt1"/>
+          </a:fontRef>
+        </p:style>
+        <p:txBody>
+          <a:bodyPr rtlCol="0" anchor="ctr"/>
+          <a:lstStyle/>
+          <a:p>
+            <a:pPr algn="ctr"/>
+            <a:endParaRPr lang="zh-CN" altLang="en-US"/>
+          </a:p>
+        </p:txBody>
+      </p:sp>
+      <p:sp>
+        <p:nvSpPr>
+          <p:cNvPr id="137" name="六边形 136">
+            <a:extLst>
+              <a:ext uri="{FF2B5EF4-FFF2-40B4-BE49-F238E27FC236}">
+                <a16:creationId xmlns:a16="http://schemas.microsoft.com/office/drawing/2014/main" id="{4FC7A574-3AFC-D5FF-CD05-992DEB1591FC}"/>
+              </a:ext>
+            </a:extLst>
+          </p:cNvPr>
+          <p:cNvSpPr/>
+          <p:nvPr/>
+        </p:nvSpPr>
+        <p:spPr>
+          <a:xfrm rot="5400000">
+            <a:off x="7381875" y="3524839"/>
+            <a:ext cx="571500" cy="571500"/>
+          </a:xfrm>
+          <a:prstGeom prst="hexagon">
+            <a:avLst/>
+          </a:prstGeom>
+          <a:solidFill>
+            <a:schemeClr val="accent1">
+              <a:lumMod val="60000"/>
+              <a:lumOff val="40000"/>
+            </a:schemeClr>
+          </a:solidFill>
+          <a:ln>
+            <a:noFill/>
+          </a:ln>
+        </p:spPr>
+        <p:style>
+          <a:lnRef idx="2">
+            <a:schemeClr val="accent1">
+              <a:shade val="15000"/>
+            </a:schemeClr>
+          </a:lnRef>
+          <a:fillRef idx="1">
+            <a:schemeClr val="accent1"/>
+          </a:fillRef>
+          <a:effectRef idx="0">
+            <a:schemeClr val="accent1"/>
+          </a:effectRef>
+          <a:fontRef idx="minor">
+            <a:schemeClr val="lt1"/>
+          </a:fontRef>
+        </p:style>
+        <p:txBody>
+          <a:bodyPr rtlCol="0" anchor="ctr"/>
+          <a:lstStyle/>
+          <a:p>
+            <a:pPr algn="ctr"/>
+            <a:endParaRPr lang="zh-CN" altLang="en-US"/>
+          </a:p>
+        </p:txBody>
+      </p:sp>
+      <p:sp>
+        <p:nvSpPr>
+          <p:cNvPr id="138" name="六边形 137">
+            <a:extLst>
+              <a:ext uri="{FF2B5EF4-FFF2-40B4-BE49-F238E27FC236}">
+                <a16:creationId xmlns:a16="http://schemas.microsoft.com/office/drawing/2014/main" id="{BDB9A167-BBA4-FCBB-CE06-A9DD5A77A635}"/>
+              </a:ext>
+            </a:extLst>
+          </p:cNvPr>
+          <p:cNvSpPr/>
+          <p:nvPr/>
+        </p:nvSpPr>
+        <p:spPr>
+          <a:xfrm rot="5400000">
+            <a:off x="7953375" y="3524839"/>
+            <a:ext cx="571500" cy="571500"/>
+          </a:xfrm>
+          <a:prstGeom prst="hexagon">
+            <a:avLst/>
+          </a:prstGeom>
+          <a:solidFill>
+            <a:schemeClr val="accent5">
+              <a:lumMod val="40000"/>
+              <a:lumOff val="60000"/>
+            </a:schemeClr>
+          </a:solidFill>
+          <a:ln>
+            <a:noFill/>
+          </a:ln>
+        </p:spPr>
+        <p:style>
+          <a:lnRef idx="2">
+            <a:schemeClr val="accent1">
+              <a:shade val="15000"/>
+            </a:schemeClr>
+          </a:lnRef>
+          <a:fillRef idx="1">
+            <a:schemeClr val="accent1"/>
+          </a:fillRef>
+          <a:effectRef idx="0">
+            <a:schemeClr val="accent1"/>
+          </a:effectRef>
+          <a:fontRef idx="minor">
+            <a:schemeClr val="lt1"/>
+          </a:fontRef>
+        </p:style>
+        <p:txBody>
+          <a:bodyPr rtlCol="0" anchor="ctr"/>
+          <a:lstStyle/>
+          <a:p>
+            <a:pPr algn="ctr"/>
+            <a:endParaRPr lang="zh-CN" altLang="en-US"/>
+          </a:p>
+        </p:txBody>
+      </p:sp>
+      <p:sp>
+        <p:nvSpPr>
+          <p:cNvPr id="139" name="六边形 138">
+            <a:extLst>
+              <a:ext uri="{FF2B5EF4-FFF2-40B4-BE49-F238E27FC236}">
+                <a16:creationId xmlns:a16="http://schemas.microsoft.com/office/drawing/2014/main" id="{9165C8DD-1A6B-810D-407A-05DBF7F4F4D2}"/>
+              </a:ext>
+            </a:extLst>
+          </p:cNvPr>
+          <p:cNvSpPr/>
+          <p:nvPr/>
+        </p:nvSpPr>
+        <p:spPr>
+          <a:xfrm rot="5400000">
+            <a:off x="3667125" y="3953562"/>
+            <a:ext cx="571500" cy="571500"/>
+          </a:xfrm>
+          <a:prstGeom prst="hexagon">
+            <a:avLst/>
+          </a:prstGeom>
+          <a:solidFill>
+            <a:schemeClr val="accent5">
+              <a:lumMod val="60000"/>
+              <a:lumOff val="40000"/>
+            </a:schemeClr>
+          </a:solidFill>
+          <a:ln>
+            <a:noFill/>
+          </a:ln>
+        </p:spPr>
+        <p:style>
+          <a:lnRef idx="2">
+            <a:schemeClr val="accent1">
+              <a:shade val="15000"/>
+            </a:schemeClr>
+          </a:lnRef>
+          <a:fillRef idx="1">
+            <a:schemeClr val="accent1"/>
+          </a:fillRef>
+          <a:effectRef idx="0">
+            <a:schemeClr val="accent1"/>
+          </a:effectRef>
+          <a:fontRef idx="minor">
+            <a:schemeClr val="lt1"/>
+          </a:fontRef>
+        </p:style>
+        <p:txBody>
+          <a:bodyPr rtlCol="0" anchor="ctr"/>
+          <a:lstStyle/>
+          <a:p>
+            <a:pPr algn="ctr"/>
+            <a:endParaRPr lang="zh-CN" altLang="en-US"/>
+          </a:p>
+        </p:txBody>
+      </p:sp>
+      <p:sp>
+        <p:nvSpPr>
+          <p:cNvPr id="140" name="六边形 139">
+            <a:extLst>
+              <a:ext uri="{FF2B5EF4-FFF2-40B4-BE49-F238E27FC236}">
+                <a16:creationId xmlns:a16="http://schemas.microsoft.com/office/drawing/2014/main" id="{B114EB5C-1028-289E-796E-B5D37D7DB495}"/>
+              </a:ext>
+            </a:extLst>
+          </p:cNvPr>
+          <p:cNvSpPr/>
+          <p:nvPr/>
+        </p:nvSpPr>
+        <p:spPr>
+          <a:xfrm rot="5400000">
+            <a:off x="4238625" y="3953562"/>
+            <a:ext cx="571500" cy="571500"/>
+          </a:xfrm>
+          <a:prstGeom prst="hexagon">
+            <a:avLst/>
+          </a:prstGeom>
+          <a:solidFill>
+            <a:srgbClr val="00B0F0"/>
+          </a:solidFill>
+          <a:ln>
+            <a:noFill/>
+          </a:ln>
+        </p:spPr>
+        <p:style>
+          <a:lnRef idx="2">
+            <a:schemeClr val="accent1">
+              <a:shade val="15000"/>
+            </a:schemeClr>
+          </a:lnRef>
+          <a:fillRef idx="1">
+            <a:schemeClr val="accent1"/>
+          </a:fillRef>
+          <a:effectRef idx="0">
+            <a:schemeClr val="accent1"/>
+          </a:effectRef>
+          <a:fontRef idx="minor">
+            <a:schemeClr val="lt1"/>
+          </a:fontRef>
+        </p:style>
+        <p:txBody>
+          <a:bodyPr rtlCol="0" anchor="ctr"/>
+          <a:lstStyle/>
+          <a:p>
+            <a:pPr algn="ctr"/>
+            <a:endParaRPr lang="zh-CN" altLang="en-US"/>
+          </a:p>
+        </p:txBody>
+      </p:sp>
+      <p:sp>
+        <p:nvSpPr>
+          <p:cNvPr id="141" name="六边形 140">
+            <a:extLst>
+              <a:ext uri="{FF2B5EF4-FFF2-40B4-BE49-F238E27FC236}">
+                <a16:creationId xmlns:a16="http://schemas.microsoft.com/office/drawing/2014/main" id="{1A3070AA-0D79-1B84-1084-346454F9CE09}"/>
+              </a:ext>
+            </a:extLst>
+          </p:cNvPr>
+          <p:cNvSpPr/>
+          <p:nvPr/>
+        </p:nvSpPr>
+        <p:spPr>
+          <a:xfrm rot="5400000">
+            <a:off x="4810125" y="3953562"/>
+            <a:ext cx="571500" cy="571500"/>
+          </a:xfrm>
+          <a:prstGeom prst="hexagon">
+            <a:avLst/>
+          </a:prstGeom>
+          <a:solidFill>
+            <a:schemeClr val="accent5">
+              <a:lumMod val="60000"/>
+              <a:lumOff val="40000"/>
+            </a:schemeClr>
+          </a:solidFill>
+          <a:ln>
+            <a:noFill/>
+          </a:ln>
+        </p:spPr>
+        <p:style>
+          <a:lnRef idx="2">
+            <a:schemeClr val="accent1">
+              <a:shade val="15000"/>
+            </a:schemeClr>
+          </a:lnRef>
+          <a:fillRef idx="1">
+            <a:schemeClr val="accent1"/>
+          </a:fillRef>
+          <a:effectRef idx="0">
+            <a:schemeClr val="accent1"/>
+          </a:effectRef>
+          <a:fontRef idx="minor">
+            <a:schemeClr val="lt1"/>
+          </a:fontRef>
+        </p:style>
+        <p:txBody>
+          <a:bodyPr rtlCol="0" anchor="ctr"/>
+          <a:lstStyle/>
+          <a:p>
+            <a:pPr algn="ctr"/>
+            <a:endParaRPr lang="zh-CN" altLang="en-US"/>
+          </a:p>
+        </p:txBody>
+      </p:sp>
+      <p:sp>
+        <p:nvSpPr>
+          <p:cNvPr id="142" name="六边形 141">
+            <a:extLst>
+              <a:ext uri="{FF2B5EF4-FFF2-40B4-BE49-F238E27FC236}">
+                <a16:creationId xmlns:a16="http://schemas.microsoft.com/office/drawing/2014/main" id="{5402FC0B-93FE-B86E-D074-E3AB799C25BD}"/>
+              </a:ext>
+            </a:extLst>
+          </p:cNvPr>
+          <p:cNvSpPr/>
+          <p:nvPr/>
+        </p:nvSpPr>
+        <p:spPr>
+          <a:xfrm rot="5400000">
+            <a:off x="5381625" y="3953562"/>
+            <a:ext cx="571500" cy="571500"/>
+          </a:xfrm>
+          <a:prstGeom prst="hexagon">
+            <a:avLst/>
+          </a:prstGeom>
+          <a:solidFill>
+            <a:srgbClr val="00B0F0"/>
+          </a:solidFill>
+          <a:ln>
+            <a:noFill/>
+          </a:ln>
+        </p:spPr>
+        <p:style>
+          <a:lnRef idx="2">
+            <a:schemeClr val="accent1">
+              <a:shade val="15000"/>
+            </a:schemeClr>
+          </a:lnRef>
+          <a:fillRef idx="1">
+            <a:schemeClr val="accent1"/>
+          </a:fillRef>
+          <a:effectRef idx="0">
+            <a:schemeClr val="accent1"/>
+          </a:effectRef>
+          <a:fontRef idx="minor">
+            <a:schemeClr val="lt1"/>
+          </a:fontRef>
+        </p:style>
+        <p:txBody>
+          <a:bodyPr rtlCol="0" anchor="ctr"/>
+          <a:lstStyle/>
+          <a:p>
+            <a:pPr algn="ctr"/>
+            <a:endParaRPr lang="zh-CN" altLang="en-US"/>
+          </a:p>
+        </p:txBody>
+      </p:sp>
+      <p:sp>
+        <p:nvSpPr>
+          <p:cNvPr id="144" name="六边形 143">
+            <a:extLst>
+              <a:ext uri="{FF2B5EF4-FFF2-40B4-BE49-F238E27FC236}">
+                <a16:creationId xmlns:a16="http://schemas.microsoft.com/office/drawing/2014/main" id="{BCB5A141-340D-2507-42D1-0C7B9991E006}"/>
+              </a:ext>
+            </a:extLst>
+          </p:cNvPr>
+          <p:cNvSpPr/>
+          <p:nvPr/>
+        </p:nvSpPr>
+        <p:spPr>
+          <a:xfrm rot="5400000">
+            <a:off x="5953125" y="3953562"/>
+            <a:ext cx="571500" cy="571500"/>
+          </a:xfrm>
+          <a:prstGeom prst="hexagon">
+            <a:avLst/>
+          </a:prstGeom>
+          <a:solidFill>
+            <a:schemeClr val="accent5">
+              <a:lumMod val="60000"/>
+              <a:lumOff val="40000"/>
+            </a:schemeClr>
+          </a:solidFill>
+          <a:ln>
+            <a:noFill/>
+          </a:ln>
+        </p:spPr>
+        <p:style>
+          <a:lnRef idx="2">
+            <a:schemeClr val="accent1">
+              <a:shade val="15000"/>
+            </a:schemeClr>
+          </a:lnRef>
+          <a:fillRef idx="1">
+            <a:schemeClr val="accent1"/>
+          </a:fillRef>
+          <a:effectRef idx="0">
+            <a:schemeClr val="accent1"/>
+          </a:effectRef>
+          <a:fontRef idx="minor">
+            <a:schemeClr val="lt1"/>
+          </a:fontRef>
+        </p:style>
+        <p:txBody>
+          <a:bodyPr rtlCol="0" anchor="ctr"/>
+          <a:lstStyle/>
+          <a:p>
+            <a:pPr algn="ctr"/>
+            <a:endParaRPr lang="zh-CN" altLang="en-US"/>
+          </a:p>
+        </p:txBody>
+      </p:sp>
+      <p:sp>
+        <p:nvSpPr>
+          <p:cNvPr id="153" name="六边形 152">
+            <a:extLst>
+              <a:ext uri="{FF2B5EF4-FFF2-40B4-BE49-F238E27FC236}">
+                <a16:creationId xmlns:a16="http://schemas.microsoft.com/office/drawing/2014/main" id="{561E4E45-14A3-2A89-9B09-989B8B3AAFA5}"/>
+              </a:ext>
+            </a:extLst>
+          </p:cNvPr>
+          <p:cNvSpPr/>
+          <p:nvPr/>
+        </p:nvSpPr>
+        <p:spPr>
+          <a:xfrm rot="5400000">
+            <a:off x="6524625" y="3953562"/>
+            <a:ext cx="571500" cy="571500"/>
+          </a:xfrm>
+          <a:prstGeom prst="hexagon">
+            <a:avLst/>
+          </a:prstGeom>
+          <a:solidFill>
+            <a:srgbClr val="00B0F0"/>
+          </a:solidFill>
+          <a:ln>
+            <a:noFill/>
+          </a:ln>
+        </p:spPr>
+        <p:style>
+          <a:lnRef idx="2">
+            <a:schemeClr val="accent1">
+              <a:shade val="15000"/>
+            </a:schemeClr>
+          </a:lnRef>
+          <a:fillRef idx="1">
+            <a:schemeClr val="accent1"/>
+          </a:fillRef>
+          <a:effectRef idx="0">
+            <a:schemeClr val="accent1"/>
+          </a:effectRef>
+          <a:fontRef idx="minor">
+            <a:schemeClr val="lt1"/>
+          </a:fontRef>
+        </p:style>
+        <p:txBody>
+          <a:bodyPr rtlCol="0" anchor="ctr"/>
+          <a:lstStyle/>
+          <a:p>
+            <a:pPr algn="ctr"/>
+            <a:endParaRPr lang="zh-CN" altLang="en-US"/>
+          </a:p>
+        </p:txBody>
+      </p:sp>
+      <p:sp>
+        <p:nvSpPr>
+          <p:cNvPr id="154" name="六边形 153">
+            <a:extLst>
+              <a:ext uri="{FF2B5EF4-FFF2-40B4-BE49-F238E27FC236}">
+                <a16:creationId xmlns:a16="http://schemas.microsoft.com/office/drawing/2014/main" id="{FA7C620C-82BA-B92B-0A1B-6EFC3F982637}"/>
+              </a:ext>
+            </a:extLst>
+          </p:cNvPr>
+          <p:cNvSpPr/>
+          <p:nvPr/>
+        </p:nvSpPr>
+        <p:spPr>
+          <a:xfrm rot="5400000">
+            <a:off x="7096125" y="3953562"/>
+            <a:ext cx="571500" cy="571500"/>
+          </a:xfrm>
+          <a:prstGeom prst="hexagon">
+            <a:avLst/>
+          </a:prstGeom>
+          <a:solidFill>
+            <a:schemeClr val="accent5">
+              <a:lumMod val="60000"/>
+              <a:lumOff val="40000"/>
+            </a:schemeClr>
+          </a:solidFill>
+          <a:ln>
+            <a:noFill/>
+          </a:ln>
+        </p:spPr>
+        <p:style>
+          <a:lnRef idx="2">
+            <a:schemeClr val="accent1">
+              <a:shade val="15000"/>
+            </a:schemeClr>
+          </a:lnRef>
+          <a:fillRef idx="1">
+            <a:schemeClr val="accent1"/>
+          </a:fillRef>
+          <a:effectRef idx="0">
+            <a:schemeClr val="accent1"/>
+          </a:effectRef>
+          <a:fontRef idx="minor">
+            <a:schemeClr val="lt1"/>
+          </a:fontRef>
+        </p:style>
+        <p:txBody>
+          <a:bodyPr rtlCol="0" anchor="ctr"/>
+          <a:lstStyle/>
+          <a:p>
+            <a:pPr algn="ctr"/>
+            <a:endParaRPr lang="zh-CN" altLang="en-US"/>
+          </a:p>
+        </p:txBody>
+      </p:sp>
+      <p:sp>
+        <p:nvSpPr>
+          <p:cNvPr id="164" name="六边形 163">
+            <a:extLst>
+              <a:ext uri="{FF2B5EF4-FFF2-40B4-BE49-F238E27FC236}">
+                <a16:creationId xmlns:a16="http://schemas.microsoft.com/office/drawing/2014/main" id="{4A885FB1-9F23-7A63-06C9-794E9E40F3C4}"/>
+              </a:ext>
+            </a:extLst>
+          </p:cNvPr>
+          <p:cNvSpPr/>
+          <p:nvPr/>
+        </p:nvSpPr>
+        <p:spPr>
+          <a:xfrm rot="5400000">
+            <a:off x="7667625" y="3953562"/>
+            <a:ext cx="571500" cy="571500"/>
+          </a:xfrm>
+          <a:prstGeom prst="hexagon">
+            <a:avLst/>
+          </a:prstGeom>
+          <a:solidFill>
+            <a:srgbClr val="00B0F0"/>
+          </a:solidFill>
+          <a:ln>
+            <a:noFill/>
+          </a:ln>
+        </p:spPr>
+        <p:style>
+          <a:lnRef idx="2">
+            <a:schemeClr val="accent1">
+              <a:shade val="15000"/>
+            </a:schemeClr>
+          </a:lnRef>
+          <a:fillRef idx="1">
+            <a:schemeClr val="accent1"/>
+          </a:fillRef>
+          <a:effectRef idx="0">
+            <a:schemeClr val="accent1"/>
+          </a:effectRef>
+          <a:fontRef idx="minor">
+            <a:schemeClr val="lt1"/>
+          </a:fontRef>
+        </p:style>
+        <p:txBody>
+          <a:bodyPr rtlCol="0" anchor="ctr"/>
+          <a:lstStyle/>
+          <a:p>
+            <a:pPr algn="ctr"/>
+            <a:endParaRPr lang="zh-CN" altLang="en-US"/>
+          </a:p>
+        </p:txBody>
+      </p:sp>
+      <p:sp>
+        <p:nvSpPr>
+          <p:cNvPr id="166" name="六边形 165">
+            <a:extLst>
+              <a:ext uri="{FF2B5EF4-FFF2-40B4-BE49-F238E27FC236}">
+                <a16:creationId xmlns:a16="http://schemas.microsoft.com/office/drawing/2014/main" id="{C54ED91C-5DBD-608A-8FCA-EF5498334CE2}"/>
+              </a:ext>
+            </a:extLst>
+          </p:cNvPr>
+          <p:cNvSpPr/>
+          <p:nvPr/>
+        </p:nvSpPr>
+        <p:spPr>
+          <a:xfrm rot="5400000">
+            <a:off x="8239125" y="3953562"/>
+            <a:ext cx="571500" cy="571500"/>
+          </a:xfrm>
+          <a:prstGeom prst="hexagon">
+            <a:avLst/>
+          </a:prstGeom>
+          <a:solidFill>
+            <a:schemeClr val="accent5">
+              <a:lumMod val="60000"/>
+              <a:lumOff val="40000"/>
+            </a:schemeClr>
+          </a:solidFill>
+          <a:ln>
+            <a:noFill/>
+          </a:ln>
+        </p:spPr>
+        <p:style>
+          <a:lnRef idx="2">
+            <a:schemeClr val="accent1">
+              <a:shade val="15000"/>
+            </a:schemeClr>
+          </a:lnRef>
+          <a:fillRef idx="1">
+            <a:schemeClr val="accent1"/>
+          </a:fillRef>
+          <a:effectRef idx="0">
+            <a:schemeClr val="accent1"/>
+          </a:effectRef>
+          <a:fontRef idx="minor">
+            <a:schemeClr val="lt1"/>
+          </a:fontRef>
+        </p:style>
+        <p:txBody>
+          <a:bodyPr rtlCol="0" anchor="ctr"/>
+          <a:lstStyle/>
+          <a:p>
+            <a:pPr algn="ctr"/>
+            <a:endParaRPr lang="zh-CN" altLang="en-US"/>
+          </a:p>
+        </p:txBody>
+      </p:sp>
+    </p:spTree>
+    <p:extLst>
+      <p:ext uri="{BB962C8B-B14F-4D97-AF65-F5344CB8AC3E}">
+        <p14:creationId xmlns:p14="http://schemas.microsoft.com/office/powerpoint/2010/main" val="503840829"/>
+      </p:ext>
+    </p:extLst>
+  </p:cSld>
+  <p:clrMapOvr>
+    <a:masterClrMapping/>
+  </p:clrMapOvr>
+</p:sld>
+</file>
+
+<file path=ppt/slides/slide6.xml><?xml version="1.0" encoding="utf-8"?>
 <p:sld xmlns:a="http://schemas.openxmlformats.org/drawingml/2006/main" xmlns:r="http://schemas.openxmlformats.org/officeDocument/2006/relationships" xmlns:p="http://schemas.openxmlformats.org/presentationml/2006/main">
   <p:cSld>
     <p:spTree>

--- a/Resources/Canvas.pptx
+++ b/Resources/Canvas.pptx
@@ -9190,142 +9190,6 @@
           </a:p>
         </p:txBody>
       </p:sp>
-      <p:sp>
-        <p:nvSpPr>
-          <p:cNvPr id="67" name="矩形 66">
-            <a:extLst>
-              <a:ext uri="{FF2B5EF4-FFF2-40B4-BE49-F238E27FC236}">
-                <a16:creationId xmlns:a16="http://schemas.microsoft.com/office/drawing/2014/main" id="{605B3215-F0AC-95FB-A7ED-0EC8AAA1B325}"/>
-              </a:ext>
-            </a:extLst>
-          </p:cNvPr>
-          <p:cNvSpPr/>
-          <p:nvPr/>
-        </p:nvSpPr>
-        <p:spPr>
-          <a:xfrm>
-            <a:off x="2286000" y="5810249"/>
-            <a:ext cx="1143000" cy="428625"/>
-          </a:xfrm>
-          <a:prstGeom prst="rect">
-            <a:avLst/>
-          </a:prstGeom>
-          <a:solidFill>
-            <a:srgbClr val="AB7BC3"/>
-          </a:solidFill>
-          <a:ln>
-            <a:noFill/>
-          </a:ln>
-        </p:spPr>
-        <p:style>
-          <a:lnRef idx="2">
-            <a:schemeClr val="accent1">
-              <a:shade val="15000"/>
-            </a:schemeClr>
-          </a:lnRef>
-          <a:fillRef idx="1">
-            <a:schemeClr val="accent1"/>
-          </a:fillRef>
-          <a:effectRef idx="0">
-            <a:schemeClr val="accent1"/>
-          </a:effectRef>
-          <a:fontRef idx="minor">
-            <a:schemeClr val="lt1"/>
-          </a:fontRef>
-        </p:style>
-        <p:txBody>
-          <a:bodyPr rtlCol="0" anchor="ctr"/>
-          <a:lstStyle/>
-          <a:p>
-            <a:r>
-              <a:rPr lang="zh-CN" altLang="en-US" b="1" spc="50" dirty="0">
-                <a:ln w="0"/>
-                <a:solidFill>
-                  <a:schemeClr val="bg1"/>
-                </a:solidFill>
-                <a:effectLst>
-                  <a:innerShdw blurRad="63500" dist="50800" dir="13500000">
-                    <a:srgbClr val="000000">
-                      <a:alpha val="50000"/>
-                    </a:srgbClr>
-                  </a:innerShdw>
-                </a:effectLst>
-                <a:latin typeface="钉钉进步体" panose="00020600040101010101" pitchFamily="18" charset="-122"/>
-                <a:ea typeface="钉钉进步体" panose="00020600040101010101" pitchFamily="18" charset="-122"/>
-              </a:rPr>
-              <a:t>升级</a:t>
-            </a:r>
-          </a:p>
-        </p:txBody>
-      </p:sp>
-      <p:sp>
-        <p:nvSpPr>
-          <p:cNvPr id="68" name="矩形 67">
-            <a:extLst>
-              <a:ext uri="{FF2B5EF4-FFF2-40B4-BE49-F238E27FC236}">
-                <a16:creationId xmlns:a16="http://schemas.microsoft.com/office/drawing/2014/main" id="{17205401-3A9A-F686-5C93-2B37B5C3A8DD}"/>
-              </a:ext>
-            </a:extLst>
-          </p:cNvPr>
-          <p:cNvSpPr/>
-          <p:nvPr/>
-        </p:nvSpPr>
-        <p:spPr>
-          <a:xfrm>
-            <a:off x="2286000" y="6334124"/>
-            <a:ext cx="1143000" cy="428625"/>
-          </a:xfrm>
-          <a:prstGeom prst="rect">
-            <a:avLst/>
-          </a:prstGeom>
-          <a:solidFill>
-            <a:srgbClr val="864AA4"/>
-          </a:solidFill>
-          <a:ln>
-            <a:noFill/>
-          </a:ln>
-        </p:spPr>
-        <p:style>
-          <a:lnRef idx="2">
-            <a:schemeClr val="accent1">
-              <a:shade val="15000"/>
-            </a:schemeClr>
-          </a:lnRef>
-          <a:fillRef idx="1">
-            <a:schemeClr val="accent1"/>
-          </a:fillRef>
-          <a:effectRef idx="0">
-            <a:schemeClr val="accent1"/>
-          </a:effectRef>
-          <a:fontRef idx="minor">
-            <a:schemeClr val="lt1"/>
-          </a:fontRef>
-        </p:style>
-        <p:txBody>
-          <a:bodyPr rtlCol="0" anchor="ctr"/>
-          <a:lstStyle/>
-          <a:p>
-            <a:r>
-              <a:rPr lang="zh-CN" altLang="en-US" b="1" spc="50" dirty="0">
-                <a:ln w="0"/>
-                <a:solidFill>
-                  <a:schemeClr val="bg1"/>
-                </a:solidFill>
-                <a:effectLst>
-                  <a:innerShdw blurRad="63500" dist="50800" dir="13500000">
-                    <a:srgbClr val="000000">
-                      <a:alpha val="50000"/>
-                    </a:srgbClr>
-                  </a:innerShdw>
-                </a:effectLst>
-                <a:latin typeface="钉钉进步体" panose="00020600040101010101" pitchFamily="18" charset="-122"/>
-                <a:ea typeface="钉钉进步体" panose="00020600040101010101" pitchFamily="18" charset="-122"/>
-              </a:rPr>
-              <a:t>刷新</a:t>
-            </a:r>
-          </a:p>
-        </p:txBody>
-      </p:sp>
       <p:pic>
         <p:nvPicPr>
           <p:cNvPr id="206" name="图形 205" descr="硬币 纯色填充">
@@ -9358,84 +9222,6 @@
         <p:spPr>
           <a:xfrm>
             <a:off x="9427752" y="5463665"/>
-            <a:ext cx="290829" cy="290829"/>
-          </a:xfrm>
-          <a:prstGeom prst="rect">
-            <a:avLst/>
-          </a:prstGeom>
-        </p:spPr>
-      </p:pic>
-      <p:pic>
-        <p:nvPicPr>
-          <p:cNvPr id="18" name="图形 17" descr="硬币 纯色填充">
-            <a:extLst>
-              <a:ext uri="{FF2B5EF4-FFF2-40B4-BE49-F238E27FC236}">
-                <a16:creationId xmlns:a16="http://schemas.microsoft.com/office/drawing/2014/main" id="{BE9262D7-2AFD-950A-B995-EA6A61976D88}"/>
-              </a:ext>
-            </a:extLst>
-          </p:cNvPr>
-          <p:cNvPicPr>
-            <a:picLocks noChangeAspect="1"/>
-          </p:cNvPicPr>
-          <p:nvPr/>
-        </p:nvPicPr>
-        <p:blipFill>
-          <a:blip r:embed="rId3">
-            <a:extLst>
-              <a:ext uri="{28A0092B-C50C-407E-A947-70E740481C1C}">
-                <a14:useLocalDpi xmlns:a14="http://schemas.microsoft.com/office/drawing/2010/main" val="0"/>
-              </a:ext>
-              <a:ext uri="{96DAC541-7B7A-43D3-8B79-37D633B846F1}">
-                <asvg:svgBlip xmlns:asvg="http://schemas.microsoft.com/office/drawing/2016/SVG/main" r:embed="rId4"/>
-              </a:ext>
-            </a:extLst>
-          </a:blip>
-          <a:stretch>
-            <a:fillRect/>
-          </a:stretch>
-        </p:blipFill>
-        <p:spPr>
-          <a:xfrm>
-            <a:off x="3106521" y="5880364"/>
-            <a:ext cx="290829" cy="290829"/>
-          </a:xfrm>
-          <a:prstGeom prst="rect">
-            <a:avLst/>
-          </a:prstGeom>
-        </p:spPr>
-      </p:pic>
-      <p:pic>
-        <p:nvPicPr>
-          <p:cNvPr id="21" name="图形 20" descr="硬币 纯色填充">
-            <a:extLst>
-              <a:ext uri="{FF2B5EF4-FFF2-40B4-BE49-F238E27FC236}">
-                <a16:creationId xmlns:a16="http://schemas.microsoft.com/office/drawing/2014/main" id="{3B68070B-D22B-439E-6251-B5C25E3546C9}"/>
-              </a:ext>
-            </a:extLst>
-          </p:cNvPr>
-          <p:cNvPicPr>
-            <a:picLocks noChangeAspect="1"/>
-          </p:cNvPicPr>
-          <p:nvPr/>
-        </p:nvPicPr>
-        <p:blipFill>
-          <a:blip r:embed="rId3">
-            <a:extLst>
-              <a:ext uri="{28A0092B-C50C-407E-A947-70E740481C1C}">
-                <a14:useLocalDpi xmlns:a14="http://schemas.microsoft.com/office/drawing/2010/main" val="0"/>
-              </a:ext>
-              <a:ext uri="{96DAC541-7B7A-43D3-8B79-37D633B846F1}">
-                <asvg:svgBlip xmlns:asvg="http://schemas.microsoft.com/office/drawing/2016/SVG/main" r:embed="rId4"/>
-              </a:ext>
-            </a:extLst>
-          </a:blip>
-          <a:stretch>
-            <a:fillRect/>
-          </a:stretch>
-        </p:blipFill>
-        <p:spPr>
-          <a:xfrm>
-            <a:off x="3106521" y="6403021"/>
             <a:ext cx="290829" cy="290829"/>
           </a:xfrm>
           <a:prstGeom prst="rect">
@@ -9947,6 +9733,220 @@
           </a:p>
         </p:txBody>
       </p:sp>
+      <p:sp>
+        <p:nvSpPr>
+          <p:cNvPr id="3" name="矩形 2">
+            <a:extLst>
+              <a:ext uri="{FF2B5EF4-FFF2-40B4-BE49-F238E27FC236}">
+                <a16:creationId xmlns:a16="http://schemas.microsoft.com/office/drawing/2014/main" id="{41B7EDF9-6BF0-4F5A-3601-0EB3964C14C2}"/>
+              </a:ext>
+            </a:extLst>
+          </p:cNvPr>
+          <p:cNvSpPr/>
+          <p:nvPr/>
+        </p:nvSpPr>
+        <p:spPr>
+          <a:xfrm>
+            <a:off x="-1283222" y="5810249"/>
+            <a:ext cx="1143000" cy="428625"/>
+          </a:xfrm>
+          <a:prstGeom prst="rect">
+            <a:avLst/>
+          </a:prstGeom>
+          <a:solidFill>
+            <a:srgbClr val="AB7BC3"/>
+          </a:solidFill>
+          <a:ln>
+            <a:noFill/>
+          </a:ln>
+        </p:spPr>
+        <p:style>
+          <a:lnRef idx="2">
+            <a:schemeClr val="accent1">
+              <a:shade val="15000"/>
+            </a:schemeClr>
+          </a:lnRef>
+          <a:fillRef idx="1">
+            <a:schemeClr val="accent1"/>
+          </a:fillRef>
+          <a:effectRef idx="0">
+            <a:schemeClr val="accent1"/>
+          </a:effectRef>
+          <a:fontRef idx="minor">
+            <a:schemeClr val="lt1"/>
+          </a:fontRef>
+        </p:style>
+        <p:txBody>
+          <a:bodyPr rtlCol="0" anchor="ctr"/>
+          <a:lstStyle/>
+          <a:p>
+            <a:r>
+              <a:rPr lang="zh-CN" altLang="en-US" b="1" spc="50" dirty="0">
+                <a:ln w="0"/>
+                <a:solidFill>
+                  <a:schemeClr val="bg1"/>
+                </a:solidFill>
+                <a:effectLst>
+                  <a:innerShdw blurRad="63500" dist="50800" dir="13500000">
+                    <a:srgbClr val="000000">
+                      <a:alpha val="50000"/>
+                    </a:srgbClr>
+                  </a:innerShdw>
+                </a:effectLst>
+                <a:latin typeface="钉钉进步体" panose="00020600040101010101" pitchFamily="18" charset="-122"/>
+                <a:ea typeface="钉钉进步体" panose="00020600040101010101" pitchFamily="18" charset="-122"/>
+              </a:rPr>
+              <a:t>升级</a:t>
+            </a:r>
+          </a:p>
+        </p:txBody>
+      </p:sp>
+      <p:sp>
+        <p:nvSpPr>
+          <p:cNvPr id="10" name="矩形 9">
+            <a:extLst>
+              <a:ext uri="{FF2B5EF4-FFF2-40B4-BE49-F238E27FC236}">
+                <a16:creationId xmlns:a16="http://schemas.microsoft.com/office/drawing/2014/main" id="{CA7EDF3F-E73A-E55F-6557-B327D2BBC1AA}"/>
+              </a:ext>
+            </a:extLst>
+          </p:cNvPr>
+          <p:cNvSpPr/>
+          <p:nvPr/>
+        </p:nvSpPr>
+        <p:spPr>
+          <a:xfrm>
+            <a:off x="-1283222" y="6334124"/>
+            <a:ext cx="1143000" cy="428625"/>
+          </a:xfrm>
+          <a:prstGeom prst="rect">
+            <a:avLst/>
+          </a:prstGeom>
+          <a:solidFill>
+            <a:srgbClr val="864AA4"/>
+          </a:solidFill>
+          <a:ln>
+            <a:noFill/>
+          </a:ln>
+        </p:spPr>
+        <p:style>
+          <a:lnRef idx="2">
+            <a:schemeClr val="accent1">
+              <a:shade val="15000"/>
+            </a:schemeClr>
+          </a:lnRef>
+          <a:fillRef idx="1">
+            <a:schemeClr val="accent1"/>
+          </a:fillRef>
+          <a:effectRef idx="0">
+            <a:schemeClr val="accent1"/>
+          </a:effectRef>
+          <a:fontRef idx="minor">
+            <a:schemeClr val="lt1"/>
+          </a:fontRef>
+        </p:style>
+        <p:txBody>
+          <a:bodyPr rtlCol="0" anchor="ctr"/>
+          <a:lstStyle/>
+          <a:p>
+            <a:r>
+              <a:rPr lang="zh-CN" altLang="en-US" b="1" spc="50" dirty="0">
+                <a:ln w="0"/>
+                <a:solidFill>
+                  <a:schemeClr val="bg1"/>
+                </a:solidFill>
+                <a:effectLst>
+                  <a:innerShdw blurRad="63500" dist="50800" dir="13500000">
+                    <a:srgbClr val="000000">
+                      <a:alpha val="50000"/>
+                    </a:srgbClr>
+                  </a:innerShdw>
+                </a:effectLst>
+                <a:latin typeface="钉钉进步体" panose="00020600040101010101" pitchFamily="18" charset="-122"/>
+                <a:ea typeface="钉钉进步体" panose="00020600040101010101" pitchFamily="18" charset="-122"/>
+              </a:rPr>
+              <a:t>刷新</a:t>
+            </a:r>
+          </a:p>
+        </p:txBody>
+      </p:sp>
+      <p:pic>
+        <p:nvPicPr>
+          <p:cNvPr id="11" name="图形 10" descr="硬币 纯色填充">
+            <a:extLst>
+              <a:ext uri="{FF2B5EF4-FFF2-40B4-BE49-F238E27FC236}">
+                <a16:creationId xmlns:a16="http://schemas.microsoft.com/office/drawing/2014/main" id="{7565DD23-B923-9B2F-8262-E4C2DC59743C}"/>
+              </a:ext>
+            </a:extLst>
+          </p:cNvPr>
+          <p:cNvPicPr>
+            <a:picLocks noChangeAspect="1"/>
+          </p:cNvPicPr>
+          <p:nvPr/>
+        </p:nvPicPr>
+        <p:blipFill>
+          <a:blip r:embed="rId3">
+            <a:extLst>
+              <a:ext uri="{28A0092B-C50C-407E-A947-70E740481C1C}">
+                <a14:useLocalDpi xmlns:a14="http://schemas.microsoft.com/office/drawing/2010/main" val="0"/>
+              </a:ext>
+              <a:ext uri="{96DAC541-7B7A-43D3-8B79-37D633B846F1}">
+                <asvg:svgBlip xmlns:asvg="http://schemas.microsoft.com/office/drawing/2016/SVG/main" r:embed="rId4"/>
+              </a:ext>
+            </a:extLst>
+          </a:blip>
+          <a:stretch>
+            <a:fillRect/>
+          </a:stretch>
+        </p:blipFill>
+        <p:spPr>
+          <a:xfrm>
+            <a:off x="-462701" y="5880364"/>
+            <a:ext cx="290829" cy="290829"/>
+          </a:xfrm>
+          <a:prstGeom prst="rect">
+            <a:avLst/>
+          </a:prstGeom>
+        </p:spPr>
+      </p:pic>
+      <p:pic>
+        <p:nvPicPr>
+          <p:cNvPr id="12" name="图形 11" descr="硬币 纯色填充">
+            <a:extLst>
+              <a:ext uri="{FF2B5EF4-FFF2-40B4-BE49-F238E27FC236}">
+                <a16:creationId xmlns:a16="http://schemas.microsoft.com/office/drawing/2014/main" id="{BEDDAB9F-6C44-C8DA-3A57-8BC841E24C2D}"/>
+              </a:ext>
+            </a:extLst>
+          </p:cNvPr>
+          <p:cNvPicPr>
+            <a:picLocks noChangeAspect="1"/>
+          </p:cNvPicPr>
+          <p:nvPr/>
+        </p:nvPicPr>
+        <p:blipFill>
+          <a:blip r:embed="rId3">
+            <a:extLst>
+              <a:ext uri="{28A0092B-C50C-407E-A947-70E740481C1C}">
+                <a14:useLocalDpi xmlns:a14="http://schemas.microsoft.com/office/drawing/2010/main" val="0"/>
+              </a:ext>
+              <a:ext uri="{96DAC541-7B7A-43D3-8B79-37D633B846F1}">
+                <asvg:svgBlip xmlns:asvg="http://schemas.microsoft.com/office/drawing/2016/SVG/main" r:embed="rId4"/>
+              </a:ext>
+            </a:extLst>
+          </a:blip>
+          <a:stretch>
+            <a:fillRect/>
+          </a:stretch>
+        </p:blipFill>
+        <p:spPr>
+          <a:xfrm>
+            <a:off x="-462701" y="6403021"/>
+            <a:ext cx="290829" cy="290829"/>
+          </a:xfrm>
+          <a:prstGeom prst="rect">
+            <a:avLst/>
+          </a:prstGeom>
+        </p:spPr>
+      </p:pic>
     </p:spTree>
     <p:extLst>
       <p:ext uri="{BB962C8B-B14F-4D97-AF65-F5344CB8AC3E}">
